--- a/presentations/sdc/7-SDC-Adaptive-Forms.pptx
+++ b/presentations/sdc/7-SDC-Adaptive-Forms.pptx
@@ -321,7 +321,7 @@
             <a:fld id="{1BCE7D1B-E2D6-42EC-A46F-6B8D8AB722EA}" type="datetime1">
               <a:rPr lang="en-US" altLang="en-US"/>
               <a:pPr/>
-              <a:t>1/12/2025</a:t>
+              <a:t>1/13/2025</a:t>
             </a:fld>
             <a:endParaRPr lang="en-US" altLang="en-US"/>
           </a:p>
@@ -552,7 +552,7 @@
             <a:fld id="{60D4D74E-7671-46E5-9A5B-14F31A4C0D2E}" type="datetime1">
               <a:rPr lang="en-US" altLang="en-US"/>
               <a:pPr/>
-              <a:t>1/12/2025</a:t>
+              <a:t>1/13/2025</a:t>
             </a:fld>
             <a:endParaRPr lang="en-US" altLang="en-US"/>
           </a:p>
@@ -5002,7 +5002,7 @@
           <a:p>
             <a:fld id="{D83995C2-806B-4997-8C0A-E780F2B14CC7}" type="datetimeFigureOut">
               <a:rPr lang="en-US" smtClean="0"/>
-              <a:t>1/12/2025</a:t>
+              <a:t>1/13/2025</a:t>
             </a:fld>
             <a:endParaRPr lang="en-US"/>
           </a:p>
@@ -14803,8 +14803,8 @@
         </p:nvSpPr>
         <p:spPr>
           <a:xfrm>
-            <a:off x="5075339" y="1357310"/>
-            <a:ext cx="3540155" cy="1922785"/>
+            <a:off x="5075339" y="1206308"/>
+            <a:ext cx="3540155" cy="2140899"/>
           </a:xfrm>
           <a:prstGeom prst="rect">
             <a:avLst/>
@@ -14828,7 +14828,17 @@
           <a:bodyPr rtlCol="0" anchor="t"/>
           <a:lstStyle/>
           <a:p>
-            <a:endParaRPr lang="en-US" dirty="0">
+            <a:r>
+              <a:rPr lang="en-US" dirty="0">
+                <a:solidFill>
+                  <a:schemeClr val="tx1"/>
+                </a:solidFill>
+              </a:rPr>
+              <a:t>QuestionnaireResponse</a:t>
+            </a:r>
+          </a:p>
+          <a:p>
+            <a:endParaRPr lang="en-CA" dirty="0">
               <a:solidFill>
                 <a:schemeClr val="tx1"/>
               </a:solidFill>
@@ -14888,7 +14898,7 @@
         </p:nvSpPr>
         <p:spPr>
           <a:xfrm>
-            <a:off x="5227739" y="1509711"/>
+            <a:off x="5185794" y="1593601"/>
             <a:ext cx="3301899" cy="1062040"/>
           </a:xfrm>
           <a:prstGeom prst="rect">
@@ -14925,7 +14935,7 @@
                   <a:schemeClr val="tx1"/>
                 </a:solidFill>
               </a:rPr>
-              <a:t>QuestionnaireResponse</a:t>
+              <a:t>Questionnaire</a:t>
             </a:r>
           </a:p>
           <a:p>

--- a/presentations/sdc/7-SDC-Adaptive-Forms.pptx
+++ b/presentations/sdc/7-SDC-Adaptive-Forms.pptx
@@ -2,34 +2,34 @@
 <file path=ppt/presentation.xml><?xml version="1.0" encoding="utf-8"?>
 <p:presentation xmlns:a="http://schemas.openxmlformats.org/drawingml/2006/main" xmlns:r="http://schemas.openxmlformats.org/officeDocument/2006/relationships" xmlns:p="http://schemas.openxmlformats.org/presentationml/2006/main" saveSubsetFonts="1" autoCompressPictures="0">
   <p:sldMasterIdLst>
-    <p:sldMasterId id="2147483648" r:id="rId1"/>
+    <p:sldMasterId id="2147483648" r:id="rId4"/>
   </p:sldMasterIdLst>
   <p:notesMasterIdLst>
-    <p:notesMasterId r:id="rId21"/>
+    <p:notesMasterId r:id="rId24"/>
   </p:notesMasterIdLst>
   <p:handoutMasterIdLst>
-    <p:handoutMasterId r:id="rId22"/>
+    <p:handoutMasterId r:id="rId25"/>
   </p:handoutMasterIdLst>
   <p:sldIdLst>
-    <p:sldId id="672" r:id="rId2"/>
-    <p:sldId id="690" r:id="rId3"/>
-    <p:sldId id="665" r:id="rId4"/>
-    <p:sldId id="680" r:id="rId5"/>
-    <p:sldId id="758" r:id="rId6"/>
-    <p:sldId id="313" r:id="rId7"/>
-    <p:sldId id="4817" r:id="rId8"/>
-    <p:sldId id="312" r:id="rId9"/>
-    <p:sldId id="4906" r:id="rId10"/>
-    <p:sldId id="4907" r:id="rId11"/>
-    <p:sldId id="4908" r:id="rId12"/>
-    <p:sldId id="4909" r:id="rId13"/>
-    <p:sldId id="4910" r:id="rId14"/>
-    <p:sldId id="4911" r:id="rId15"/>
-    <p:sldId id="4912" r:id="rId16"/>
-    <p:sldId id="4861" r:id="rId17"/>
-    <p:sldId id="4802" r:id="rId18"/>
-    <p:sldId id="4913" r:id="rId19"/>
-    <p:sldId id="759" r:id="rId20"/>
+    <p:sldId id="4914" r:id="rId5"/>
+    <p:sldId id="690" r:id="rId6"/>
+    <p:sldId id="665" r:id="rId7"/>
+    <p:sldId id="680" r:id="rId8"/>
+    <p:sldId id="758" r:id="rId9"/>
+    <p:sldId id="313" r:id="rId10"/>
+    <p:sldId id="4817" r:id="rId11"/>
+    <p:sldId id="312" r:id="rId12"/>
+    <p:sldId id="4906" r:id="rId13"/>
+    <p:sldId id="4907" r:id="rId14"/>
+    <p:sldId id="4908" r:id="rId15"/>
+    <p:sldId id="4909" r:id="rId16"/>
+    <p:sldId id="4910" r:id="rId17"/>
+    <p:sldId id="4911" r:id="rId18"/>
+    <p:sldId id="4912" r:id="rId19"/>
+    <p:sldId id="4861" r:id="rId20"/>
+    <p:sldId id="4802" r:id="rId21"/>
+    <p:sldId id="4913" r:id="rId22"/>
+    <p:sldId id="759" r:id="rId23"/>
   </p:sldIdLst>
   <p:sldSz cx="9144000" cy="5143500" type="screen16x9"/>
   <p:notesSz cx="6858000" cy="9144000"/>
@@ -163,7 +163,7 @@
       <p14:sectionLst xmlns:p14="http://schemas.microsoft.com/office/powerpoint/2010/main">
         <p14:section name="Default Section" id="{A3B7BF1A-48CE-4925-8F93-96FAB591DFC7}">
           <p14:sldIdLst>
-            <p14:sldId id="672"/>
+            <p14:sldId id="4914"/>
           </p14:sldIdLst>
         </p14:section>
         <p14:section name="Expressions Introduction" id="{2A578097-FEE4-49B0-858C-B6A0014658D4}">
@@ -205,6 +205,569 @@
 </p:presentation>
 </file>
 
+<file path=ppt/authors.xml><?xml version="1.0" encoding="utf-8"?>
+<p188:authorLst xmlns:a="http://schemas.openxmlformats.org/drawingml/2006/main" xmlns:r="http://schemas.openxmlformats.org/officeDocument/2006/relationships" xmlns:p188="http://schemas.microsoft.com/office/powerpoint/2018/8/main">
+  <p188:author id="{E7F7EB04-2042-28C4-7D23-DF347712863D}" name="Forouzi, Sam" initials="SF" userId="S::sam.forouzi@ontariohealth.ca::0b6d262b-2292-43d2-8971-5e6d1ff46381" providerId="AD"/>
+</p188:authorLst>
+</file>
+
+<file path=ppt/revisionInfo.xml><?xml version="1.0" encoding="utf-8"?>
+<p1510:revInfo xmlns:a="http://schemas.openxmlformats.org/drawingml/2006/main" xmlns:r="http://schemas.openxmlformats.org/officeDocument/2006/relationships" xmlns:p1510="http://schemas.microsoft.com/office/powerpoint/2015/10/main">
+  <p1510:revLst>
+    <p1510:client id="{31CB6E23-8F9B-ACA2-584E-5212D4123238}" v="14" dt="2025-02-07T18:23:15.763"/>
+    <p1510:client id="{81415E43-7AE1-88FC-722D-7BAEA6069BC6}" v="1" dt="2025-02-06T20:18:49.919"/>
+  </p1510:revLst>
+</p1510:revInfo>
+</file>
+
+<file path=ppt/changesInfos/changesInfo1.xml><?xml version="1.0" encoding="utf-8"?>
+<pc:chgInfo xmlns:a="http://schemas.openxmlformats.org/drawingml/2006/main" xmlns:r="http://schemas.openxmlformats.org/officeDocument/2006/relationships" xmlns:ac="http://schemas.microsoft.com/office/drawing/2013/main/command" xmlns:pc="http://schemas.microsoft.com/office/powerpoint/2013/main/command">
+  <pc:docChgLst>
+    <pc:chgData name="McKenzie, Lloyd" userId="S::lloyd.mckenzie@ontariohealth.ca::4544ac19-90a7-4bc9-9dda-63119ceabc25" providerId="AD" clId="Web-{31CB6E23-8F9B-ACA2-584E-5212D4123238}"/>
+    <pc:docChg chg="addSld delSld modSld modMainMaster modSection">
+      <pc:chgData name="McKenzie, Lloyd" userId="S::lloyd.mckenzie@ontariohealth.ca::4544ac19-90a7-4bc9-9dda-63119ceabc25" providerId="AD" clId="Web-{31CB6E23-8F9B-ACA2-584E-5212D4123238}" dt="2025-02-07T18:23:15.763" v="13" actId="20577"/>
+      <pc:docMkLst>
+        <pc:docMk/>
+      </pc:docMkLst>
+      <pc:sldChg chg="modSp modCm">
+        <pc:chgData name="McKenzie, Lloyd" userId="S::lloyd.mckenzie@ontariohealth.ca::4544ac19-90a7-4bc9-9dda-63119ceabc25" providerId="AD" clId="Web-{31CB6E23-8F9B-ACA2-584E-5212D4123238}" dt="2025-02-07T16:36:28.315" v="5" actId="20577"/>
+        <pc:sldMkLst>
+          <pc:docMk/>
+          <pc:sldMk cId="3946703699" sldId="313"/>
+        </pc:sldMkLst>
+        <pc:spChg chg="mod">
+          <ac:chgData name="McKenzie, Lloyd" userId="S::lloyd.mckenzie@ontariohealth.ca::4544ac19-90a7-4bc9-9dda-63119ceabc25" providerId="AD" clId="Web-{31CB6E23-8F9B-ACA2-584E-5212D4123238}" dt="2025-02-07T16:36:28.315" v="5" actId="20577"/>
+          <ac:spMkLst>
+            <pc:docMk/>
+            <pc:sldMk cId="3946703699" sldId="313"/>
+            <ac:spMk id="3" creationId="{05BD942B-24C0-401F-A1D8-9D7B5AADF767}"/>
+          </ac:spMkLst>
+        </pc:spChg>
+        <pc:extLst>
+          <p:ext xmlns:p="http://schemas.openxmlformats.org/presentationml/2006/main" uri="{D6D511B9-2390-475A-947B-AFAB55BFBCF1}">
+            <pc226:cmChg xmlns:pc226="http://schemas.microsoft.com/office/powerpoint/2022/06/main/command" chg="mod">
+              <pc226:chgData name="McKenzie, Lloyd" userId="S::lloyd.mckenzie@ontariohealth.ca::4544ac19-90a7-4bc9-9dda-63119ceabc25" providerId="AD" clId="Web-{31CB6E23-8F9B-ACA2-584E-5212D4123238}" dt="2025-02-07T16:35:39.674" v="4" actId="20577"/>
+              <pc2:cmMkLst xmlns:pc2="http://schemas.microsoft.com/office/powerpoint/2019/9/main/command">
+                <pc:docMk/>
+                <pc:sldMk cId="3946703699" sldId="313"/>
+                <pc2:cmMk id="{1EEE0974-02BE-412B-A987-4301799DB759}"/>
+              </pc2:cmMkLst>
+            </pc226:cmChg>
+          </p:ext>
+        </pc:extLst>
+      </pc:sldChg>
+      <pc:sldChg chg="modSp">
+        <pc:chgData name="McKenzie, Lloyd" userId="S::lloyd.mckenzie@ontariohealth.ca::4544ac19-90a7-4bc9-9dda-63119ceabc25" providerId="AD" clId="Web-{31CB6E23-8F9B-ACA2-584E-5212D4123238}" dt="2025-02-07T16:53:47.979" v="7"/>
+        <pc:sldMkLst>
+          <pc:docMk/>
+          <pc:sldMk cId="655917162" sldId="665"/>
+        </pc:sldMkLst>
+        <pc:spChg chg="mod">
+          <ac:chgData name="McKenzie, Lloyd" userId="S::lloyd.mckenzie@ontariohealth.ca::4544ac19-90a7-4bc9-9dda-63119ceabc25" providerId="AD" clId="Web-{31CB6E23-8F9B-ACA2-584E-5212D4123238}" dt="2025-02-07T16:53:47.979" v="7"/>
+          <ac:spMkLst>
+            <pc:docMk/>
+            <pc:sldMk cId="655917162" sldId="665"/>
+            <ac:spMk id="11" creationId="{E5D67FA5-D1E9-4E1E-B63E-097C12003FCF}"/>
+          </ac:spMkLst>
+        </pc:spChg>
+      </pc:sldChg>
+      <pc:sldChg chg="modSp del">
+        <pc:chgData name="McKenzie, Lloyd" userId="S::lloyd.mckenzie@ontariohealth.ca::4544ac19-90a7-4bc9-9dda-63119ceabc25" providerId="AD" clId="Web-{31CB6E23-8F9B-ACA2-584E-5212D4123238}" dt="2025-02-07T18:22:36.903" v="10"/>
+        <pc:sldMkLst>
+          <pc:docMk/>
+          <pc:sldMk cId="1226924551" sldId="672"/>
+        </pc:sldMkLst>
+        <pc:spChg chg="mod">
+          <ac:chgData name="McKenzie, Lloyd" userId="S::lloyd.mckenzie@ontariohealth.ca::4544ac19-90a7-4bc9-9dda-63119ceabc25" providerId="AD" clId="Web-{31CB6E23-8F9B-ACA2-584E-5212D4123238}" dt="2025-02-07T16:53:47.979" v="7"/>
+          <ac:spMkLst>
+            <pc:docMk/>
+            <pc:sldMk cId="1226924551" sldId="672"/>
+            <ac:spMk id="2" creationId="{2DB8BFEF-A591-4AA8-9418-E34A204D637F}"/>
+          </ac:spMkLst>
+        </pc:spChg>
+        <pc:spChg chg="mod">
+          <ac:chgData name="McKenzie, Lloyd" userId="S::lloyd.mckenzie@ontariohealth.ca::4544ac19-90a7-4bc9-9dda-63119ceabc25" providerId="AD" clId="Web-{31CB6E23-8F9B-ACA2-584E-5212D4123238}" dt="2025-02-07T16:36:33.737" v="6" actId="20577"/>
+          <ac:spMkLst>
+            <pc:docMk/>
+            <pc:sldMk cId="1226924551" sldId="672"/>
+            <ac:spMk id="8" creationId="{62EAEE4D-DFDC-4EFC-B01D-4E1EAA084740}"/>
+          </ac:spMkLst>
+        </pc:spChg>
+      </pc:sldChg>
+      <pc:sldChg chg="modSp">
+        <pc:chgData name="McKenzie, Lloyd" userId="S::lloyd.mckenzie@ontariohealth.ca::4544ac19-90a7-4bc9-9dda-63119ceabc25" providerId="AD" clId="Web-{31CB6E23-8F9B-ACA2-584E-5212D4123238}" dt="2025-02-07T16:53:47.979" v="7"/>
+        <pc:sldMkLst>
+          <pc:docMk/>
+          <pc:sldMk cId="1920275464" sldId="680"/>
+        </pc:sldMkLst>
+        <pc:spChg chg="mod">
+          <ac:chgData name="McKenzie, Lloyd" userId="S::lloyd.mckenzie@ontariohealth.ca::4544ac19-90a7-4bc9-9dda-63119ceabc25" providerId="AD" clId="Web-{31CB6E23-8F9B-ACA2-584E-5212D4123238}" dt="2025-02-07T16:53:47.979" v="7"/>
+          <ac:spMkLst>
+            <pc:docMk/>
+            <pc:sldMk cId="1920275464" sldId="680"/>
+            <ac:spMk id="2" creationId="{12A36B17-60AD-40D9-B33D-C4B147E58C6F}"/>
+          </ac:spMkLst>
+        </pc:spChg>
+      </pc:sldChg>
+      <pc:sldChg chg="modSp">
+        <pc:chgData name="McKenzie, Lloyd" userId="S::lloyd.mckenzie@ontariohealth.ca::4544ac19-90a7-4bc9-9dda-63119ceabc25" providerId="AD" clId="Web-{31CB6E23-8F9B-ACA2-584E-5212D4123238}" dt="2025-02-07T16:53:47.979" v="7"/>
+        <pc:sldMkLst>
+          <pc:docMk/>
+          <pc:sldMk cId="1547336493" sldId="690"/>
+        </pc:sldMkLst>
+        <pc:spChg chg="mod">
+          <ac:chgData name="McKenzie, Lloyd" userId="S::lloyd.mckenzie@ontariohealth.ca::4544ac19-90a7-4bc9-9dda-63119ceabc25" providerId="AD" clId="Web-{31CB6E23-8F9B-ACA2-584E-5212D4123238}" dt="2025-02-07T16:53:47.979" v="7"/>
+          <ac:spMkLst>
+            <pc:docMk/>
+            <pc:sldMk cId="1547336493" sldId="690"/>
+            <ac:spMk id="6" creationId="{6800A3FA-C98F-470C-B249-AC7AFCD5482D}"/>
+          </ac:spMkLst>
+        </pc:spChg>
+      </pc:sldChg>
+      <pc:sldChg chg="modSp">
+        <pc:chgData name="McKenzie, Lloyd" userId="S::lloyd.mckenzie@ontariohealth.ca::4544ac19-90a7-4bc9-9dda-63119ceabc25" providerId="AD" clId="Web-{31CB6E23-8F9B-ACA2-584E-5212D4123238}" dt="2025-02-07T18:23:15.763" v="13" actId="20577"/>
+        <pc:sldMkLst>
+          <pc:docMk/>
+          <pc:sldMk cId="1068210073" sldId="758"/>
+        </pc:sldMkLst>
+        <pc:spChg chg="mod">
+          <ac:chgData name="McKenzie, Lloyd" userId="S::lloyd.mckenzie@ontariohealth.ca::4544ac19-90a7-4bc9-9dda-63119ceabc25" providerId="AD" clId="Web-{31CB6E23-8F9B-ACA2-584E-5212D4123238}" dt="2025-02-07T18:23:15.763" v="13" actId="20577"/>
+          <ac:spMkLst>
+            <pc:docMk/>
+            <pc:sldMk cId="1068210073" sldId="758"/>
+            <ac:spMk id="3" creationId="{265F06E4-AA8E-0233-8B95-FA7FA4341F19}"/>
+          </ac:spMkLst>
+        </pc:spChg>
+        <pc:spChg chg="mod">
+          <ac:chgData name="McKenzie, Lloyd" userId="S::lloyd.mckenzie@ontariohealth.ca::4544ac19-90a7-4bc9-9dda-63119ceabc25" providerId="AD" clId="Web-{31CB6E23-8F9B-ACA2-584E-5212D4123238}" dt="2025-02-07T16:53:47.979" v="7"/>
+          <ac:spMkLst>
+            <pc:docMk/>
+            <pc:sldMk cId="1068210073" sldId="758"/>
+            <ac:spMk id="4" creationId="{E203CAF6-E711-E44D-32E7-0E369101B9FF}"/>
+          </ac:spMkLst>
+        </pc:spChg>
+      </pc:sldChg>
+      <pc:sldChg chg="modSp">
+        <pc:chgData name="McKenzie, Lloyd" userId="S::lloyd.mckenzie@ontariohealth.ca::4544ac19-90a7-4bc9-9dda-63119ceabc25" providerId="AD" clId="Web-{31CB6E23-8F9B-ACA2-584E-5212D4123238}" dt="2025-02-07T16:53:47.979" v="7"/>
+        <pc:sldMkLst>
+          <pc:docMk/>
+          <pc:sldMk cId="2805408624" sldId="4802"/>
+        </pc:sldMkLst>
+        <pc:spChg chg="mod">
+          <ac:chgData name="McKenzie, Lloyd" userId="S::lloyd.mckenzie@ontariohealth.ca::4544ac19-90a7-4bc9-9dda-63119ceabc25" providerId="AD" clId="Web-{31CB6E23-8F9B-ACA2-584E-5212D4123238}" dt="2025-02-07T16:53:47.979" v="7"/>
+          <ac:spMkLst>
+            <pc:docMk/>
+            <pc:sldMk cId="2805408624" sldId="4802"/>
+            <ac:spMk id="4" creationId="{146EE1AE-A93F-AB55-8489-EA018C625A48}"/>
+          </ac:spMkLst>
+        </pc:spChg>
+      </pc:sldChg>
+      <pc:sldChg chg="modSp">
+        <pc:chgData name="McKenzie, Lloyd" userId="S::lloyd.mckenzie@ontariohealth.ca::4544ac19-90a7-4bc9-9dda-63119ceabc25" providerId="AD" clId="Web-{31CB6E23-8F9B-ACA2-584E-5212D4123238}" dt="2025-02-07T16:53:47.979" v="7"/>
+        <pc:sldMkLst>
+          <pc:docMk/>
+          <pc:sldMk cId="2725813447" sldId="4817"/>
+        </pc:sldMkLst>
+        <pc:spChg chg="mod">
+          <ac:chgData name="McKenzie, Lloyd" userId="S::lloyd.mckenzie@ontariohealth.ca::4544ac19-90a7-4bc9-9dda-63119ceabc25" providerId="AD" clId="Web-{31CB6E23-8F9B-ACA2-584E-5212D4123238}" dt="2025-02-07T16:53:47.979" v="7"/>
+          <ac:spMkLst>
+            <pc:docMk/>
+            <pc:sldMk cId="2725813447" sldId="4817"/>
+            <ac:spMk id="3" creationId="{D8136FED-0229-CDD8-8100-DABD768C7D44}"/>
+          </ac:spMkLst>
+        </pc:spChg>
+      </pc:sldChg>
+      <pc:sldChg chg="modSp">
+        <pc:chgData name="McKenzie, Lloyd" userId="S::lloyd.mckenzie@ontariohealth.ca::4544ac19-90a7-4bc9-9dda-63119ceabc25" providerId="AD" clId="Web-{31CB6E23-8F9B-ACA2-584E-5212D4123238}" dt="2025-02-07T16:53:47.979" v="7"/>
+        <pc:sldMkLst>
+          <pc:docMk/>
+          <pc:sldMk cId="3762182957" sldId="4861"/>
+        </pc:sldMkLst>
+        <pc:spChg chg="mod">
+          <ac:chgData name="McKenzie, Lloyd" userId="S::lloyd.mckenzie@ontariohealth.ca::4544ac19-90a7-4bc9-9dda-63119ceabc25" providerId="AD" clId="Web-{31CB6E23-8F9B-ACA2-584E-5212D4123238}" dt="2025-02-07T16:53:47.979" v="7"/>
+          <ac:spMkLst>
+            <pc:docMk/>
+            <pc:sldMk cId="3762182957" sldId="4861"/>
+            <ac:spMk id="3" creationId="{0D997C32-2ED6-21A0-8EFE-3094FB53FA96}"/>
+          </ac:spMkLst>
+        </pc:spChg>
+      </pc:sldChg>
+      <pc:sldChg chg="modSp">
+        <pc:chgData name="McKenzie, Lloyd" userId="S::lloyd.mckenzie@ontariohealth.ca::4544ac19-90a7-4bc9-9dda-63119ceabc25" providerId="AD" clId="Web-{31CB6E23-8F9B-ACA2-584E-5212D4123238}" dt="2025-02-07T16:53:47.979" v="7"/>
+        <pc:sldMkLst>
+          <pc:docMk/>
+          <pc:sldMk cId="2947599730" sldId="4906"/>
+        </pc:sldMkLst>
+        <pc:spChg chg="mod">
+          <ac:chgData name="McKenzie, Lloyd" userId="S::lloyd.mckenzie@ontariohealth.ca::4544ac19-90a7-4bc9-9dda-63119ceabc25" providerId="AD" clId="Web-{31CB6E23-8F9B-ACA2-584E-5212D4123238}" dt="2025-02-07T16:53:47.979" v="7"/>
+          <ac:spMkLst>
+            <pc:docMk/>
+            <pc:sldMk cId="2947599730" sldId="4906"/>
+            <ac:spMk id="4" creationId="{4CEDDEA6-744F-B66A-6B13-565C12320E58}"/>
+          </ac:spMkLst>
+        </pc:spChg>
+      </pc:sldChg>
+      <pc:sldChg chg="modSp">
+        <pc:chgData name="McKenzie, Lloyd" userId="S::lloyd.mckenzie@ontariohealth.ca::4544ac19-90a7-4bc9-9dda-63119ceabc25" providerId="AD" clId="Web-{31CB6E23-8F9B-ACA2-584E-5212D4123238}" dt="2025-02-07T16:53:47.979" v="7"/>
+        <pc:sldMkLst>
+          <pc:docMk/>
+          <pc:sldMk cId="2367082532" sldId="4907"/>
+        </pc:sldMkLst>
+        <pc:spChg chg="mod">
+          <ac:chgData name="McKenzie, Lloyd" userId="S::lloyd.mckenzie@ontariohealth.ca::4544ac19-90a7-4bc9-9dda-63119ceabc25" providerId="AD" clId="Web-{31CB6E23-8F9B-ACA2-584E-5212D4123238}" dt="2025-02-07T16:53:47.979" v="7"/>
+          <ac:spMkLst>
+            <pc:docMk/>
+            <pc:sldMk cId="2367082532" sldId="4907"/>
+            <ac:spMk id="4" creationId="{F26FF560-412B-B66D-8CF5-A3F0794CF07F}"/>
+          </ac:spMkLst>
+        </pc:spChg>
+      </pc:sldChg>
+      <pc:sldChg chg="modSp">
+        <pc:chgData name="McKenzie, Lloyd" userId="S::lloyd.mckenzie@ontariohealth.ca::4544ac19-90a7-4bc9-9dda-63119ceabc25" providerId="AD" clId="Web-{31CB6E23-8F9B-ACA2-584E-5212D4123238}" dt="2025-02-07T16:53:47.979" v="7"/>
+        <pc:sldMkLst>
+          <pc:docMk/>
+          <pc:sldMk cId="1458005931" sldId="4908"/>
+        </pc:sldMkLst>
+        <pc:spChg chg="mod">
+          <ac:chgData name="McKenzie, Lloyd" userId="S::lloyd.mckenzie@ontariohealth.ca::4544ac19-90a7-4bc9-9dda-63119ceabc25" providerId="AD" clId="Web-{31CB6E23-8F9B-ACA2-584E-5212D4123238}" dt="2025-02-07T16:53:47.979" v="7"/>
+          <ac:spMkLst>
+            <pc:docMk/>
+            <pc:sldMk cId="1458005931" sldId="4908"/>
+            <ac:spMk id="4" creationId="{0EDDF636-5B2D-978D-21A4-03CFFC6E6872}"/>
+          </ac:spMkLst>
+        </pc:spChg>
+      </pc:sldChg>
+      <pc:sldChg chg="modSp">
+        <pc:chgData name="McKenzie, Lloyd" userId="S::lloyd.mckenzie@ontariohealth.ca::4544ac19-90a7-4bc9-9dda-63119ceabc25" providerId="AD" clId="Web-{31CB6E23-8F9B-ACA2-584E-5212D4123238}" dt="2025-02-07T16:53:47.979" v="7"/>
+        <pc:sldMkLst>
+          <pc:docMk/>
+          <pc:sldMk cId="282437923" sldId="4909"/>
+        </pc:sldMkLst>
+        <pc:spChg chg="mod">
+          <ac:chgData name="McKenzie, Lloyd" userId="S::lloyd.mckenzie@ontariohealth.ca::4544ac19-90a7-4bc9-9dda-63119ceabc25" providerId="AD" clId="Web-{31CB6E23-8F9B-ACA2-584E-5212D4123238}" dt="2025-02-07T16:53:47.979" v="7"/>
+          <ac:spMkLst>
+            <pc:docMk/>
+            <pc:sldMk cId="282437923" sldId="4909"/>
+            <ac:spMk id="4" creationId="{C9772DD7-ED7B-67B2-313F-2FD039322C74}"/>
+          </ac:spMkLst>
+        </pc:spChg>
+      </pc:sldChg>
+      <pc:sldChg chg="modSp">
+        <pc:chgData name="McKenzie, Lloyd" userId="S::lloyd.mckenzie@ontariohealth.ca::4544ac19-90a7-4bc9-9dda-63119ceabc25" providerId="AD" clId="Web-{31CB6E23-8F9B-ACA2-584E-5212D4123238}" dt="2025-02-07T16:53:47.979" v="7"/>
+        <pc:sldMkLst>
+          <pc:docMk/>
+          <pc:sldMk cId="1792920941" sldId="4910"/>
+        </pc:sldMkLst>
+        <pc:spChg chg="mod">
+          <ac:chgData name="McKenzie, Lloyd" userId="S::lloyd.mckenzie@ontariohealth.ca::4544ac19-90a7-4bc9-9dda-63119ceabc25" providerId="AD" clId="Web-{31CB6E23-8F9B-ACA2-584E-5212D4123238}" dt="2025-02-07T16:53:47.979" v="7"/>
+          <ac:spMkLst>
+            <pc:docMk/>
+            <pc:sldMk cId="1792920941" sldId="4910"/>
+            <ac:spMk id="4" creationId="{C0DE46A1-FA57-F000-647A-644C8177CBF5}"/>
+          </ac:spMkLst>
+        </pc:spChg>
+      </pc:sldChg>
+      <pc:sldChg chg="modSp">
+        <pc:chgData name="McKenzie, Lloyd" userId="S::lloyd.mckenzie@ontariohealth.ca::4544ac19-90a7-4bc9-9dda-63119ceabc25" providerId="AD" clId="Web-{31CB6E23-8F9B-ACA2-584E-5212D4123238}" dt="2025-02-07T16:53:47.979" v="7"/>
+        <pc:sldMkLst>
+          <pc:docMk/>
+          <pc:sldMk cId="3327539244" sldId="4911"/>
+        </pc:sldMkLst>
+        <pc:spChg chg="mod">
+          <ac:chgData name="McKenzie, Lloyd" userId="S::lloyd.mckenzie@ontariohealth.ca::4544ac19-90a7-4bc9-9dda-63119ceabc25" providerId="AD" clId="Web-{31CB6E23-8F9B-ACA2-584E-5212D4123238}" dt="2025-02-07T16:53:47.979" v="7"/>
+          <ac:spMkLst>
+            <pc:docMk/>
+            <pc:sldMk cId="3327539244" sldId="4911"/>
+            <ac:spMk id="4" creationId="{BDDA01A4-597B-1697-7EF4-DC069227C92D}"/>
+          </ac:spMkLst>
+        </pc:spChg>
+      </pc:sldChg>
+      <pc:sldChg chg="modSp">
+        <pc:chgData name="McKenzie, Lloyd" userId="S::lloyd.mckenzie@ontariohealth.ca::4544ac19-90a7-4bc9-9dda-63119ceabc25" providerId="AD" clId="Web-{31CB6E23-8F9B-ACA2-584E-5212D4123238}" dt="2025-02-07T16:53:47.979" v="7"/>
+        <pc:sldMkLst>
+          <pc:docMk/>
+          <pc:sldMk cId="2541718150" sldId="4912"/>
+        </pc:sldMkLst>
+        <pc:spChg chg="mod">
+          <ac:chgData name="McKenzie, Lloyd" userId="S::lloyd.mckenzie@ontariohealth.ca::4544ac19-90a7-4bc9-9dda-63119ceabc25" providerId="AD" clId="Web-{31CB6E23-8F9B-ACA2-584E-5212D4123238}" dt="2025-02-07T16:53:47.979" v="7"/>
+          <ac:spMkLst>
+            <pc:docMk/>
+            <pc:sldMk cId="2541718150" sldId="4912"/>
+            <ac:spMk id="4" creationId="{B6135CB3-2D3E-BEB2-378C-D24531CBC951}"/>
+          </ac:spMkLst>
+        </pc:spChg>
+      </pc:sldChg>
+      <pc:sldChg chg="modSp">
+        <pc:chgData name="McKenzie, Lloyd" userId="S::lloyd.mckenzie@ontariohealth.ca::4544ac19-90a7-4bc9-9dda-63119ceabc25" providerId="AD" clId="Web-{31CB6E23-8F9B-ACA2-584E-5212D4123238}" dt="2025-02-07T16:53:47.979" v="7"/>
+        <pc:sldMkLst>
+          <pc:docMk/>
+          <pc:sldMk cId="1217799398" sldId="4913"/>
+        </pc:sldMkLst>
+        <pc:spChg chg="mod">
+          <ac:chgData name="McKenzie, Lloyd" userId="S::lloyd.mckenzie@ontariohealth.ca::4544ac19-90a7-4bc9-9dda-63119ceabc25" providerId="AD" clId="Web-{31CB6E23-8F9B-ACA2-584E-5212D4123238}" dt="2025-02-07T16:53:47.979" v="7"/>
+          <ac:spMkLst>
+            <pc:docMk/>
+            <pc:sldMk cId="1217799398" sldId="4913"/>
+            <ac:spMk id="4" creationId="{AD448638-C45C-91B8-2701-E0F24B8F4A32}"/>
+          </ac:spMkLst>
+        </pc:spChg>
+      </pc:sldChg>
+      <pc:sldChg chg="modSp add">
+        <pc:chgData name="McKenzie, Lloyd" userId="S::lloyd.mckenzie@ontariohealth.ca::4544ac19-90a7-4bc9-9dda-63119ceabc25" providerId="AD" clId="Web-{31CB6E23-8F9B-ACA2-584E-5212D4123238}" dt="2025-02-07T18:22:33.637" v="9" actId="20577"/>
+        <pc:sldMkLst>
+          <pc:docMk/>
+          <pc:sldMk cId="2030768388" sldId="4914"/>
+        </pc:sldMkLst>
+        <pc:spChg chg="mod">
+          <ac:chgData name="McKenzie, Lloyd" userId="S::lloyd.mckenzie@ontariohealth.ca::4544ac19-90a7-4bc9-9dda-63119ceabc25" providerId="AD" clId="Web-{31CB6E23-8F9B-ACA2-584E-5212D4123238}" dt="2025-02-07T18:22:33.637" v="9" actId="20577"/>
+          <ac:spMkLst>
+            <pc:docMk/>
+            <pc:sldMk cId="2030768388" sldId="4914"/>
+            <ac:spMk id="2" creationId="{E265F639-6FEA-A56A-8782-FB04C81D81D5}"/>
+          </ac:spMkLst>
+        </pc:spChg>
+      </pc:sldChg>
+      <pc:sldMasterChg chg="modSp addSldLayout modSldLayout">
+        <pc:chgData name="McKenzie, Lloyd" userId="S::lloyd.mckenzie@ontariohealth.ca::4544ac19-90a7-4bc9-9dda-63119ceabc25" providerId="AD" clId="Web-{31CB6E23-8F9B-ACA2-584E-5212D4123238}" dt="2025-02-07T18:22:26.215" v="8"/>
+        <pc:sldMasterMkLst>
+          <pc:docMk/>
+          <pc:sldMasterMk cId="0" sldId="2147483648"/>
+        </pc:sldMasterMkLst>
+        <pc:spChg chg="mod">
+          <ac:chgData name="McKenzie, Lloyd" userId="S::lloyd.mckenzie@ontariohealth.ca::4544ac19-90a7-4bc9-9dda-63119ceabc25" providerId="AD" clId="Web-{31CB6E23-8F9B-ACA2-584E-5212D4123238}" dt="2025-02-07T16:53:47.979" v="7"/>
+          <ac:spMkLst>
+            <pc:docMk/>
+            <pc:sldMasterMk cId="0" sldId="2147483648"/>
+            <ac:spMk id="5" creationId="{B9753632-C492-4515-B901-41AFB25873CC}"/>
+          </ac:spMkLst>
+        </pc:spChg>
+        <pc:sldLayoutChg chg="modSp">
+          <pc:chgData name="McKenzie, Lloyd" userId="S::lloyd.mckenzie@ontariohealth.ca::4544ac19-90a7-4bc9-9dda-63119ceabc25" providerId="AD" clId="Web-{31CB6E23-8F9B-ACA2-584E-5212D4123238}" dt="2025-02-07T16:53:47.979" v="7"/>
+          <pc:sldLayoutMkLst>
+            <pc:docMk/>
+            <pc:sldMasterMk cId="0" sldId="2147483648"/>
+            <pc:sldLayoutMk cId="2237845615" sldId="2147483682"/>
+          </pc:sldLayoutMkLst>
+          <pc:spChg chg="mod">
+            <ac:chgData name="McKenzie, Lloyd" userId="S::lloyd.mckenzie@ontariohealth.ca::4544ac19-90a7-4bc9-9dda-63119ceabc25" providerId="AD" clId="Web-{31CB6E23-8F9B-ACA2-584E-5212D4123238}" dt="2025-02-07T16:53:47.979" v="7"/>
+            <ac:spMkLst>
+              <pc:docMk/>
+              <pc:sldMasterMk cId="0" sldId="2147483648"/>
+              <pc:sldLayoutMk cId="2237845615" sldId="2147483682"/>
+              <ac:spMk id="8" creationId="{8E2087E9-637C-4C09-8985-3BAE95EB3A0C}"/>
+            </ac:spMkLst>
+          </pc:spChg>
+        </pc:sldLayoutChg>
+        <pc:sldLayoutChg chg="modSp">
+          <pc:chgData name="McKenzie, Lloyd" userId="S::lloyd.mckenzie@ontariohealth.ca::4544ac19-90a7-4bc9-9dda-63119ceabc25" providerId="AD" clId="Web-{31CB6E23-8F9B-ACA2-584E-5212D4123238}" dt="2025-02-07T16:53:47.979" v="7"/>
+          <pc:sldLayoutMkLst>
+            <pc:docMk/>
+            <pc:sldMasterMk cId="0" sldId="2147483648"/>
+            <pc:sldLayoutMk cId="3769414896" sldId="2147483683"/>
+          </pc:sldLayoutMkLst>
+          <pc:spChg chg="mod">
+            <ac:chgData name="McKenzie, Lloyd" userId="S::lloyd.mckenzie@ontariohealth.ca::4544ac19-90a7-4bc9-9dda-63119ceabc25" providerId="AD" clId="Web-{31CB6E23-8F9B-ACA2-584E-5212D4123238}" dt="2025-02-07T16:53:47.979" v="7"/>
+            <ac:spMkLst>
+              <pc:docMk/>
+              <pc:sldMasterMk cId="0" sldId="2147483648"/>
+              <pc:sldLayoutMk cId="3769414896" sldId="2147483683"/>
+              <ac:spMk id="8" creationId="{9170F17B-552A-4993-A6F0-1A6FE335872E}"/>
+            </ac:spMkLst>
+          </pc:spChg>
+        </pc:sldLayoutChg>
+        <pc:sldLayoutChg chg="modSp">
+          <pc:chgData name="McKenzie, Lloyd" userId="S::lloyd.mckenzie@ontariohealth.ca::4544ac19-90a7-4bc9-9dda-63119ceabc25" providerId="AD" clId="Web-{31CB6E23-8F9B-ACA2-584E-5212D4123238}" dt="2025-02-07T16:53:47.979" v="7"/>
+          <pc:sldLayoutMkLst>
+            <pc:docMk/>
+            <pc:sldMasterMk cId="0" sldId="2147483648"/>
+            <pc:sldLayoutMk cId="2024429228" sldId="2147483684"/>
+          </pc:sldLayoutMkLst>
+          <pc:spChg chg="mod">
+            <ac:chgData name="McKenzie, Lloyd" userId="S::lloyd.mckenzie@ontariohealth.ca::4544ac19-90a7-4bc9-9dda-63119ceabc25" providerId="AD" clId="Web-{31CB6E23-8F9B-ACA2-584E-5212D4123238}" dt="2025-02-07T16:53:47.979" v="7"/>
+            <ac:spMkLst>
+              <pc:docMk/>
+              <pc:sldMasterMk cId="0" sldId="2147483648"/>
+              <pc:sldLayoutMk cId="2024429228" sldId="2147483684"/>
+              <ac:spMk id="25" creationId="{6C4765DB-7105-45CC-BD97-DDD21BCA1C4A}"/>
+            </ac:spMkLst>
+          </pc:spChg>
+        </pc:sldLayoutChg>
+        <pc:sldLayoutChg chg="modSp">
+          <pc:chgData name="McKenzie, Lloyd" userId="S::lloyd.mckenzie@ontariohealth.ca::4544ac19-90a7-4bc9-9dda-63119ceabc25" providerId="AD" clId="Web-{31CB6E23-8F9B-ACA2-584E-5212D4123238}" dt="2025-02-07T16:53:47.979" v="7"/>
+          <pc:sldLayoutMkLst>
+            <pc:docMk/>
+            <pc:sldMasterMk cId="0" sldId="2147483648"/>
+            <pc:sldLayoutMk cId="1828050307" sldId="2147483685"/>
+          </pc:sldLayoutMkLst>
+          <pc:spChg chg="mod">
+            <ac:chgData name="McKenzie, Lloyd" userId="S::lloyd.mckenzie@ontariohealth.ca::4544ac19-90a7-4bc9-9dda-63119ceabc25" providerId="AD" clId="Web-{31CB6E23-8F9B-ACA2-584E-5212D4123238}" dt="2025-02-07T16:53:47.979" v="7"/>
+            <ac:spMkLst>
+              <pc:docMk/>
+              <pc:sldMasterMk cId="0" sldId="2147483648"/>
+              <pc:sldLayoutMk cId="1828050307" sldId="2147483685"/>
+              <ac:spMk id="41" creationId="{86364F0F-A2BB-480B-88A7-F41748072267}"/>
+            </ac:spMkLst>
+          </pc:spChg>
+        </pc:sldLayoutChg>
+        <pc:sldLayoutChg chg="modSp">
+          <pc:chgData name="McKenzie, Lloyd" userId="S::lloyd.mckenzie@ontariohealth.ca::4544ac19-90a7-4bc9-9dda-63119ceabc25" providerId="AD" clId="Web-{31CB6E23-8F9B-ACA2-584E-5212D4123238}" dt="2025-02-07T16:53:47.979" v="7"/>
+          <pc:sldLayoutMkLst>
+            <pc:docMk/>
+            <pc:sldMasterMk cId="0" sldId="2147483648"/>
+            <pc:sldLayoutMk cId="4066057111" sldId="2147483686"/>
+          </pc:sldLayoutMkLst>
+          <pc:spChg chg="mod">
+            <ac:chgData name="McKenzie, Lloyd" userId="S::lloyd.mckenzie@ontariohealth.ca::4544ac19-90a7-4bc9-9dda-63119ceabc25" providerId="AD" clId="Web-{31CB6E23-8F9B-ACA2-584E-5212D4123238}" dt="2025-02-07T16:53:47.979" v="7"/>
+            <ac:spMkLst>
+              <pc:docMk/>
+              <pc:sldMasterMk cId="0" sldId="2147483648"/>
+              <pc:sldLayoutMk cId="4066057111" sldId="2147483686"/>
+              <ac:spMk id="23" creationId="{3278E695-3242-46C8-A5D0-91F98BE1AA7A}"/>
+            </ac:spMkLst>
+          </pc:spChg>
+        </pc:sldLayoutChg>
+        <pc:sldLayoutChg chg="modSp">
+          <pc:chgData name="McKenzie, Lloyd" userId="S::lloyd.mckenzie@ontariohealth.ca::4544ac19-90a7-4bc9-9dda-63119ceabc25" providerId="AD" clId="Web-{31CB6E23-8F9B-ACA2-584E-5212D4123238}" dt="2025-02-07T16:53:47.979" v="7"/>
+          <pc:sldLayoutMkLst>
+            <pc:docMk/>
+            <pc:sldMasterMk cId="0" sldId="2147483648"/>
+            <pc:sldLayoutMk cId="1509802494" sldId="2147483687"/>
+          </pc:sldLayoutMkLst>
+          <pc:spChg chg="mod">
+            <ac:chgData name="McKenzie, Lloyd" userId="S::lloyd.mckenzie@ontariohealth.ca::4544ac19-90a7-4bc9-9dda-63119ceabc25" providerId="AD" clId="Web-{31CB6E23-8F9B-ACA2-584E-5212D4123238}" dt="2025-02-07T16:53:47.979" v="7"/>
+            <ac:spMkLst>
+              <pc:docMk/>
+              <pc:sldMasterMk cId="0" sldId="2147483648"/>
+              <pc:sldLayoutMk cId="1509802494" sldId="2147483687"/>
+              <ac:spMk id="27" creationId="{1B1954A0-3B1F-45BD-8FA9-A14758770218}"/>
+            </ac:spMkLst>
+          </pc:spChg>
+        </pc:sldLayoutChg>
+        <pc:sldLayoutChg chg="modSp">
+          <pc:chgData name="McKenzie, Lloyd" userId="S::lloyd.mckenzie@ontariohealth.ca::4544ac19-90a7-4bc9-9dda-63119ceabc25" providerId="AD" clId="Web-{31CB6E23-8F9B-ACA2-584E-5212D4123238}" dt="2025-02-07T16:53:47.979" v="7"/>
+          <pc:sldLayoutMkLst>
+            <pc:docMk/>
+            <pc:sldMasterMk cId="0" sldId="2147483648"/>
+            <pc:sldLayoutMk cId="3002454115" sldId="2147483688"/>
+          </pc:sldLayoutMkLst>
+          <pc:spChg chg="mod">
+            <ac:chgData name="McKenzie, Lloyd" userId="S::lloyd.mckenzie@ontariohealth.ca::4544ac19-90a7-4bc9-9dda-63119ceabc25" providerId="AD" clId="Web-{31CB6E23-8F9B-ACA2-584E-5212D4123238}" dt="2025-02-07T16:53:47.979" v="7"/>
+            <ac:spMkLst>
+              <pc:docMk/>
+              <pc:sldMasterMk cId="0" sldId="2147483648"/>
+              <pc:sldLayoutMk cId="3002454115" sldId="2147483688"/>
+              <ac:spMk id="27" creationId="{3E9F65D5-F0E8-4EA4-B4AD-024D025D4000}"/>
+            </ac:spMkLst>
+          </pc:spChg>
+        </pc:sldLayoutChg>
+        <pc:sldLayoutChg chg="modSp">
+          <pc:chgData name="McKenzie, Lloyd" userId="S::lloyd.mckenzie@ontariohealth.ca::4544ac19-90a7-4bc9-9dda-63119ceabc25" providerId="AD" clId="Web-{31CB6E23-8F9B-ACA2-584E-5212D4123238}" dt="2025-02-07T16:53:47.979" v="7"/>
+          <pc:sldLayoutMkLst>
+            <pc:docMk/>
+            <pc:sldMasterMk cId="0" sldId="2147483648"/>
+            <pc:sldLayoutMk cId="2112457495" sldId="2147483689"/>
+          </pc:sldLayoutMkLst>
+          <pc:spChg chg="mod">
+            <ac:chgData name="McKenzie, Lloyd" userId="S::lloyd.mckenzie@ontariohealth.ca::4544ac19-90a7-4bc9-9dda-63119ceabc25" providerId="AD" clId="Web-{31CB6E23-8F9B-ACA2-584E-5212D4123238}" dt="2025-02-07T16:53:47.979" v="7"/>
+            <ac:spMkLst>
+              <pc:docMk/>
+              <pc:sldMasterMk cId="0" sldId="2147483648"/>
+              <pc:sldLayoutMk cId="2112457495" sldId="2147483689"/>
+              <ac:spMk id="9" creationId="{50BB96CA-A2ED-4646-843D-EEE743521AEF}"/>
+            </ac:spMkLst>
+          </pc:spChg>
+        </pc:sldLayoutChg>
+        <pc:sldLayoutChg chg="modSp">
+          <pc:chgData name="McKenzie, Lloyd" userId="S::lloyd.mckenzie@ontariohealth.ca::4544ac19-90a7-4bc9-9dda-63119ceabc25" providerId="AD" clId="Web-{31CB6E23-8F9B-ACA2-584E-5212D4123238}" dt="2025-02-07T16:53:47.979" v="7"/>
+          <pc:sldLayoutMkLst>
+            <pc:docMk/>
+            <pc:sldMasterMk cId="0" sldId="2147483648"/>
+            <pc:sldLayoutMk cId="2809160247" sldId="2147483690"/>
+          </pc:sldLayoutMkLst>
+          <pc:spChg chg="mod">
+            <ac:chgData name="McKenzie, Lloyd" userId="S::lloyd.mckenzie@ontariohealth.ca::4544ac19-90a7-4bc9-9dda-63119ceabc25" providerId="AD" clId="Web-{31CB6E23-8F9B-ACA2-584E-5212D4123238}" dt="2025-02-07T16:53:47.979" v="7"/>
+            <ac:spMkLst>
+              <pc:docMk/>
+              <pc:sldMasterMk cId="0" sldId="2147483648"/>
+              <pc:sldLayoutMk cId="2809160247" sldId="2147483690"/>
+              <ac:spMk id="19" creationId="{736339CA-3043-4229-B59B-66EFA864600D}"/>
+            </ac:spMkLst>
+          </pc:spChg>
+        </pc:sldLayoutChg>
+        <pc:sldLayoutChg chg="modSp">
+          <pc:chgData name="McKenzie, Lloyd" userId="S::lloyd.mckenzie@ontariohealth.ca::4544ac19-90a7-4bc9-9dda-63119ceabc25" providerId="AD" clId="Web-{31CB6E23-8F9B-ACA2-584E-5212D4123238}" dt="2025-02-07T16:53:47.979" v="7"/>
+          <pc:sldLayoutMkLst>
+            <pc:docMk/>
+            <pc:sldMasterMk cId="0" sldId="2147483648"/>
+            <pc:sldLayoutMk cId="4228695043" sldId="2147483699"/>
+          </pc:sldLayoutMkLst>
+          <pc:spChg chg="mod">
+            <ac:chgData name="McKenzie, Lloyd" userId="S::lloyd.mckenzie@ontariohealth.ca::4544ac19-90a7-4bc9-9dda-63119ceabc25" providerId="AD" clId="Web-{31CB6E23-8F9B-ACA2-584E-5212D4123238}" dt="2025-02-07T16:53:47.979" v="7"/>
+            <ac:spMkLst>
+              <pc:docMk/>
+              <pc:sldMasterMk cId="0" sldId="2147483648"/>
+              <pc:sldLayoutMk cId="4228695043" sldId="2147483699"/>
+              <ac:spMk id="23" creationId="{3278E695-3242-46C8-A5D0-91F98BE1AA7A}"/>
+            </ac:spMkLst>
+          </pc:spChg>
+        </pc:sldLayoutChg>
+        <pc:sldLayoutChg chg="modSp">
+          <pc:chgData name="McKenzie, Lloyd" userId="S::lloyd.mckenzie@ontariohealth.ca::4544ac19-90a7-4bc9-9dda-63119ceabc25" providerId="AD" clId="Web-{31CB6E23-8F9B-ACA2-584E-5212D4123238}" dt="2025-02-07T16:53:47.979" v="7"/>
+          <pc:sldLayoutMkLst>
+            <pc:docMk/>
+            <pc:sldMasterMk cId="0" sldId="2147483648"/>
+            <pc:sldLayoutMk cId="3475593088" sldId="2147483700"/>
+          </pc:sldLayoutMkLst>
+          <pc:spChg chg="mod">
+            <ac:chgData name="McKenzie, Lloyd" userId="S::lloyd.mckenzie@ontariohealth.ca::4544ac19-90a7-4bc9-9dda-63119ceabc25" providerId="AD" clId="Web-{31CB6E23-8F9B-ACA2-584E-5212D4123238}" dt="2025-02-07T16:53:47.979" v="7"/>
+            <ac:spMkLst>
+              <pc:docMk/>
+              <pc:sldMasterMk cId="0" sldId="2147483648"/>
+              <pc:sldLayoutMk cId="3475593088" sldId="2147483700"/>
+              <ac:spMk id="23" creationId="{3278E695-3242-46C8-A5D0-91F98BE1AA7A}"/>
+            </ac:spMkLst>
+          </pc:spChg>
+        </pc:sldLayoutChg>
+        <pc:sldLayoutChg chg="add">
+          <pc:chgData name="McKenzie, Lloyd" userId="S::lloyd.mckenzie@ontariohealth.ca::4544ac19-90a7-4bc9-9dda-63119ceabc25" providerId="AD" clId="Web-{31CB6E23-8F9B-ACA2-584E-5212D4123238}" dt="2025-02-07T18:22:26.215" v="8"/>
+          <pc:sldLayoutMkLst>
+            <pc:docMk/>
+            <pc:sldMasterMk cId="0" sldId="2147483648"/>
+            <pc:sldLayoutMk cId="4032560361" sldId="2147483707"/>
+          </pc:sldLayoutMkLst>
+        </pc:sldLayoutChg>
+      </pc:sldMasterChg>
+    </pc:docChg>
+  </pc:docChgLst>
+</pc:chgInfo>
+</file>
+
+<file path=ppt/comments/modernComment_139_EB3DEB53.xml><?xml version="1.0" encoding="utf-8"?>
+<p188:cmLst xmlns:a="http://schemas.openxmlformats.org/drawingml/2006/main" xmlns:r="http://schemas.openxmlformats.org/officeDocument/2006/relationships" xmlns:p188="http://schemas.microsoft.com/office/powerpoint/2018/8/main">
+  <p188:cm id="{1EEE0974-02BE-412B-A987-4301799DB759}" authorId="{E7F7EB04-2042-28C4-7D23-DF347712863D}" status="resolved" created="2025-02-03T18:54:17.462" complete="100000">
+    <ac:txMkLst xmlns:ac="http://schemas.microsoft.com/office/drawing/2013/main/command">
+      <pc:docMk xmlns:pc="http://schemas.microsoft.com/office/powerpoint/2013/main/command"/>
+      <pc:sldMk xmlns:pc="http://schemas.microsoft.com/office/powerpoint/2013/main/command" cId="3946703699" sldId="313"/>
+      <ac:spMk id="3" creationId="{05BD942B-24C0-401F-A1D8-9D7B5AADF767}"/>
+      <ac:txMk cp="62" len="40">
+        <ac:context len="306" hash="3387830371"/>
+      </ac:txMk>
+    </ac:txMkLst>
+    <p188:pos x="8147389" y="478985"/>
+    <p188:txBody>
+      <a:bodyPr/>
+      <a:lstStyle/>
+      <a:p>
+        <a:r>
+          <a:rPr lang="en-CA"/>
+          <a:t>"adaptive forms" instead of standard forms</a:t>
+        </a:r>
+      </a:p>
+    </p188:txBody>
+  </p188:cm>
+</p188:cmLst>
+</file>
+
 <file path=ppt/handoutMasters/handoutMaster1.xml><?xml version="1.0" encoding="utf-8"?>
 <p:handoutMaster xmlns:a="http://schemas.openxmlformats.org/drawingml/2006/main" xmlns:r="http://schemas.openxmlformats.org/officeDocument/2006/relationships" xmlns:p="http://schemas.openxmlformats.org/presentationml/2006/main">
   <p:cSld>
@@ -321,7 +884,7 @@
             <a:fld id="{1BCE7D1B-E2D6-42EC-A46F-6B8D8AB722EA}" type="datetime1">
               <a:rPr lang="en-US" altLang="en-US"/>
               <a:pPr/>
-              <a:t>1/13/2025</a:t>
+              <a:t>2/7/2025</a:t>
             </a:fld>
             <a:endParaRPr lang="en-US" altLang="en-US"/>
           </a:p>
@@ -552,7 +1115,7 @@
             <a:fld id="{60D4D74E-7671-46E5-9A5B-14F31A4C0D2E}" type="datetime1">
               <a:rPr lang="en-US" altLang="en-US"/>
               <a:pPr/>
-              <a:t>1/13/2025</a:t>
+              <a:t>2/7/2025</a:t>
             </a:fld>
             <a:endParaRPr lang="en-US" altLang="en-US"/>
           </a:p>
@@ -908,99 +1471,6 @@
       </p:grpSpPr>
       <p:sp>
         <p:nvSpPr>
-          <p:cNvPr id="7" name="Rectangle 7"/>
-          <p:cNvSpPr>
-            <a:spLocks noGrp="1" noChangeArrowheads="1"/>
-          </p:cNvSpPr>
-          <p:nvPr>
-            <p:ph type="sldNum" sz="quarter" idx="5"/>
-          </p:nvPr>
-        </p:nvSpPr>
-        <p:spPr>
-          <a:ln/>
-        </p:spPr>
-        <p:txBody>
-          <a:bodyPr/>
-          <a:lstStyle/>
-          <a:p>
-            <a:fld id="{38EFF599-57A5-464D-BBDE-DD73E3C700F9}" type="slidenum">
-              <a:rPr lang="en-US"/>
-              <a:pPr/>
-              <a:t>1</a:t>
-            </a:fld>
-            <a:endParaRPr lang="en-US"/>
-          </a:p>
-        </p:txBody>
-      </p:sp>
-      <p:sp>
-        <p:nvSpPr>
-          <p:cNvPr id="5122" name="Rectangle 2"/>
-          <p:cNvSpPr>
-            <a:spLocks noGrp="1" noRot="1" noChangeAspect="1" noChangeArrowheads="1" noTextEdit="1"/>
-          </p:cNvSpPr>
-          <p:nvPr>
-            <p:ph type="sldImg"/>
-          </p:nvPr>
-        </p:nvSpPr>
-        <p:spPr>
-          <a:xfrm>
-            <a:off x="381000" y="685800"/>
-            <a:ext cx="6096000" cy="3429000"/>
-          </a:xfrm>
-          <a:ln/>
-        </p:spPr>
-      </p:sp>
-      <p:sp>
-        <p:nvSpPr>
-          <p:cNvPr id="5123" name="Rectangle 3"/>
-          <p:cNvSpPr>
-            <a:spLocks noGrp="1" noChangeArrowheads="1"/>
-          </p:cNvSpPr>
-          <p:nvPr>
-            <p:ph type="body" idx="1"/>
-          </p:nvPr>
-        </p:nvSpPr>
-        <p:spPr/>
-        <p:txBody>
-          <a:bodyPr/>
-          <a:lstStyle/>
-          <a:p>
-            <a:endParaRPr lang="en-US"/>
-          </a:p>
-        </p:txBody>
-      </p:sp>
-    </p:spTree>
-    <p:extLst>
-      <p:ext uri="{BB962C8B-B14F-4D97-AF65-F5344CB8AC3E}">
-        <p14:creationId xmlns:p14="http://schemas.microsoft.com/office/powerpoint/2010/main" val="3535730783"/>
-      </p:ext>
-    </p:extLst>
-  </p:cSld>
-  <p:clrMapOvr>
-    <a:masterClrMapping/>
-  </p:clrMapOvr>
-</p:notes>
-</file>
-
-<file path=ppt/notesSlides/notesSlide2.xml><?xml version="1.0" encoding="utf-8"?>
-<p:notes xmlns:a="http://schemas.openxmlformats.org/drawingml/2006/main" xmlns:r="http://schemas.openxmlformats.org/officeDocument/2006/relationships" xmlns:p="http://schemas.openxmlformats.org/presentationml/2006/main">
-  <p:cSld>
-    <p:spTree>
-      <p:nvGrpSpPr>
-        <p:cNvPr id="1" name=""/>
-        <p:cNvGrpSpPr/>
-        <p:nvPr/>
-      </p:nvGrpSpPr>
-      <p:grpSpPr>
-        <a:xfrm>
-          <a:off x="0" y="0"/>
-          <a:ext cx="0" cy="0"/>
-          <a:chOff x="0" y="0"/>
-          <a:chExt cx="0" cy="0"/>
-        </a:xfrm>
-      </p:grpSpPr>
-      <p:sp>
-        <p:nvSpPr>
           <p:cNvPr id="2" name="Slide Image Placeholder 1"/>
           <p:cNvSpPr>
             <a:spLocks noGrp="1" noRot="1" noChangeAspect="1"/>
@@ -1495,7 +1965,7 @@
           <a:p>
             <a:r>
               <a:rPr lang="en-CA" b="1" dirty="0"/>
-              <a:t>© 2024 Health Level Seven ® International. All Rights Reserved. Published under the Creative Commons 3.0 Attribution </a:t>
+              <a:t>© 2025 Health Level Seven ® International. All Rights Reserved. Published under the Creative Commons 3.0 Attribution </a:t>
             </a:r>
             <a:r>
               <a:rPr lang="en-CA" b="1" dirty="0" err="1"/>
@@ -2256,7 +2726,7 @@
           <a:p>
             <a:r>
               <a:rPr lang="en-CA" b="1" dirty="0"/>
-              <a:t>© 2024 Health Level Seven ® International. All Rights Reserved. Published under the Creative Commons 3.0 Attribution </a:t>
+              <a:t>© 2025 Health Level Seven ® International. All Rights Reserved. Published under the Creative Commons 3.0 Attribution </a:t>
             </a:r>
             <a:r>
               <a:rPr lang="en-CA" b="1" dirty="0" err="1"/>
@@ -2927,7 +3397,7 @@
           <a:p>
             <a:r>
               <a:rPr lang="en-CA" b="1" dirty="0"/>
-              <a:t>© 2024 Health Level Seven ® International. All Rights Reserved. Published under the Creative Commons 3.0 Attribution </a:t>
+              <a:t>© 2025 Health Level Seven ® International. All Rights Reserved. Published under the Creative Commons 3.0 Attribution </a:t>
             </a:r>
             <a:r>
               <a:rPr lang="en-CA" b="1" dirty="0" err="1"/>
@@ -3535,7 +4005,7 @@
           <a:p>
             <a:r>
               <a:rPr lang="en-CA" b="1" dirty="0"/>
-              <a:t>© 2024 Health Level Seven ® International. All Rights Reserved. Published under the Creative Commons 3.0 Attribution </a:t>
+              <a:t>© 2025 Health Level Seven ® International. All Rights Reserved. Published under the Creative Commons 3.0 Attribution </a:t>
             </a:r>
             <a:r>
               <a:rPr lang="en-CA" b="1" dirty="0" err="1"/>
@@ -5002,7 +5472,7 @@
           <a:p>
             <a:fld id="{D83995C2-806B-4997-8C0A-E780F2B14CC7}" type="datetimeFigureOut">
               <a:rPr lang="en-US" smtClean="0"/>
-              <a:t>1/13/2025</a:t>
+              <a:t>2/7/2025</a:t>
             </a:fld>
             <a:endParaRPr lang="en-US"/>
           </a:p>
@@ -5066,6 +5536,503 @@
     <p:extLst>
       <p:ext uri="{BB962C8B-B14F-4D97-AF65-F5344CB8AC3E}">
         <p14:creationId xmlns:p14="http://schemas.microsoft.com/office/powerpoint/2010/main" val="71163052"/>
+      </p:ext>
+    </p:extLst>
+  </p:cSld>
+  <p:clrMapOvr>
+    <a:masterClrMapping/>
+  </p:clrMapOvr>
+</p:sldLayout>
+</file>
+
+<file path=ppt/slideLayouts/slideLayout17.xml><?xml version="1.0" encoding="utf-8"?>
+<p:sldLayout xmlns:a="http://schemas.openxmlformats.org/drawingml/2006/main" xmlns:r="http://schemas.openxmlformats.org/officeDocument/2006/relationships" xmlns:p="http://schemas.openxmlformats.org/presentationml/2006/main" preserve="1">
+  <p:cSld name="Title Slide 2 - Photo Large">
+    <p:bg>
+      <p:bgPr>
+        <a:blipFill dpi="0" rotWithShape="1">
+          <a:blip r:embed="rId2">
+            <a:lum/>
+          </a:blip>
+          <a:srcRect/>
+          <a:stretch>
+            <a:fillRect/>
+          </a:stretch>
+        </a:blipFill>
+        <a:effectLst/>
+      </p:bgPr>
+    </p:bg>
+    <p:spTree>
+      <p:nvGrpSpPr>
+        <p:cNvPr id="1" name=""/>
+        <p:cNvGrpSpPr/>
+        <p:nvPr/>
+      </p:nvGrpSpPr>
+      <p:grpSpPr>
+        <a:xfrm>
+          <a:off x="0" y="0"/>
+          <a:ext cx="0" cy="0"/>
+          <a:chOff x="0" y="0"/>
+          <a:chExt cx="0" cy="0"/>
+        </a:xfrm>
+      </p:grpSpPr>
+      <p:sp>
+        <p:nvSpPr>
+          <p:cNvPr id="4" name="Text Placeholder 47">
+            <a:extLst>
+              <a:ext uri="{FF2B5EF4-FFF2-40B4-BE49-F238E27FC236}">
+                <a16:creationId xmlns:a16="http://schemas.microsoft.com/office/drawing/2014/main" id="{D350924A-494F-9580-8CE1-82EE38F3FB24}"/>
+              </a:ext>
+            </a:extLst>
+          </p:cNvPr>
+          <p:cNvSpPr>
+            <a:spLocks noGrp="1"/>
+          </p:cNvSpPr>
+          <p:nvPr>
+            <p:ph type="body" sz="quarter" idx="16" hasCustomPrompt="1"/>
+          </p:nvPr>
+        </p:nvSpPr>
+        <p:spPr>
+          <a:xfrm>
+            <a:off x="534075" y="4578144"/>
+            <a:ext cx="4057650" cy="233013"/>
+          </a:xfrm>
+        </p:spPr>
+        <p:txBody>
+          <a:bodyPr wrap="square" anchor="t">
+            <a:spAutoFit/>
+          </a:bodyPr>
+          <a:lstStyle>
+            <a:lvl1pPr marL="0" indent="0">
+              <a:buNone/>
+              <a:defRPr sz="1500">
+                <a:latin typeface="+mn-lt"/>
+              </a:defRPr>
+            </a:lvl1pPr>
+            <a:lvl2pPr>
+              <a:defRPr sz="1200">
+                <a:latin typeface="+mn-lt"/>
+              </a:defRPr>
+            </a:lvl2pPr>
+            <a:lvl3pPr>
+              <a:defRPr sz="1200">
+                <a:latin typeface="+mn-lt"/>
+              </a:defRPr>
+            </a:lvl3pPr>
+            <a:lvl4pPr>
+              <a:defRPr sz="1200">
+                <a:latin typeface="+mn-lt"/>
+              </a:defRPr>
+            </a:lvl4pPr>
+            <a:lvl5pPr>
+              <a:defRPr sz="1200">
+                <a:latin typeface="+mn-lt"/>
+              </a:defRPr>
+            </a:lvl5pPr>
+          </a:lstStyle>
+          <a:p>
+            <a:pPr>
+              <a:lnSpc>
+                <a:spcPts val="1979"/>
+              </a:lnSpc>
+              <a:spcAft>
+                <a:spcPts val="600"/>
+              </a:spcAft>
+            </a:pPr>
+            <a:r>
+              <a:rPr lang="en-US" altLang="en-US" sz="1200" u="none" dirty="0">
+                <a:latin typeface="Calibri"/>
+                <a:ea typeface="MS PGothic"/>
+                <a:cs typeface="Calibri"/>
+              </a:rPr>
+              <a:t>Presenter Name  </a:t>
+            </a:r>
+            <a:r>
+              <a:rPr lang="en-US" altLang="en-US" sz="1200" u="none" dirty="0">
+                <a:solidFill>
+                  <a:srgbClr val="047BC1"/>
+                </a:solidFill>
+                <a:latin typeface="Calibri"/>
+                <a:ea typeface="MS PGothic"/>
+                <a:cs typeface="Calibri"/>
+              </a:rPr>
+              <a:t>|</a:t>
+            </a:r>
+            <a:r>
+              <a:rPr lang="en-US" altLang="en-US" sz="1200" u="none" dirty="0">
+                <a:latin typeface="Calibri"/>
+                <a:ea typeface="MS PGothic"/>
+                <a:cs typeface="Calibri"/>
+              </a:rPr>
+              <a:t>  Date</a:t>
+            </a:r>
+            <a:endParaRPr lang="en-CA" altLang="en-US" sz="1200" u="none" dirty="0">
+              <a:latin typeface="Calibri" panose="020F0502020204030204" pitchFamily="34" charset="0"/>
+              <a:cs typeface="Calibri" panose="020F0502020204030204" pitchFamily="34" charset="0"/>
+            </a:endParaRPr>
+          </a:p>
+        </p:txBody>
+      </p:sp>
+      <p:sp>
+        <p:nvSpPr>
+          <p:cNvPr id="5" name="Text Placeholder 42">
+            <a:extLst>
+              <a:ext uri="{FF2B5EF4-FFF2-40B4-BE49-F238E27FC236}">
+                <a16:creationId xmlns:a16="http://schemas.microsoft.com/office/drawing/2014/main" id="{9A66CD2C-C71C-36A5-5711-07E6732387FF}"/>
+              </a:ext>
+            </a:extLst>
+          </p:cNvPr>
+          <p:cNvSpPr>
+            <a:spLocks noGrp="1"/>
+          </p:cNvSpPr>
+          <p:nvPr>
+            <p:ph type="body" sz="quarter" idx="14" hasCustomPrompt="1"/>
+          </p:nvPr>
+        </p:nvSpPr>
+        <p:spPr>
+          <a:xfrm>
+            <a:off x="534075" y="2756496"/>
+            <a:ext cx="4057650" cy="609398"/>
+          </a:xfrm>
+        </p:spPr>
+        <p:txBody>
+          <a:bodyPr wrap="square" anchor="t">
+            <a:spAutoFit/>
+          </a:bodyPr>
+          <a:lstStyle>
+            <a:lvl1pPr marL="0" indent="0">
+              <a:spcAft>
+                <a:spcPts val="0"/>
+              </a:spcAft>
+              <a:buNone/>
+              <a:defRPr sz="2250">
+                <a:latin typeface="+mj-lt"/>
+              </a:defRPr>
+            </a:lvl1pPr>
+            <a:lvl2pPr>
+              <a:defRPr sz="2250">
+                <a:latin typeface="+mj-lt"/>
+              </a:defRPr>
+            </a:lvl2pPr>
+            <a:lvl3pPr>
+              <a:defRPr sz="2250">
+                <a:latin typeface="+mj-lt"/>
+              </a:defRPr>
+            </a:lvl3pPr>
+            <a:lvl4pPr>
+              <a:defRPr sz="2250">
+                <a:latin typeface="+mj-lt"/>
+              </a:defRPr>
+            </a:lvl4pPr>
+            <a:lvl5pPr>
+              <a:defRPr sz="2250">
+                <a:latin typeface="+mj-lt"/>
+              </a:defRPr>
+            </a:lvl5pPr>
+          </a:lstStyle>
+          <a:p>
+            <a:pPr>
+              <a:lnSpc>
+                <a:spcPct val="88000"/>
+              </a:lnSpc>
+            </a:pPr>
+            <a:r>
+              <a:rPr lang="en-US" sz="2250" u="none" dirty="0">
+                <a:latin typeface="Calibri Light" panose="020F0302020204030204" pitchFamily="34" charset="0"/>
+                <a:ea typeface="MS PGothic"/>
+                <a:cs typeface="Calibri Light" panose="020F0302020204030204" pitchFamily="34" charset="0"/>
+              </a:rPr>
+              <a:t>Subheading goes here</a:t>
+            </a:r>
+            <a:br>
+              <a:rPr lang="en-US" sz="2250" u="none" dirty="0">
+                <a:latin typeface="Calibri Light" panose="020F0302020204030204" pitchFamily="34" charset="0"/>
+                <a:ea typeface="MS PGothic"/>
+                <a:cs typeface="Calibri Light" panose="020F0302020204030204" pitchFamily="34" charset="0"/>
+              </a:rPr>
+            </a:br>
+            <a:r>
+              <a:rPr lang="en-US" sz="2250" dirty="0">
+                <a:latin typeface="Calibri Light" panose="020F0302020204030204" pitchFamily="34" charset="0"/>
+                <a:ea typeface="MS PGothic"/>
+                <a:cs typeface="Calibri Light" panose="020F0302020204030204" pitchFamily="34" charset="0"/>
+              </a:rPr>
+              <a:t>Calibri 30 pt.</a:t>
+            </a:r>
+            <a:endParaRPr lang="en-US" sz="2250" u="none" dirty="0">
+              <a:latin typeface="Calibri Light" panose="020F0302020204030204" pitchFamily="34" charset="0"/>
+              <a:ea typeface="MS PGothic"/>
+              <a:cs typeface="Calibri Light" panose="020F0302020204030204" pitchFamily="34" charset="0"/>
+            </a:endParaRPr>
+          </a:p>
+        </p:txBody>
+      </p:sp>
+      <p:sp>
+        <p:nvSpPr>
+          <p:cNvPr id="7" name="Text Placeholder 37">
+            <a:extLst>
+              <a:ext uri="{FF2B5EF4-FFF2-40B4-BE49-F238E27FC236}">
+                <a16:creationId xmlns:a16="http://schemas.microsoft.com/office/drawing/2014/main" id="{95B5AC9A-8274-BF47-BC66-46041274E93A}"/>
+              </a:ext>
+            </a:extLst>
+          </p:cNvPr>
+          <p:cNvSpPr>
+            <a:spLocks noGrp="1"/>
+          </p:cNvSpPr>
+          <p:nvPr>
+            <p:ph type="body" sz="quarter" idx="17" hasCustomPrompt="1"/>
+          </p:nvPr>
+        </p:nvSpPr>
+        <p:spPr>
+          <a:xfrm>
+            <a:off x="534075" y="1593411"/>
+            <a:ext cx="4383157" cy="853167"/>
+          </a:xfrm>
+        </p:spPr>
+        <p:txBody>
+          <a:bodyPr wrap="square" anchor="b">
+            <a:spAutoFit/>
+          </a:bodyPr>
+          <a:lstStyle>
+            <a:lvl1pPr marL="0" indent="0">
+              <a:lnSpc>
+                <a:spcPct val="88000"/>
+              </a:lnSpc>
+              <a:spcBef>
+                <a:spcPts val="0"/>
+              </a:spcBef>
+              <a:spcAft>
+                <a:spcPts val="0"/>
+              </a:spcAft>
+              <a:buNone/>
+              <a:defRPr sz="3150" b="1"/>
+            </a:lvl1pPr>
+            <a:lvl2pPr marL="342900" indent="0">
+              <a:lnSpc>
+                <a:spcPct val="88000"/>
+              </a:lnSpc>
+              <a:buNone/>
+              <a:defRPr sz="3150" b="1"/>
+            </a:lvl2pPr>
+            <a:lvl3pPr marL="685800" indent="0">
+              <a:lnSpc>
+                <a:spcPct val="88000"/>
+              </a:lnSpc>
+              <a:buNone/>
+              <a:defRPr sz="3150" b="1"/>
+            </a:lvl3pPr>
+            <a:lvl4pPr marL="1028700" indent="0">
+              <a:lnSpc>
+                <a:spcPct val="88000"/>
+              </a:lnSpc>
+              <a:buNone/>
+              <a:defRPr sz="3150" b="1"/>
+            </a:lvl4pPr>
+            <a:lvl5pPr marL="1371600" indent="0">
+              <a:lnSpc>
+                <a:spcPct val="88000"/>
+              </a:lnSpc>
+              <a:buNone/>
+              <a:defRPr sz="3150" b="1"/>
+            </a:lvl5pPr>
+          </a:lstStyle>
+          <a:p>
+            <a:pPr>
+              <a:lnSpc>
+                <a:spcPct val="88000"/>
+              </a:lnSpc>
+              <a:spcAft>
+                <a:spcPts val="600"/>
+              </a:spcAft>
+            </a:pPr>
+            <a:r>
+              <a:rPr lang="en-US" sz="3150" b="1" u="none" dirty="0">
+                <a:latin typeface="Calibri"/>
+                <a:ea typeface="MS PGothic"/>
+                <a:cs typeface="Calibri"/>
+              </a:rPr>
+              <a:t>Presentation Title. </a:t>
+            </a:r>
+            <a:br>
+              <a:rPr lang="en-US" sz="3150" b="1" u="none" dirty="0">
+                <a:latin typeface="Calibri"/>
+                <a:ea typeface="MS PGothic"/>
+                <a:cs typeface="Calibri"/>
+              </a:rPr>
+            </a:br>
+            <a:r>
+              <a:rPr lang="en-US" sz="3150" b="1" u="none" dirty="0">
+                <a:latin typeface="Calibri"/>
+                <a:ea typeface="MS PGothic"/>
+                <a:cs typeface="Calibri"/>
+              </a:rPr>
+              <a:t>Can be 2-3 lines in length</a:t>
+            </a:r>
+            <a:endParaRPr lang="en-US" sz="3150" b="1" u="none" dirty="0">
+              <a:latin typeface="Calibri Light" panose="020F0302020204030204" pitchFamily="34" charset="0"/>
+              <a:ea typeface="MS PGothic"/>
+              <a:cs typeface="Calibri Light" panose="020F0302020204030204" pitchFamily="34" charset="0"/>
+            </a:endParaRPr>
+          </a:p>
+        </p:txBody>
+      </p:sp>
+      <p:sp>
+        <p:nvSpPr>
+          <p:cNvPr id="6" name="Rectangle 5">
+            <a:extLst>
+              <a:ext uri="{FF2B5EF4-FFF2-40B4-BE49-F238E27FC236}">
+                <a16:creationId xmlns:a16="http://schemas.microsoft.com/office/drawing/2014/main" id="{1D716EFD-F646-3881-9E4C-0455F945B4A4}"/>
+              </a:ext>
+              <a:ext uri="{C183D7F6-B498-43B3-948B-1728B52AA6E4}">
+                <adec:decorative xmlns:adec="http://schemas.microsoft.com/office/drawing/2017/decorative" val="1"/>
+              </a:ext>
+            </a:extLst>
+          </p:cNvPr>
+          <p:cNvSpPr/>
+          <p:nvPr/>
+        </p:nvSpPr>
+        <p:spPr>
+          <a:xfrm>
+            <a:off x="547721" y="2482414"/>
+            <a:ext cx="685800" cy="89154"/>
+          </a:xfrm>
+          <a:prstGeom prst="rect">
+            <a:avLst/>
+          </a:prstGeom>
+          <a:solidFill>
+            <a:schemeClr val="accent1"/>
+          </a:solidFill>
+          <a:ln>
+            <a:noFill/>
+          </a:ln>
+        </p:spPr>
+        <p:style>
+          <a:lnRef idx="2">
+            <a:schemeClr val="accent1">
+              <a:shade val="50000"/>
+            </a:schemeClr>
+          </a:lnRef>
+          <a:fillRef idx="1">
+            <a:schemeClr val="accent1"/>
+          </a:fillRef>
+          <a:effectRef idx="0">
+            <a:schemeClr val="accent1"/>
+          </a:effectRef>
+          <a:fontRef idx="minor">
+            <a:schemeClr val="lt1"/>
+          </a:fontRef>
+        </p:style>
+        <p:txBody>
+          <a:bodyPr lIns="137160" tIns="137160" rIns="137160" bIns="137160" rtlCol="0" anchor="t" anchorCtr="1"/>
+          <a:lstStyle/>
+          <a:p>
+            <a:pPr algn="l"/>
+            <a:endParaRPr lang="en-US" sz="1650" b="1" dirty="0">
+              <a:solidFill>
+                <a:schemeClr val="tx1"/>
+              </a:solidFill>
+              <a:latin typeface="Calibri" panose="020F0502020204030204" pitchFamily="34" charset="0"/>
+              <a:ea typeface="MS PGothic"/>
+              <a:cs typeface="Calibri" panose="020F0502020204030204" pitchFamily="34" charset="0"/>
+            </a:endParaRPr>
+          </a:p>
+        </p:txBody>
+      </p:sp>
+      <p:sp>
+        <p:nvSpPr>
+          <p:cNvPr id="2" name="Rectangle 1">
+            <a:extLst>
+              <a:ext uri="{FF2B5EF4-FFF2-40B4-BE49-F238E27FC236}">
+                <a16:creationId xmlns:a16="http://schemas.microsoft.com/office/drawing/2014/main" id="{DFC92F6B-E831-308F-C985-13BDB8D6318E}"/>
+              </a:ext>
+              <a:ext uri="{C183D7F6-B498-43B3-948B-1728B52AA6E4}">
+                <adec:decorative xmlns:adec="http://schemas.microsoft.com/office/drawing/2017/decorative" val="1"/>
+              </a:ext>
+            </a:extLst>
+          </p:cNvPr>
+          <p:cNvSpPr/>
+          <p:nvPr userDrawn="1"/>
+        </p:nvSpPr>
+        <p:spPr>
+          <a:xfrm>
+            <a:off x="547721" y="2482414"/>
+            <a:ext cx="685800" cy="89154"/>
+          </a:xfrm>
+          <a:prstGeom prst="rect">
+            <a:avLst/>
+          </a:prstGeom>
+          <a:solidFill>
+            <a:schemeClr val="accent1"/>
+          </a:solidFill>
+          <a:ln>
+            <a:noFill/>
+          </a:ln>
+        </p:spPr>
+        <p:style>
+          <a:lnRef idx="2">
+            <a:schemeClr val="accent1">
+              <a:shade val="50000"/>
+            </a:schemeClr>
+          </a:lnRef>
+          <a:fillRef idx="1">
+            <a:schemeClr val="accent1"/>
+          </a:fillRef>
+          <a:effectRef idx="0">
+            <a:schemeClr val="accent1"/>
+          </a:effectRef>
+          <a:fontRef idx="minor">
+            <a:schemeClr val="lt1"/>
+          </a:fontRef>
+        </p:style>
+        <p:txBody>
+          <a:bodyPr lIns="137160" tIns="137160" rIns="137160" bIns="137160" rtlCol="0" anchor="t" anchorCtr="1"/>
+          <a:lstStyle/>
+          <a:p>
+            <a:pPr algn="l"/>
+            <a:endParaRPr lang="en-US" sz="1650" b="1" dirty="0">
+              <a:solidFill>
+                <a:schemeClr val="tx1"/>
+              </a:solidFill>
+              <a:latin typeface="Calibri" panose="020F0502020204030204" pitchFamily="34" charset="0"/>
+              <a:ea typeface="MS PGothic"/>
+              <a:cs typeface="Calibri" panose="020F0502020204030204" pitchFamily="34" charset="0"/>
+            </a:endParaRPr>
+          </a:p>
+        </p:txBody>
+      </p:sp>
+      <p:pic>
+        <p:nvPicPr>
+          <p:cNvPr id="8" name="Picture 7">
+            <a:extLst>
+              <a:ext uri="{FF2B5EF4-FFF2-40B4-BE49-F238E27FC236}">
+                <a16:creationId xmlns:a16="http://schemas.microsoft.com/office/drawing/2014/main" id="{2135E3E3-D409-BCAE-B326-682ADC262DF2}"/>
+              </a:ext>
+            </a:extLst>
+          </p:cNvPr>
+          <p:cNvPicPr>
+            <a:picLocks noChangeAspect="1"/>
+          </p:cNvPicPr>
+          <p:nvPr userDrawn="1"/>
+        </p:nvPicPr>
+        <p:blipFill>
+          <a:blip r:embed="rId3"/>
+          <a:srcRect/>
+          <a:stretch/>
+        </p:blipFill>
+        <p:spPr>
+          <a:xfrm>
+            <a:off x="7141722" y="4160771"/>
+            <a:ext cx="2002278" cy="980895"/>
+          </a:xfrm>
+          <a:prstGeom prst="rect">
+            <a:avLst/>
+          </a:prstGeom>
+        </p:spPr>
+      </p:pic>
+    </p:spTree>
+    <p:extLst>
+      <p:ext uri="{BB962C8B-B14F-4D97-AF65-F5344CB8AC3E}">
+        <p14:creationId xmlns:p14="http://schemas.microsoft.com/office/powerpoint/2010/main" val="4032560361"/>
       </p:ext>
     </p:extLst>
   </p:cSld>
@@ -5413,7 +6380,7 @@
           <a:p>
             <a:r>
               <a:rPr lang="en-CA" b="1" dirty="0"/>
-              <a:t>© 2024 Health Level Seven ® International. All Rights Reserved. Published under the Creative Commons 3.0 Attribution </a:t>
+              <a:t>© 2025 Health Level Seven ® International. All Rights Reserved. Published under the Creative Commons 3.0 Attribution </a:t>
             </a:r>
             <a:r>
               <a:rPr lang="en-CA" b="1" dirty="0" err="1"/>
@@ -5975,7 +6942,7 @@
           <a:p>
             <a:r>
               <a:rPr lang="en-CA" b="1" dirty="0"/>
-              <a:t>© 2024 Health Level Seven ® International. All Rights Reserved. Published under the Creative Commons 3.0 Attribution </a:t>
+              <a:t>© 2025 Health Level Seven ® International. All Rights Reserved. Published under the Creative Commons 3.0 Attribution </a:t>
             </a:r>
             <a:r>
               <a:rPr lang="en-CA" b="1" dirty="0" err="1"/>
@@ -6475,7 +7442,7 @@
           <a:p>
             <a:r>
               <a:rPr lang="en-CA" b="1" dirty="0"/>
-              <a:t>© 2024 Health Level Seven ® International. All Rights Reserved. Published under the Creative Commons 3.0 Attribution </a:t>
+              <a:t>© 2025 Health Level Seven ® International. All Rights Reserved. Published under the Creative Commons 3.0 Attribution </a:t>
             </a:r>
             <a:r>
               <a:rPr lang="en-CA" b="1" dirty="0" err="1"/>
@@ -6975,7 +7942,7 @@
           <a:p>
             <a:r>
               <a:rPr lang="en-CA" b="1" dirty="0"/>
-              <a:t>© 2024 Health Level Seven ® International. All Rights Reserved. Published under the Creative Commons 3.0 Attribution </a:t>
+              <a:t>© 2025 Health Level Seven ® International. All Rights Reserved. Published under the Creative Commons 3.0 Attribution </a:t>
             </a:r>
             <a:r>
               <a:rPr lang="en-CA" b="1" dirty="0" err="1"/>
@@ -7718,7 +8685,7 @@
           <a:p>
             <a:r>
               <a:rPr lang="en-CA" b="1" dirty="0"/>
-              <a:t>© 2024 Health Level Seven ® International. All Rights Reserved. Published under the Creative Commons 3.0 Attribution </a:t>
+              <a:t>© 2025 Health Level Seven ® International. All Rights Reserved. Published under the Creative Commons 3.0 Attribution </a:t>
             </a:r>
             <a:r>
               <a:rPr lang="en-CA" b="1" dirty="0" err="1"/>
@@ -8709,7 +9676,7 @@
           <a:p>
             <a:r>
               <a:rPr lang="en-CA" b="1" dirty="0"/>
-              <a:t>© 2024 Health Level Seven ® International. All Rights Reserved. Published under the Creative Commons 3.0 Attribution </a:t>
+              <a:t>© 2025 Health Level Seven ® International. All Rights Reserved. Published under the Creative Commons 3.0 Attribution </a:t>
             </a:r>
             <a:r>
               <a:rPr lang="en-CA" b="1" dirty="0" err="1"/>
@@ -9518,7 +10485,7 @@
           <a:p>
             <a:r>
               <a:rPr lang="en-CA" b="1" dirty="0"/>
-              <a:t>© 2024 Health Level Seven ® International. All Rights Reserved. Published under the Creative Commons 3.0 Attribution </a:t>
+              <a:t>© 2025 Health Level Seven ® International. All Rights Reserved. Published under the Creative Commons 3.0 Attribution </a:t>
             </a:r>
             <a:r>
               <a:rPr lang="en-CA" b="1" dirty="0" err="1"/>
@@ -10057,7 +11024,7 @@
           <a:p>
             <a:r>
               <a:rPr lang="en-CA" b="1" dirty="0"/>
-              <a:t>© 2024 Health Level Seven ® International. All Rights Reserved. Published under the Creative Commons 3.0 Attribution </a:t>
+              <a:t>© 2025 Health Level Seven ® International. All Rights Reserved. Published under the Creative Commons 3.0 Attribution </a:t>
             </a:r>
             <a:r>
               <a:rPr lang="en-CA" b="1" dirty="0" err="1"/>
@@ -10139,6 +11106,7 @@
     <p:sldLayoutId id="2147483702" r:id="rId14"/>
     <p:sldLayoutId id="2147483704" r:id="rId15"/>
     <p:sldLayoutId id="2147483706" r:id="rId16"/>
+    <p:sldLayoutId id="2147483707" r:id="rId17"/>
   </p:sldLayoutIdLst>
   <p:hf hdr="0" dt="0"/>
   <p:txStyles>
@@ -10534,6 +11502,20 @@
 <file path=ppt/slides/slide1.xml><?xml version="1.0" encoding="utf-8"?>
 <p:sld xmlns:a="http://schemas.openxmlformats.org/drawingml/2006/main" xmlns:r="http://schemas.openxmlformats.org/officeDocument/2006/relationships" xmlns:p="http://schemas.openxmlformats.org/presentationml/2006/main">
   <p:cSld>
+    <p:bg>
+      <p:bgPr>
+        <a:blipFill dpi="0" rotWithShape="1">
+          <a:blip r:embed="rId2">
+            <a:lum/>
+          </a:blip>
+          <a:srcRect/>
+          <a:stretch>
+            <a:fillRect/>
+          </a:stretch>
+        </a:blipFill>
+        <a:effectLst/>
+      </p:bgPr>
+    </p:bg>
     <p:spTree>
       <p:nvGrpSpPr>
         <p:cNvPr id="1" name=""/>
@@ -10550,22 +11532,129 @@
       </p:grpSpPr>
       <p:sp>
         <p:nvSpPr>
-          <p:cNvPr id="3" name="Title 2"/>
+          <p:cNvPr id="6" name="Text Placeholder 5">
+            <a:extLst>
+              <a:ext uri="{FF2B5EF4-FFF2-40B4-BE49-F238E27FC236}">
+                <a16:creationId xmlns:a16="http://schemas.microsoft.com/office/drawing/2014/main" id="{32A55B74-6F49-9F22-9178-DE37CD82D03E}"/>
+              </a:ext>
+            </a:extLst>
+          </p:cNvPr>
           <p:cNvSpPr>
             <a:spLocks noGrp="1"/>
           </p:cNvSpPr>
           <p:nvPr>
-            <p:ph type="ctrTitle"/>
+            <p:ph type="body" sz="quarter" idx="16"/>
           </p:nvPr>
         </p:nvSpPr>
-        <p:spPr/>
+        <p:spPr>
+          <a:xfrm>
+            <a:off x="534075" y="4603166"/>
+            <a:ext cx="4057650" cy="207749"/>
+          </a:xfrm>
+        </p:spPr>
         <p:txBody>
           <a:bodyPr/>
-          <a:lstStyle/>
-          <a:p>
-            <a:r>
-              <a:rPr lang="en-AU" dirty="0"/>
-              <a:t>Structured Data Capture</a:t>
+          <a:lstStyle>
+            <a:defPPr>
+              <a:defRPr lang="en-US"/>
+            </a:defPPr>
+            <a:lvl1pPr marL="0" algn="l" defTabSz="685800" rtl="0" eaLnBrk="1" latinLnBrk="0" hangingPunct="1">
+              <a:defRPr sz="1350" kern="1200">
+                <a:solidFill>
+                  <a:schemeClr val="tx1"/>
+                </a:solidFill>
+                <a:latin typeface="+mn-lt"/>
+                <a:ea typeface="+mn-ea"/>
+                <a:cs typeface="+mn-cs"/>
+              </a:defRPr>
+            </a:lvl1pPr>
+            <a:lvl2pPr marL="342900" algn="l" defTabSz="685800" rtl="0" eaLnBrk="1" latinLnBrk="0" hangingPunct="1">
+              <a:defRPr sz="1350" kern="1200">
+                <a:solidFill>
+                  <a:schemeClr val="tx1"/>
+                </a:solidFill>
+                <a:latin typeface="+mn-lt"/>
+                <a:ea typeface="+mn-ea"/>
+                <a:cs typeface="+mn-cs"/>
+              </a:defRPr>
+            </a:lvl2pPr>
+            <a:lvl3pPr marL="685800" algn="l" defTabSz="685800" rtl="0" eaLnBrk="1" latinLnBrk="0" hangingPunct="1">
+              <a:defRPr sz="1350" kern="1200">
+                <a:solidFill>
+                  <a:schemeClr val="tx1"/>
+                </a:solidFill>
+                <a:latin typeface="+mn-lt"/>
+                <a:ea typeface="+mn-ea"/>
+                <a:cs typeface="+mn-cs"/>
+              </a:defRPr>
+            </a:lvl3pPr>
+            <a:lvl4pPr marL="1028700" algn="l" defTabSz="685800" rtl="0" eaLnBrk="1" latinLnBrk="0" hangingPunct="1">
+              <a:defRPr sz="1350" kern="1200">
+                <a:solidFill>
+                  <a:schemeClr val="tx1"/>
+                </a:solidFill>
+                <a:latin typeface="+mn-lt"/>
+                <a:ea typeface="+mn-ea"/>
+                <a:cs typeface="+mn-cs"/>
+              </a:defRPr>
+            </a:lvl4pPr>
+            <a:lvl5pPr marL="1371600" algn="l" defTabSz="685800" rtl="0" eaLnBrk="1" latinLnBrk="0" hangingPunct="1">
+              <a:defRPr sz="1350" kern="1200">
+                <a:solidFill>
+                  <a:schemeClr val="tx1"/>
+                </a:solidFill>
+                <a:latin typeface="+mn-lt"/>
+                <a:ea typeface="+mn-ea"/>
+                <a:cs typeface="+mn-cs"/>
+              </a:defRPr>
+            </a:lvl5pPr>
+            <a:lvl6pPr marL="1714500" algn="l" defTabSz="685800" rtl="0" eaLnBrk="1" latinLnBrk="0" hangingPunct="1">
+              <a:defRPr sz="1350" kern="1200">
+                <a:solidFill>
+                  <a:schemeClr val="tx1"/>
+                </a:solidFill>
+                <a:latin typeface="+mn-lt"/>
+                <a:ea typeface="+mn-ea"/>
+                <a:cs typeface="+mn-cs"/>
+              </a:defRPr>
+            </a:lvl6pPr>
+            <a:lvl7pPr marL="2057400" algn="l" defTabSz="685800" rtl="0" eaLnBrk="1" latinLnBrk="0" hangingPunct="1">
+              <a:defRPr sz="1350" kern="1200">
+                <a:solidFill>
+                  <a:schemeClr val="tx1"/>
+                </a:solidFill>
+                <a:latin typeface="+mn-lt"/>
+                <a:ea typeface="+mn-ea"/>
+                <a:cs typeface="+mn-cs"/>
+              </a:defRPr>
+            </a:lvl7pPr>
+            <a:lvl8pPr marL="2400300" algn="l" defTabSz="685800" rtl="0" eaLnBrk="1" latinLnBrk="0" hangingPunct="1">
+              <a:defRPr sz="1350" kern="1200">
+                <a:solidFill>
+                  <a:schemeClr val="tx1"/>
+                </a:solidFill>
+                <a:latin typeface="+mn-lt"/>
+                <a:ea typeface="+mn-ea"/>
+                <a:cs typeface="+mn-cs"/>
+              </a:defRPr>
+            </a:lvl8pPr>
+            <a:lvl9pPr marL="2743200" algn="l" defTabSz="685800" rtl="0" eaLnBrk="1" latinLnBrk="0" hangingPunct="1">
+              <a:defRPr sz="1350" kern="1200">
+                <a:solidFill>
+                  <a:schemeClr val="tx1"/>
+                </a:solidFill>
+                <a:latin typeface="+mn-lt"/>
+                <a:ea typeface="+mn-ea"/>
+                <a:cs typeface="+mn-cs"/>
+              </a:defRPr>
+            </a:lvl9pPr>
+          </a:lstStyle>
+          <a:p>
+            <a:r>
+              <a:rPr lang="en-US" dirty="0">
+                <a:cs typeface="Arial"/>
+              </a:rPr>
+              <a:t>Lloyd McKenzie | February 2025</a:t>
             </a:r>
             <a:endParaRPr lang="en-US" dirty="0"/>
           </a:p>
@@ -10573,32 +11662,140 @@
       </p:sp>
       <p:sp>
         <p:nvSpPr>
-          <p:cNvPr id="4" name="Subtitle 3"/>
+          <p:cNvPr id="2" name="Text Placeholder 1">
+            <a:extLst>
+              <a:ext uri="{FF2B5EF4-FFF2-40B4-BE49-F238E27FC236}">
+                <a16:creationId xmlns:a16="http://schemas.microsoft.com/office/drawing/2014/main" id="{E265F639-6FEA-A56A-8782-FB04C81D81D5}"/>
+              </a:ext>
+            </a:extLst>
+          </p:cNvPr>
           <p:cNvSpPr>
             <a:spLocks noGrp="1"/>
           </p:cNvSpPr>
           <p:nvPr>
-            <p:ph type="subTitle" idx="1"/>
+            <p:ph type="body" sz="quarter" idx="14"/>
           </p:nvPr>
         </p:nvSpPr>
-        <p:spPr/>
+        <p:spPr>
+          <a:xfrm>
+            <a:off x="534075" y="2756496"/>
+            <a:ext cx="4057650" cy="207749"/>
+          </a:xfrm>
+        </p:spPr>
         <p:txBody>
           <a:bodyPr/>
-          <a:lstStyle/>
-          <a:p>
-            <a:r>
-              <a:rPr lang="en-US" altLang="en-US" dirty="0"/>
+          <a:lstStyle>
+            <a:defPPr>
+              <a:defRPr lang="en-US"/>
+            </a:defPPr>
+            <a:lvl1pPr marL="0" algn="l" defTabSz="685800" rtl="0" eaLnBrk="1" latinLnBrk="0" hangingPunct="1">
+              <a:defRPr sz="1350" kern="1200">
+                <a:solidFill>
+                  <a:schemeClr val="tx1"/>
+                </a:solidFill>
+                <a:latin typeface="+mn-lt"/>
+                <a:ea typeface="+mn-ea"/>
+                <a:cs typeface="+mn-cs"/>
+              </a:defRPr>
+            </a:lvl1pPr>
+            <a:lvl2pPr marL="342900" algn="l" defTabSz="685800" rtl="0" eaLnBrk="1" latinLnBrk="0" hangingPunct="1">
+              <a:defRPr sz="1350" kern="1200">
+                <a:solidFill>
+                  <a:schemeClr val="tx1"/>
+                </a:solidFill>
+                <a:latin typeface="+mn-lt"/>
+                <a:ea typeface="+mn-ea"/>
+                <a:cs typeface="+mn-cs"/>
+              </a:defRPr>
+            </a:lvl2pPr>
+            <a:lvl3pPr marL="685800" algn="l" defTabSz="685800" rtl="0" eaLnBrk="1" latinLnBrk="0" hangingPunct="1">
+              <a:defRPr sz="1350" kern="1200">
+                <a:solidFill>
+                  <a:schemeClr val="tx1"/>
+                </a:solidFill>
+                <a:latin typeface="+mn-lt"/>
+                <a:ea typeface="+mn-ea"/>
+                <a:cs typeface="+mn-cs"/>
+              </a:defRPr>
+            </a:lvl3pPr>
+            <a:lvl4pPr marL="1028700" algn="l" defTabSz="685800" rtl="0" eaLnBrk="1" latinLnBrk="0" hangingPunct="1">
+              <a:defRPr sz="1350" kern="1200">
+                <a:solidFill>
+                  <a:schemeClr val="tx1"/>
+                </a:solidFill>
+                <a:latin typeface="+mn-lt"/>
+                <a:ea typeface="+mn-ea"/>
+                <a:cs typeface="+mn-cs"/>
+              </a:defRPr>
+            </a:lvl4pPr>
+            <a:lvl5pPr marL="1371600" algn="l" defTabSz="685800" rtl="0" eaLnBrk="1" latinLnBrk="0" hangingPunct="1">
+              <a:defRPr sz="1350" kern="1200">
+                <a:solidFill>
+                  <a:schemeClr val="tx1"/>
+                </a:solidFill>
+                <a:latin typeface="+mn-lt"/>
+                <a:ea typeface="+mn-ea"/>
+                <a:cs typeface="+mn-cs"/>
+              </a:defRPr>
+            </a:lvl5pPr>
+            <a:lvl6pPr marL="1714500" algn="l" defTabSz="685800" rtl="0" eaLnBrk="1" latinLnBrk="0" hangingPunct="1">
+              <a:defRPr sz="1350" kern="1200">
+                <a:solidFill>
+                  <a:schemeClr val="tx1"/>
+                </a:solidFill>
+                <a:latin typeface="+mn-lt"/>
+                <a:ea typeface="+mn-ea"/>
+                <a:cs typeface="+mn-cs"/>
+              </a:defRPr>
+            </a:lvl6pPr>
+            <a:lvl7pPr marL="2057400" algn="l" defTabSz="685800" rtl="0" eaLnBrk="1" latinLnBrk="0" hangingPunct="1">
+              <a:defRPr sz="1350" kern="1200">
+                <a:solidFill>
+                  <a:schemeClr val="tx1"/>
+                </a:solidFill>
+                <a:latin typeface="+mn-lt"/>
+                <a:ea typeface="+mn-ea"/>
+                <a:cs typeface="+mn-cs"/>
+              </a:defRPr>
+            </a:lvl7pPr>
+            <a:lvl8pPr marL="2400300" algn="l" defTabSz="685800" rtl="0" eaLnBrk="1" latinLnBrk="0" hangingPunct="1">
+              <a:defRPr sz="1350" kern="1200">
+                <a:solidFill>
+                  <a:schemeClr val="tx1"/>
+                </a:solidFill>
+                <a:latin typeface="+mn-lt"/>
+                <a:ea typeface="+mn-ea"/>
+                <a:cs typeface="+mn-cs"/>
+              </a:defRPr>
+            </a:lvl8pPr>
+            <a:lvl9pPr marL="2743200" algn="l" defTabSz="685800" rtl="0" eaLnBrk="1" latinLnBrk="0" hangingPunct="1">
+              <a:defRPr sz="1350" kern="1200">
+                <a:solidFill>
+                  <a:schemeClr val="tx1"/>
+                </a:solidFill>
+                <a:latin typeface="+mn-lt"/>
+                <a:ea typeface="+mn-ea"/>
+                <a:cs typeface="+mn-cs"/>
+              </a:defRPr>
+            </a:lvl9pPr>
+          </a:lstStyle>
+          <a:p>
+            <a:r>
+              <a:rPr lang="en-US" dirty="0">
+                <a:cs typeface="Arial"/>
+              </a:rPr>
               <a:t>Adaptive Forms</a:t>
             </a:r>
+            <a:endParaRPr lang="en-US" dirty="0"/>
           </a:p>
         </p:txBody>
       </p:sp>
       <p:sp>
         <p:nvSpPr>
-          <p:cNvPr id="8" name="Text Placeholder 7">
-            <a:extLst>
-              <a:ext uri="{FF2B5EF4-FFF2-40B4-BE49-F238E27FC236}">
-                <a16:creationId xmlns:a16="http://schemas.microsoft.com/office/drawing/2014/main" id="{62EAEE4D-DFDC-4EFC-B01D-4E1EAA084740}"/>
+          <p:cNvPr id="7" name="Text Placeholder 6">
+            <a:extLst>
+              <a:ext uri="{FF2B5EF4-FFF2-40B4-BE49-F238E27FC236}">
+                <a16:creationId xmlns:a16="http://schemas.microsoft.com/office/drawing/2014/main" id="{4F7F09CA-AAA3-4BE6-D1C9-77D304F05A8A}"/>
               </a:ext>
             </a:extLst>
           </p:cNvPr>
@@ -10606,103 +11803,157 @@
             <a:spLocks noGrp="1"/>
           </p:cNvSpPr>
           <p:nvPr>
-            <p:ph type="body" sz="quarter" idx="10"/>
-          </p:nvPr>
-        </p:nvSpPr>
-        <p:spPr/>
-        <p:txBody>
-          <a:bodyPr/>
-          <a:lstStyle/>
-          <a:p>
-            <a:r>
-              <a:rPr lang="en-US" dirty="0"/>
-              <a:t>Lloyd McKenzie</a:t>
-            </a:r>
-          </a:p>
-          <a:p>
-            <a:r>
-              <a:rPr lang="en-US" dirty="0"/>
-              <a:t>??Date??</a:t>
-            </a:r>
-          </a:p>
-        </p:txBody>
-      </p:sp>
-      <p:sp>
-        <p:nvSpPr>
-          <p:cNvPr id="2" name="Footer Placeholder 1">
-            <a:extLst>
-              <a:ext uri="{FF2B5EF4-FFF2-40B4-BE49-F238E27FC236}">
-                <a16:creationId xmlns:a16="http://schemas.microsoft.com/office/drawing/2014/main" id="{2DB8BFEF-A591-4AA8-9418-E34A204D637F}"/>
-              </a:ext>
-            </a:extLst>
-          </p:cNvPr>
-          <p:cNvSpPr>
-            <a:spLocks noGrp="1"/>
-          </p:cNvSpPr>
-          <p:nvPr>
-            <p:ph type="ftr" sz="quarter" idx="11"/>
-          </p:nvPr>
-        </p:nvSpPr>
-        <p:spPr/>
-        <p:txBody>
-          <a:bodyPr/>
-          <a:lstStyle/>
-          <a:p>
-            <a:r>
-              <a:rPr lang="en-CA" dirty="0"/>
-              <a:t>© 2024 Health Level Seven ® International. All Rights Reserved. Published under the Creative Commons 3.0 Attribution </a:t>
-            </a:r>
-            <a:r>
-              <a:rPr lang="en-CA" dirty="0" err="1"/>
-              <a:t>Unported</a:t>
-            </a:r>
-            <a:r>
-              <a:rPr lang="en-CA" dirty="0"/>
-              <a:t> license</a:t>
-            </a:r>
-            <a:endParaRPr lang="en-US" dirty="0"/>
-          </a:p>
-        </p:txBody>
-      </p:sp>
-      <p:sp>
-        <p:nvSpPr>
-          <p:cNvPr id="7" name="Slide Number Placeholder 6">
-            <a:extLst>
-              <a:ext uri="{FF2B5EF4-FFF2-40B4-BE49-F238E27FC236}">
-                <a16:creationId xmlns:a16="http://schemas.microsoft.com/office/drawing/2014/main" id="{03B02A91-314E-47EE-9F6F-3A18A2FFF0EC}"/>
-              </a:ext>
-            </a:extLst>
-          </p:cNvPr>
-          <p:cNvSpPr>
-            <a:spLocks noGrp="1"/>
-          </p:cNvSpPr>
-          <p:nvPr>
-            <p:ph type="sldNum" sz="quarter" idx="4294967295"/>
+            <p:ph type="body" sz="quarter" idx="17"/>
           </p:nvPr>
         </p:nvSpPr>
         <p:spPr>
           <a:xfrm>
-            <a:off x="8872538" y="4792663"/>
-            <a:ext cx="271462" cy="158750"/>
+            <a:off x="534075" y="2263771"/>
+            <a:ext cx="4383157" cy="182807"/>
           </a:xfrm>
         </p:spPr>
         <p:txBody>
           <a:bodyPr/>
-          <a:lstStyle/>
-          <a:p>
-            <a:fld id="{DD8FDF0E-2772-4D89-9F72-F3CB15D8B8AB}" type="slidenum">
-              <a:rPr lang="en-US" smtClean="0"/>
-              <a:pPr/>
-              <a:t>1</a:t>
-            </a:fld>
+          <a:lstStyle>
+            <a:defPPr>
+              <a:defRPr lang="en-US"/>
+            </a:defPPr>
+            <a:lvl1pPr marL="0" algn="l" defTabSz="685800" rtl="0" eaLnBrk="1" latinLnBrk="0" hangingPunct="1">
+              <a:defRPr sz="1350" kern="1200">
+                <a:solidFill>
+                  <a:schemeClr val="tx1"/>
+                </a:solidFill>
+                <a:latin typeface="+mn-lt"/>
+                <a:ea typeface="+mn-ea"/>
+                <a:cs typeface="+mn-cs"/>
+              </a:defRPr>
+            </a:lvl1pPr>
+            <a:lvl2pPr marL="342900" algn="l" defTabSz="685800" rtl="0" eaLnBrk="1" latinLnBrk="0" hangingPunct="1">
+              <a:defRPr sz="1350" kern="1200">
+                <a:solidFill>
+                  <a:schemeClr val="tx1"/>
+                </a:solidFill>
+                <a:latin typeface="+mn-lt"/>
+                <a:ea typeface="+mn-ea"/>
+                <a:cs typeface="+mn-cs"/>
+              </a:defRPr>
+            </a:lvl2pPr>
+            <a:lvl3pPr marL="685800" algn="l" defTabSz="685800" rtl="0" eaLnBrk="1" latinLnBrk="0" hangingPunct="1">
+              <a:defRPr sz="1350" kern="1200">
+                <a:solidFill>
+                  <a:schemeClr val="tx1"/>
+                </a:solidFill>
+                <a:latin typeface="+mn-lt"/>
+                <a:ea typeface="+mn-ea"/>
+                <a:cs typeface="+mn-cs"/>
+              </a:defRPr>
+            </a:lvl3pPr>
+            <a:lvl4pPr marL="1028700" algn="l" defTabSz="685800" rtl="0" eaLnBrk="1" latinLnBrk="0" hangingPunct="1">
+              <a:defRPr sz="1350" kern="1200">
+                <a:solidFill>
+                  <a:schemeClr val="tx1"/>
+                </a:solidFill>
+                <a:latin typeface="+mn-lt"/>
+                <a:ea typeface="+mn-ea"/>
+                <a:cs typeface="+mn-cs"/>
+              </a:defRPr>
+            </a:lvl4pPr>
+            <a:lvl5pPr marL="1371600" algn="l" defTabSz="685800" rtl="0" eaLnBrk="1" latinLnBrk="0" hangingPunct="1">
+              <a:defRPr sz="1350" kern="1200">
+                <a:solidFill>
+                  <a:schemeClr val="tx1"/>
+                </a:solidFill>
+                <a:latin typeface="+mn-lt"/>
+                <a:ea typeface="+mn-ea"/>
+                <a:cs typeface="+mn-cs"/>
+              </a:defRPr>
+            </a:lvl5pPr>
+            <a:lvl6pPr marL="1714500" algn="l" defTabSz="685800" rtl="0" eaLnBrk="1" latinLnBrk="0" hangingPunct="1">
+              <a:defRPr sz="1350" kern="1200">
+                <a:solidFill>
+                  <a:schemeClr val="tx1"/>
+                </a:solidFill>
+                <a:latin typeface="+mn-lt"/>
+                <a:ea typeface="+mn-ea"/>
+                <a:cs typeface="+mn-cs"/>
+              </a:defRPr>
+            </a:lvl6pPr>
+            <a:lvl7pPr marL="2057400" algn="l" defTabSz="685800" rtl="0" eaLnBrk="1" latinLnBrk="0" hangingPunct="1">
+              <a:defRPr sz="1350" kern="1200">
+                <a:solidFill>
+                  <a:schemeClr val="tx1"/>
+                </a:solidFill>
+                <a:latin typeface="+mn-lt"/>
+                <a:ea typeface="+mn-ea"/>
+                <a:cs typeface="+mn-cs"/>
+              </a:defRPr>
+            </a:lvl7pPr>
+            <a:lvl8pPr marL="2400300" algn="l" defTabSz="685800" rtl="0" eaLnBrk="1" latinLnBrk="0" hangingPunct="1">
+              <a:defRPr sz="1350" kern="1200">
+                <a:solidFill>
+                  <a:schemeClr val="tx1"/>
+                </a:solidFill>
+                <a:latin typeface="+mn-lt"/>
+                <a:ea typeface="+mn-ea"/>
+                <a:cs typeface="+mn-cs"/>
+              </a:defRPr>
+            </a:lvl8pPr>
+            <a:lvl9pPr marL="2743200" algn="l" defTabSz="685800" rtl="0" eaLnBrk="1" latinLnBrk="0" hangingPunct="1">
+              <a:defRPr sz="1350" kern="1200">
+                <a:solidFill>
+                  <a:schemeClr val="tx1"/>
+                </a:solidFill>
+                <a:latin typeface="+mn-lt"/>
+                <a:ea typeface="+mn-ea"/>
+                <a:cs typeface="+mn-cs"/>
+              </a:defRPr>
+            </a:lvl9pPr>
+          </a:lstStyle>
+          <a:p>
+            <a:r>
+              <a:rPr lang="en-US" dirty="0">
+                <a:cs typeface="Arial"/>
+              </a:rPr>
+              <a:t>Structured Data Capture (SDC)</a:t>
+            </a:r>
             <a:endParaRPr lang="en-US" dirty="0"/>
           </a:p>
         </p:txBody>
       </p:sp>
+      <p:pic>
+        <p:nvPicPr>
+          <p:cNvPr id="3" name="Picture 2">
+            <a:extLst>
+              <a:ext uri="{FF2B5EF4-FFF2-40B4-BE49-F238E27FC236}">
+                <a16:creationId xmlns:a16="http://schemas.microsoft.com/office/drawing/2014/main" id="{D757EB45-C247-3B54-4921-3BF1D56F9D38}"/>
+              </a:ext>
+            </a:extLst>
+          </p:cNvPr>
+          <p:cNvPicPr>
+            <a:picLocks noChangeAspect="1"/>
+          </p:cNvPicPr>
+          <p:nvPr/>
+        </p:nvPicPr>
+        <p:blipFill>
+          <a:blip r:embed="rId3"/>
+          <a:stretch>
+            <a:fillRect/>
+          </a:stretch>
+        </p:blipFill>
+        <p:spPr>
+          <a:xfrm>
+            <a:off x="3375580" y="4601608"/>
+            <a:ext cx="1304925" cy="457200"/>
+          </a:xfrm>
+          <a:prstGeom prst="rect">
+            <a:avLst/>
+          </a:prstGeom>
+        </p:spPr>
+      </p:pic>
     </p:spTree>
     <p:extLst>
       <p:ext uri="{BB962C8B-B14F-4D97-AF65-F5344CB8AC3E}">
-        <p14:creationId xmlns:p14="http://schemas.microsoft.com/office/powerpoint/2010/main" val="1226924551"/>
+        <p14:creationId xmlns:p14="http://schemas.microsoft.com/office/powerpoint/2010/main" val="2030768388"/>
       </p:ext>
     </p:extLst>
   </p:cSld>
@@ -10870,7 +12121,7 @@
           <a:p>
             <a:r>
               <a:rPr lang="en-CA" b="1"/>
-              <a:t>© 2024 Health Level Seven ® International. All Rights Reserved. Published under the Creative Commons 3.0 Attribution Unported license</a:t>
+              <a:t>© 2025 Health Level Seven ® International. All Rights Reserved. Published under the Creative Commons 3.0 Attribution Unported license</a:t>
             </a:r>
             <a:endParaRPr lang="en-US" b="1" dirty="0"/>
           </a:p>
@@ -11038,7 +12289,7 @@
           <a:p>
             <a:r>
               <a:rPr lang="en-CA" b="1"/>
-              <a:t>© 2024 Health Level Seven ® International. All Rights Reserved. Published under the Creative Commons 3.0 Attribution Unported license</a:t>
+              <a:t>© 2025 Health Level Seven ® International. All Rights Reserved. Published under the Creative Commons 3.0 Attribution Unported license</a:t>
             </a:r>
             <a:endParaRPr lang="en-US" b="1" dirty="0"/>
           </a:p>
@@ -11226,7 +12477,7 @@
           <a:p>
             <a:r>
               <a:rPr lang="en-CA" b="1"/>
-              <a:t>© 2024 Health Level Seven ® International. All Rights Reserved. Published under the Creative Commons 3.0 Attribution Unported license</a:t>
+              <a:t>© 2025 Health Level Seven ® International. All Rights Reserved. Published under the Creative Commons 3.0 Attribution Unported license</a:t>
             </a:r>
             <a:endParaRPr lang="en-US" b="1" dirty="0"/>
           </a:p>
@@ -11483,7 +12734,7 @@
           <a:p>
             <a:r>
               <a:rPr lang="en-CA" b="1"/>
-              <a:t>© 2024 Health Level Seven ® International. All Rights Reserved. Published under the Creative Commons 3.0 Attribution Unported license</a:t>
+              <a:t>© 2025 Health Level Seven ® International. All Rights Reserved. Published under the Creative Commons 3.0 Attribution Unported license</a:t>
             </a:r>
             <a:endParaRPr lang="en-US" b="1" dirty="0"/>
           </a:p>
@@ -11671,7 +12922,7 @@
           <a:p>
             <a:r>
               <a:rPr lang="en-CA" b="1"/>
-              <a:t>© 2024 Health Level Seven ® International. All Rights Reserved. Published under the Creative Commons 3.0 Attribution Unported license</a:t>
+              <a:t>© 2025 Health Level Seven ® International. All Rights Reserved. Published under the Creative Commons 3.0 Attribution Unported license</a:t>
             </a:r>
             <a:endParaRPr lang="en-US" b="1" dirty="0"/>
           </a:p>
@@ -11824,7 +13075,7 @@
           <a:p>
             <a:r>
               <a:rPr lang="en-CA" b="1"/>
-              <a:t>© 2024 Health Level Seven ® International. All Rights Reserved. Published under the Creative Commons 3.0 Attribution Unported license</a:t>
+              <a:t>© 2025 Health Level Seven ® International. All Rights Reserved. Published under the Creative Commons 3.0 Attribution Unported license</a:t>
             </a:r>
             <a:endParaRPr lang="en-US" b="1" dirty="0"/>
           </a:p>
@@ -11946,7 +13197,7 @@
           <a:p>
             <a:r>
               <a:rPr lang="en-CA" b="1"/>
-              <a:t>© 2024 Health Level Seven ® International. All Rights Reserved. Published under the Creative Commons 3.0 Attribution Unported license</a:t>
+              <a:t>© 2025 Health Level Seven ® International. All Rights Reserved. Published under the Creative Commons 3.0 Attribution Unported license</a:t>
             </a:r>
             <a:endParaRPr lang="en-US" b="1" dirty="0"/>
           </a:p>
@@ -12206,7 +13457,7 @@
           <a:p>
             <a:r>
               <a:rPr lang="en-CA" b="1"/>
-              <a:t>© 2024 Health Level Seven ® International. All Rights Reserved. Published under the Creative Commons 3.0 Attribution Unported license</a:t>
+              <a:t>© 2025 Health Level Seven ® International. All Rights Reserved. Published under the Creative Commons 3.0 Attribution Unported license</a:t>
             </a:r>
             <a:endParaRPr lang="en-US" b="1" dirty="0"/>
           </a:p>
@@ -12403,7 +13654,7 @@
           <a:p>
             <a:r>
               <a:rPr lang="en-CA" b="1"/>
-              <a:t>© 2024 Health Level Seven ® International. All Rights Reserved. Published under the Creative Commons 3.0 Attribution Unported license</a:t>
+              <a:t>© 2025 Health Level Seven ® International. All Rights Reserved. Published under the Creative Commons 3.0 Attribution Unported license</a:t>
             </a:r>
             <a:endParaRPr lang="en-US" b="1" dirty="0"/>
           </a:p>
@@ -12879,7 +14130,7 @@
           <a:p>
             <a:r>
               <a:rPr lang="en-CA" dirty="0"/>
-              <a:t>© 2024 Health Level Seven ® International. All Rights Reserved. Published under the Creative Commons 3.0 Attribution </a:t>
+              <a:t>© 2025 Health Level Seven ® International. All Rights Reserved. Published under the Creative Commons 3.0 Attribution </a:t>
             </a:r>
             <a:r>
               <a:rPr lang="en-CA" dirty="0" err="1"/>
@@ -13097,7 +14348,7 @@
           <a:p>
             <a:r>
               <a:rPr lang="en-CA" dirty="0"/>
-              <a:t>© 2024 Health Level Seven ® International. All Rights Reserved. Published under the Creative Commons 3.0 Attribution </a:t>
+              <a:t>© 2025 Health Level Seven ® International. All Rights Reserved. Published under the Creative Commons 3.0 Attribution </a:t>
             </a:r>
             <a:r>
               <a:rPr lang="en-CA" dirty="0" err="1"/>
@@ -13300,7 +14551,7 @@
           <a:p>
             <a:r>
               <a:rPr lang="en-CA" dirty="0"/>
-              <a:t>© 2024 Health Level Seven ® International. All Rights Reserved. Published under the Creative Commons 3.0 Attribution </a:t>
+              <a:t>© 2025 Health Level Seven ® International. All Rights Reserved. Published under the Creative Commons 3.0 Attribution </a:t>
             </a:r>
             <a:r>
               <a:rPr lang="en-CA" dirty="0" err="1"/>
@@ -13509,16 +14760,11 @@
           </a:p>
           <a:p>
             <a:r>
-              <a:rPr lang="en-US" sz="1800" dirty="0"/>
+              <a:rPr lang="en-US" sz="1800">
+                <a:ea typeface="ヒラギノ角ゴ Pro W3"/>
+              </a:rPr>
               <a:t>SDC Modular &amp; Derived Forms</a:t>
             </a:r>
-          </a:p>
-          <a:p>
-            <a:r>
-              <a:rPr lang="en-US" sz="1800" dirty="0"/>
-              <a:t>SDC Open Forum</a:t>
-            </a:r>
-            <a:endParaRPr lang="en-CA" sz="1800" dirty="0"/>
           </a:p>
         </p:txBody>
       </p:sp>
@@ -13545,7 +14791,7 @@
           <a:p>
             <a:r>
               <a:rPr lang="en-CA" b="1"/>
-              <a:t>© 2024 Health Level Seven ® International. All Rights Reserved. Published under the Creative Commons 3.0 Attribution Unported license</a:t>
+              <a:t>© 2025 Health Level Seven ® International. All Rights Reserved. Published under the Creative Commons 3.0 Attribution Unported license</a:t>
             </a:r>
             <a:endParaRPr lang="en-US" b="1" dirty="0"/>
           </a:p>
@@ -13704,8 +14950,10 @@
           <a:p>
             <a:pPr lvl="1"/>
             <a:r>
-              <a:rPr lang="en-CA" sz="1800" dirty="0"/>
-              <a:t>Explain some of the benefits for using adaptive instead of standard forms</a:t>
+              <a:rPr lang="en-CA" sz="1800" dirty="0">
+                <a:ea typeface="ヒラギノ角ゴ Pro W3"/>
+              </a:rPr>
+              <a:t>Explain some of the benefits for using adaptive forms instead of standard forms</a:t>
             </a:r>
           </a:p>
           <a:p>
@@ -13739,10 +14987,10 @@
           <p:nvPr/>
         </p:nvPicPr>
         <p:blipFill>
-          <a:blip r:embed="rId2">
+          <a:blip r:embed="rId3">
             <a:extLst>
               <a:ext uri="{837473B0-CC2E-450A-ABE3-18F120FF3D39}">
-                <a1611:picAttrSrcUrl xmlns:a1611="http://schemas.microsoft.com/office/drawing/2016/11/main" r:id="rId3"/>
+                <a1611:picAttrSrcUrl xmlns:a1611="http://schemas.microsoft.com/office/drawing/2016/11/main" r:id="rId4"/>
               </a:ext>
             </a:extLst>
           </a:blip>
@@ -13770,6 +15018,11 @@
   <p:clrMapOvr>
     <a:masterClrMapping/>
   </p:clrMapOvr>
+  <p:extLst>
+    <p:ext uri="{6950BFC3-D8DA-4A85-94F7-54DA5524770B}">
+      <p188:commentRel xmlns:p188="http://schemas.microsoft.com/office/powerpoint/2018/8/main" r:id="rId2"/>
+    </p:ext>
+  </p:extLst>
 </p:sld>
 </file>
 
@@ -13900,7 +15153,7 @@
           <a:p>
             <a:r>
               <a:rPr lang="en-CA" b="1"/>
-              <a:t>© 2024 Health Level Seven ® International. All Rights Reserved. Published under the Creative Commons 3.0 Attribution Unported license</a:t>
+              <a:t>© 2025 Health Level Seven ® International. All Rights Reserved. Published under the Creative Commons 3.0 Attribution Unported license</a:t>
             </a:r>
             <a:endParaRPr lang="en-US" b="1" dirty="0"/>
           </a:p>
@@ -14753,7 +16006,7 @@
           <a:p>
             <a:r>
               <a:rPr lang="en-CA" b="1"/>
-              <a:t>© 2024 Health Level Seven ® International. All Rights Reserved. Published under the Creative Commons 3.0 Attribution Unported license</a:t>
+              <a:t>© 2025 Health Level Seven ® International. All Rights Reserved. Published under the Creative Commons 3.0 Attribution Unported license</a:t>
             </a:r>
             <a:endParaRPr lang="en-US" b="1" dirty="0"/>
           </a:p>
@@ -14803,8 +16056,8 @@
         </p:nvSpPr>
         <p:spPr>
           <a:xfrm>
-            <a:off x="5075339" y="1206308"/>
-            <a:ext cx="3540155" cy="2140899"/>
+            <a:off x="5075339" y="1357310"/>
+            <a:ext cx="3540155" cy="1922785"/>
           </a:xfrm>
           <a:prstGeom prst="rect">
             <a:avLst/>
@@ -14828,17 +16081,7 @@
           <a:bodyPr rtlCol="0" anchor="t"/>
           <a:lstStyle/>
           <a:p>
-            <a:r>
-              <a:rPr lang="en-US" dirty="0">
-                <a:solidFill>
-                  <a:schemeClr val="tx1"/>
-                </a:solidFill>
-              </a:rPr>
-              <a:t>QuestionnaireResponse</a:t>
-            </a:r>
-          </a:p>
-          <a:p>
-            <a:endParaRPr lang="en-CA" dirty="0">
+            <a:endParaRPr lang="en-US" dirty="0">
               <a:solidFill>
                 <a:schemeClr val="tx1"/>
               </a:solidFill>
@@ -14898,7 +16141,7 @@
         </p:nvSpPr>
         <p:spPr>
           <a:xfrm>
-            <a:off x="5185794" y="1593601"/>
+            <a:off x="5227739" y="1509711"/>
             <a:ext cx="3301899" cy="1062040"/>
           </a:xfrm>
           <a:prstGeom prst="rect">
@@ -14935,7 +16178,7 @@
                   <a:schemeClr val="tx1"/>
                 </a:solidFill>
               </a:rPr>
-              <a:t>Questionnaire</a:t>
+              <a:t>QuestionnaireResponse</a:t>
             </a:r>
           </a:p>
           <a:p>
@@ -15942,4 +17185,205 @@
   </a:objectDefaults>
   <a:extraClrSchemeLst/>
 </a:theme>
+</file>
+
+<file path=customXml/item1.xml><?xml version="1.0" encoding="utf-8"?>
+<p:properties xmlns:p="http://schemas.microsoft.com/office/2006/metadata/properties" xmlns:xsi="http://www.w3.org/2001/XMLSchema-instance" xmlns:pc="http://schemas.microsoft.com/office/infopath/2007/PartnerControls">
+  <documentManagement/>
+</p:properties>
+</file>
+
+<file path=customXml/item2.xml><?xml version="1.0" encoding="utf-8"?>
+<?mso-contentType ?>
+<FormTemplates xmlns="http://schemas.microsoft.com/sharepoint/v3/contenttype/forms">
+  <Display>DocumentLibraryForm</Display>
+  <Edit>DocumentLibraryForm</Edit>
+  <New>DocumentLibraryForm</New>
+</FormTemplates>
+</file>
+
+<file path=customXml/item3.xml><?xml version="1.0" encoding="utf-8"?>
+<ct:contentTypeSchema xmlns:ct="http://schemas.microsoft.com/office/2006/metadata/contentType" xmlns:ma="http://schemas.microsoft.com/office/2006/metadata/properties/metaAttributes" ct:_="" ma:_="" ma:contentTypeName="Document" ma:contentTypeID="0x01010046B6A228CEBB844FBC6B8633F16E3300" ma:contentTypeVersion="4" ma:contentTypeDescription="Create a new document." ma:contentTypeScope="" ma:versionID="5b56d2be9ea1ecaf21ca08678214dcd0">
+  <xsd:schema xmlns:xsd="http://www.w3.org/2001/XMLSchema" xmlns:xs="http://www.w3.org/2001/XMLSchema" xmlns:p="http://schemas.microsoft.com/office/2006/metadata/properties" xmlns:ns2="2371556d-c2f8-4c27-a7c5-4c2acf225d27" targetNamespace="http://schemas.microsoft.com/office/2006/metadata/properties" ma:root="true" ma:fieldsID="e32f1ed78c00c18b31e32be9b8f4ba9c" ns2:_="">
+    <xsd:import namespace="2371556d-c2f8-4c27-a7c5-4c2acf225d27"/>
+    <xsd:element name="properties">
+      <xsd:complexType>
+        <xsd:sequence>
+          <xsd:element name="documentManagement">
+            <xsd:complexType>
+              <xsd:all>
+                <xsd:element ref="ns2:MediaServiceMetadata" minOccurs="0"/>
+                <xsd:element ref="ns2:MediaServiceFastMetadata" minOccurs="0"/>
+                <xsd:element ref="ns2:MediaServiceSearchProperties" minOccurs="0"/>
+                <xsd:element ref="ns2:MediaServiceObjectDetectorVersions" minOccurs="0"/>
+              </xsd:all>
+            </xsd:complexType>
+          </xsd:element>
+        </xsd:sequence>
+      </xsd:complexType>
+    </xsd:element>
+  </xsd:schema>
+  <xsd:schema xmlns:xsd="http://www.w3.org/2001/XMLSchema" xmlns:xs="http://www.w3.org/2001/XMLSchema" xmlns:dms="http://schemas.microsoft.com/office/2006/documentManagement/types" xmlns:pc="http://schemas.microsoft.com/office/infopath/2007/PartnerControls" targetNamespace="2371556d-c2f8-4c27-a7c5-4c2acf225d27" elementFormDefault="qualified">
+    <xsd:import namespace="http://schemas.microsoft.com/office/2006/documentManagement/types"/>
+    <xsd:import namespace="http://schemas.microsoft.com/office/infopath/2007/PartnerControls"/>
+    <xsd:element name="MediaServiceMetadata" ma:index="8" nillable="true" ma:displayName="MediaServiceMetadata" ma:hidden="true" ma:internalName="MediaServiceMetadata" ma:readOnly="true">
+      <xsd:simpleType>
+        <xsd:restriction base="dms:Note"/>
+      </xsd:simpleType>
+    </xsd:element>
+    <xsd:element name="MediaServiceFastMetadata" ma:index="9" nillable="true" ma:displayName="MediaServiceFastMetadata" ma:hidden="true" ma:internalName="MediaServiceFastMetadata" ma:readOnly="true">
+      <xsd:simpleType>
+        <xsd:restriction base="dms:Note"/>
+      </xsd:simpleType>
+    </xsd:element>
+    <xsd:element name="MediaServiceSearchProperties" ma:index="10" nillable="true" ma:displayName="MediaServiceSearchProperties" ma:hidden="true" ma:internalName="MediaServiceSearchProperties" ma:readOnly="true">
+      <xsd:simpleType>
+        <xsd:restriction base="dms:Note"/>
+      </xsd:simpleType>
+    </xsd:element>
+    <xsd:element name="MediaServiceObjectDetectorVersions" ma:index="11" nillable="true" ma:displayName="MediaServiceObjectDetectorVersions" ma:hidden="true" ma:indexed="true" ma:internalName="MediaServiceObjectDetectorVersions" ma:readOnly="true">
+      <xsd:simpleType>
+        <xsd:restriction base="dms:Text"/>
+      </xsd:simpleType>
+    </xsd:element>
+  </xsd:schema>
+  <xsd:schema xmlns="http://schemas.openxmlformats.org/package/2006/metadata/core-properties" xmlns:xsd="http://www.w3.org/2001/XMLSchema" xmlns:xsi="http://www.w3.org/2001/XMLSchema-instance" xmlns:dc="http://purl.org/dc/elements/1.1/" xmlns:dcterms="http://purl.org/dc/terms/" xmlns:odoc="http://schemas.microsoft.com/internal/obd" targetNamespace="http://schemas.openxmlformats.org/package/2006/metadata/core-properties" elementFormDefault="qualified" attributeFormDefault="unqualified" blockDefault="#all">
+    <xsd:import namespace="http://purl.org/dc/elements/1.1/" schemaLocation="http://dublincore.org/schemas/xmls/qdc/2003/04/02/dc.xsd"/>
+    <xsd:import namespace="http://purl.org/dc/terms/" schemaLocation="http://dublincore.org/schemas/xmls/qdc/2003/04/02/dcterms.xsd"/>
+    <xsd:element name="coreProperties" type="CT_coreProperties"/>
+    <xsd:complexType name="CT_coreProperties">
+      <xsd:all>
+        <xsd:element ref="dc:creator" minOccurs="0" maxOccurs="1"/>
+        <xsd:element ref="dcterms:created" minOccurs="0" maxOccurs="1"/>
+        <xsd:element ref="dc:identifier" minOccurs="0" maxOccurs="1"/>
+        <xsd:element name="contentType" minOccurs="0" maxOccurs="1" type="xsd:string" ma:index="0" ma:displayName="Content Type"/>
+        <xsd:element ref="dc:title" minOccurs="0" maxOccurs="1" ma:index="4" ma:displayName="Title"/>
+        <xsd:element ref="dc:subject" minOccurs="0" maxOccurs="1"/>
+        <xsd:element ref="dc:description" minOccurs="0" maxOccurs="1"/>
+        <xsd:element name="keywords" minOccurs="0" maxOccurs="1" type="xsd:string"/>
+        <xsd:element ref="dc:language" minOccurs="0" maxOccurs="1"/>
+        <xsd:element name="category" minOccurs="0" maxOccurs="1" type="xsd:string"/>
+        <xsd:element name="version" minOccurs="0" maxOccurs="1" type="xsd:string"/>
+        <xsd:element name="revision" minOccurs="0" maxOccurs="1" type="xsd:string">
+          <xsd:annotation>
+            <xsd:documentation>
+                        This value indicates the number of saves or revisions. The application is responsible for updating this value after each revision.
+                    </xsd:documentation>
+          </xsd:annotation>
+        </xsd:element>
+        <xsd:element name="lastModifiedBy" minOccurs="0" maxOccurs="1" type="xsd:string"/>
+        <xsd:element ref="dcterms:modified" minOccurs="0" maxOccurs="1"/>
+        <xsd:element name="contentStatus" minOccurs="0" maxOccurs="1" type="xsd:string"/>
+      </xsd:all>
+    </xsd:complexType>
+  </xsd:schema>
+  <xs:schema xmlns:pc="http://schemas.microsoft.com/office/infopath/2007/PartnerControls" xmlns:xs="http://www.w3.org/2001/XMLSchema" targetNamespace="http://schemas.microsoft.com/office/infopath/2007/PartnerControls" elementFormDefault="qualified" attributeFormDefault="unqualified">
+    <xs:element name="Person">
+      <xs:complexType>
+        <xs:sequence>
+          <xs:element ref="pc:DisplayName" minOccurs="0"/>
+          <xs:element ref="pc:AccountId" minOccurs="0"/>
+          <xs:element ref="pc:AccountType" minOccurs="0"/>
+        </xs:sequence>
+      </xs:complexType>
+    </xs:element>
+    <xs:element name="DisplayName" type="xs:string"/>
+    <xs:element name="AccountId" type="xs:string"/>
+    <xs:element name="AccountType" type="xs:string"/>
+    <xs:element name="BDCAssociatedEntity">
+      <xs:complexType>
+        <xs:sequence>
+          <xs:element ref="pc:BDCEntity" minOccurs="0" maxOccurs="unbounded"/>
+        </xs:sequence>
+        <xs:attribute ref="pc:EntityNamespace"/>
+        <xs:attribute ref="pc:EntityName"/>
+        <xs:attribute ref="pc:SystemInstanceName"/>
+        <xs:attribute ref="pc:AssociationName"/>
+      </xs:complexType>
+    </xs:element>
+    <xs:attribute name="EntityNamespace" type="xs:string"/>
+    <xs:attribute name="EntityName" type="xs:string"/>
+    <xs:attribute name="SystemInstanceName" type="xs:string"/>
+    <xs:attribute name="AssociationName" type="xs:string"/>
+    <xs:element name="BDCEntity">
+      <xs:complexType>
+        <xs:sequence>
+          <xs:element ref="pc:EntityDisplayName" minOccurs="0"/>
+          <xs:element ref="pc:EntityInstanceReference" minOccurs="0"/>
+          <xs:element ref="pc:EntityId1" minOccurs="0"/>
+          <xs:element ref="pc:EntityId2" minOccurs="0"/>
+          <xs:element ref="pc:EntityId3" minOccurs="0"/>
+          <xs:element ref="pc:EntityId4" minOccurs="0"/>
+          <xs:element ref="pc:EntityId5" minOccurs="0"/>
+        </xs:sequence>
+      </xs:complexType>
+    </xs:element>
+    <xs:element name="EntityDisplayName" type="xs:string"/>
+    <xs:element name="EntityInstanceReference" type="xs:string"/>
+    <xs:element name="EntityId1" type="xs:string"/>
+    <xs:element name="EntityId2" type="xs:string"/>
+    <xs:element name="EntityId3" type="xs:string"/>
+    <xs:element name="EntityId4" type="xs:string"/>
+    <xs:element name="EntityId5" type="xs:string"/>
+    <xs:element name="Terms">
+      <xs:complexType>
+        <xs:sequence>
+          <xs:element ref="pc:TermInfo" minOccurs="0" maxOccurs="unbounded"/>
+        </xs:sequence>
+      </xs:complexType>
+    </xs:element>
+    <xs:element name="TermInfo">
+      <xs:complexType>
+        <xs:sequence>
+          <xs:element ref="pc:TermName" minOccurs="0"/>
+          <xs:element ref="pc:TermId" minOccurs="0"/>
+        </xs:sequence>
+      </xs:complexType>
+    </xs:element>
+    <xs:element name="TermName" type="xs:string"/>
+    <xs:element name="TermId" type="xs:string"/>
+  </xs:schema>
+</ct:contentTypeSchema>
+</file>
+
+<file path=customXml/itemProps1.xml><?xml version="1.0" encoding="utf-8"?>
+<ds:datastoreItem xmlns:ds="http://schemas.openxmlformats.org/officeDocument/2006/customXml" ds:itemID="{AE5EAE69-B60D-496C-9008-BE045A7C2CAD}">
+  <ds:schemaRefs>
+    <ds:schemaRef ds:uri="http://purl.org/dc/elements/1.1/"/>
+    <ds:schemaRef ds:uri="http://schemas.microsoft.com/office/2006/metadata/properties"/>
+    <ds:schemaRef ds:uri="http://schemas.microsoft.com/office/2006/documentManagement/types"/>
+    <ds:schemaRef ds:uri="http://www.w3.org/XML/1998/namespace"/>
+    <ds:schemaRef ds:uri="http://purl.org/dc/terms/"/>
+    <ds:schemaRef ds:uri="http://purl.org/dc/dcmitype/"/>
+    <ds:schemaRef ds:uri="2371556d-c2f8-4c27-a7c5-4c2acf225d27"/>
+    <ds:schemaRef ds:uri="http://schemas.microsoft.com/office/infopath/2007/PartnerControls"/>
+    <ds:schemaRef ds:uri="http://schemas.openxmlformats.org/package/2006/metadata/core-properties"/>
+  </ds:schemaRefs>
+</ds:datastoreItem>
+</file>
+
+<file path=customXml/itemProps2.xml><?xml version="1.0" encoding="utf-8"?>
+<ds:datastoreItem xmlns:ds="http://schemas.openxmlformats.org/officeDocument/2006/customXml" ds:itemID="{7B0796CF-91BF-466A-A9B4-B047A7090285}">
+  <ds:schemaRefs>
+    <ds:schemaRef ds:uri="http://schemas.microsoft.com/sharepoint/v3/contenttype/forms"/>
+  </ds:schemaRefs>
+</ds:datastoreItem>
+</file>
+
+<file path=customXml/itemProps3.xml><?xml version="1.0" encoding="utf-8"?>
+<ds:datastoreItem xmlns:ds="http://schemas.openxmlformats.org/officeDocument/2006/customXml" ds:itemID="{9B703D73-139F-4FE5-AB1C-FE1CA34CA407}">
+  <ds:schemaRefs>
+    <ds:schemaRef ds:uri="http://schemas.microsoft.com/office/2006/metadata/contentType"/>
+    <ds:schemaRef ds:uri="http://schemas.microsoft.com/office/2006/metadata/properties/metaAttributes"/>
+    <ds:schemaRef ds:uri="http://www.w3.org/2001/XMLSchema"/>
+    <ds:schemaRef ds:uri="http://schemas.microsoft.com/office/2006/metadata/properties"/>
+    <ds:schemaRef ds:uri="2371556d-c2f8-4c27-a7c5-4c2acf225d27"/>
+    <ds:schemaRef ds:uri="http://schemas.microsoft.com/office/2006/documentManagement/types"/>
+    <ds:schemaRef ds:uri="http://schemas.microsoft.com/office/infopath/2007/PartnerControls"/>
+    <ds:schemaRef ds:uri="http://schemas.openxmlformats.org/package/2006/metadata/core-properties"/>
+    <ds:schemaRef ds:uri="http://purl.org/dc/elements/1.1/"/>
+    <ds:schemaRef ds:uri="http://purl.org/dc/terms/"/>
+    <ds:schemaRef ds:uri="http://schemas.microsoft.com/internal/obd"/>
+  </ds:schemaRefs>
+</ds:datastoreItem>
 </file>
--- a/presentations/sdc/7-SDC-Adaptive-Forms.pptx
+++ b/presentations/sdc/7-SDC-Adaptive-Forms.pptx
@@ -13,7 +13,7 @@
   <p:sldIdLst>
     <p:sldId id="4914" r:id="rId5"/>
     <p:sldId id="690" r:id="rId6"/>
-    <p:sldId id="665" r:id="rId7"/>
+    <p:sldId id="4915" r:id="rId7"/>
     <p:sldId id="680" r:id="rId8"/>
     <p:sldId id="758" r:id="rId9"/>
     <p:sldId id="313" r:id="rId10"/>
@@ -29,7 +29,7 @@
     <p:sldId id="4861" r:id="rId20"/>
     <p:sldId id="4802" r:id="rId21"/>
     <p:sldId id="4913" r:id="rId22"/>
-    <p:sldId id="759" r:id="rId23"/>
+    <p:sldId id="4916" r:id="rId23"/>
   </p:sldIdLst>
   <p:sldSz cx="9144000" cy="5143500" type="screen16x9"/>
   <p:notesSz cx="6858000" cy="9144000"/>
@@ -169,7 +169,7 @@
         <p14:section name="Expressions Introduction" id="{2A578097-FEE4-49B0-858C-B6A0014658D4}">
           <p14:sldIdLst>
             <p14:sldId id="690"/>
-            <p14:sldId id="665"/>
+            <p14:sldId id="4915"/>
             <p14:sldId id="680"/>
             <p14:sldId id="758"/>
             <p14:sldId id="313"/>
@@ -193,7 +193,7 @@
           <p14:sldIdLst>
             <p14:sldId id="4802"/>
             <p14:sldId id="4913"/>
-            <p14:sldId id="759"/>
+            <p14:sldId id="4916"/>
           </p14:sldIdLst>
         </p14:section>
       </p14:sectionLst>
@@ -884,7 +884,7 @@
             <a:fld id="{1BCE7D1B-E2D6-42EC-A46F-6B8D8AB722EA}" type="datetime1">
               <a:rPr lang="en-US" altLang="en-US"/>
               <a:pPr/>
-              <a:t>2/7/2025</a:t>
+              <a:t>2/24/2025</a:t>
             </a:fld>
             <a:endParaRPr lang="en-US" altLang="en-US"/>
           </a:p>
@@ -1115,7 +1115,7 @@
             <a:fld id="{60D4D74E-7671-46E5-9A5B-14F31A4C0D2E}" type="datetime1">
               <a:rPr lang="en-US" altLang="en-US"/>
               <a:pPr/>
-              <a:t>2/7/2025</a:t>
+              <a:t>2/24/2025</a:t>
             </a:fld>
             <a:endParaRPr lang="en-US" altLang="en-US"/>
           </a:p>
@@ -5472,7 +5472,7 @@
           <a:p>
             <a:fld id="{D83995C2-806B-4997-8C0A-E780F2B14CC7}" type="datetimeFigureOut">
               <a:rPr lang="en-US" smtClean="0"/>
-              <a:t>2/7/2025</a:t>
+              <a:t>2/24/2025</a:t>
             </a:fld>
             <a:endParaRPr lang="en-US"/>
           </a:p>
@@ -13742,7 +13742,7 @@
           <a:lstStyle/>
           <a:p>
             <a:r>
-              <a:rPr lang="en-CA" dirty="0"/>
+              <a:rPr lang="en-CA"/>
               <a:t>Questions / Discussion</a:t>
             </a:r>
           </a:p>
@@ -13791,9 +13791,15 @@
             <a:endParaRPr lang="en-CA" sz="2000" dirty="0"/>
           </a:p>
           <a:p>
-            <a:endParaRPr lang="en-CA" dirty="0"/>
-          </a:p>
-          <a:p>
+            <a:pPr marL="0" indent="0">
+              <a:buNone/>
+            </a:pPr>
+            <a:endParaRPr lang="en-CA" sz="2000" dirty="0"/>
+          </a:p>
+          <a:p>
+            <a:pPr marL="0" indent="0">
+              <a:buNone/>
+            </a:pPr>
             <a:r>
               <a:rPr lang="en-CA" dirty="0"/>
               <a:t>Or, better yet, include the community and ask/discuss on </a:t>
@@ -13802,7 +13808,7 @@
               <a:rPr lang="en-CA" dirty="0">
                 <a:hlinkClick r:id="rId4"/>
               </a:rPr>
-              <a:t>http://chat.fhir.org</a:t>
+              <a:t>https://chat.fhir.org/#narrow/channel/179255-questionnaire</a:t>
             </a:r>
             <a:endParaRPr lang="en-CA" dirty="0"/>
           </a:p>
@@ -13822,7 +13828,7 @@
         </p:nvGrpSpPr>
         <p:grpSpPr>
           <a:xfrm>
-            <a:off x="2646128" y="2565307"/>
+            <a:off x="2646128" y="2850117"/>
             <a:ext cx="2572111" cy="2152533"/>
             <a:chOff x="2646128" y="2565307"/>
             <a:chExt cx="2572111" cy="2152533"/>
@@ -13974,7 +13980,7 @@
     </p:spTree>
     <p:extLst>
       <p:ext uri="{BB962C8B-B14F-4D97-AF65-F5344CB8AC3E}">
-        <p14:creationId xmlns:p14="http://schemas.microsoft.com/office/powerpoint/2010/main" val="2712066723"/>
+        <p14:creationId xmlns:p14="http://schemas.microsoft.com/office/powerpoint/2010/main" val="4226712616"/>
       </p:ext>
     </p:extLst>
   </p:cSld>
@@ -14253,7 +14259,7 @@
               <a:rPr lang="en-US"/>
               <a:t>This presentation</a:t>
             </a:r>
-            <a:endParaRPr lang="en-CA" dirty="0"/>
+            <a:endParaRPr lang="en-CA"/>
           </a:p>
         </p:txBody>
       </p:sp>
@@ -14273,24 +14279,30 @@
           <a:lstStyle/>
           <a:p>
             <a:r>
-              <a:rPr lang="en-US" dirty="0"/>
-              <a:t>Can be downloaded here:</a:t>
+              <a:rPr lang="en-US" dirty="0">
+                <a:ea typeface="ヒラギノ角ゴ Pro W3"/>
+              </a:rPr>
+              <a:t>Can be downloaded from the Ontario Health e-Learning site:</a:t>
             </a:r>
           </a:p>
           <a:p>
             <a:pPr lvl="1"/>
             <a:r>
               <a:rPr lang="en-CA" dirty="0">
+                <a:ea typeface="ヒラギノ角ゴ Pro W3"/>
                 <a:hlinkClick r:id="rId2"/>
               </a:rPr>
-              <a:t>https://github.com/FHIR/documents/tree/master/presentations/sdc</a:t>
-            </a:r>
-            <a:endParaRPr lang="en-CA" dirty="0"/>
-          </a:p>
-          <a:p>
-            <a:pPr lvl="0"/>
-            <a:r>
-              <a:rPr lang="en-US" dirty="0"/>
+              <a:t>https://elearning.ontariohealth.ca/login/index.php</a:t>
+            </a:r>
+            <a:endParaRPr lang="en-CA" dirty="0">
+              <a:ea typeface="ヒラギノ角ゴ Pro W3"/>
+            </a:endParaRPr>
+          </a:p>
+          <a:p>
+            <a:r>
+              <a:rPr lang="en-US" dirty="0">
+                <a:ea typeface="ヒラギノ角ゴ Pro W3"/>
+              </a:rPr>
               <a:t>Is licensed for use under the Creative Commons, specifically:</a:t>
             </a:r>
           </a:p>
@@ -14298,28 +14310,35 @@
             <a:pPr lvl="1"/>
             <a:r>
               <a:rPr lang="en-CA" dirty="0">
+                <a:ea typeface="ヒラギノ角ゴ Pro W3"/>
                 <a:hlinkClick r:id="rId3"/>
               </a:rPr>
               <a:t>Creative Commons Attribution 3.0 </a:t>
             </a:r>
             <a:r>
               <a:rPr lang="en-CA" dirty="0" err="1">
+                <a:ea typeface="ヒラギノ角ゴ Pro W3"/>
                 <a:hlinkClick r:id="rId3"/>
               </a:rPr>
               <a:t>Unported</a:t>
             </a:r>
             <a:r>
               <a:rPr lang="en-CA" dirty="0">
+                <a:ea typeface="ヒラギノ角ゴ Pro W3"/>
                 <a:hlinkClick r:id="rId3"/>
               </a:rPr>
               <a:t> License</a:t>
             </a:r>
-            <a:endParaRPr lang="en-CA" dirty="0"/>
+            <a:endParaRPr lang="en-CA" dirty="0">
+              <a:ea typeface="ヒラギノ角ゴ Pro W3"/>
+            </a:endParaRPr>
           </a:p>
           <a:p>
             <a:pPr lvl="1"/>
             <a:r>
-              <a:rPr lang="en-US" dirty="0"/>
+              <a:rPr lang="en-US" dirty="0">
+                <a:ea typeface="ヒラギノ角ゴ Pro W3"/>
+              </a:rPr>
               <a:t>(Do with it as you wish, so long as you give credit</a:t>
             </a:r>
           </a:p>
@@ -14347,18 +14366,18 @@
           <a:lstStyle/>
           <a:p>
             <a:r>
-              <a:rPr lang="en-CA" dirty="0"/>
+              <a:rPr lang="en-CA"/>
               <a:t>© 2025 Health Level Seven ® International. All Rights Reserved. Published under the Creative Commons 3.0 Attribution </a:t>
             </a:r>
             <a:r>
-              <a:rPr lang="en-CA" dirty="0" err="1"/>
+              <a:rPr lang="en-CA" err="1"/>
               <a:t>Unported</a:t>
             </a:r>
             <a:r>
-              <a:rPr lang="en-CA" dirty="0"/>
+              <a:rPr lang="en-CA"/>
               <a:t> license</a:t>
             </a:r>
-            <a:endParaRPr lang="en-US" dirty="0"/>
+            <a:endParaRPr lang="en-US"/>
           </a:p>
         </p:txBody>
       </p:sp>
@@ -14388,7 +14407,7 @@
               <a:pPr/>
               <a:t>3</a:t>
             </a:fld>
-            <a:endParaRPr lang="en-US" dirty="0"/>
+            <a:endParaRPr lang="en-US"/>
           </a:p>
         </p:txBody>
       </p:sp>
@@ -14436,7 +14455,7 @@
     </p:spTree>
     <p:extLst>
       <p:ext uri="{BB962C8B-B14F-4D97-AF65-F5344CB8AC3E}">
-        <p14:creationId xmlns:p14="http://schemas.microsoft.com/office/powerpoint/2010/main" val="655917162"/>
+        <p14:creationId xmlns:p14="http://schemas.microsoft.com/office/powerpoint/2010/main" val="406526092"/>
       </p:ext>
     </p:extLst>
   </p:cSld>
@@ -14514,13 +14533,7 @@
           <a:p>
             <a:r>
               <a:rPr lang="en-CA" dirty="0"/>
-              <a:t>These slides include content from Brian Postlethwaite</a:t>
-            </a:r>
-          </a:p>
-          <a:p>
-            <a:r>
-              <a:rPr lang="en-CA" dirty="0"/>
-              <a:t>With updates by Lloyd McKenzie</a:t>
+              <a:t>These slides authored by Lloyd McKenzie</a:t>
             </a:r>
           </a:p>
           <a:p>

--- a/presentations/sdc/7-SDC-Adaptive-Forms.pptx
+++ b/presentations/sdc/7-SDC-Adaptive-Forms.pptx
@@ -211,17 +211,46 @@
 </p188:authorLst>
 </file>
 
+<file path=ppt/commentAuthors.xml><?xml version="1.0" encoding="utf-8"?>
+<p:cmAuthorLst xmlns:a="http://schemas.openxmlformats.org/drawingml/2006/main" xmlns:r="http://schemas.openxmlformats.org/officeDocument/2006/relationships" xmlns:p="http://schemas.openxmlformats.org/presentationml/2006/main">
+  <p:cmAuthor id="1" name="Lloyd McKenzie" initials="" lastIdx="0" clrIdx="0"/>
+</p:cmAuthorLst>
+</file>
+
 <file path=ppt/revisionInfo.xml><?xml version="1.0" encoding="utf-8"?>
 <p1510:revInfo xmlns:a="http://schemas.openxmlformats.org/drawingml/2006/main" xmlns:r="http://schemas.openxmlformats.org/officeDocument/2006/relationships" xmlns:p1510="http://schemas.microsoft.com/office/powerpoint/2015/10/main">
   <p1510:revLst>
-    <p1510:client id="{31CB6E23-8F9B-ACA2-584E-5212D4123238}" v="14" dt="2025-02-07T18:23:15.763"/>
-    <p1510:client id="{81415E43-7AE1-88FC-722D-7BAEA6069BC6}" v="1" dt="2025-02-06T20:18:49.919"/>
+    <p1510:client id="{8555A6CD-6324-9058-F39A-4F1EE099E1C1}" v="3" dt="2025-02-26T20:31:50.578"/>
   </p1510:revLst>
 </p1510:revInfo>
 </file>
 
 <file path=ppt/changesInfos/changesInfo1.xml><?xml version="1.0" encoding="utf-8"?>
 <pc:chgInfo xmlns:a="http://schemas.openxmlformats.org/drawingml/2006/main" xmlns:r="http://schemas.openxmlformats.org/officeDocument/2006/relationships" xmlns:ac="http://schemas.microsoft.com/office/drawing/2013/main/command" xmlns:pc="http://schemas.microsoft.com/office/powerpoint/2013/main/command">
+  <pc:docChgLst>
+    <pc:chgData name="Smith, Travon" userId="S::travon.smith@ontariohealth.ca::7b3aeafc-2903-42e7-a83c-385da38dde87" providerId="AD" clId="Web-{8555A6CD-6324-9058-F39A-4F1EE099E1C1}"/>
+    <pc:docChg chg="modSld">
+      <pc:chgData name="Smith, Travon" userId="S::travon.smith@ontariohealth.ca::7b3aeafc-2903-42e7-a83c-385da38dde87" providerId="AD" clId="Web-{8555A6CD-6324-9058-F39A-4F1EE099E1C1}" dt="2025-02-26T20:31:50.313" v="1" actId="20577"/>
+      <pc:docMkLst>
+        <pc:docMk/>
+      </pc:docMkLst>
+      <pc:sldChg chg="modSp">
+        <pc:chgData name="Smith, Travon" userId="S::travon.smith@ontariohealth.ca::7b3aeafc-2903-42e7-a83c-385da38dde87" providerId="AD" clId="Web-{8555A6CD-6324-9058-F39A-4F1EE099E1C1}" dt="2025-02-26T20:31:50.313" v="1" actId="20577"/>
+        <pc:sldMkLst>
+          <pc:docMk/>
+          <pc:sldMk cId="655917162" sldId="665"/>
+        </pc:sldMkLst>
+        <pc:spChg chg="mod">
+          <ac:chgData name="Smith, Travon" userId="S::travon.smith@ontariohealth.ca::7b3aeafc-2903-42e7-a83c-385da38dde87" providerId="AD" clId="Web-{8555A6CD-6324-9058-F39A-4F1EE099E1C1}" dt="2025-02-26T20:31:50.313" v="1" actId="20577"/>
+          <ac:spMkLst>
+            <pc:docMk/>
+            <pc:sldMk cId="655917162" sldId="665"/>
+            <ac:spMk id="4" creationId="{00000000-0000-0000-0000-000000000000}"/>
+          </ac:spMkLst>
+        </pc:spChg>
+      </pc:sldChg>
+    </pc:docChg>
+  </pc:docChgLst>
   <pc:docChgLst>
     <pc:chgData name="McKenzie, Lloyd" userId="S::lloyd.mckenzie@ontariohealth.ca::4544ac19-90a7-4bc9-9dda-63119ceabc25" providerId="AD" clId="Web-{31CB6E23-8F9B-ACA2-584E-5212D4123238}"/>
     <pc:docChg chg="addSld delSld modSld modMainMaster modSection">
@@ -884,7 +913,7 @@
             <a:fld id="{1BCE7D1B-E2D6-42EC-A46F-6B8D8AB722EA}" type="datetime1">
               <a:rPr lang="en-US" altLang="en-US"/>
               <a:pPr/>
-              <a:t>2/24/2025</a:t>
+              <a:t>3/1/2025</a:t>
             </a:fld>
             <a:endParaRPr lang="en-US" altLang="en-US"/>
           </a:p>
@@ -1115,7 +1144,7 @@
             <a:fld id="{60D4D74E-7671-46E5-9A5B-14F31A4C0D2E}" type="datetime1">
               <a:rPr lang="en-US" altLang="en-US"/>
               <a:pPr/>
-              <a:t>2/24/2025</a:t>
+              <a:t>3/1/2025</a:t>
             </a:fld>
             <a:endParaRPr lang="en-US" altLang="en-US"/>
           </a:p>
@@ -5472,7 +5501,7 @@
           <a:p>
             <a:fld id="{D83995C2-806B-4997-8C0A-E780F2B14CC7}" type="datetimeFigureOut">
               <a:rPr lang="en-US" smtClean="0"/>
-              <a:t>2/24/2025</a:t>
+              <a:t>3/1/2025</a:t>
             </a:fld>
             <a:endParaRPr lang="en-US"/>
           </a:p>
@@ -14533,7 +14562,7 @@
           <a:p>
             <a:r>
               <a:rPr lang="en-CA" dirty="0"/>
-              <a:t>These slides authored by Lloyd McKenzie</a:t>
+              <a:t>These slides include content by Lloyd McKenzie</a:t>
             </a:r>
           </a:p>
           <a:p>
@@ -17201,21 +17230,6 @@
 </file>
 
 <file path=customXml/item1.xml><?xml version="1.0" encoding="utf-8"?>
-<p:properties xmlns:p="http://schemas.microsoft.com/office/2006/metadata/properties" xmlns:xsi="http://www.w3.org/2001/XMLSchema-instance" xmlns:pc="http://schemas.microsoft.com/office/infopath/2007/PartnerControls">
-  <documentManagement/>
-</p:properties>
-</file>
-
-<file path=customXml/item2.xml><?xml version="1.0" encoding="utf-8"?>
-<?mso-contentType ?>
-<FormTemplates xmlns="http://schemas.microsoft.com/sharepoint/v3/contenttype/forms">
-  <Display>DocumentLibraryForm</Display>
-  <Edit>DocumentLibraryForm</Edit>
-  <New>DocumentLibraryForm</New>
-</FormTemplates>
-</file>
-
-<file path=customXml/item3.xml><?xml version="1.0" encoding="utf-8"?>
 <ct:contentTypeSchema xmlns:ct="http://schemas.microsoft.com/office/2006/metadata/contentType" xmlns:ma="http://schemas.microsoft.com/office/2006/metadata/properties/metaAttributes" ct:_="" ma:_="" ma:contentTypeName="Document" ma:contentTypeID="0x01010046B6A228CEBB844FBC6B8633F16E3300" ma:contentTypeVersion="4" ma:contentTypeDescription="Create a new document." ma:contentTypeScope="" ma:versionID="5b56d2be9ea1ecaf21ca08678214dcd0">
   <xsd:schema xmlns:xsd="http://www.w3.org/2001/XMLSchema" xmlns:xs="http://www.w3.org/2001/XMLSchema" xmlns:p="http://schemas.microsoft.com/office/2006/metadata/properties" xmlns:ns2="2371556d-c2f8-4c27-a7c5-4c2acf225d27" targetNamespace="http://schemas.microsoft.com/office/2006/metadata/properties" ma:root="true" ma:fieldsID="e32f1ed78c00c18b31e32be9b8f4ba9c" ns2:_="">
     <xsd:import namespace="2371556d-c2f8-4c27-a7c5-4c2acf225d27"/>
@@ -17359,31 +17373,22 @@
 </ct:contentTypeSchema>
 </file>
 
-<file path=customXml/itemProps1.xml><?xml version="1.0" encoding="utf-8"?>
-<ds:datastoreItem xmlns:ds="http://schemas.openxmlformats.org/officeDocument/2006/customXml" ds:itemID="{AE5EAE69-B60D-496C-9008-BE045A7C2CAD}">
-  <ds:schemaRefs>
-    <ds:schemaRef ds:uri="http://purl.org/dc/elements/1.1/"/>
-    <ds:schemaRef ds:uri="http://schemas.microsoft.com/office/2006/metadata/properties"/>
-    <ds:schemaRef ds:uri="http://schemas.microsoft.com/office/2006/documentManagement/types"/>
-    <ds:schemaRef ds:uri="http://www.w3.org/XML/1998/namespace"/>
-    <ds:schemaRef ds:uri="http://purl.org/dc/terms/"/>
-    <ds:schemaRef ds:uri="http://purl.org/dc/dcmitype/"/>
-    <ds:schemaRef ds:uri="2371556d-c2f8-4c27-a7c5-4c2acf225d27"/>
-    <ds:schemaRef ds:uri="http://schemas.microsoft.com/office/infopath/2007/PartnerControls"/>
-    <ds:schemaRef ds:uri="http://schemas.openxmlformats.org/package/2006/metadata/core-properties"/>
-  </ds:schemaRefs>
-</ds:datastoreItem>
+<file path=customXml/item2.xml><?xml version="1.0" encoding="utf-8"?>
+<?mso-contentType ?>
+<FormTemplates xmlns="http://schemas.microsoft.com/sharepoint/v3/contenttype/forms">
+  <Display>DocumentLibraryForm</Display>
+  <Edit>DocumentLibraryForm</Edit>
+  <New>DocumentLibraryForm</New>
+</FormTemplates>
 </file>
 
-<file path=customXml/itemProps2.xml><?xml version="1.0" encoding="utf-8"?>
-<ds:datastoreItem xmlns:ds="http://schemas.openxmlformats.org/officeDocument/2006/customXml" ds:itemID="{7B0796CF-91BF-466A-A9B4-B047A7090285}">
-  <ds:schemaRefs>
-    <ds:schemaRef ds:uri="http://schemas.microsoft.com/sharepoint/v3/contenttype/forms"/>
-  </ds:schemaRefs>
-</ds:datastoreItem>
+<file path=customXml/item3.xml><?xml version="1.0" encoding="utf-8"?>
+<p:properties xmlns:p="http://schemas.microsoft.com/office/2006/metadata/properties" xmlns:xsi="http://www.w3.org/2001/XMLSchema-instance" xmlns:pc="http://schemas.microsoft.com/office/infopath/2007/PartnerControls">
+  <documentManagement/>
+</p:properties>
 </file>
 
-<file path=customXml/itemProps3.xml><?xml version="1.0" encoding="utf-8"?>
+<file path=customXml/itemProps1.xml><?xml version="1.0" encoding="utf-8"?>
 <ds:datastoreItem xmlns:ds="http://schemas.openxmlformats.org/officeDocument/2006/customXml" ds:itemID="{9B703D73-139F-4FE5-AB1C-FE1CA34CA407}">
   <ds:schemaRefs>
     <ds:schemaRef ds:uri="http://schemas.microsoft.com/office/2006/metadata/contentType"/>
@@ -17399,4 +17404,28 @@
     <ds:schemaRef ds:uri="http://schemas.microsoft.com/internal/obd"/>
   </ds:schemaRefs>
 </ds:datastoreItem>
+</file>
+
+<file path=customXml/itemProps2.xml><?xml version="1.0" encoding="utf-8"?>
+<ds:datastoreItem xmlns:ds="http://schemas.openxmlformats.org/officeDocument/2006/customXml" ds:itemID="{7B0796CF-91BF-466A-A9B4-B047A7090285}">
+  <ds:schemaRefs>
+    <ds:schemaRef ds:uri="http://schemas.microsoft.com/sharepoint/v3/contenttype/forms"/>
+  </ds:schemaRefs>
+</ds:datastoreItem>
+</file>
+
+<file path=customXml/itemProps3.xml><?xml version="1.0" encoding="utf-8"?>
+<ds:datastoreItem xmlns:ds="http://schemas.openxmlformats.org/officeDocument/2006/customXml" ds:itemID="{AE5EAE69-B60D-496C-9008-BE045A7C2CAD}">
+  <ds:schemaRefs>
+    <ds:schemaRef ds:uri="http://purl.org/dc/elements/1.1/"/>
+    <ds:schemaRef ds:uri="http://schemas.microsoft.com/office/2006/metadata/properties"/>
+    <ds:schemaRef ds:uri="http://schemas.microsoft.com/office/2006/documentManagement/types"/>
+    <ds:schemaRef ds:uri="http://www.w3.org/XML/1998/namespace"/>
+    <ds:schemaRef ds:uri="http://purl.org/dc/terms/"/>
+    <ds:schemaRef ds:uri="http://purl.org/dc/dcmitype/"/>
+    <ds:schemaRef ds:uri="2371556d-c2f8-4c27-a7c5-4c2acf225d27"/>
+    <ds:schemaRef ds:uri="http://schemas.microsoft.com/office/infopath/2007/PartnerControls"/>
+    <ds:schemaRef ds:uri="http://schemas.openxmlformats.org/package/2006/metadata/core-properties"/>
+  </ds:schemaRefs>
+</ds:datastoreItem>
 </file>
--- a/presentations/sdc/7-SDC-Adaptive-Forms.pptx
+++ b/presentations/sdc/7-SDC-Adaptive-Forms.pptx
@@ -5,10 +5,10 @@
     <p:sldMasterId id="2147483648" r:id="rId4"/>
   </p:sldMasterIdLst>
   <p:notesMasterIdLst>
-    <p:notesMasterId r:id="rId24"/>
+    <p:notesMasterId r:id="rId30"/>
   </p:notesMasterIdLst>
   <p:handoutMasterIdLst>
-    <p:handoutMasterId r:id="rId25"/>
+    <p:handoutMasterId r:id="rId31"/>
   </p:handoutMasterIdLst>
   <p:sldIdLst>
     <p:sldId id="4914" r:id="rId5"/>
@@ -17,19 +17,25 @@
     <p:sldId id="680" r:id="rId8"/>
     <p:sldId id="758" r:id="rId9"/>
     <p:sldId id="313" r:id="rId10"/>
-    <p:sldId id="4817" r:id="rId11"/>
-    <p:sldId id="312" r:id="rId12"/>
-    <p:sldId id="4906" r:id="rId13"/>
-    <p:sldId id="4907" r:id="rId14"/>
-    <p:sldId id="4908" r:id="rId15"/>
-    <p:sldId id="4909" r:id="rId16"/>
-    <p:sldId id="4910" r:id="rId17"/>
-    <p:sldId id="4911" r:id="rId18"/>
-    <p:sldId id="4912" r:id="rId19"/>
-    <p:sldId id="4861" r:id="rId20"/>
-    <p:sldId id="4802" r:id="rId21"/>
-    <p:sldId id="4913" r:id="rId22"/>
-    <p:sldId id="4916" r:id="rId23"/>
+    <p:sldId id="4918" r:id="rId11"/>
+    <p:sldId id="4920" r:id="rId12"/>
+    <p:sldId id="4817" r:id="rId13"/>
+    <p:sldId id="312" r:id="rId14"/>
+    <p:sldId id="4906" r:id="rId15"/>
+    <p:sldId id="4907" r:id="rId16"/>
+    <p:sldId id="4908" r:id="rId17"/>
+    <p:sldId id="4909" r:id="rId18"/>
+    <p:sldId id="4910" r:id="rId19"/>
+    <p:sldId id="4911" r:id="rId20"/>
+    <p:sldId id="4912" r:id="rId21"/>
+    <p:sldId id="4921" r:id="rId22"/>
+    <p:sldId id="4861" r:id="rId23"/>
+    <p:sldId id="4919" r:id="rId24"/>
+    <p:sldId id="4802" r:id="rId25"/>
+    <p:sldId id="4913" r:id="rId26"/>
+    <p:sldId id="4922" r:id="rId27"/>
+    <p:sldId id="4917" r:id="rId28"/>
+    <p:sldId id="4916" r:id="rId29"/>
   </p:sldIdLst>
   <p:sldSz cx="9144000" cy="5143500" type="screen16x9"/>
   <p:notesSz cx="6858000" cy="9144000"/>
@@ -161,13 +167,9 @@
   <p:extLst>
     <p:ext uri="{521415D9-36F7-43E2-AB2F-B90AF26B5E84}">
       <p14:sectionLst xmlns:p14="http://schemas.microsoft.com/office/powerpoint/2010/main">
-        <p14:section name="Default Section" id="{A3B7BF1A-48CE-4925-8F93-96FAB591DFC7}">
+        <p14:section name="Adaptive Introduction" id="{A3B7BF1A-48CE-4925-8F93-96FAB591DFC7}">
           <p14:sldIdLst>
             <p14:sldId id="4914"/>
-          </p14:sldIdLst>
-        </p14:section>
-        <p14:section name="Expressions Introduction" id="{2A578097-FEE4-49B0-858C-B6A0014658D4}">
-          <p14:sldIdLst>
             <p14:sldId id="690"/>
             <p14:sldId id="4915"/>
             <p14:sldId id="680"/>
@@ -177,6 +179,8 @@
         </p14:section>
         <p14:section name="Adaptive Forms" id="{695EE475-FC50-41D1-90DA-04675E84D08B}">
           <p14:sldIdLst>
+            <p14:sldId id="4918"/>
+            <p14:sldId id="4920"/>
             <p14:sldId id="4817"/>
             <p14:sldId id="312"/>
             <p14:sldId id="4906"/>
@@ -186,13 +190,17 @@
             <p14:sldId id="4910"/>
             <p14:sldId id="4911"/>
             <p14:sldId id="4912"/>
+            <p14:sldId id="4921"/>
             <p14:sldId id="4861"/>
           </p14:sldIdLst>
         </p14:section>
         <p14:section name="Adaptive Questions" id="{C125BBFB-E8EC-4EA3-8D87-67C91AA3B670}">
           <p14:sldIdLst>
+            <p14:sldId id="4919"/>
             <p14:sldId id="4802"/>
             <p14:sldId id="4913"/>
+            <p14:sldId id="4922"/>
+            <p14:sldId id="4917"/>
             <p14:sldId id="4916"/>
           </p14:sldIdLst>
         </p14:section>
@@ -913,7 +921,7 @@
             <a:fld id="{1BCE7D1B-E2D6-42EC-A46F-6B8D8AB722EA}" type="datetime1">
               <a:rPr lang="en-US" altLang="en-US"/>
               <a:pPr/>
-              <a:t>3/1/2025</a:t>
+              <a:t>3/6/2025</a:t>
             </a:fld>
             <a:endParaRPr lang="en-US" altLang="en-US"/>
           </a:p>
@@ -1144,7 +1152,7 @@
             <a:fld id="{60D4D74E-7671-46E5-9A5B-14F31A4C0D2E}" type="datetime1">
               <a:rPr lang="en-US" altLang="en-US"/>
               <a:pPr/>
-              <a:t>3/1/2025</a:t>
+              <a:t>3/6/2025</a:t>
             </a:fld>
             <a:endParaRPr lang="en-US" altLang="en-US"/>
           </a:p>
@@ -1564,7 +1572,7 @@
           <a:p>
             <a:fld id="{A69C946F-C9B2-9B49-8DCA-D38D97C43A2F}" type="slidenum">
               <a:rPr lang="en-US" smtClean="0"/>
-              <a:t>8</a:t>
+              <a:t>10</a:t>
             </a:fld>
             <a:endParaRPr lang="en-US"/>
           </a:p>
@@ -5501,7 +5509,7 @@
           <a:p>
             <a:fld id="{D83995C2-806B-4997-8C0A-E780F2B14CC7}" type="datetimeFigureOut">
               <a:rPr lang="en-US" smtClean="0"/>
-              <a:t>3/1/2025</a:t>
+              <a:t>3/6/2025</a:t>
             </a:fld>
             <a:endParaRPr lang="en-US"/>
           </a:p>
@@ -12014,3294 +12022,6 @@
           <p:cNvPr id="2" name="Title 1">
             <a:extLst>
               <a:ext uri="{FF2B5EF4-FFF2-40B4-BE49-F238E27FC236}">
-                <a16:creationId xmlns:a16="http://schemas.microsoft.com/office/drawing/2014/main" id="{502B33F2-C440-C65A-BBF1-61792455DBF1}"/>
-              </a:ext>
-            </a:extLst>
-          </p:cNvPr>
-          <p:cNvSpPr>
-            <a:spLocks noGrp="1"/>
-          </p:cNvSpPr>
-          <p:nvPr>
-            <p:ph type="title"/>
-          </p:nvPr>
-        </p:nvSpPr>
-        <p:spPr/>
-        <p:txBody>
-          <a:bodyPr/>
-          <a:lstStyle/>
-          <a:p>
-            <a:r>
-              <a:rPr lang="en-US" dirty="0"/>
-              <a:t>$next-question</a:t>
-            </a:r>
-            <a:endParaRPr lang="en-CA" dirty="0"/>
-          </a:p>
-        </p:txBody>
-      </p:sp>
-      <p:sp>
-        <p:nvSpPr>
-          <p:cNvPr id="3" name="Text Placeholder 2">
-            <a:extLst>
-              <a:ext uri="{FF2B5EF4-FFF2-40B4-BE49-F238E27FC236}">
-                <a16:creationId xmlns:a16="http://schemas.microsoft.com/office/drawing/2014/main" id="{C4DB1C32-CC79-B9D3-6251-F806C8AD5A55}"/>
-              </a:ext>
-            </a:extLst>
-          </p:cNvPr>
-          <p:cNvSpPr>
-            <a:spLocks noGrp="1"/>
-          </p:cNvSpPr>
-          <p:nvPr>
-            <p:ph type="body" sz="quarter" idx="13"/>
-          </p:nvPr>
-        </p:nvSpPr>
-        <p:spPr/>
-        <p:txBody>
-          <a:bodyPr/>
-          <a:lstStyle/>
-          <a:p>
-            <a:r>
-              <a:rPr lang="en-US" sz="2000" dirty="0"/>
-              <a:t>Adds new items to contained Questionnaire or marks it as ‘complete’</a:t>
-            </a:r>
-          </a:p>
-          <a:p>
-            <a:r>
-              <a:rPr lang="en-US" sz="2000" dirty="0"/>
-              <a:t>Can add 1 new item or multiple</a:t>
-            </a:r>
-          </a:p>
-          <a:p>
-            <a:r>
-              <a:rPr lang="en-US" sz="2000" dirty="0"/>
-              <a:t>For each item, can vary:</a:t>
-            </a:r>
-          </a:p>
-          <a:p>
-            <a:pPr lvl="1"/>
-            <a:r>
-              <a:rPr lang="en-US" sz="1800" dirty="0"/>
-              <a:t>Allowed answer choices</a:t>
-            </a:r>
-          </a:p>
-          <a:p>
-            <a:pPr lvl="1"/>
-            <a:r>
-              <a:rPr lang="en-US" sz="1800" dirty="0"/>
-              <a:t>Required/optional, repeating/not, formatting, question text, etc.</a:t>
-            </a:r>
-          </a:p>
-          <a:p>
-            <a:pPr lvl="1"/>
-            <a:r>
-              <a:rPr lang="en-US" sz="1800" dirty="0"/>
-              <a:t>Population logic</a:t>
-            </a:r>
-          </a:p>
-          <a:p>
-            <a:pPr marL="0" indent="-102870">
-              <a:buNone/>
-            </a:pPr>
-            <a:r>
-              <a:rPr lang="en-US" sz="1600" dirty="0"/>
-              <a:t>(i.e. no </a:t>
-            </a:r>
-            <a:r>
-              <a:rPr lang="en-US" sz="1600" dirty="0" err="1"/>
-              <a:t>FHIRPath</a:t>
-            </a:r>
-            <a:r>
-              <a:rPr lang="en-US" sz="1600" dirty="0"/>
-              <a:t> or CQL for any of this)</a:t>
-            </a:r>
-          </a:p>
-          <a:p>
-            <a:r>
-              <a:rPr lang="en-US" sz="2000" dirty="0"/>
-              <a:t>Alternatively, can indicate that previous QR wasn’t valid and provide an </a:t>
-            </a:r>
-            <a:r>
-              <a:rPr lang="en-US" sz="2000" dirty="0" err="1"/>
-              <a:t>OperationOutcome</a:t>
-            </a:r>
-            <a:endParaRPr lang="en-CA" sz="2000" dirty="0"/>
-          </a:p>
-        </p:txBody>
-      </p:sp>
-      <p:sp>
-        <p:nvSpPr>
-          <p:cNvPr id="4" name="Footer Placeholder 3">
-            <a:extLst>
-              <a:ext uri="{FF2B5EF4-FFF2-40B4-BE49-F238E27FC236}">
-                <a16:creationId xmlns:a16="http://schemas.microsoft.com/office/drawing/2014/main" id="{F26FF560-412B-B66D-8CF5-A3F0794CF07F}"/>
-              </a:ext>
-            </a:extLst>
-          </p:cNvPr>
-          <p:cNvSpPr>
-            <a:spLocks noGrp="1"/>
-          </p:cNvSpPr>
-          <p:nvPr>
-            <p:ph type="ftr" sz="quarter" idx="10"/>
-          </p:nvPr>
-        </p:nvSpPr>
-        <p:spPr/>
-        <p:txBody>
-          <a:bodyPr/>
-          <a:lstStyle/>
-          <a:p>
-            <a:r>
-              <a:rPr lang="en-CA" b="1"/>
-              <a:t>© 2025 Health Level Seven ® International. All Rights Reserved. Published under the Creative Commons 3.0 Attribution Unported license</a:t>
-            </a:r>
-            <a:endParaRPr lang="en-US" b="1" dirty="0"/>
-          </a:p>
-        </p:txBody>
-      </p:sp>
-      <p:sp>
-        <p:nvSpPr>
-          <p:cNvPr id="5" name="Slide Number Placeholder 4">
-            <a:extLst>
-              <a:ext uri="{FF2B5EF4-FFF2-40B4-BE49-F238E27FC236}">
-                <a16:creationId xmlns:a16="http://schemas.microsoft.com/office/drawing/2014/main" id="{6F8FC7F7-86A2-8901-4768-5310E6C74E34}"/>
-              </a:ext>
-            </a:extLst>
-          </p:cNvPr>
-          <p:cNvSpPr>
-            <a:spLocks noGrp="1"/>
-          </p:cNvSpPr>
-          <p:nvPr>
-            <p:ph type="sldNum" sz="quarter" idx="11"/>
-          </p:nvPr>
-        </p:nvSpPr>
-        <p:spPr/>
-        <p:txBody>
-          <a:bodyPr/>
-          <a:lstStyle/>
-          <a:p>
-            <a:fld id="{6CACE926-AEF5-4BFE-8BD7-24414108CB7B}" type="slidenum">
-              <a:rPr lang="en-US" altLang="en-US" smtClean="0"/>
-              <a:pPr/>
-              <a:t>10</a:t>
-            </a:fld>
-            <a:endParaRPr lang="en-US" altLang="en-US" dirty="0"/>
-          </a:p>
-        </p:txBody>
-      </p:sp>
-    </p:spTree>
-    <p:extLst>
-      <p:ext uri="{BB962C8B-B14F-4D97-AF65-F5344CB8AC3E}">
-        <p14:creationId xmlns:p14="http://schemas.microsoft.com/office/powerpoint/2010/main" val="2367082532"/>
-      </p:ext>
-    </p:extLst>
-  </p:cSld>
-  <p:clrMapOvr>
-    <a:masterClrMapping/>
-  </p:clrMapOvr>
-</p:sld>
-</file>
-
-<file path=ppt/slides/slide11.xml><?xml version="1.0" encoding="utf-8"?>
-<p:sld xmlns:a="http://schemas.openxmlformats.org/drawingml/2006/main" xmlns:r="http://schemas.openxmlformats.org/officeDocument/2006/relationships" xmlns:p="http://schemas.openxmlformats.org/presentationml/2006/main">
-  <p:cSld>
-    <p:spTree>
-      <p:nvGrpSpPr>
-        <p:cNvPr id="1" name=""/>
-        <p:cNvGrpSpPr/>
-        <p:nvPr/>
-      </p:nvGrpSpPr>
-      <p:grpSpPr>
-        <a:xfrm>
-          <a:off x="0" y="0"/>
-          <a:ext cx="0" cy="0"/>
-          <a:chOff x="0" y="0"/>
-          <a:chExt cx="0" cy="0"/>
-        </a:xfrm>
-      </p:grpSpPr>
-      <p:sp>
-        <p:nvSpPr>
-          <p:cNvPr id="2" name="Title 1">
-            <a:extLst>
-              <a:ext uri="{FF2B5EF4-FFF2-40B4-BE49-F238E27FC236}">
-                <a16:creationId xmlns:a16="http://schemas.microsoft.com/office/drawing/2014/main" id="{63C45110-3CE1-5698-0A6E-DF3AA2605F9B}"/>
-              </a:ext>
-            </a:extLst>
-          </p:cNvPr>
-          <p:cNvSpPr>
-            <a:spLocks noGrp="1"/>
-          </p:cNvSpPr>
-          <p:nvPr>
-            <p:ph type="title"/>
-          </p:nvPr>
-        </p:nvSpPr>
-        <p:spPr/>
-        <p:txBody>
-          <a:bodyPr/>
-          <a:lstStyle/>
-          <a:p>
-            <a:r>
-              <a:rPr lang="en-US" dirty="0"/>
-              <a:t>What adaptive doesn’t avoid</a:t>
-            </a:r>
-            <a:endParaRPr lang="en-CA" dirty="0"/>
-          </a:p>
-        </p:txBody>
-      </p:sp>
-      <p:sp>
-        <p:nvSpPr>
-          <p:cNvPr id="3" name="Text Placeholder 2">
-            <a:extLst>
-              <a:ext uri="{FF2B5EF4-FFF2-40B4-BE49-F238E27FC236}">
-                <a16:creationId xmlns:a16="http://schemas.microsoft.com/office/drawing/2014/main" id="{E42A66B1-8044-77D9-3342-2051177C2364}"/>
-              </a:ext>
-            </a:extLst>
-          </p:cNvPr>
-          <p:cNvSpPr>
-            <a:spLocks noGrp="1"/>
-          </p:cNvSpPr>
-          <p:nvPr>
-            <p:ph type="body" sz="quarter" idx="13"/>
-          </p:nvPr>
-        </p:nvSpPr>
-        <p:spPr/>
-        <p:txBody>
-          <a:bodyPr/>
-          <a:lstStyle/>
-          <a:p>
-            <a:r>
-              <a:rPr lang="en-US" dirty="0"/>
-              <a:t>Form filler still needs to:</a:t>
-            </a:r>
-          </a:p>
-          <a:p>
-            <a:pPr lvl="1"/>
-            <a:r>
-              <a:rPr lang="en-US" dirty="0"/>
-              <a:t>Run population logic if server can’t</a:t>
-            </a:r>
-          </a:p>
-          <a:p>
-            <a:pPr lvl="1"/>
-            <a:r>
-              <a:rPr lang="en-US" dirty="0"/>
-              <a:t>Handle the different ‘complex display’ capabilities</a:t>
-            </a:r>
-          </a:p>
-          <a:p>
-            <a:pPr lvl="1"/>
-            <a:r>
-              <a:rPr lang="en-US" dirty="0"/>
-              <a:t>Ideally, perform some level of answer validation</a:t>
-            </a:r>
-            <a:endParaRPr lang="en-CA" dirty="0"/>
-          </a:p>
-        </p:txBody>
-      </p:sp>
-      <p:sp>
-        <p:nvSpPr>
-          <p:cNvPr id="4" name="Footer Placeholder 3">
-            <a:extLst>
-              <a:ext uri="{FF2B5EF4-FFF2-40B4-BE49-F238E27FC236}">
-                <a16:creationId xmlns:a16="http://schemas.microsoft.com/office/drawing/2014/main" id="{0EDDF636-5B2D-978D-21A4-03CFFC6E6872}"/>
-              </a:ext>
-            </a:extLst>
-          </p:cNvPr>
-          <p:cNvSpPr>
-            <a:spLocks noGrp="1"/>
-          </p:cNvSpPr>
-          <p:nvPr>
-            <p:ph type="ftr" sz="quarter" idx="10"/>
-          </p:nvPr>
-        </p:nvSpPr>
-        <p:spPr/>
-        <p:txBody>
-          <a:bodyPr/>
-          <a:lstStyle/>
-          <a:p>
-            <a:r>
-              <a:rPr lang="en-CA" b="1"/>
-              <a:t>© 2025 Health Level Seven ® International. All Rights Reserved. Published under the Creative Commons 3.0 Attribution Unported license</a:t>
-            </a:r>
-            <a:endParaRPr lang="en-US" b="1" dirty="0"/>
-          </a:p>
-        </p:txBody>
-      </p:sp>
-      <p:sp>
-        <p:nvSpPr>
-          <p:cNvPr id="5" name="Slide Number Placeholder 4">
-            <a:extLst>
-              <a:ext uri="{FF2B5EF4-FFF2-40B4-BE49-F238E27FC236}">
-                <a16:creationId xmlns:a16="http://schemas.microsoft.com/office/drawing/2014/main" id="{9E5DF5D8-6B70-8BFA-56D4-5C38CA7D9E7B}"/>
-              </a:ext>
-            </a:extLst>
-          </p:cNvPr>
-          <p:cNvSpPr>
-            <a:spLocks noGrp="1"/>
-          </p:cNvSpPr>
-          <p:nvPr>
-            <p:ph type="sldNum" sz="quarter" idx="11"/>
-          </p:nvPr>
-        </p:nvSpPr>
-        <p:spPr/>
-        <p:txBody>
-          <a:bodyPr/>
-          <a:lstStyle/>
-          <a:p>
-            <a:fld id="{6CACE926-AEF5-4BFE-8BD7-24414108CB7B}" type="slidenum">
-              <a:rPr lang="en-US" altLang="en-US" smtClean="0"/>
-              <a:pPr/>
-              <a:t>11</a:t>
-            </a:fld>
-            <a:endParaRPr lang="en-US" altLang="en-US" dirty="0"/>
-          </a:p>
-        </p:txBody>
-      </p:sp>
-    </p:spTree>
-    <p:extLst>
-      <p:ext uri="{BB962C8B-B14F-4D97-AF65-F5344CB8AC3E}">
-        <p14:creationId xmlns:p14="http://schemas.microsoft.com/office/powerpoint/2010/main" val="1458005931"/>
-      </p:ext>
-    </p:extLst>
-  </p:cSld>
-  <p:clrMapOvr>
-    <a:masterClrMapping/>
-  </p:clrMapOvr>
-</p:sld>
-</file>
-
-<file path=ppt/slides/slide12.xml><?xml version="1.0" encoding="utf-8"?>
-<p:sld xmlns:a="http://schemas.openxmlformats.org/drawingml/2006/main" xmlns:r="http://schemas.openxmlformats.org/officeDocument/2006/relationships" xmlns:p="http://schemas.openxmlformats.org/presentationml/2006/main">
-  <p:cSld>
-    <p:spTree>
-      <p:nvGrpSpPr>
-        <p:cNvPr id="1" name=""/>
-        <p:cNvGrpSpPr/>
-        <p:nvPr/>
-      </p:nvGrpSpPr>
-      <p:grpSpPr>
-        <a:xfrm>
-          <a:off x="0" y="0"/>
-          <a:ext cx="0" cy="0"/>
-          <a:chOff x="0" y="0"/>
-          <a:chExt cx="0" cy="0"/>
-        </a:xfrm>
-      </p:grpSpPr>
-      <p:sp>
-        <p:nvSpPr>
-          <p:cNvPr id="2" name="Title 1">
-            <a:extLst>
-              <a:ext uri="{FF2B5EF4-FFF2-40B4-BE49-F238E27FC236}">
-                <a16:creationId xmlns:a16="http://schemas.microsoft.com/office/drawing/2014/main" id="{9EA1DBDB-5D4C-F8AC-CD6E-D284A5B4EC07}"/>
-              </a:ext>
-            </a:extLst>
-          </p:cNvPr>
-          <p:cNvSpPr>
-            <a:spLocks noGrp="1"/>
-          </p:cNvSpPr>
-          <p:nvPr>
-            <p:ph type="title"/>
-          </p:nvPr>
-        </p:nvSpPr>
-        <p:spPr/>
-        <p:txBody>
-          <a:bodyPr/>
-          <a:lstStyle/>
-          <a:p>
-            <a:r>
-              <a:rPr lang="en-US" dirty="0"/>
-              <a:t>What if the user changes a prior answer?</a:t>
-            </a:r>
-            <a:endParaRPr lang="en-CA" dirty="0"/>
-          </a:p>
-        </p:txBody>
-      </p:sp>
-      <p:sp>
-        <p:nvSpPr>
-          <p:cNvPr id="3" name="Text Placeholder 2">
-            <a:extLst>
-              <a:ext uri="{FF2B5EF4-FFF2-40B4-BE49-F238E27FC236}">
-                <a16:creationId xmlns:a16="http://schemas.microsoft.com/office/drawing/2014/main" id="{189BB2BF-481E-CB2A-902B-CA464FED1809}"/>
-              </a:ext>
-            </a:extLst>
-          </p:cNvPr>
-          <p:cNvSpPr>
-            <a:spLocks noGrp="1"/>
-          </p:cNvSpPr>
-          <p:nvPr>
-            <p:ph type="body" sz="quarter" idx="13"/>
-          </p:nvPr>
-        </p:nvSpPr>
-        <p:spPr/>
-        <p:txBody>
-          <a:bodyPr/>
-          <a:lstStyle/>
-          <a:p>
-            <a:r>
-              <a:rPr lang="en-US" dirty="0"/>
-              <a:t>Can stop them from doing this with</a:t>
-            </a:r>
-            <a:r>
-              <a:rPr lang="en-US" dirty="0">
-                <a:latin typeface="+mj-lt"/>
-              </a:rPr>
-              <a:t> </a:t>
-            </a:r>
-            <a:r>
-              <a:rPr lang="en-CA" b="0" i="0" u="none" strike="noStrike" dirty="0" err="1">
-                <a:effectLst/>
-                <a:latin typeface="+mj-lt"/>
-                <a:hlinkClick r:id="rId2"/>
-              </a:rPr>
-              <a:t>sdc</a:t>
-            </a:r>
-            <a:r>
-              <a:rPr lang="en-CA" b="0" i="0" u="none" strike="noStrike" dirty="0">
-                <a:effectLst/>
-                <a:latin typeface="+mj-lt"/>
-                <a:hlinkClick r:id="rId2"/>
-              </a:rPr>
-              <a:t>-questionnaire-</a:t>
-            </a:r>
-            <a:r>
-              <a:rPr lang="en-CA" b="0" i="0" u="none" strike="noStrike" dirty="0" err="1">
-                <a:effectLst/>
-                <a:latin typeface="+mj-lt"/>
-                <a:hlinkClick r:id="rId2"/>
-              </a:rPr>
-              <a:t>entryMode</a:t>
-            </a:r>
-            <a:endParaRPr lang="en-CA" b="0" i="0" u="none" strike="noStrike" dirty="0">
-              <a:effectLst/>
-              <a:latin typeface="+mj-lt"/>
-            </a:endParaRPr>
-          </a:p>
-          <a:p>
-            <a:r>
-              <a:rPr lang="en-CA" dirty="0">
-                <a:latin typeface="+mj-lt"/>
-              </a:rPr>
-              <a:t>Alternatively, throw away all answers after the answer changed and start from there</a:t>
-            </a:r>
-          </a:p>
-        </p:txBody>
-      </p:sp>
-      <p:sp>
-        <p:nvSpPr>
-          <p:cNvPr id="4" name="Footer Placeholder 3">
-            <a:extLst>
-              <a:ext uri="{FF2B5EF4-FFF2-40B4-BE49-F238E27FC236}">
-                <a16:creationId xmlns:a16="http://schemas.microsoft.com/office/drawing/2014/main" id="{C9772DD7-ED7B-67B2-313F-2FD039322C74}"/>
-              </a:ext>
-            </a:extLst>
-          </p:cNvPr>
-          <p:cNvSpPr>
-            <a:spLocks noGrp="1"/>
-          </p:cNvSpPr>
-          <p:nvPr>
-            <p:ph type="ftr" sz="quarter" idx="10"/>
-          </p:nvPr>
-        </p:nvSpPr>
-        <p:spPr/>
-        <p:txBody>
-          <a:bodyPr/>
-          <a:lstStyle/>
-          <a:p>
-            <a:r>
-              <a:rPr lang="en-CA" b="1"/>
-              <a:t>© 2025 Health Level Seven ® International. All Rights Reserved. Published under the Creative Commons 3.0 Attribution Unported license</a:t>
-            </a:r>
-            <a:endParaRPr lang="en-US" b="1" dirty="0"/>
-          </a:p>
-        </p:txBody>
-      </p:sp>
-      <p:sp>
-        <p:nvSpPr>
-          <p:cNvPr id="5" name="Slide Number Placeholder 4">
-            <a:extLst>
-              <a:ext uri="{FF2B5EF4-FFF2-40B4-BE49-F238E27FC236}">
-                <a16:creationId xmlns:a16="http://schemas.microsoft.com/office/drawing/2014/main" id="{90FCA8B7-EDC8-52B3-8741-085645E04AF9}"/>
-              </a:ext>
-            </a:extLst>
-          </p:cNvPr>
-          <p:cNvSpPr>
-            <a:spLocks noGrp="1"/>
-          </p:cNvSpPr>
-          <p:nvPr>
-            <p:ph type="sldNum" sz="quarter" idx="11"/>
-          </p:nvPr>
-        </p:nvSpPr>
-        <p:spPr/>
-        <p:txBody>
-          <a:bodyPr/>
-          <a:lstStyle/>
-          <a:p>
-            <a:fld id="{6CACE926-AEF5-4BFE-8BD7-24414108CB7B}" type="slidenum">
-              <a:rPr lang="en-US" altLang="en-US" smtClean="0"/>
-              <a:pPr/>
-              <a:t>12</a:t>
-            </a:fld>
-            <a:endParaRPr lang="en-US" altLang="en-US" dirty="0"/>
-          </a:p>
-        </p:txBody>
-      </p:sp>
-    </p:spTree>
-    <p:extLst>
-      <p:ext uri="{BB962C8B-B14F-4D97-AF65-F5344CB8AC3E}">
-        <p14:creationId xmlns:p14="http://schemas.microsoft.com/office/powerpoint/2010/main" val="282437923"/>
-      </p:ext>
-    </p:extLst>
-  </p:cSld>
-  <p:clrMapOvr>
-    <a:masterClrMapping/>
-  </p:clrMapOvr>
-</p:sld>
-</file>
-
-<file path=ppt/slides/slide13.xml><?xml version="1.0" encoding="utf-8"?>
-<p:sld xmlns:a="http://schemas.openxmlformats.org/drawingml/2006/main" xmlns:r="http://schemas.openxmlformats.org/officeDocument/2006/relationships" xmlns:p="http://schemas.openxmlformats.org/presentationml/2006/main">
-  <p:cSld>
-    <p:spTree>
-      <p:nvGrpSpPr>
-        <p:cNvPr id="1" name=""/>
-        <p:cNvGrpSpPr/>
-        <p:nvPr/>
-      </p:nvGrpSpPr>
-      <p:grpSpPr>
-        <a:xfrm>
-          <a:off x="0" y="0"/>
-          <a:ext cx="0" cy="0"/>
-          <a:chOff x="0" y="0"/>
-          <a:chExt cx="0" cy="0"/>
-        </a:xfrm>
-      </p:grpSpPr>
-      <p:sp>
-        <p:nvSpPr>
-          <p:cNvPr id="2" name="Title 1">
-            <a:extLst>
-              <a:ext uri="{FF2B5EF4-FFF2-40B4-BE49-F238E27FC236}">
-                <a16:creationId xmlns:a16="http://schemas.microsoft.com/office/drawing/2014/main" id="{37A30C75-D35C-38C7-2C23-1657612048D9}"/>
-              </a:ext>
-            </a:extLst>
-          </p:cNvPr>
-          <p:cNvSpPr>
-            <a:spLocks noGrp="1"/>
-          </p:cNvSpPr>
-          <p:nvPr>
-            <p:ph type="title"/>
-          </p:nvPr>
-        </p:nvSpPr>
-        <p:spPr/>
-        <p:txBody>
-          <a:bodyPr/>
-          <a:lstStyle/>
-          <a:p>
-            <a:r>
-              <a:rPr lang="en-US" dirty="0"/>
-              <a:t>Searching for adaptive forms</a:t>
-            </a:r>
-            <a:endParaRPr lang="en-CA" dirty="0"/>
-          </a:p>
-        </p:txBody>
-      </p:sp>
-      <p:sp>
-        <p:nvSpPr>
-          <p:cNvPr id="3" name="Text Placeholder 2">
-            <a:extLst>
-              <a:ext uri="{FF2B5EF4-FFF2-40B4-BE49-F238E27FC236}">
-                <a16:creationId xmlns:a16="http://schemas.microsoft.com/office/drawing/2014/main" id="{2642D271-78A3-E113-A478-222C64440C36}"/>
-              </a:ext>
-            </a:extLst>
-          </p:cNvPr>
-          <p:cNvSpPr>
-            <a:spLocks noGrp="1"/>
-          </p:cNvSpPr>
-          <p:nvPr>
-            <p:ph type="body" sz="quarter" idx="13"/>
-          </p:nvPr>
-        </p:nvSpPr>
-        <p:spPr/>
-        <p:txBody>
-          <a:bodyPr/>
-          <a:lstStyle/>
-          <a:p>
-            <a:r>
-              <a:rPr lang="en-US" dirty="0"/>
-              <a:t>Can’t be a contained Questionnaire when searching</a:t>
-            </a:r>
-          </a:p>
-          <a:p>
-            <a:r>
-              <a:rPr lang="en-US" dirty="0"/>
-              <a:t>Searchable adaptive form will have metadata, but no items</a:t>
-            </a:r>
-          </a:p>
-          <a:p>
-            <a:r>
-              <a:rPr lang="en-US" dirty="0">
-                <a:latin typeface="+mj-lt"/>
-                <a:ea typeface="Verdana" panose="020B0604030504040204" pitchFamily="34" charset="0"/>
-              </a:rPr>
-              <a:t>Will include </a:t>
-            </a:r>
-            <a:r>
-              <a:rPr lang="en-CA" b="0" i="0" u="none" strike="noStrike" dirty="0" err="1">
-                <a:effectLst/>
-                <a:latin typeface="+mj-lt"/>
-                <a:ea typeface="Verdana" panose="020B0604030504040204" pitchFamily="34" charset="0"/>
-                <a:hlinkClick r:id="rId2"/>
-              </a:rPr>
-              <a:t>sdc</a:t>
-            </a:r>
-            <a:r>
-              <a:rPr lang="en-CA" b="0" i="0" u="none" strike="noStrike" dirty="0">
-                <a:effectLst/>
-                <a:latin typeface="+mj-lt"/>
-                <a:ea typeface="Verdana" panose="020B0604030504040204" pitchFamily="34" charset="0"/>
-                <a:hlinkClick r:id="rId2"/>
-              </a:rPr>
-              <a:t>-questionnaire-</a:t>
-            </a:r>
-            <a:r>
-              <a:rPr lang="en-CA" b="0" i="0" u="none" strike="noStrike" dirty="0" err="1">
-                <a:effectLst/>
-                <a:latin typeface="+mj-lt"/>
-                <a:ea typeface="Verdana" panose="020B0604030504040204" pitchFamily="34" charset="0"/>
-                <a:hlinkClick r:id="rId2"/>
-              </a:rPr>
-              <a:t>questionnaireAdaptive</a:t>
-            </a:r>
-            <a:endParaRPr lang="en-CA" u="none" strike="noStrike" dirty="0">
-              <a:solidFill>
-                <a:srgbClr val="333333"/>
-              </a:solidFill>
-              <a:latin typeface="+mj-lt"/>
-              <a:ea typeface="Verdana" panose="020B0604030504040204" pitchFamily="34" charset="0"/>
-            </a:endParaRPr>
-          </a:p>
-          <a:p>
-            <a:pPr lvl="1"/>
-            <a:r>
-              <a:rPr lang="en-CA" dirty="0" err="1">
-                <a:solidFill>
-                  <a:srgbClr val="333333"/>
-                </a:solidFill>
-                <a:latin typeface="+mj-lt"/>
-                <a:ea typeface="Verdana" panose="020B0604030504040204" pitchFamily="34" charset="0"/>
-              </a:rPr>
-              <a:t>boolean</a:t>
-            </a:r>
-            <a:r>
-              <a:rPr lang="en-CA" dirty="0">
-                <a:solidFill>
-                  <a:srgbClr val="333333"/>
-                </a:solidFill>
-                <a:latin typeface="+mj-lt"/>
-                <a:ea typeface="Verdana" panose="020B0604030504040204" pitchFamily="34" charset="0"/>
-              </a:rPr>
-              <a:t> or</a:t>
-            </a:r>
-          </a:p>
-          <a:p>
-            <a:pPr lvl="1"/>
-            <a:r>
-              <a:rPr lang="en-CA" dirty="0">
-                <a:solidFill>
-                  <a:srgbClr val="333333"/>
-                </a:solidFill>
-                <a:latin typeface="+mj-lt"/>
-                <a:ea typeface="Verdana" panose="020B0604030504040204" pitchFamily="34" charset="0"/>
-              </a:rPr>
-              <a:t>List of servers that can support that Questionnaire with</a:t>
-            </a:r>
-            <a:br>
-              <a:rPr lang="en-CA" dirty="0">
-                <a:solidFill>
-                  <a:srgbClr val="333333"/>
-                </a:solidFill>
-                <a:latin typeface="+mj-lt"/>
-                <a:ea typeface="Verdana" panose="020B0604030504040204" pitchFamily="34" charset="0"/>
-              </a:rPr>
-            </a:br>
-            <a:r>
-              <a:rPr lang="en-CA" dirty="0">
-                <a:solidFill>
-                  <a:srgbClr val="333333"/>
-                </a:solidFill>
-                <a:latin typeface="+mj-lt"/>
-                <a:ea typeface="Verdana" panose="020B0604030504040204" pitchFamily="34" charset="0"/>
-              </a:rPr>
-              <a:t>$next-question</a:t>
-            </a:r>
-            <a:endParaRPr lang="en-US" dirty="0">
-              <a:latin typeface="+mj-lt"/>
-              <a:ea typeface="Verdana" panose="020B0604030504040204" pitchFamily="34" charset="0"/>
-            </a:endParaRPr>
-          </a:p>
-          <a:p>
-            <a:endParaRPr lang="en-CA" dirty="0"/>
-          </a:p>
-        </p:txBody>
-      </p:sp>
-      <p:sp>
-        <p:nvSpPr>
-          <p:cNvPr id="4" name="Footer Placeholder 3">
-            <a:extLst>
-              <a:ext uri="{FF2B5EF4-FFF2-40B4-BE49-F238E27FC236}">
-                <a16:creationId xmlns:a16="http://schemas.microsoft.com/office/drawing/2014/main" id="{C0DE46A1-FA57-F000-647A-644C8177CBF5}"/>
-              </a:ext>
-            </a:extLst>
-          </p:cNvPr>
-          <p:cNvSpPr>
-            <a:spLocks noGrp="1"/>
-          </p:cNvSpPr>
-          <p:nvPr>
-            <p:ph type="ftr" sz="quarter" idx="10"/>
-          </p:nvPr>
-        </p:nvSpPr>
-        <p:spPr/>
-        <p:txBody>
-          <a:bodyPr/>
-          <a:lstStyle/>
-          <a:p>
-            <a:r>
-              <a:rPr lang="en-CA" b="1"/>
-              <a:t>© 2025 Health Level Seven ® International. All Rights Reserved. Published under the Creative Commons 3.0 Attribution Unported license</a:t>
-            </a:r>
-            <a:endParaRPr lang="en-US" b="1" dirty="0"/>
-          </a:p>
-        </p:txBody>
-      </p:sp>
-      <p:sp>
-        <p:nvSpPr>
-          <p:cNvPr id="5" name="Slide Number Placeholder 4">
-            <a:extLst>
-              <a:ext uri="{FF2B5EF4-FFF2-40B4-BE49-F238E27FC236}">
-                <a16:creationId xmlns:a16="http://schemas.microsoft.com/office/drawing/2014/main" id="{A1431E85-8717-86BB-D99B-869564E20180}"/>
-              </a:ext>
-            </a:extLst>
-          </p:cNvPr>
-          <p:cNvSpPr>
-            <a:spLocks noGrp="1"/>
-          </p:cNvSpPr>
-          <p:nvPr>
-            <p:ph type="sldNum" sz="quarter" idx="11"/>
-          </p:nvPr>
-        </p:nvSpPr>
-        <p:spPr/>
-        <p:txBody>
-          <a:bodyPr/>
-          <a:lstStyle/>
-          <a:p>
-            <a:fld id="{6CACE926-AEF5-4BFE-8BD7-24414108CB7B}" type="slidenum">
-              <a:rPr lang="en-US" altLang="en-US" smtClean="0"/>
-              <a:pPr/>
-              <a:t>13</a:t>
-            </a:fld>
-            <a:endParaRPr lang="en-US" altLang="en-US" dirty="0"/>
-          </a:p>
-        </p:txBody>
-      </p:sp>
-    </p:spTree>
-    <p:extLst>
-      <p:ext uri="{BB962C8B-B14F-4D97-AF65-F5344CB8AC3E}">
-        <p14:creationId xmlns:p14="http://schemas.microsoft.com/office/powerpoint/2010/main" val="1792920941"/>
-      </p:ext>
-    </p:extLst>
-  </p:cSld>
-  <p:clrMapOvr>
-    <a:masterClrMapping/>
-  </p:clrMapOvr>
-</p:sld>
-</file>
-
-<file path=ppt/slides/slide14.xml><?xml version="1.0" encoding="utf-8"?>
-<p:sld xmlns:a="http://schemas.openxmlformats.org/drawingml/2006/main" xmlns:r="http://schemas.openxmlformats.org/officeDocument/2006/relationships" xmlns:p="http://schemas.openxmlformats.org/presentationml/2006/main">
-  <p:cSld>
-    <p:spTree>
-      <p:nvGrpSpPr>
-        <p:cNvPr id="1" name=""/>
-        <p:cNvGrpSpPr/>
-        <p:nvPr/>
-      </p:nvGrpSpPr>
-      <p:grpSpPr>
-        <a:xfrm>
-          <a:off x="0" y="0"/>
-          <a:ext cx="0" cy="0"/>
-          <a:chOff x="0" y="0"/>
-          <a:chExt cx="0" cy="0"/>
-        </a:xfrm>
-      </p:grpSpPr>
-      <p:sp>
-        <p:nvSpPr>
-          <p:cNvPr id="2" name="Title 1">
-            <a:extLst>
-              <a:ext uri="{FF2B5EF4-FFF2-40B4-BE49-F238E27FC236}">
-                <a16:creationId xmlns:a16="http://schemas.microsoft.com/office/drawing/2014/main" id="{0E251FF7-6832-FEEF-DF68-EBC42D5CA71A}"/>
-              </a:ext>
-            </a:extLst>
-          </p:cNvPr>
-          <p:cNvSpPr>
-            <a:spLocks noGrp="1"/>
-          </p:cNvSpPr>
-          <p:nvPr>
-            <p:ph type="title"/>
-          </p:nvPr>
-        </p:nvSpPr>
-        <p:spPr/>
-        <p:txBody>
-          <a:bodyPr/>
-          <a:lstStyle/>
-          <a:p>
-            <a:r>
-              <a:rPr lang="en-US" dirty="0"/>
-              <a:t>Populating adaptive forms</a:t>
-            </a:r>
-            <a:endParaRPr lang="en-CA" dirty="0"/>
-          </a:p>
-        </p:txBody>
-      </p:sp>
-      <p:sp>
-        <p:nvSpPr>
-          <p:cNvPr id="3" name="Text Placeholder 2">
-            <a:extLst>
-              <a:ext uri="{FF2B5EF4-FFF2-40B4-BE49-F238E27FC236}">
-                <a16:creationId xmlns:a16="http://schemas.microsoft.com/office/drawing/2014/main" id="{91175B06-3B7C-AAB0-C485-8C8EC7F6B5AE}"/>
-              </a:ext>
-            </a:extLst>
-          </p:cNvPr>
-          <p:cNvSpPr>
-            <a:spLocks noGrp="1"/>
-          </p:cNvSpPr>
-          <p:nvPr>
-            <p:ph type="body" sz="quarter" idx="13"/>
-          </p:nvPr>
-        </p:nvSpPr>
-        <p:spPr/>
-        <p:txBody>
-          <a:bodyPr/>
-          <a:lstStyle/>
-          <a:p>
-            <a:r>
-              <a:rPr lang="en-US" dirty="0"/>
-              <a:t>Population </a:t>
-            </a:r>
-            <a:r>
-              <a:rPr lang="en-US" b="1" dirty="0"/>
-              <a:t>could</a:t>
-            </a:r>
-            <a:r>
-              <a:rPr lang="en-US" dirty="0"/>
-              <a:t> be done by $next-question</a:t>
-            </a:r>
-          </a:p>
-          <a:p>
-            <a:pPr lvl="1"/>
-            <a:r>
-              <a:rPr lang="en-US" dirty="0"/>
-              <a:t>Server would need access to the relevant data, no token passed</a:t>
-            </a:r>
-          </a:p>
-          <a:p>
-            <a:r>
-              <a:rPr lang="en-US" dirty="0"/>
-              <a:t>Can’t do </a:t>
-            </a:r>
-            <a:r>
-              <a:rPr lang="en-US" dirty="0" err="1"/>
-              <a:t>StructureMap</a:t>
-            </a:r>
-            <a:r>
-              <a:rPr lang="en-US" dirty="0"/>
-              <a:t>-based</a:t>
-            </a:r>
-          </a:p>
-          <a:p>
-            <a:r>
-              <a:rPr lang="en-US" dirty="0"/>
-              <a:t>If doing expression-based or CQL, need to hold onto existing variables in memory</a:t>
-            </a:r>
-          </a:p>
-          <a:p>
-            <a:r>
-              <a:rPr lang="en-US" dirty="0"/>
-              <a:t>Might list all Libraries up-front, may add new ones as they become relevant, or mixture of both</a:t>
-            </a:r>
-            <a:endParaRPr lang="en-CA" dirty="0"/>
-          </a:p>
-        </p:txBody>
-      </p:sp>
-      <p:sp>
-        <p:nvSpPr>
-          <p:cNvPr id="4" name="Footer Placeholder 3">
-            <a:extLst>
-              <a:ext uri="{FF2B5EF4-FFF2-40B4-BE49-F238E27FC236}">
-                <a16:creationId xmlns:a16="http://schemas.microsoft.com/office/drawing/2014/main" id="{BDDA01A4-597B-1697-7EF4-DC069227C92D}"/>
-              </a:ext>
-            </a:extLst>
-          </p:cNvPr>
-          <p:cNvSpPr>
-            <a:spLocks noGrp="1"/>
-          </p:cNvSpPr>
-          <p:nvPr>
-            <p:ph type="ftr" sz="quarter" idx="10"/>
-          </p:nvPr>
-        </p:nvSpPr>
-        <p:spPr/>
-        <p:txBody>
-          <a:bodyPr/>
-          <a:lstStyle/>
-          <a:p>
-            <a:r>
-              <a:rPr lang="en-CA" b="1"/>
-              <a:t>© 2025 Health Level Seven ® International. All Rights Reserved. Published under the Creative Commons 3.0 Attribution Unported license</a:t>
-            </a:r>
-            <a:endParaRPr lang="en-US" b="1" dirty="0"/>
-          </a:p>
-        </p:txBody>
-      </p:sp>
-      <p:sp>
-        <p:nvSpPr>
-          <p:cNvPr id="5" name="Slide Number Placeholder 4">
-            <a:extLst>
-              <a:ext uri="{FF2B5EF4-FFF2-40B4-BE49-F238E27FC236}">
-                <a16:creationId xmlns:a16="http://schemas.microsoft.com/office/drawing/2014/main" id="{553325B2-8E37-93D2-B39E-E814156D7D58}"/>
-              </a:ext>
-            </a:extLst>
-          </p:cNvPr>
-          <p:cNvSpPr>
-            <a:spLocks noGrp="1"/>
-          </p:cNvSpPr>
-          <p:nvPr>
-            <p:ph type="sldNum" sz="quarter" idx="11"/>
-          </p:nvPr>
-        </p:nvSpPr>
-        <p:spPr/>
-        <p:txBody>
-          <a:bodyPr/>
-          <a:lstStyle/>
-          <a:p>
-            <a:fld id="{6CACE926-AEF5-4BFE-8BD7-24414108CB7B}" type="slidenum">
-              <a:rPr lang="en-US" altLang="en-US" smtClean="0"/>
-              <a:pPr/>
-              <a:t>14</a:t>
-            </a:fld>
-            <a:endParaRPr lang="en-US" altLang="en-US" dirty="0"/>
-          </a:p>
-        </p:txBody>
-      </p:sp>
-    </p:spTree>
-    <p:extLst>
-      <p:ext uri="{BB962C8B-B14F-4D97-AF65-F5344CB8AC3E}">
-        <p14:creationId xmlns:p14="http://schemas.microsoft.com/office/powerpoint/2010/main" val="3327539244"/>
-      </p:ext>
-    </p:extLst>
-  </p:cSld>
-  <p:clrMapOvr>
-    <a:masterClrMapping/>
-  </p:clrMapOvr>
-</p:sld>
-</file>
-
-<file path=ppt/slides/slide15.xml><?xml version="1.0" encoding="utf-8"?>
-<p:sld xmlns:a="http://schemas.openxmlformats.org/drawingml/2006/main" xmlns:r="http://schemas.openxmlformats.org/officeDocument/2006/relationships" xmlns:p="http://schemas.openxmlformats.org/presentationml/2006/main">
-  <p:cSld>
-    <p:spTree>
-      <p:nvGrpSpPr>
-        <p:cNvPr id="1" name=""/>
-        <p:cNvGrpSpPr/>
-        <p:nvPr/>
-      </p:nvGrpSpPr>
-      <p:grpSpPr>
-        <a:xfrm>
-          <a:off x="0" y="0"/>
-          <a:ext cx="0" cy="0"/>
-          <a:chOff x="0" y="0"/>
-          <a:chExt cx="0" cy="0"/>
-        </a:xfrm>
-      </p:grpSpPr>
-      <p:sp>
-        <p:nvSpPr>
-          <p:cNvPr id="2" name="Title 1">
-            <a:extLst>
-              <a:ext uri="{FF2B5EF4-FFF2-40B4-BE49-F238E27FC236}">
-                <a16:creationId xmlns:a16="http://schemas.microsoft.com/office/drawing/2014/main" id="{272DEA8F-4129-3AC1-F7CB-452A899FC427}"/>
-              </a:ext>
-            </a:extLst>
-          </p:cNvPr>
-          <p:cNvSpPr>
-            <a:spLocks noGrp="1"/>
-          </p:cNvSpPr>
-          <p:nvPr>
-            <p:ph type="title"/>
-          </p:nvPr>
-        </p:nvSpPr>
-        <p:spPr/>
-        <p:txBody>
-          <a:bodyPr/>
-          <a:lstStyle/>
-          <a:p>
-            <a:r>
-              <a:rPr lang="en-US" dirty="0"/>
-              <a:t>Handling completed forms</a:t>
-            </a:r>
-            <a:endParaRPr lang="en-CA" dirty="0"/>
-          </a:p>
-        </p:txBody>
-      </p:sp>
-      <p:sp>
-        <p:nvSpPr>
-          <p:cNvPr id="3" name="Text Placeholder 2">
-            <a:extLst>
-              <a:ext uri="{FF2B5EF4-FFF2-40B4-BE49-F238E27FC236}">
-                <a16:creationId xmlns:a16="http://schemas.microsoft.com/office/drawing/2014/main" id="{79C12AB9-978F-AD5C-E1B1-4D956431A9BF}"/>
-              </a:ext>
-            </a:extLst>
-          </p:cNvPr>
-          <p:cNvSpPr>
-            <a:spLocks noGrp="1"/>
-          </p:cNvSpPr>
-          <p:nvPr>
-            <p:ph type="body" sz="quarter" idx="13"/>
-          </p:nvPr>
-        </p:nvSpPr>
-        <p:spPr/>
-        <p:txBody>
-          <a:bodyPr/>
-          <a:lstStyle/>
-          <a:p>
-            <a:r>
-              <a:rPr lang="en-US" dirty="0"/>
-              <a:t>When adaptive form is ‘complete’, that doesn’t mean it’s ‘submitted’</a:t>
-            </a:r>
-          </a:p>
-          <a:p>
-            <a:r>
-              <a:rPr lang="en-US" dirty="0"/>
-              <a:t>$submit is a separate process (as is $extract)</a:t>
-            </a:r>
-            <a:endParaRPr lang="en-CA" dirty="0"/>
-          </a:p>
-        </p:txBody>
-      </p:sp>
-      <p:sp>
-        <p:nvSpPr>
-          <p:cNvPr id="4" name="Footer Placeholder 3">
-            <a:extLst>
-              <a:ext uri="{FF2B5EF4-FFF2-40B4-BE49-F238E27FC236}">
-                <a16:creationId xmlns:a16="http://schemas.microsoft.com/office/drawing/2014/main" id="{B6135CB3-2D3E-BEB2-378C-D24531CBC951}"/>
-              </a:ext>
-            </a:extLst>
-          </p:cNvPr>
-          <p:cNvSpPr>
-            <a:spLocks noGrp="1"/>
-          </p:cNvSpPr>
-          <p:nvPr>
-            <p:ph type="ftr" sz="quarter" idx="10"/>
-          </p:nvPr>
-        </p:nvSpPr>
-        <p:spPr/>
-        <p:txBody>
-          <a:bodyPr/>
-          <a:lstStyle/>
-          <a:p>
-            <a:r>
-              <a:rPr lang="en-CA" b="1"/>
-              <a:t>© 2025 Health Level Seven ® International. All Rights Reserved. Published under the Creative Commons 3.0 Attribution Unported license</a:t>
-            </a:r>
-            <a:endParaRPr lang="en-US" b="1" dirty="0"/>
-          </a:p>
-        </p:txBody>
-      </p:sp>
-      <p:sp>
-        <p:nvSpPr>
-          <p:cNvPr id="5" name="Slide Number Placeholder 4">
-            <a:extLst>
-              <a:ext uri="{FF2B5EF4-FFF2-40B4-BE49-F238E27FC236}">
-                <a16:creationId xmlns:a16="http://schemas.microsoft.com/office/drawing/2014/main" id="{E79863FF-8272-23CD-E697-87089D1AF820}"/>
-              </a:ext>
-            </a:extLst>
-          </p:cNvPr>
-          <p:cNvSpPr>
-            <a:spLocks noGrp="1"/>
-          </p:cNvSpPr>
-          <p:nvPr>
-            <p:ph type="sldNum" sz="quarter" idx="11"/>
-          </p:nvPr>
-        </p:nvSpPr>
-        <p:spPr/>
-        <p:txBody>
-          <a:bodyPr/>
-          <a:lstStyle/>
-          <a:p>
-            <a:fld id="{6CACE926-AEF5-4BFE-8BD7-24414108CB7B}" type="slidenum">
-              <a:rPr lang="en-US" altLang="en-US" smtClean="0"/>
-              <a:pPr/>
-              <a:t>15</a:t>
-            </a:fld>
-            <a:endParaRPr lang="en-US" altLang="en-US" dirty="0"/>
-          </a:p>
-        </p:txBody>
-      </p:sp>
-    </p:spTree>
-    <p:extLst>
-      <p:ext uri="{BB962C8B-B14F-4D97-AF65-F5344CB8AC3E}">
-        <p14:creationId xmlns:p14="http://schemas.microsoft.com/office/powerpoint/2010/main" val="2541718150"/>
-      </p:ext>
-    </p:extLst>
-  </p:cSld>
-  <p:clrMapOvr>
-    <a:masterClrMapping/>
-  </p:clrMapOvr>
-</p:sld>
-</file>
-
-<file path=ppt/slides/slide16.xml><?xml version="1.0" encoding="utf-8"?>
-<p:sld xmlns:a="http://schemas.openxmlformats.org/drawingml/2006/main" xmlns:r="http://schemas.openxmlformats.org/officeDocument/2006/relationships" xmlns:p="http://schemas.openxmlformats.org/presentationml/2006/main">
-  <p:cSld>
-    <p:spTree>
-      <p:nvGrpSpPr>
-        <p:cNvPr id="1" name=""/>
-        <p:cNvGrpSpPr/>
-        <p:nvPr/>
-      </p:nvGrpSpPr>
-      <p:grpSpPr>
-        <a:xfrm>
-          <a:off x="0" y="0"/>
-          <a:ext cx="0" cy="0"/>
-          <a:chOff x="0" y="0"/>
-          <a:chExt cx="0" cy="0"/>
-        </a:xfrm>
-      </p:grpSpPr>
-      <p:sp>
-        <p:nvSpPr>
-          <p:cNvPr id="5" name="Title 4">
-            <a:extLst>
-              <a:ext uri="{FF2B5EF4-FFF2-40B4-BE49-F238E27FC236}">
-                <a16:creationId xmlns:a16="http://schemas.microsoft.com/office/drawing/2014/main" id="{9BEE80F2-E551-1FB3-B881-E4F44DEC1F4F}"/>
-              </a:ext>
-            </a:extLst>
-          </p:cNvPr>
-          <p:cNvSpPr>
-            <a:spLocks noGrp="1"/>
-          </p:cNvSpPr>
-          <p:nvPr>
-            <p:ph type="title"/>
-          </p:nvPr>
-        </p:nvSpPr>
-        <p:spPr/>
-        <p:txBody>
-          <a:bodyPr/>
-          <a:lstStyle/>
-          <a:p>
-            <a:r>
-              <a:rPr lang="en-US"/>
-              <a:t>Adaptive Forms </a:t>
-            </a:r>
-            <a:r>
-              <a:rPr lang="en-US" dirty="0"/>
-              <a:t>in the SDC Spec</a:t>
-            </a:r>
-            <a:endParaRPr lang="en-CA" dirty="0"/>
-          </a:p>
-        </p:txBody>
-      </p:sp>
-      <p:sp>
-        <p:nvSpPr>
-          <p:cNvPr id="3" name="Footer Placeholder 2">
-            <a:extLst>
-              <a:ext uri="{FF2B5EF4-FFF2-40B4-BE49-F238E27FC236}">
-                <a16:creationId xmlns:a16="http://schemas.microsoft.com/office/drawing/2014/main" id="{0D997C32-2ED6-21A0-8EFE-3094FB53FA96}"/>
-              </a:ext>
-            </a:extLst>
-          </p:cNvPr>
-          <p:cNvSpPr>
-            <a:spLocks noGrp="1"/>
-          </p:cNvSpPr>
-          <p:nvPr>
-            <p:ph type="ftr" sz="quarter" idx="10"/>
-          </p:nvPr>
-        </p:nvSpPr>
-        <p:spPr/>
-        <p:txBody>
-          <a:bodyPr/>
-          <a:lstStyle/>
-          <a:p>
-            <a:r>
-              <a:rPr lang="en-CA" b="1"/>
-              <a:t>© 2025 Health Level Seven ® International. All Rights Reserved. Published under the Creative Commons 3.0 Attribution Unported license</a:t>
-            </a:r>
-            <a:endParaRPr lang="en-US" b="1" dirty="0"/>
-          </a:p>
-        </p:txBody>
-      </p:sp>
-      <p:sp>
-        <p:nvSpPr>
-          <p:cNvPr id="4" name="Slide Number Placeholder 3">
-            <a:extLst>
-              <a:ext uri="{FF2B5EF4-FFF2-40B4-BE49-F238E27FC236}">
-                <a16:creationId xmlns:a16="http://schemas.microsoft.com/office/drawing/2014/main" id="{FDCA234E-1D68-C869-880B-1FA12FF1E0A2}"/>
-              </a:ext>
-            </a:extLst>
-          </p:cNvPr>
-          <p:cNvSpPr>
-            <a:spLocks noGrp="1"/>
-          </p:cNvSpPr>
-          <p:nvPr>
-            <p:ph type="sldNum" sz="quarter" idx="11"/>
-          </p:nvPr>
-        </p:nvSpPr>
-        <p:spPr/>
-        <p:txBody>
-          <a:bodyPr/>
-          <a:lstStyle/>
-          <a:p>
-            <a:fld id="{6CACE926-AEF5-4BFE-8BD7-24414108CB7B}" type="slidenum">
-              <a:rPr lang="en-US" altLang="en-US" smtClean="0"/>
-              <a:pPr/>
-              <a:t>16</a:t>
-            </a:fld>
-            <a:endParaRPr lang="en-US" altLang="en-US" dirty="0"/>
-          </a:p>
-        </p:txBody>
-      </p:sp>
-      <p:sp>
-        <p:nvSpPr>
-          <p:cNvPr id="11" name="TextBox 10">
-            <a:extLst>
-              <a:ext uri="{FF2B5EF4-FFF2-40B4-BE49-F238E27FC236}">
-                <a16:creationId xmlns:a16="http://schemas.microsoft.com/office/drawing/2014/main" id="{130BC388-C449-76DC-33A2-A4F449C02919}"/>
-              </a:ext>
-            </a:extLst>
-          </p:cNvPr>
-          <p:cNvSpPr txBox="1"/>
-          <p:nvPr/>
-        </p:nvSpPr>
-        <p:spPr>
-          <a:xfrm>
-            <a:off x="6233020" y="988306"/>
-            <a:ext cx="2172003" cy="369332"/>
-          </a:xfrm>
-          <a:prstGeom prst="rect">
-            <a:avLst/>
-          </a:prstGeom>
-          <a:noFill/>
-        </p:spPr>
-        <p:txBody>
-          <a:bodyPr wrap="square" rtlCol="0">
-            <a:spAutoFit/>
-          </a:bodyPr>
-          <a:lstStyle/>
-          <a:p>
-            <a:r>
-              <a:rPr lang="en-US" dirty="0">
-                <a:hlinkClick r:id="rId2"/>
-              </a:rPr>
-              <a:t>Link</a:t>
-            </a:r>
-            <a:endParaRPr lang="en-CA" dirty="0"/>
-          </a:p>
-        </p:txBody>
-      </p:sp>
-      <p:pic>
-        <p:nvPicPr>
-          <p:cNvPr id="13" name="Picture 12">
-            <a:extLst>
-              <a:ext uri="{FF2B5EF4-FFF2-40B4-BE49-F238E27FC236}">
-                <a16:creationId xmlns:a16="http://schemas.microsoft.com/office/drawing/2014/main" id="{15A98687-01A0-0B14-EC0A-52D5672161CA}"/>
-              </a:ext>
-            </a:extLst>
-          </p:cNvPr>
-          <p:cNvPicPr>
-            <a:picLocks noChangeAspect="1"/>
-          </p:cNvPicPr>
-          <p:nvPr/>
-        </p:nvPicPr>
-        <p:blipFill>
-          <a:blip r:embed="rId3"/>
-          <a:stretch>
-            <a:fillRect/>
-          </a:stretch>
-        </p:blipFill>
-        <p:spPr>
-          <a:xfrm>
-            <a:off x="3503525" y="988306"/>
-            <a:ext cx="2136950" cy="3701503"/>
-          </a:xfrm>
-          <a:prstGeom prst="rect">
-            <a:avLst/>
-          </a:prstGeom>
-        </p:spPr>
-      </p:pic>
-    </p:spTree>
-    <p:extLst>
-      <p:ext uri="{BB962C8B-B14F-4D97-AF65-F5344CB8AC3E}">
-        <p14:creationId xmlns:p14="http://schemas.microsoft.com/office/powerpoint/2010/main" val="3762182957"/>
-      </p:ext>
-    </p:extLst>
-  </p:cSld>
-  <p:clrMapOvr>
-    <a:masterClrMapping/>
-  </p:clrMapOvr>
-</p:sld>
-</file>
-
-<file path=ppt/slides/slide17.xml><?xml version="1.0" encoding="utf-8"?>
-<p:sld xmlns:a="http://schemas.openxmlformats.org/drawingml/2006/main" xmlns:r="http://schemas.openxmlformats.org/officeDocument/2006/relationships" xmlns:p="http://schemas.openxmlformats.org/presentationml/2006/main">
-  <p:cSld>
-    <p:spTree>
-      <p:nvGrpSpPr>
-        <p:cNvPr id="1" name=""/>
-        <p:cNvGrpSpPr/>
-        <p:nvPr/>
-      </p:nvGrpSpPr>
-      <p:grpSpPr>
-        <a:xfrm>
-          <a:off x="0" y="0"/>
-          <a:ext cx="0" cy="0"/>
-          <a:chOff x="0" y="0"/>
-          <a:chExt cx="0" cy="0"/>
-        </a:xfrm>
-      </p:grpSpPr>
-      <p:sp>
-        <p:nvSpPr>
-          <p:cNvPr id="2" name="Title 1">
-            <a:extLst>
-              <a:ext uri="{FF2B5EF4-FFF2-40B4-BE49-F238E27FC236}">
-                <a16:creationId xmlns:a16="http://schemas.microsoft.com/office/drawing/2014/main" id="{5D8281B0-7950-F7B3-0EA3-3FF43DB2FCE7}"/>
-              </a:ext>
-            </a:extLst>
-          </p:cNvPr>
-          <p:cNvSpPr>
-            <a:spLocks noGrp="1"/>
-          </p:cNvSpPr>
-          <p:nvPr>
-            <p:ph type="title"/>
-          </p:nvPr>
-        </p:nvSpPr>
-        <p:spPr/>
-        <p:txBody>
-          <a:bodyPr/>
-          <a:lstStyle/>
-          <a:p>
-            <a:r>
-              <a:rPr lang="en-US" dirty="0"/>
-              <a:t>Adaptive Questions</a:t>
-            </a:r>
-            <a:endParaRPr lang="en-CA" dirty="0"/>
-          </a:p>
-        </p:txBody>
-      </p:sp>
-      <p:sp>
-        <p:nvSpPr>
-          <p:cNvPr id="3" name="Text Placeholder 2">
-            <a:extLst>
-              <a:ext uri="{FF2B5EF4-FFF2-40B4-BE49-F238E27FC236}">
-                <a16:creationId xmlns:a16="http://schemas.microsoft.com/office/drawing/2014/main" id="{F8F57653-8BC4-5706-3A28-D8E1AD89A172}"/>
-              </a:ext>
-            </a:extLst>
-          </p:cNvPr>
-          <p:cNvSpPr>
-            <a:spLocks noGrp="1"/>
-          </p:cNvSpPr>
-          <p:nvPr>
-            <p:ph type="body" sz="quarter" idx="13"/>
-          </p:nvPr>
-        </p:nvSpPr>
-        <p:spPr/>
-        <p:txBody>
-          <a:bodyPr/>
-          <a:lstStyle/>
-          <a:p>
-            <a:pPr marL="457200" indent="-457200">
-              <a:buAutoNum type="arabicPeriod"/>
-            </a:pPr>
-            <a:r>
-              <a:rPr lang="en-CA" dirty="0"/>
-              <a:t>How many items will an adaptive search Questionnaire have?</a:t>
-            </a:r>
-          </a:p>
-          <a:p>
-            <a:pPr marL="457200" indent="-457200">
-              <a:buAutoNum type="arabicPeriod"/>
-            </a:pPr>
-            <a:r>
-              <a:rPr lang="en-CA" dirty="0"/>
-              <a:t>How many items can $next-question add to an adaptive Questionnaire?</a:t>
-            </a:r>
-          </a:p>
-          <a:p>
-            <a:pPr marL="457200" indent="-457200">
-              <a:buAutoNum type="arabicPeriod"/>
-            </a:pPr>
-            <a:r>
-              <a:rPr lang="en-CA" dirty="0"/>
-              <a:t>What population approach is incompatible with adaptive Questionnaires?</a:t>
-            </a:r>
-          </a:p>
-          <a:p>
-            <a:pPr marL="457200" indent="-457200">
-              <a:buAutoNum type="arabicPeriod"/>
-            </a:pPr>
-            <a:r>
-              <a:rPr lang="en-CA" dirty="0"/>
-              <a:t>What values can the </a:t>
-            </a:r>
-            <a:r>
-              <a:rPr lang="en-CA" dirty="0" err="1"/>
-              <a:t>sdc</a:t>
-            </a:r>
-            <a:r>
-              <a:rPr lang="en-CA" dirty="0"/>
-              <a:t>-questionnaire-</a:t>
-            </a:r>
-            <a:r>
-              <a:rPr lang="en-CA" dirty="0" err="1"/>
-              <a:t>questionnaireAdaptive</a:t>
-            </a:r>
-            <a:r>
-              <a:rPr lang="en-CA" dirty="0"/>
-              <a:t> extension have?</a:t>
-            </a:r>
-          </a:p>
-        </p:txBody>
-      </p:sp>
-      <p:sp>
-        <p:nvSpPr>
-          <p:cNvPr id="4" name="Footer Placeholder 3">
-            <a:extLst>
-              <a:ext uri="{FF2B5EF4-FFF2-40B4-BE49-F238E27FC236}">
-                <a16:creationId xmlns:a16="http://schemas.microsoft.com/office/drawing/2014/main" id="{146EE1AE-A93F-AB55-8489-EA018C625A48}"/>
-              </a:ext>
-            </a:extLst>
-          </p:cNvPr>
-          <p:cNvSpPr>
-            <a:spLocks noGrp="1"/>
-          </p:cNvSpPr>
-          <p:nvPr>
-            <p:ph type="ftr" sz="quarter" idx="10"/>
-          </p:nvPr>
-        </p:nvSpPr>
-        <p:spPr/>
-        <p:txBody>
-          <a:bodyPr/>
-          <a:lstStyle/>
-          <a:p>
-            <a:r>
-              <a:rPr lang="en-CA" b="1"/>
-              <a:t>© 2025 Health Level Seven ® International. All Rights Reserved. Published under the Creative Commons 3.0 Attribution Unported license</a:t>
-            </a:r>
-            <a:endParaRPr lang="en-US" b="1" dirty="0"/>
-          </a:p>
-        </p:txBody>
-      </p:sp>
-      <p:sp>
-        <p:nvSpPr>
-          <p:cNvPr id="5" name="Slide Number Placeholder 4">
-            <a:extLst>
-              <a:ext uri="{FF2B5EF4-FFF2-40B4-BE49-F238E27FC236}">
-                <a16:creationId xmlns:a16="http://schemas.microsoft.com/office/drawing/2014/main" id="{EF83953C-DB91-760F-54D1-E572FFC4509C}"/>
-              </a:ext>
-            </a:extLst>
-          </p:cNvPr>
-          <p:cNvSpPr>
-            <a:spLocks noGrp="1"/>
-          </p:cNvSpPr>
-          <p:nvPr>
-            <p:ph type="sldNum" sz="quarter" idx="11"/>
-          </p:nvPr>
-        </p:nvSpPr>
-        <p:spPr/>
-        <p:txBody>
-          <a:bodyPr/>
-          <a:lstStyle/>
-          <a:p>
-            <a:fld id="{6CACE926-AEF5-4BFE-8BD7-24414108CB7B}" type="slidenum">
-              <a:rPr lang="en-US" altLang="en-US" smtClean="0"/>
-              <a:pPr/>
-              <a:t>17</a:t>
-            </a:fld>
-            <a:endParaRPr lang="en-US" altLang="en-US" dirty="0"/>
-          </a:p>
-        </p:txBody>
-      </p:sp>
-    </p:spTree>
-    <p:extLst>
-      <p:ext uri="{BB962C8B-B14F-4D97-AF65-F5344CB8AC3E}">
-        <p14:creationId xmlns:p14="http://schemas.microsoft.com/office/powerpoint/2010/main" val="2805408624"/>
-      </p:ext>
-    </p:extLst>
-  </p:cSld>
-  <p:clrMapOvr>
-    <a:masterClrMapping/>
-  </p:clrMapOvr>
-</p:sld>
-</file>
-
-<file path=ppt/slides/slide18.xml><?xml version="1.0" encoding="utf-8"?>
-<p:sld xmlns:a="http://schemas.openxmlformats.org/drawingml/2006/main" xmlns:r="http://schemas.openxmlformats.org/officeDocument/2006/relationships" xmlns:p="http://schemas.openxmlformats.org/presentationml/2006/main">
-  <p:cSld>
-    <p:spTree>
-      <p:nvGrpSpPr>
-        <p:cNvPr id="1" name=""/>
-        <p:cNvGrpSpPr/>
-        <p:nvPr/>
-      </p:nvGrpSpPr>
-      <p:grpSpPr>
-        <a:xfrm>
-          <a:off x="0" y="0"/>
-          <a:ext cx="0" cy="0"/>
-          <a:chOff x="0" y="0"/>
-          <a:chExt cx="0" cy="0"/>
-        </a:xfrm>
-      </p:grpSpPr>
-      <p:sp>
-        <p:nvSpPr>
-          <p:cNvPr id="2" name="Title 1">
-            <a:extLst>
-              <a:ext uri="{FF2B5EF4-FFF2-40B4-BE49-F238E27FC236}">
-                <a16:creationId xmlns:a16="http://schemas.microsoft.com/office/drawing/2014/main" id="{23DF67A7-0E12-8CD4-42C3-0A92DA42DAF6}"/>
-              </a:ext>
-            </a:extLst>
-          </p:cNvPr>
-          <p:cNvSpPr>
-            <a:spLocks noGrp="1"/>
-          </p:cNvSpPr>
-          <p:nvPr>
-            <p:ph type="title"/>
-          </p:nvPr>
-        </p:nvSpPr>
-        <p:spPr/>
-        <p:txBody>
-          <a:bodyPr/>
-          <a:lstStyle/>
-          <a:p>
-            <a:r>
-              <a:rPr lang="en-CA" dirty="0"/>
-              <a:t>Adaptive Questions</a:t>
-            </a:r>
-          </a:p>
-        </p:txBody>
-      </p:sp>
-      <p:sp>
-        <p:nvSpPr>
-          <p:cNvPr id="3" name="Text Placeholder 2">
-            <a:extLst>
-              <a:ext uri="{FF2B5EF4-FFF2-40B4-BE49-F238E27FC236}">
-                <a16:creationId xmlns:a16="http://schemas.microsoft.com/office/drawing/2014/main" id="{0CA06DBC-20C3-7057-F5C8-9D7412E70D9B}"/>
-              </a:ext>
-            </a:extLst>
-          </p:cNvPr>
-          <p:cNvSpPr>
-            <a:spLocks noGrp="1"/>
-          </p:cNvSpPr>
-          <p:nvPr>
-            <p:ph type="body" sz="quarter" idx="13"/>
-          </p:nvPr>
-        </p:nvSpPr>
-        <p:spPr/>
-        <p:txBody>
-          <a:bodyPr/>
-          <a:lstStyle/>
-          <a:p>
-            <a:r>
-              <a:rPr lang="en-CA" dirty="0"/>
-              <a:t>5. Which of the following is </a:t>
-            </a:r>
-            <a:r>
-              <a:rPr lang="en-CA" b="1" dirty="0"/>
-              <a:t>not</a:t>
-            </a:r>
-            <a:r>
-              <a:rPr lang="en-CA" dirty="0"/>
-              <a:t> a common reason for using adaptive forms</a:t>
-            </a:r>
-          </a:p>
-          <a:p>
-            <a:pPr marL="914400" lvl="1" indent="-457200">
-              <a:buAutoNum type="alphaLcParenR"/>
-            </a:pPr>
-            <a:r>
-              <a:rPr lang="en-CA" dirty="0"/>
-              <a:t>Simpler for form fillers</a:t>
-            </a:r>
-          </a:p>
-          <a:p>
-            <a:pPr marL="914400" lvl="1" indent="-457200">
-              <a:buAutoNum type="alphaLcParenR"/>
-            </a:pPr>
-            <a:r>
-              <a:rPr lang="en-CA" dirty="0"/>
-              <a:t>Can extract resources earlier</a:t>
-            </a:r>
-          </a:p>
-          <a:p>
-            <a:pPr marL="914400" lvl="1" indent="-457200">
-              <a:buAutoNum type="alphaLcParenR"/>
-            </a:pPr>
-            <a:r>
-              <a:rPr lang="en-CA" dirty="0"/>
-              <a:t>Form logic includes sensitive IP</a:t>
-            </a:r>
-          </a:p>
-          <a:p>
-            <a:pPr marL="914400" lvl="1" indent="-457200">
-              <a:buAutoNum type="alphaLcParenR"/>
-            </a:pPr>
-            <a:r>
-              <a:rPr lang="en-CA" dirty="0"/>
-              <a:t>Form authors don’t want to write </a:t>
-            </a:r>
-            <a:r>
-              <a:rPr lang="en-CA" dirty="0" err="1"/>
-              <a:t>FHIRPath</a:t>
-            </a:r>
-            <a:r>
-              <a:rPr lang="en-CA" dirty="0"/>
-              <a:t> or CQL</a:t>
-            </a:r>
-          </a:p>
-        </p:txBody>
-      </p:sp>
-      <p:sp>
-        <p:nvSpPr>
-          <p:cNvPr id="4" name="Footer Placeholder 3">
-            <a:extLst>
-              <a:ext uri="{FF2B5EF4-FFF2-40B4-BE49-F238E27FC236}">
-                <a16:creationId xmlns:a16="http://schemas.microsoft.com/office/drawing/2014/main" id="{AD448638-C45C-91B8-2701-E0F24B8F4A32}"/>
-              </a:ext>
-            </a:extLst>
-          </p:cNvPr>
-          <p:cNvSpPr>
-            <a:spLocks noGrp="1"/>
-          </p:cNvSpPr>
-          <p:nvPr>
-            <p:ph type="ftr" sz="quarter" idx="10"/>
-          </p:nvPr>
-        </p:nvSpPr>
-        <p:spPr/>
-        <p:txBody>
-          <a:bodyPr/>
-          <a:lstStyle/>
-          <a:p>
-            <a:r>
-              <a:rPr lang="en-CA" b="1"/>
-              <a:t>© 2025 Health Level Seven ® International. All Rights Reserved. Published under the Creative Commons 3.0 Attribution Unported license</a:t>
-            </a:r>
-            <a:endParaRPr lang="en-US" b="1" dirty="0"/>
-          </a:p>
-        </p:txBody>
-      </p:sp>
-      <p:sp>
-        <p:nvSpPr>
-          <p:cNvPr id="5" name="Slide Number Placeholder 4">
-            <a:extLst>
-              <a:ext uri="{FF2B5EF4-FFF2-40B4-BE49-F238E27FC236}">
-                <a16:creationId xmlns:a16="http://schemas.microsoft.com/office/drawing/2014/main" id="{4F1B823D-E15C-096F-13DE-0E4D47F8631E}"/>
-              </a:ext>
-            </a:extLst>
-          </p:cNvPr>
-          <p:cNvSpPr>
-            <a:spLocks noGrp="1"/>
-          </p:cNvSpPr>
-          <p:nvPr>
-            <p:ph type="sldNum" sz="quarter" idx="11"/>
-          </p:nvPr>
-        </p:nvSpPr>
-        <p:spPr/>
-        <p:txBody>
-          <a:bodyPr/>
-          <a:lstStyle/>
-          <a:p>
-            <a:fld id="{6CACE926-AEF5-4BFE-8BD7-24414108CB7B}" type="slidenum">
-              <a:rPr lang="en-US" altLang="en-US" smtClean="0"/>
-              <a:pPr/>
-              <a:t>18</a:t>
-            </a:fld>
-            <a:endParaRPr lang="en-US" altLang="en-US" dirty="0"/>
-          </a:p>
-        </p:txBody>
-      </p:sp>
-    </p:spTree>
-    <p:extLst>
-      <p:ext uri="{BB962C8B-B14F-4D97-AF65-F5344CB8AC3E}">
-        <p14:creationId xmlns:p14="http://schemas.microsoft.com/office/powerpoint/2010/main" val="1217799398"/>
-      </p:ext>
-    </p:extLst>
-  </p:cSld>
-  <p:clrMapOvr>
-    <a:masterClrMapping/>
-  </p:clrMapOvr>
-</p:sld>
-</file>
-
-<file path=ppt/slides/slide19.xml><?xml version="1.0" encoding="utf-8"?>
-<p:sld xmlns:a="http://schemas.openxmlformats.org/drawingml/2006/main" xmlns:r="http://schemas.openxmlformats.org/officeDocument/2006/relationships" xmlns:p="http://schemas.openxmlformats.org/presentationml/2006/main">
-  <p:cSld>
-    <p:spTree>
-      <p:nvGrpSpPr>
-        <p:cNvPr id="1" name=""/>
-        <p:cNvGrpSpPr/>
-        <p:nvPr/>
-      </p:nvGrpSpPr>
-      <p:grpSpPr>
-        <a:xfrm>
-          <a:off x="0" y="0"/>
-          <a:ext cx="0" cy="0"/>
-          <a:chOff x="0" y="0"/>
-          <a:chExt cx="0" cy="0"/>
-        </a:xfrm>
-      </p:grpSpPr>
-      <p:sp>
-        <p:nvSpPr>
-          <p:cNvPr id="2" name="Title 1">
-            <a:extLst>
-              <a:ext uri="{FF2B5EF4-FFF2-40B4-BE49-F238E27FC236}">
-                <a16:creationId xmlns:a16="http://schemas.microsoft.com/office/drawing/2014/main" id="{01D24FD4-5CA0-4659-8065-121B585E915A}"/>
-              </a:ext>
-            </a:extLst>
-          </p:cNvPr>
-          <p:cNvSpPr>
-            <a:spLocks noGrp="1"/>
-          </p:cNvSpPr>
-          <p:nvPr>
-            <p:ph type="title"/>
-          </p:nvPr>
-        </p:nvSpPr>
-        <p:spPr/>
-        <p:txBody>
-          <a:bodyPr/>
-          <a:lstStyle/>
-          <a:p>
-            <a:r>
-              <a:rPr lang="en-CA"/>
-              <a:t>Questions / Discussion</a:t>
-            </a:r>
-          </a:p>
-        </p:txBody>
-      </p:sp>
-      <p:sp>
-        <p:nvSpPr>
-          <p:cNvPr id="3" name="Text Placeholder 2">
-            <a:extLst>
-              <a:ext uri="{FF2B5EF4-FFF2-40B4-BE49-F238E27FC236}">
-                <a16:creationId xmlns:a16="http://schemas.microsoft.com/office/drawing/2014/main" id="{535777B5-A66C-4406-AD5D-A4519495A8E3}"/>
-              </a:ext>
-            </a:extLst>
-          </p:cNvPr>
-          <p:cNvSpPr>
-            <a:spLocks noGrp="1"/>
-          </p:cNvSpPr>
-          <p:nvPr>
-            <p:ph type="body" sz="quarter" idx="13"/>
-          </p:nvPr>
-        </p:nvSpPr>
-        <p:spPr/>
-        <p:txBody>
-          <a:bodyPr/>
-          <a:lstStyle/>
-          <a:p>
-            <a:pPr marL="0" indent="0">
-              <a:buNone/>
-            </a:pPr>
-            <a:r>
-              <a:rPr lang="en-CA" sz="2000" dirty="0">
-                <a:hlinkClick r:id="rId2"/>
-              </a:rPr>
-              <a:t>lloyd@dogwoodhealthconsulting.com</a:t>
-            </a:r>
-            <a:r>
-              <a:rPr lang="en-CA" sz="2000" dirty="0"/>
-              <a:t>		</a:t>
-            </a:r>
-            <a:r>
-              <a:rPr lang="en-CA" sz="2000" dirty="0">
-                <a:hlinkClick r:id="rId3"/>
-              </a:rPr>
-              <a:t>http://hl7.org/fhir/uv/sdc</a:t>
-            </a:r>
-            <a:endParaRPr lang="en-CA" sz="2000" dirty="0"/>
-          </a:p>
-          <a:p>
-            <a:pPr marL="0" indent="0">
-              <a:buNone/>
-            </a:pPr>
-            <a:endParaRPr lang="en-CA" sz="2000" dirty="0"/>
-          </a:p>
-          <a:p>
-            <a:pPr marL="0" indent="0">
-              <a:buNone/>
-            </a:pPr>
-            <a:r>
-              <a:rPr lang="en-CA" dirty="0"/>
-              <a:t>Or, better yet, include the community and ask/discuss on </a:t>
-            </a:r>
-            <a:r>
-              <a:rPr lang="en-CA" dirty="0">
-                <a:hlinkClick r:id="rId4"/>
-              </a:rPr>
-              <a:t>https://chat.fhir.org/#narrow/channel/179255-questionnaire</a:t>
-            </a:r>
-            <a:endParaRPr lang="en-CA" dirty="0"/>
-          </a:p>
-        </p:txBody>
-      </p:sp>
-      <p:grpSp>
-        <p:nvGrpSpPr>
-          <p:cNvPr id="4" name="Group 3">
-            <a:extLst>
-              <a:ext uri="{FF2B5EF4-FFF2-40B4-BE49-F238E27FC236}">
-                <a16:creationId xmlns:a16="http://schemas.microsoft.com/office/drawing/2014/main" id="{6AE4424E-E4C1-10F2-8130-25D8162AC073}"/>
-              </a:ext>
-            </a:extLst>
-          </p:cNvPr>
-          <p:cNvGrpSpPr/>
-          <p:nvPr/>
-        </p:nvGrpSpPr>
-        <p:grpSpPr>
-          <a:xfrm>
-            <a:off x="2646128" y="2850117"/>
-            <a:ext cx="2572111" cy="2152533"/>
-            <a:chOff x="2646128" y="2565307"/>
-            <a:chExt cx="2572111" cy="2152533"/>
-          </a:xfrm>
-        </p:grpSpPr>
-        <p:pic>
-          <p:nvPicPr>
-            <p:cNvPr id="12" name="Picture 11">
-              <a:extLst>
-                <a:ext uri="{FF2B5EF4-FFF2-40B4-BE49-F238E27FC236}">
-                  <a16:creationId xmlns:a16="http://schemas.microsoft.com/office/drawing/2014/main" id="{822C7F0A-9133-4E4A-93FB-471895A10D97}"/>
-                </a:ext>
-              </a:extLst>
-            </p:cNvPr>
-            <p:cNvPicPr>
-              <a:picLocks noChangeAspect="1"/>
-            </p:cNvPicPr>
-            <p:nvPr/>
-          </p:nvPicPr>
-          <p:blipFill>
-            <a:blip r:embed="rId5"/>
-            <a:stretch>
-              <a:fillRect/>
-            </a:stretch>
-          </p:blipFill>
-          <p:spPr>
-            <a:xfrm>
-              <a:off x="3925759" y="3244928"/>
-              <a:ext cx="1292480" cy="1472912"/>
-            </a:xfrm>
-            <a:prstGeom prst="rect">
-              <a:avLst/>
-            </a:prstGeom>
-          </p:spPr>
-        </p:pic>
-        <p:sp>
-          <p:nvSpPr>
-            <p:cNvPr id="13" name="Oval 12">
-              <a:extLst>
-                <a:ext uri="{FF2B5EF4-FFF2-40B4-BE49-F238E27FC236}">
-                  <a16:creationId xmlns:a16="http://schemas.microsoft.com/office/drawing/2014/main" id="{5084ADD6-8920-456F-8598-EFE37BF9A7B3}"/>
-                </a:ext>
-              </a:extLst>
-            </p:cNvPr>
-            <p:cNvSpPr/>
-            <p:nvPr/>
-          </p:nvSpPr>
-          <p:spPr>
-            <a:xfrm>
-              <a:off x="3982316" y="3082355"/>
-              <a:ext cx="1122218" cy="1245455"/>
-            </a:xfrm>
-            <a:prstGeom prst="ellipse">
-              <a:avLst/>
-            </a:prstGeom>
-            <a:solidFill>
-              <a:schemeClr val="bg1"/>
-            </a:solidFill>
-            <a:ln>
-              <a:noFill/>
-            </a:ln>
-          </p:spPr>
-          <p:style>
-            <a:lnRef idx="2">
-              <a:schemeClr val="accent1">
-                <a:shade val="50000"/>
-              </a:schemeClr>
-            </a:lnRef>
-            <a:fillRef idx="1">
-              <a:schemeClr val="accent1"/>
-            </a:fillRef>
-            <a:effectRef idx="0">
-              <a:schemeClr val="accent1"/>
-            </a:effectRef>
-            <a:fontRef idx="minor">
-              <a:schemeClr val="lt1"/>
-            </a:fontRef>
-          </p:style>
-          <p:txBody>
-            <a:bodyPr rtlCol="0" anchor="ctr"/>
-            <a:lstStyle/>
-            <a:p>
-              <a:pPr algn="ctr"/>
-              <a:endParaRPr lang="en-CA"/>
-            </a:p>
-          </p:txBody>
-        </p:sp>
-        <p:pic>
-          <p:nvPicPr>
-            <p:cNvPr id="10" name="Picture 9">
-              <a:extLst>
-                <a:ext uri="{FF2B5EF4-FFF2-40B4-BE49-F238E27FC236}">
-                  <a16:creationId xmlns:a16="http://schemas.microsoft.com/office/drawing/2014/main" id="{CC096A40-77E2-46CD-AD07-1F8170921533}"/>
-                </a:ext>
-              </a:extLst>
-            </p:cNvPr>
-            <p:cNvPicPr>
-              <a:picLocks noChangeAspect="1"/>
-            </p:cNvPicPr>
-            <p:nvPr/>
-          </p:nvPicPr>
-          <p:blipFill>
-            <a:blip r:embed="rId6"/>
-            <a:stretch>
-              <a:fillRect/>
-            </a:stretch>
-          </p:blipFill>
-          <p:spPr>
-            <a:xfrm>
-              <a:off x="3797497" y="2844684"/>
-              <a:ext cx="1420742" cy="1553345"/>
-            </a:xfrm>
-            <a:prstGeom prst="rect">
-              <a:avLst/>
-            </a:prstGeom>
-          </p:spPr>
-        </p:pic>
-        <p:pic>
-          <p:nvPicPr>
-            <p:cNvPr id="17" name="Picture 16">
-              <a:extLst>
-                <a:ext uri="{FF2B5EF4-FFF2-40B4-BE49-F238E27FC236}">
-                  <a16:creationId xmlns:a16="http://schemas.microsoft.com/office/drawing/2014/main" id="{E38690A7-9186-4FAD-B512-3BB0AEC6A4A1}"/>
-                </a:ext>
-              </a:extLst>
-            </p:cNvPr>
-            <p:cNvPicPr>
-              <a:picLocks noChangeAspect="1"/>
-            </p:cNvPicPr>
-            <p:nvPr/>
-          </p:nvPicPr>
-          <p:blipFill>
-            <a:blip r:embed="rId7"/>
-            <a:stretch>
-              <a:fillRect/>
-            </a:stretch>
-          </p:blipFill>
-          <p:spPr>
-            <a:xfrm rot="6657920">
-              <a:off x="2686451" y="2524984"/>
-              <a:ext cx="1472700" cy="1553345"/>
-            </a:xfrm>
-            <a:prstGeom prst="rect">
-              <a:avLst/>
-            </a:prstGeom>
-          </p:spPr>
-        </p:pic>
-      </p:grpSp>
-    </p:spTree>
-    <p:extLst>
-      <p:ext uri="{BB962C8B-B14F-4D97-AF65-F5344CB8AC3E}">
-        <p14:creationId xmlns:p14="http://schemas.microsoft.com/office/powerpoint/2010/main" val="4226712616"/>
-      </p:ext>
-    </p:extLst>
-  </p:cSld>
-  <p:clrMapOvr>
-    <a:masterClrMapping/>
-  </p:clrMapOvr>
-</p:sld>
-</file>
-
-<file path=ppt/slides/slide2.xml><?xml version="1.0" encoding="utf-8"?>
-<p:sld xmlns:a="http://schemas.openxmlformats.org/drawingml/2006/main" xmlns:r="http://schemas.openxmlformats.org/officeDocument/2006/relationships" xmlns:p="http://schemas.openxmlformats.org/presentationml/2006/main">
-  <p:cSld>
-    <p:spTree>
-      <p:nvGrpSpPr>
-        <p:cNvPr id="1" name=""/>
-        <p:cNvGrpSpPr/>
-        <p:nvPr/>
-      </p:nvGrpSpPr>
-      <p:grpSpPr>
-        <a:xfrm>
-          <a:off x="0" y="0"/>
-          <a:ext cx="0" cy="0"/>
-          <a:chOff x="0" y="0"/>
-          <a:chExt cx="0" cy="0"/>
-        </a:xfrm>
-      </p:grpSpPr>
-      <p:sp>
-        <p:nvSpPr>
-          <p:cNvPr id="2" name="Title 1">
-            <a:extLst>
-              <a:ext uri="{FF2B5EF4-FFF2-40B4-BE49-F238E27FC236}">
-                <a16:creationId xmlns:a16="http://schemas.microsoft.com/office/drawing/2014/main" id="{982B60BE-5EFD-4D48-9D4F-7BA611A40098}"/>
-              </a:ext>
-            </a:extLst>
-          </p:cNvPr>
-          <p:cNvSpPr>
-            <a:spLocks noGrp="1"/>
-          </p:cNvSpPr>
-          <p:nvPr>
-            <p:ph type="title"/>
-          </p:nvPr>
-        </p:nvSpPr>
-        <p:spPr/>
-        <p:txBody>
-          <a:bodyPr/>
-          <a:lstStyle/>
-          <a:p>
-            <a:r>
-              <a:rPr lang="en-CA" dirty="0"/>
-              <a:t>Who am I?</a:t>
-            </a:r>
-          </a:p>
-        </p:txBody>
-      </p:sp>
-      <p:sp>
-        <p:nvSpPr>
-          <p:cNvPr id="3" name="Text Placeholder 2">
-            <a:extLst>
-              <a:ext uri="{FF2B5EF4-FFF2-40B4-BE49-F238E27FC236}">
-                <a16:creationId xmlns:a16="http://schemas.microsoft.com/office/drawing/2014/main" id="{F4F28625-56DE-4E6D-944A-39B2939B56B4}"/>
-              </a:ext>
-            </a:extLst>
-          </p:cNvPr>
-          <p:cNvSpPr>
-            <a:spLocks noGrp="1"/>
-          </p:cNvSpPr>
-          <p:nvPr>
-            <p:ph type="body" sz="quarter" idx="13"/>
-          </p:nvPr>
-        </p:nvSpPr>
-        <p:spPr/>
-        <p:txBody>
-          <a:bodyPr/>
-          <a:lstStyle/>
-          <a:p>
-            <a:r>
-              <a:rPr lang="en-US" dirty="0"/>
-              <a:t>Name: Lloyd McKenzie</a:t>
-            </a:r>
-          </a:p>
-          <a:p>
-            <a:r>
-              <a:rPr lang="en-US" dirty="0"/>
-              <a:t>Company: Dogwood Health</a:t>
-            </a:r>
-          </a:p>
-          <a:p>
-            <a:r>
-              <a:rPr lang="en-US" dirty="0"/>
-              <a:t>Background:</a:t>
-            </a:r>
-          </a:p>
-          <a:p>
-            <a:pPr lvl="1"/>
-            <a:r>
-              <a:rPr lang="en-US" dirty="0"/>
-              <a:t>One of FHIR’s 3 initial editors</a:t>
-            </a:r>
-          </a:p>
-          <a:p>
-            <a:pPr lvl="1"/>
-            <a:r>
-              <a:rPr lang="en-US" dirty="0"/>
-              <a:t>Co-chair FHIR-Infrastructure, past chair FHIR Management Group</a:t>
-            </a:r>
-          </a:p>
-          <a:p>
-            <a:pPr lvl="1"/>
-            <a:r>
-              <a:rPr lang="en-US" dirty="0"/>
-              <a:t>HL7 Fellow</a:t>
-            </a:r>
-          </a:p>
-          <a:p>
-            <a:pPr lvl="1"/>
-            <a:r>
-              <a:rPr lang="en-US" dirty="0"/>
-              <a:t>Lead for both the ONC and international FHIR SDC projects</a:t>
-            </a:r>
-          </a:p>
-          <a:p>
-            <a:pPr lvl="1"/>
-            <a:r>
-              <a:rPr lang="en-US" dirty="0">
-                <a:hlinkClick r:id="rId2"/>
-              </a:rPr>
-              <a:t>lloyd@dogwoodhealthconsulting.com</a:t>
-            </a:r>
-            <a:endParaRPr lang="en-CA" dirty="0"/>
-          </a:p>
-        </p:txBody>
-      </p:sp>
-      <p:sp>
-        <p:nvSpPr>
-          <p:cNvPr id="6" name="Footer Placeholder 5">
-            <a:extLst>
-              <a:ext uri="{FF2B5EF4-FFF2-40B4-BE49-F238E27FC236}">
-                <a16:creationId xmlns:a16="http://schemas.microsoft.com/office/drawing/2014/main" id="{6800A3FA-C98F-470C-B249-AC7AFCD5482D}"/>
-              </a:ext>
-            </a:extLst>
-          </p:cNvPr>
-          <p:cNvSpPr>
-            <a:spLocks noGrp="1"/>
-          </p:cNvSpPr>
-          <p:nvPr>
-            <p:ph type="ftr" sz="quarter" idx="10"/>
-          </p:nvPr>
-        </p:nvSpPr>
-        <p:spPr/>
-        <p:txBody>
-          <a:bodyPr/>
-          <a:lstStyle/>
-          <a:p>
-            <a:r>
-              <a:rPr lang="en-CA" dirty="0"/>
-              <a:t>© 2025 Health Level Seven ® International. All Rights Reserved. Published under the Creative Commons 3.0 Attribution </a:t>
-            </a:r>
-            <a:r>
-              <a:rPr lang="en-CA" dirty="0" err="1"/>
-              <a:t>Unported</a:t>
-            </a:r>
-            <a:r>
-              <a:rPr lang="en-CA" dirty="0"/>
-              <a:t> license</a:t>
-            </a:r>
-            <a:endParaRPr lang="en-US" dirty="0"/>
-          </a:p>
-        </p:txBody>
-      </p:sp>
-      <p:sp>
-        <p:nvSpPr>
-          <p:cNvPr id="5" name="Slide Number Placeholder 4">
-            <a:extLst>
-              <a:ext uri="{FF2B5EF4-FFF2-40B4-BE49-F238E27FC236}">
-                <a16:creationId xmlns:a16="http://schemas.microsoft.com/office/drawing/2014/main" id="{37233324-D520-44D6-BABD-140673A5B927}"/>
-              </a:ext>
-            </a:extLst>
-          </p:cNvPr>
-          <p:cNvSpPr>
-            <a:spLocks noGrp="1"/>
-          </p:cNvSpPr>
-          <p:nvPr>
-            <p:ph type="sldNum" sz="quarter" idx="11"/>
-          </p:nvPr>
-        </p:nvSpPr>
-        <p:spPr/>
-        <p:txBody>
-          <a:bodyPr/>
-          <a:lstStyle/>
-          <a:p>
-            <a:fld id="{6CACE926-AEF5-4BFE-8BD7-24414108CB7B}" type="slidenum">
-              <a:rPr lang="en-US" altLang="en-US" smtClean="0"/>
-              <a:pPr/>
-              <a:t>2</a:t>
-            </a:fld>
-            <a:endParaRPr lang="en-US" altLang="en-US" dirty="0"/>
-          </a:p>
-        </p:txBody>
-      </p:sp>
-      <p:pic>
-        <p:nvPicPr>
-          <p:cNvPr id="8" name="Picture 7" descr="A person wearing a suit and tie smiling at the camera&#10;&#10;Description automatically generated">
-            <a:extLst>
-              <a:ext uri="{FF2B5EF4-FFF2-40B4-BE49-F238E27FC236}">
-                <a16:creationId xmlns:a16="http://schemas.microsoft.com/office/drawing/2014/main" id="{549034C7-C9A0-4642-B53B-ACAA4B9277D9}"/>
-              </a:ext>
-            </a:extLst>
-          </p:cNvPr>
-          <p:cNvPicPr>
-            <a:picLocks noChangeAspect="1"/>
-          </p:cNvPicPr>
-          <p:nvPr/>
-        </p:nvPicPr>
-        <p:blipFill>
-          <a:blip r:embed="rId3"/>
-          <a:stretch>
-            <a:fillRect/>
-          </a:stretch>
-        </p:blipFill>
-        <p:spPr>
-          <a:xfrm>
-            <a:off x="6175300" y="597142"/>
-            <a:ext cx="2042891" cy="2042891"/>
-          </a:xfrm>
-          <a:prstGeom prst="rect">
-            <a:avLst/>
-          </a:prstGeom>
-        </p:spPr>
-      </p:pic>
-    </p:spTree>
-    <p:extLst>
-      <p:ext uri="{BB962C8B-B14F-4D97-AF65-F5344CB8AC3E}">
-        <p14:creationId xmlns:p14="http://schemas.microsoft.com/office/powerpoint/2010/main" val="1547336493"/>
-      </p:ext>
-    </p:extLst>
-  </p:cSld>
-  <p:clrMapOvr>
-    <a:masterClrMapping/>
-  </p:clrMapOvr>
-</p:sld>
-</file>
-
-<file path=ppt/slides/slide3.xml><?xml version="1.0" encoding="utf-8"?>
-<p:sld xmlns:a="http://schemas.openxmlformats.org/drawingml/2006/main" xmlns:r="http://schemas.openxmlformats.org/officeDocument/2006/relationships" xmlns:p="http://schemas.openxmlformats.org/presentationml/2006/main">
-  <p:cSld>
-    <p:spTree>
-      <p:nvGrpSpPr>
-        <p:cNvPr id="1" name=""/>
-        <p:cNvGrpSpPr/>
-        <p:nvPr/>
-      </p:nvGrpSpPr>
-      <p:grpSpPr>
-        <a:xfrm>
-          <a:off x="0" y="0"/>
-          <a:ext cx="0" cy="0"/>
-          <a:chOff x="0" y="0"/>
-          <a:chExt cx="0" cy="0"/>
-        </a:xfrm>
-      </p:grpSpPr>
-      <p:sp>
-        <p:nvSpPr>
-          <p:cNvPr id="2" name="Title 1"/>
-          <p:cNvSpPr>
-            <a:spLocks noGrp="1"/>
-          </p:cNvSpPr>
-          <p:nvPr>
-            <p:ph type="title"/>
-          </p:nvPr>
-        </p:nvSpPr>
-        <p:spPr/>
-        <p:txBody>
-          <a:bodyPr/>
-          <a:lstStyle/>
-          <a:p>
-            <a:r>
-              <a:rPr lang="en-US"/>
-              <a:t>This presentation</a:t>
-            </a:r>
-            <a:endParaRPr lang="en-CA"/>
-          </a:p>
-        </p:txBody>
-      </p:sp>
-      <p:sp>
-        <p:nvSpPr>
-          <p:cNvPr id="4" name="Content Placeholder 3"/>
-          <p:cNvSpPr>
-            <a:spLocks noGrp="1"/>
-          </p:cNvSpPr>
-          <p:nvPr>
-            <p:ph type="body" sz="quarter" idx="13"/>
-          </p:nvPr>
-        </p:nvSpPr>
-        <p:spPr/>
-        <p:txBody>
-          <a:bodyPr/>
-          <a:lstStyle/>
-          <a:p>
-            <a:r>
-              <a:rPr lang="en-US" dirty="0">
-                <a:ea typeface="ヒラギノ角ゴ Pro W3"/>
-              </a:rPr>
-              <a:t>Can be downloaded from the Ontario Health e-Learning site:</a:t>
-            </a:r>
-          </a:p>
-          <a:p>
-            <a:pPr lvl="1"/>
-            <a:r>
-              <a:rPr lang="en-CA" dirty="0">
-                <a:ea typeface="ヒラギノ角ゴ Pro W3"/>
-                <a:hlinkClick r:id="rId2"/>
-              </a:rPr>
-              <a:t>https://elearning.ontariohealth.ca/login/index.php</a:t>
-            </a:r>
-            <a:endParaRPr lang="en-CA" dirty="0">
-              <a:ea typeface="ヒラギノ角ゴ Pro W3"/>
-            </a:endParaRPr>
-          </a:p>
-          <a:p>
-            <a:r>
-              <a:rPr lang="en-US" dirty="0">
-                <a:ea typeface="ヒラギノ角ゴ Pro W3"/>
-              </a:rPr>
-              <a:t>Is licensed for use under the Creative Commons, specifically:</a:t>
-            </a:r>
-          </a:p>
-          <a:p>
-            <a:pPr lvl="1"/>
-            <a:r>
-              <a:rPr lang="en-CA" dirty="0">
-                <a:ea typeface="ヒラギノ角ゴ Pro W3"/>
-                <a:hlinkClick r:id="rId3"/>
-              </a:rPr>
-              <a:t>Creative Commons Attribution 3.0 </a:t>
-            </a:r>
-            <a:r>
-              <a:rPr lang="en-CA" dirty="0" err="1">
-                <a:ea typeface="ヒラギノ角ゴ Pro W3"/>
-                <a:hlinkClick r:id="rId3"/>
-              </a:rPr>
-              <a:t>Unported</a:t>
-            </a:r>
-            <a:r>
-              <a:rPr lang="en-CA" dirty="0">
-                <a:ea typeface="ヒラギノ角ゴ Pro W3"/>
-                <a:hlinkClick r:id="rId3"/>
-              </a:rPr>
-              <a:t> License</a:t>
-            </a:r>
-            <a:endParaRPr lang="en-CA" dirty="0">
-              <a:ea typeface="ヒラギノ角ゴ Pro W3"/>
-            </a:endParaRPr>
-          </a:p>
-          <a:p>
-            <a:pPr lvl="1"/>
-            <a:r>
-              <a:rPr lang="en-US" dirty="0">
-                <a:ea typeface="ヒラギノ角ゴ Pro W3"/>
-              </a:rPr>
-              <a:t>(Do with it as you wish, so long as you give credit</a:t>
-            </a:r>
-          </a:p>
-        </p:txBody>
-      </p:sp>
-      <p:sp>
-        <p:nvSpPr>
-          <p:cNvPr id="11" name="Footer Placeholder 10">
-            <a:extLst>
-              <a:ext uri="{FF2B5EF4-FFF2-40B4-BE49-F238E27FC236}">
-                <a16:creationId xmlns:a16="http://schemas.microsoft.com/office/drawing/2014/main" id="{E5D67FA5-D1E9-4E1E-B63E-097C12003FCF}"/>
-              </a:ext>
-            </a:extLst>
-          </p:cNvPr>
-          <p:cNvSpPr>
-            <a:spLocks noGrp="1"/>
-          </p:cNvSpPr>
-          <p:nvPr>
-            <p:ph type="ftr" sz="quarter" idx="10"/>
-          </p:nvPr>
-        </p:nvSpPr>
-        <p:spPr/>
-        <p:txBody>
-          <a:bodyPr/>
-          <a:lstStyle/>
-          <a:p>
-            <a:r>
-              <a:rPr lang="en-CA"/>
-              <a:t>© 2025 Health Level Seven ® International. All Rights Reserved. Published under the Creative Commons 3.0 Attribution </a:t>
-            </a:r>
-            <a:r>
-              <a:rPr lang="en-CA" err="1"/>
-              <a:t>Unported</a:t>
-            </a:r>
-            <a:r>
-              <a:rPr lang="en-CA"/>
-              <a:t> license</a:t>
-            </a:r>
-            <a:endParaRPr lang="en-US"/>
-          </a:p>
-        </p:txBody>
-      </p:sp>
-      <p:sp>
-        <p:nvSpPr>
-          <p:cNvPr id="8" name="Slide Number Placeholder 7">
-            <a:extLst>
-              <a:ext uri="{FF2B5EF4-FFF2-40B4-BE49-F238E27FC236}">
-                <a16:creationId xmlns:a16="http://schemas.microsoft.com/office/drawing/2014/main" id="{0D655E1C-9171-4990-BC7C-0027C9FAE154}"/>
-              </a:ext>
-            </a:extLst>
-          </p:cNvPr>
-          <p:cNvSpPr>
-            <a:spLocks noGrp="1"/>
-          </p:cNvSpPr>
-          <p:nvPr>
-            <p:ph type="sldNum" sz="quarter" idx="11"/>
-          </p:nvPr>
-        </p:nvSpPr>
-        <p:spPr/>
-        <p:txBody>
-          <a:bodyPr/>
-          <a:lstStyle/>
-          <a:p>
-            <a:fld id="{DD8FDF0E-2772-4D89-9F72-F3CB15D8B8AB}" type="slidenum">
-              <a:rPr lang="en-US" smtClean="0"/>
-              <a:pPr/>
-              <a:t>3</a:t>
-            </a:fld>
-            <a:endParaRPr lang="en-US"/>
-          </a:p>
-        </p:txBody>
-      </p:sp>
-      <p:pic>
-        <p:nvPicPr>
-          <p:cNvPr id="5" name="Picture 4" descr="Creative Commons Licence"/>
-          <p:cNvPicPr>
-            <a:picLocks noChangeAspect="1" noChangeArrowheads="1"/>
-          </p:cNvPicPr>
-          <p:nvPr/>
-        </p:nvPicPr>
-        <p:blipFill>
-          <a:blip r:embed="rId4" cstate="print">
-            <a:extLst>
-              <a:ext uri="{28A0092B-C50C-407E-A947-70E740481C1C}">
-                <a14:useLocalDpi xmlns:a14="http://schemas.microsoft.com/office/drawing/2010/main" val="0"/>
-              </a:ext>
-            </a:extLst>
-          </a:blip>
-          <a:srcRect/>
-          <a:stretch>
-            <a:fillRect/>
-          </a:stretch>
-        </p:blipFill>
-        <p:spPr bwMode="auto">
-          <a:xfrm>
-            <a:off x="7672387" y="3226897"/>
-            <a:ext cx="1135626" cy="400050"/>
-          </a:xfrm>
-          <a:prstGeom prst="rect">
-            <a:avLst/>
-          </a:prstGeom>
-          <a:noFill/>
-          <a:extLst>
-            <a:ext uri="{909E8E84-426E-40DD-AFC4-6F175D3DCCD1}">
-              <a14:hiddenFill xmlns:a14="http://schemas.microsoft.com/office/drawing/2010/main">
-                <a:solidFill>
-                  <a:srgbClr val="FFFFFF"/>
-                </a:solidFill>
-              </a14:hiddenFill>
-            </a:ext>
-          </a:extLst>
-        </p:spPr>
-      </p:pic>
-    </p:spTree>
-    <p:extLst>
-      <p:ext uri="{BB962C8B-B14F-4D97-AF65-F5344CB8AC3E}">
-        <p14:creationId xmlns:p14="http://schemas.microsoft.com/office/powerpoint/2010/main" val="406526092"/>
-      </p:ext>
-    </p:extLst>
-  </p:cSld>
-  <p:clrMapOvr>
-    <a:masterClrMapping/>
-  </p:clrMapOvr>
-</p:sld>
-</file>
-
-<file path=ppt/slides/slide4.xml><?xml version="1.0" encoding="utf-8"?>
-<p:sld xmlns:a="http://schemas.openxmlformats.org/drawingml/2006/main" xmlns:r="http://schemas.openxmlformats.org/officeDocument/2006/relationships" xmlns:p="http://schemas.openxmlformats.org/presentationml/2006/main">
-  <p:cSld>
-    <p:spTree>
-      <p:nvGrpSpPr>
-        <p:cNvPr id="1" name=""/>
-        <p:cNvGrpSpPr/>
-        <p:nvPr/>
-      </p:nvGrpSpPr>
-      <p:grpSpPr>
-        <a:xfrm>
-          <a:off x="0" y="0"/>
-          <a:ext cx="0" cy="0"/>
-          <a:chOff x="0" y="0"/>
-          <a:chExt cx="0" cy="0"/>
-        </a:xfrm>
-      </p:grpSpPr>
-      <p:sp>
-        <p:nvSpPr>
-          <p:cNvPr id="7" name="Title 6">
-            <a:extLst>
-              <a:ext uri="{FF2B5EF4-FFF2-40B4-BE49-F238E27FC236}">
-                <a16:creationId xmlns:a16="http://schemas.microsoft.com/office/drawing/2014/main" id="{AF7B4583-F935-4894-BCDA-C4370AC07C5F}"/>
-              </a:ext>
-            </a:extLst>
-          </p:cNvPr>
-          <p:cNvSpPr>
-            <a:spLocks noGrp="1"/>
-          </p:cNvSpPr>
-          <p:nvPr>
-            <p:ph type="title"/>
-          </p:nvPr>
-        </p:nvSpPr>
-        <p:spPr/>
-        <p:txBody>
-          <a:bodyPr/>
-          <a:lstStyle/>
-          <a:p>
-            <a:r>
-              <a:rPr lang="en-US" dirty="0"/>
-              <a:t>Credit</a:t>
-            </a:r>
-          </a:p>
-        </p:txBody>
-      </p:sp>
-      <p:sp>
-        <p:nvSpPr>
-          <p:cNvPr id="8" name="Content Placeholder 7">
-            <a:extLst>
-              <a:ext uri="{FF2B5EF4-FFF2-40B4-BE49-F238E27FC236}">
-                <a16:creationId xmlns:a16="http://schemas.microsoft.com/office/drawing/2014/main" id="{12969102-4DC6-4A57-9E3A-CBA4366DFA70}"/>
-              </a:ext>
-            </a:extLst>
-          </p:cNvPr>
-          <p:cNvSpPr>
-            <a:spLocks noGrp="1"/>
-          </p:cNvSpPr>
-          <p:nvPr>
-            <p:ph type="body" sz="quarter" idx="13"/>
-          </p:nvPr>
-        </p:nvSpPr>
-        <p:spPr/>
-        <p:txBody>
-          <a:bodyPr/>
-          <a:lstStyle/>
-          <a:p>
-            <a:r>
-              <a:rPr lang="en-CA" dirty="0"/>
-              <a:t>These slides include content by Lloyd McKenzie</a:t>
-            </a:r>
-          </a:p>
-          <a:p>
-            <a:endParaRPr lang="en-US" dirty="0"/>
-          </a:p>
-        </p:txBody>
-      </p:sp>
-      <p:sp>
-        <p:nvSpPr>
-          <p:cNvPr id="2" name="Footer Placeholder 1">
-            <a:extLst>
-              <a:ext uri="{FF2B5EF4-FFF2-40B4-BE49-F238E27FC236}">
-                <a16:creationId xmlns:a16="http://schemas.microsoft.com/office/drawing/2014/main" id="{12A36B17-60AD-40D9-B33D-C4B147E58C6F}"/>
-              </a:ext>
-            </a:extLst>
-          </p:cNvPr>
-          <p:cNvSpPr>
-            <a:spLocks noGrp="1"/>
-          </p:cNvSpPr>
-          <p:nvPr>
-            <p:ph type="ftr" sz="quarter" idx="10"/>
-          </p:nvPr>
-        </p:nvSpPr>
-        <p:spPr/>
-        <p:txBody>
-          <a:bodyPr/>
-          <a:lstStyle/>
-          <a:p>
-            <a:r>
-              <a:rPr lang="en-CA" dirty="0"/>
-              <a:t>© 2025 Health Level Seven ® International. All Rights Reserved. Published under the Creative Commons 3.0 Attribution </a:t>
-            </a:r>
-            <a:r>
-              <a:rPr lang="en-CA" dirty="0" err="1"/>
-              <a:t>Unported</a:t>
-            </a:r>
-            <a:r>
-              <a:rPr lang="en-CA" dirty="0"/>
-              <a:t> license</a:t>
-            </a:r>
-            <a:endParaRPr lang="en-US" dirty="0"/>
-          </a:p>
-        </p:txBody>
-      </p:sp>
-      <p:sp>
-        <p:nvSpPr>
-          <p:cNvPr id="6" name="Slide Number Placeholder 5">
-            <a:extLst>
-              <a:ext uri="{FF2B5EF4-FFF2-40B4-BE49-F238E27FC236}">
-                <a16:creationId xmlns:a16="http://schemas.microsoft.com/office/drawing/2014/main" id="{07B16E94-221A-418E-A0E5-BE63452C9BCB}"/>
-              </a:ext>
-            </a:extLst>
-          </p:cNvPr>
-          <p:cNvSpPr>
-            <a:spLocks noGrp="1"/>
-          </p:cNvSpPr>
-          <p:nvPr>
-            <p:ph type="sldNum" sz="quarter" idx="11"/>
-          </p:nvPr>
-        </p:nvSpPr>
-        <p:spPr/>
-        <p:txBody>
-          <a:bodyPr/>
-          <a:lstStyle/>
-          <a:p>
-            <a:fld id="{CEB45A3F-552B-4961-AC9A-06435CED62A6}" type="slidenum">
-              <a:rPr lang="en-US" smtClean="0"/>
-              <a:pPr/>
-              <a:t>4</a:t>
-            </a:fld>
-            <a:endParaRPr lang="en-US"/>
-          </a:p>
-        </p:txBody>
-      </p:sp>
-      <p:pic>
-        <p:nvPicPr>
-          <p:cNvPr id="3" name="Picture 2" descr="A close-up of colorful text&#10;&#10;Description automatically generated">
-            <a:extLst>
-              <a:ext uri="{FF2B5EF4-FFF2-40B4-BE49-F238E27FC236}">
-                <a16:creationId xmlns:a16="http://schemas.microsoft.com/office/drawing/2014/main" id="{EB2C76BC-55E1-5249-ECB2-3F41F4CC721C}"/>
-              </a:ext>
-            </a:extLst>
-          </p:cNvPr>
-          <p:cNvPicPr>
-            <a:picLocks noChangeAspect="1"/>
-          </p:cNvPicPr>
-          <p:nvPr/>
-        </p:nvPicPr>
-        <p:blipFill>
-          <a:blip r:embed="rId2">
-            <a:extLst>
-              <a:ext uri="{837473B0-CC2E-450A-ABE3-18F120FF3D39}">
-                <a1611:picAttrSrcUrl xmlns:a1611="http://schemas.microsoft.com/office/drawing/2016/11/main" r:id="rId3"/>
-              </a:ext>
-            </a:extLst>
-          </a:blip>
-          <a:stretch>
-            <a:fillRect/>
-          </a:stretch>
-        </p:blipFill>
-        <p:spPr>
-          <a:xfrm>
-            <a:off x="6342077" y="2753510"/>
-            <a:ext cx="2087548" cy="1391699"/>
-          </a:xfrm>
-          <a:prstGeom prst="rect">
-            <a:avLst/>
-          </a:prstGeom>
-        </p:spPr>
-      </p:pic>
-    </p:spTree>
-    <p:extLst>
-      <p:ext uri="{BB962C8B-B14F-4D97-AF65-F5344CB8AC3E}">
-        <p14:creationId xmlns:p14="http://schemas.microsoft.com/office/powerpoint/2010/main" val="1920275464"/>
-      </p:ext>
-    </p:extLst>
-  </p:cSld>
-  <p:clrMapOvr>
-    <a:masterClrMapping/>
-  </p:clrMapOvr>
-</p:sld>
-</file>
-
-<file path=ppt/slides/slide5.xml><?xml version="1.0" encoding="utf-8"?>
-<p:sld xmlns:a="http://schemas.openxmlformats.org/drawingml/2006/main" xmlns:r="http://schemas.openxmlformats.org/officeDocument/2006/relationships" xmlns:p="http://schemas.openxmlformats.org/presentationml/2006/main">
-  <p:cSld>
-    <p:spTree>
-      <p:nvGrpSpPr>
-        <p:cNvPr id="1" name=""/>
-        <p:cNvGrpSpPr/>
-        <p:nvPr/>
-      </p:nvGrpSpPr>
-      <p:grpSpPr>
-        <a:xfrm>
-          <a:off x="0" y="0"/>
-          <a:ext cx="0" cy="0"/>
-          <a:chOff x="0" y="0"/>
-          <a:chExt cx="0" cy="0"/>
-        </a:xfrm>
-      </p:grpSpPr>
-      <p:sp>
-        <p:nvSpPr>
-          <p:cNvPr id="2" name="Title 1">
-            <a:extLst>
-              <a:ext uri="{FF2B5EF4-FFF2-40B4-BE49-F238E27FC236}">
-                <a16:creationId xmlns:a16="http://schemas.microsoft.com/office/drawing/2014/main" id="{419FEAC5-7588-FFA5-7808-DD6CACB97120}"/>
-              </a:ext>
-            </a:extLst>
-          </p:cNvPr>
-          <p:cNvSpPr>
-            <a:spLocks noGrp="1"/>
-          </p:cNvSpPr>
-          <p:nvPr>
-            <p:ph type="title"/>
-          </p:nvPr>
-        </p:nvSpPr>
-        <p:spPr/>
-        <p:txBody>
-          <a:bodyPr/>
-          <a:lstStyle/>
-          <a:p>
-            <a:r>
-              <a:rPr lang="en-US" dirty="0"/>
-              <a:t>The SDC Collection</a:t>
-            </a:r>
-            <a:endParaRPr lang="en-CA" dirty="0"/>
-          </a:p>
-        </p:txBody>
-      </p:sp>
-      <p:sp>
-        <p:nvSpPr>
-          <p:cNvPr id="3" name="Text Placeholder 2">
-            <a:extLst>
-              <a:ext uri="{FF2B5EF4-FFF2-40B4-BE49-F238E27FC236}">
-                <a16:creationId xmlns:a16="http://schemas.microsoft.com/office/drawing/2014/main" id="{265F06E4-AA8E-0233-8B95-FA7FA4341F19}"/>
-              </a:ext>
-            </a:extLst>
-          </p:cNvPr>
-          <p:cNvSpPr>
-            <a:spLocks noGrp="1"/>
-          </p:cNvSpPr>
-          <p:nvPr>
-            <p:ph type="body" sz="quarter" idx="13"/>
-          </p:nvPr>
-        </p:nvSpPr>
-        <p:spPr/>
-        <p:txBody>
-          <a:bodyPr/>
-          <a:lstStyle/>
-          <a:p>
-            <a:r>
-              <a:rPr lang="en-US" sz="1800" dirty="0"/>
-              <a:t>SDC Overview</a:t>
-            </a:r>
-          </a:p>
-          <a:p>
-            <a:r>
-              <a:rPr lang="en-US" sz="1800" dirty="0"/>
-              <a:t>SDC Workflow</a:t>
-            </a:r>
-          </a:p>
-          <a:p>
-            <a:r>
-              <a:rPr lang="en-US" sz="1800" dirty="0"/>
-              <a:t>SDC Expressions</a:t>
-            </a:r>
-            <a:endParaRPr lang="en-US" sz="1800" b="1" dirty="0"/>
-          </a:p>
-          <a:p>
-            <a:r>
-              <a:rPr lang="en-US" sz="1800" dirty="0"/>
-              <a:t>SDC Rendering &amp; Behavior</a:t>
-            </a:r>
-          </a:p>
-          <a:p>
-            <a:r>
-              <a:rPr lang="en-US" sz="1800" dirty="0"/>
-              <a:t>SDC Population</a:t>
-            </a:r>
-          </a:p>
-          <a:p>
-            <a:r>
-              <a:rPr lang="en-US" sz="1800" dirty="0"/>
-              <a:t>SDC Extraction</a:t>
-            </a:r>
-          </a:p>
-          <a:p>
-            <a:r>
-              <a:rPr lang="en-US" sz="1800" b="1" dirty="0"/>
-              <a:t>SDC Adaptive Forms </a:t>
-            </a:r>
-            <a:r>
-              <a:rPr lang="en-US" sz="1800" dirty="0"/>
-              <a:t>(you are here)</a:t>
-            </a:r>
-            <a:endParaRPr lang="en-US" sz="1800" b="1" dirty="0"/>
-          </a:p>
-          <a:p>
-            <a:r>
-              <a:rPr lang="en-US" sz="1800">
-                <a:ea typeface="ヒラギノ角ゴ Pro W3"/>
-              </a:rPr>
-              <a:t>SDC Modular &amp; Derived Forms</a:t>
-            </a:r>
-          </a:p>
-        </p:txBody>
-      </p:sp>
-      <p:sp>
-        <p:nvSpPr>
-          <p:cNvPr id="4" name="Footer Placeholder 3">
-            <a:extLst>
-              <a:ext uri="{FF2B5EF4-FFF2-40B4-BE49-F238E27FC236}">
-                <a16:creationId xmlns:a16="http://schemas.microsoft.com/office/drawing/2014/main" id="{E203CAF6-E711-E44D-32E7-0E369101B9FF}"/>
-              </a:ext>
-            </a:extLst>
-          </p:cNvPr>
-          <p:cNvSpPr>
-            <a:spLocks noGrp="1"/>
-          </p:cNvSpPr>
-          <p:nvPr>
-            <p:ph type="ftr" sz="quarter" idx="10"/>
-          </p:nvPr>
-        </p:nvSpPr>
-        <p:spPr/>
-        <p:txBody>
-          <a:bodyPr/>
-          <a:lstStyle/>
-          <a:p>
-            <a:r>
-              <a:rPr lang="en-CA" b="1"/>
-              <a:t>© 2025 Health Level Seven ® International. All Rights Reserved. Published under the Creative Commons 3.0 Attribution Unported license</a:t>
-            </a:r>
-            <a:endParaRPr lang="en-US" b="1" dirty="0"/>
-          </a:p>
-        </p:txBody>
-      </p:sp>
-      <p:sp>
-        <p:nvSpPr>
-          <p:cNvPr id="5" name="Slide Number Placeholder 4">
-            <a:extLst>
-              <a:ext uri="{FF2B5EF4-FFF2-40B4-BE49-F238E27FC236}">
-                <a16:creationId xmlns:a16="http://schemas.microsoft.com/office/drawing/2014/main" id="{CB15D9DB-A44F-677D-5488-97739A333A59}"/>
-              </a:ext>
-            </a:extLst>
-          </p:cNvPr>
-          <p:cNvSpPr>
-            <a:spLocks noGrp="1"/>
-          </p:cNvSpPr>
-          <p:nvPr>
-            <p:ph type="sldNum" sz="quarter" idx="11"/>
-          </p:nvPr>
-        </p:nvSpPr>
-        <p:spPr/>
-        <p:txBody>
-          <a:bodyPr/>
-          <a:lstStyle/>
-          <a:p>
-            <a:fld id="{6CACE926-AEF5-4BFE-8BD7-24414108CB7B}" type="slidenum">
-              <a:rPr lang="en-US" altLang="en-US" smtClean="0"/>
-              <a:pPr/>
-              <a:t>5</a:t>
-            </a:fld>
-            <a:endParaRPr lang="en-US" altLang="en-US" dirty="0"/>
-          </a:p>
-        </p:txBody>
-      </p:sp>
-      <p:pic>
-        <p:nvPicPr>
-          <p:cNvPr id="9" name="Picture 8" descr="A clipboard with a pen on it&#10;&#10;Description automatically generated">
-            <a:extLst>
-              <a:ext uri="{FF2B5EF4-FFF2-40B4-BE49-F238E27FC236}">
-                <a16:creationId xmlns:a16="http://schemas.microsoft.com/office/drawing/2014/main" id="{CFF6F728-96A8-7235-4C40-599BDBE71EB0}"/>
-              </a:ext>
-            </a:extLst>
-          </p:cNvPr>
-          <p:cNvPicPr>
-            <a:picLocks noChangeAspect="1"/>
-          </p:cNvPicPr>
-          <p:nvPr/>
-        </p:nvPicPr>
-        <p:blipFill>
-          <a:blip r:embed="rId2">
-            <a:extLst>
-              <a:ext uri="{837473B0-CC2E-450A-ABE3-18F120FF3D39}">
-                <a1611:picAttrSrcUrl xmlns:a1611="http://schemas.microsoft.com/office/drawing/2016/11/main" r:id="rId3"/>
-              </a:ext>
-            </a:extLst>
-          </a:blip>
-          <a:stretch>
-            <a:fillRect/>
-          </a:stretch>
-        </p:blipFill>
-        <p:spPr>
-          <a:xfrm>
-            <a:off x="6365671" y="1454442"/>
-            <a:ext cx="1714500" cy="1714500"/>
-          </a:xfrm>
-          <a:prstGeom prst="rect">
-            <a:avLst/>
-          </a:prstGeom>
-        </p:spPr>
-      </p:pic>
-    </p:spTree>
-    <p:extLst>
-      <p:ext uri="{BB962C8B-B14F-4D97-AF65-F5344CB8AC3E}">
-        <p14:creationId xmlns:p14="http://schemas.microsoft.com/office/powerpoint/2010/main" val="1068210073"/>
-      </p:ext>
-    </p:extLst>
-  </p:cSld>
-  <p:clrMapOvr>
-    <a:masterClrMapping/>
-  </p:clrMapOvr>
-</p:sld>
-</file>
-
-<file path=ppt/slides/slide6.xml><?xml version="1.0" encoding="utf-8"?>
-<p:sld xmlns:a="http://schemas.openxmlformats.org/drawingml/2006/main" xmlns:r="http://schemas.openxmlformats.org/officeDocument/2006/relationships" xmlns:p="http://schemas.openxmlformats.org/presentationml/2006/main">
-  <p:cSld>
-    <p:spTree>
-      <p:nvGrpSpPr>
-        <p:cNvPr id="1" name=""/>
-        <p:cNvGrpSpPr/>
-        <p:nvPr/>
-      </p:nvGrpSpPr>
-      <p:grpSpPr>
-        <a:xfrm>
-          <a:off x="0" y="0"/>
-          <a:ext cx="0" cy="0"/>
-          <a:chOff x="0" y="0"/>
-          <a:chExt cx="0" cy="0"/>
-        </a:xfrm>
-      </p:grpSpPr>
-      <p:sp>
-        <p:nvSpPr>
-          <p:cNvPr id="2" name="Title 1">
-            <a:extLst>
-              <a:ext uri="{FF2B5EF4-FFF2-40B4-BE49-F238E27FC236}">
-                <a16:creationId xmlns:a16="http://schemas.microsoft.com/office/drawing/2014/main" id="{C9E5796A-703C-4177-BA46-441C4ECE8CE3}"/>
-              </a:ext>
-            </a:extLst>
-          </p:cNvPr>
-          <p:cNvSpPr>
-            <a:spLocks noGrp="1"/>
-          </p:cNvSpPr>
-          <p:nvPr>
-            <p:ph type="title"/>
-          </p:nvPr>
-        </p:nvSpPr>
-        <p:spPr/>
-        <p:txBody>
-          <a:bodyPr/>
-          <a:lstStyle/>
-          <a:p>
-            <a:r>
-              <a:rPr lang="en-CA" dirty="0"/>
-              <a:t>Objectives</a:t>
-            </a:r>
-          </a:p>
-        </p:txBody>
-      </p:sp>
-      <p:sp>
-        <p:nvSpPr>
-          <p:cNvPr id="3" name="Text Placeholder 2">
-            <a:extLst>
-              <a:ext uri="{FF2B5EF4-FFF2-40B4-BE49-F238E27FC236}">
-                <a16:creationId xmlns:a16="http://schemas.microsoft.com/office/drawing/2014/main" id="{05BD942B-24C0-401F-A1D8-9D7B5AADF767}"/>
-              </a:ext>
-            </a:extLst>
-          </p:cNvPr>
-          <p:cNvSpPr>
-            <a:spLocks noGrp="1"/>
-          </p:cNvSpPr>
-          <p:nvPr>
-            <p:ph type="body" sz="quarter" idx="13"/>
-          </p:nvPr>
-        </p:nvSpPr>
-        <p:spPr/>
-        <p:txBody>
-          <a:bodyPr/>
-          <a:lstStyle/>
-          <a:p>
-            <a:r>
-              <a:rPr lang="en-CA" sz="2000" dirty="0"/>
-              <a:t>You should be able to:</a:t>
-            </a:r>
-          </a:p>
-          <a:p>
-            <a:pPr lvl="1"/>
-            <a:r>
-              <a:rPr lang="en-CA" sz="1800" dirty="0">
-                <a:ea typeface="ヒラギノ角ゴ Pro W3"/>
-              </a:rPr>
-              <a:t>Explain some of the benefits for using adaptive forms instead of standard forms</a:t>
-            </a:r>
-          </a:p>
-          <a:p>
-            <a:pPr lvl="1"/>
-            <a:r>
-              <a:rPr lang="en-CA" sz="1800" dirty="0"/>
-              <a:t>Describe the workflow for completing an adaptive form</a:t>
-            </a:r>
-          </a:p>
-          <a:p>
-            <a:pPr lvl="1"/>
-            <a:r>
-              <a:rPr lang="en-CA" sz="1800" dirty="0"/>
-              <a:t>Understand the difference between a Questionnaire intended for searching for an adaptive form as opposed to one used for completing an adaptive form</a:t>
-            </a:r>
-          </a:p>
-        </p:txBody>
-      </p:sp>
-      <p:pic>
-        <p:nvPicPr>
-          <p:cNvPr id="4" name="Picture 3" descr="A dart in the center of a target&#10;&#10;Description automatically generated">
-            <a:extLst>
-              <a:ext uri="{FF2B5EF4-FFF2-40B4-BE49-F238E27FC236}">
-                <a16:creationId xmlns:a16="http://schemas.microsoft.com/office/drawing/2014/main" id="{86ED6BA6-FC0D-841F-97E3-95B6041EB126}"/>
-              </a:ext>
-            </a:extLst>
-          </p:cNvPr>
-          <p:cNvPicPr>
-            <a:picLocks noChangeAspect="1"/>
-          </p:cNvPicPr>
-          <p:nvPr/>
-        </p:nvPicPr>
-        <p:blipFill>
-          <a:blip r:embed="rId3">
-            <a:extLst>
-              <a:ext uri="{837473B0-CC2E-450A-ABE3-18F120FF3D39}">
-                <a1611:picAttrSrcUrl xmlns:a1611="http://schemas.microsoft.com/office/drawing/2016/11/main" r:id="rId4"/>
-              </a:ext>
-            </a:extLst>
-          </a:blip>
-          <a:stretch>
-            <a:fillRect/>
-          </a:stretch>
-        </p:blipFill>
-        <p:spPr>
-          <a:xfrm>
-            <a:off x="7258896" y="426119"/>
-            <a:ext cx="1124373" cy="1124373"/>
-          </a:xfrm>
-          <a:prstGeom prst="rect">
-            <a:avLst/>
-          </a:prstGeom>
-        </p:spPr>
-      </p:pic>
-    </p:spTree>
-    <p:extLst>
-      <p:ext uri="{BB962C8B-B14F-4D97-AF65-F5344CB8AC3E}">
-        <p14:creationId xmlns:p14="http://schemas.microsoft.com/office/powerpoint/2010/main" val="3946703699"/>
-      </p:ext>
-    </p:extLst>
-  </p:cSld>
-  <p:clrMapOvr>
-    <a:masterClrMapping/>
-  </p:clrMapOvr>
-  <p:extLst>
-    <p:ext uri="{6950BFC3-D8DA-4A85-94F7-54DA5524770B}">
-      <p188:commentRel xmlns:p188="http://schemas.microsoft.com/office/powerpoint/2018/8/main" r:id="rId2"/>
-    </p:ext>
-  </p:extLst>
-</p:sld>
-</file>
-
-<file path=ppt/slides/slide7.xml><?xml version="1.0" encoding="utf-8"?>
-<p:sld xmlns:a="http://schemas.openxmlformats.org/drawingml/2006/main" xmlns:r="http://schemas.openxmlformats.org/officeDocument/2006/relationships" xmlns:p="http://schemas.openxmlformats.org/presentationml/2006/main">
-  <p:cSld>
-    <p:spTree>
-      <p:nvGrpSpPr>
-        <p:cNvPr id="1" name=""/>
-        <p:cNvGrpSpPr/>
-        <p:nvPr/>
-      </p:nvGrpSpPr>
-      <p:grpSpPr>
-        <a:xfrm>
-          <a:off x="0" y="0"/>
-          <a:ext cx="0" cy="0"/>
-          <a:chOff x="0" y="0"/>
-          <a:chExt cx="0" cy="0"/>
-        </a:xfrm>
-      </p:grpSpPr>
-      <p:sp>
-        <p:nvSpPr>
-          <p:cNvPr id="5" name="Title 4">
-            <a:extLst>
-              <a:ext uri="{FF2B5EF4-FFF2-40B4-BE49-F238E27FC236}">
-                <a16:creationId xmlns:a16="http://schemas.microsoft.com/office/drawing/2014/main" id="{7445A3EF-F95F-1ADA-66F9-800ADE9B40C6}"/>
-              </a:ext>
-            </a:extLst>
-          </p:cNvPr>
-          <p:cNvSpPr>
-            <a:spLocks noGrp="1"/>
-          </p:cNvSpPr>
-          <p:nvPr>
-            <p:ph type="title"/>
-          </p:nvPr>
-        </p:nvSpPr>
-        <p:spPr/>
-        <p:txBody>
-          <a:bodyPr/>
-          <a:lstStyle/>
-          <a:p>
-            <a:r>
-              <a:rPr lang="en-US" dirty="0"/>
-              <a:t>Rationale for adaptive forms</a:t>
-            </a:r>
-            <a:endParaRPr lang="en-CA" dirty="0"/>
-          </a:p>
-        </p:txBody>
-      </p:sp>
-      <p:sp>
-        <p:nvSpPr>
-          <p:cNvPr id="6" name="Text Placeholder 5">
-            <a:extLst>
-              <a:ext uri="{FF2B5EF4-FFF2-40B4-BE49-F238E27FC236}">
-                <a16:creationId xmlns:a16="http://schemas.microsoft.com/office/drawing/2014/main" id="{D845FD7C-AA28-D0B4-33C4-A9DDAD29160A}"/>
-              </a:ext>
-            </a:extLst>
-          </p:cNvPr>
-          <p:cNvSpPr>
-            <a:spLocks noGrp="1"/>
-          </p:cNvSpPr>
-          <p:nvPr>
-            <p:ph type="body" sz="quarter" idx="13"/>
-          </p:nvPr>
-        </p:nvSpPr>
-        <p:spPr>
-          <a:xfrm>
-            <a:off x="614362" y="1357310"/>
-            <a:ext cx="4779759" cy="3098780"/>
-          </a:xfrm>
-        </p:spPr>
-        <p:txBody>
-          <a:bodyPr/>
-          <a:lstStyle/>
-          <a:p>
-            <a:r>
-              <a:rPr lang="en-US" dirty="0"/>
-              <a:t>Protect IP</a:t>
-            </a:r>
-          </a:p>
-          <a:p>
-            <a:r>
-              <a:rPr lang="en-US" dirty="0"/>
-              <a:t>Less burden on fillers</a:t>
-            </a:r>
-          </a:p>
-          <a:p>
-            <a:r>
-              <a:rPr lang="en-US" dirty="0"/>
-              <a:t>Forms can get too big</a:t>
-            </a:r>
-          </a:p>
-          <a:p>
-            <a:r>
-              <a:rPr lang="en-US" dirty="0"/>
-              <a:t>Use a familiar language for logic</a:t>
-            </a:r>
-          </a:p>
-          <a:p>
-            <a:r>
-              <a:rPr lang="en-US" dirty="0"/>
-              <a:t>Use back-end functionality for logic</a:t>
-            </a:r>
-            <a:endParaRPr lang="en-CA" dirty="0"/>
-          </a:p>
-        </p:txBody>
-      </p:sp>
-      <p:sp>
-        <p:nvSpPr>
-          <p:cNvPr id="3" name="Footer Placeholder 2">
-            <a:extLst>
-              <a:ext uri="{FF2B5EF4-FFF2-40B4-BE49-F238E27FC236}">
-                <a16:creationId xmlns:a16="http://schemas.microsoft.com/office/drawing/2014/main" id="{D8136FED-0229-CDD8-8100-DABD768C7D44}"/>
-              </a:ext>
-            </a:extLst>
-          </p:cNvPr>
-          <p:cNvSpPr>
-            <a:spLocks noGrp="1"/>
-          </p:cNvSpPr>
-          <p:nvPr>
-            <p:ph type="ftr" sz="quarter" idx="10"/>
-          </p:nvPr>
-        </p:nvSpPr>
-        <p:spPr/>
-        <p:txBody>
-          <a:bodyPr/>
-          <a:lstStyle/>
-          <a:p>
-            <a:r>
-              <a:rPr lang="en-CA" b="1"/>
-              <a:t>© 2025 Health Level Seven ® International. All Rights Reserved. Published under the Creative Commons 3.0 Attribution Unported license</a:t>
-            </a:r>
-            <a:endParaRPr lang="en-US" b="1" dirty="0"/>
-          </a:p>
-        </p:txBody>
-      </p:sp>
-      <p:sp>
-        <p:nvSpPr>
-          <p:cNvPr id="4" name="Slide Number Placeholder 3">
-            <a:extLst>
-              <a:ext uri="{FF2B5EF4-FFF2-40B4-BE49-F238E27FC236}">
-                <a16:creationId xmlns:a16="http://schemas.microsoft.com/office/drawing/2014/main" id="{9C24CF50-A2AB-9E57-631F-D717DB7B4C6C}"/>
-              </a:ext>
-            </a:extLst>
-          </p:cNvPr>
-          <p:cNvSpPr>
-            <a:spLocks noGrp="1"/>
-          </p:cNvSpPr>
-          <p:nvPr>
-            <p:ph type="sldNum" sz="quarter" idx="11"/>
-          </p:nvPr>
-        </p:nvSpPr>
-        <p:spPr/>
-        <p:txBody>
-          <a:bodyPr/>
-          <a:lstStyle/>
-          <a:p>
-            <a:fld id="{6CACE926-AEF5-4BFE-8BD7-24414108CB7B}" type="slidenum">
-              <a:rPr lang="en-US" altLang="en-US" smtClean="0"/>
-              <a:pPr/>
-              <a:t>7</a:t>
-            </a:fld>
-            <a:endParaRPr lang="en-US" altLang="en-US" dirty="0"/>
-          </a:p>
-        </p:txBody>
-      </p:sp>
-      <p:pic>
-        <p:nvPicPr>
-          <p:cNvPr id="8" name="Picture 7" descr="A hand holding a yellow paper with black text&#10;&#10;Description automatically generated">
-            <a:extLst>
-              <a:ext uri="{FF2B5EF4-FFF2-40B4-BE49-F238E27FC236}">
-                <a16:creationId xmlns:a16="http://schemas.microsoft.com/office/drawing/2014/main" id="{609A5118-F888-EB8B-E4FB-A7DC35D2673C}"/>
-              </a:ext>
-            </a:extLst>
-          </p:cNvPr>
-          <p:cNvPicPr>
-            <a:picLocks noChangeAspect="1"/>
-          </p:cNvPicPr>
-          <p:nvPr/>
-        </p:nvPicPr>
-        <p:blipFill>
-          <a:blip r:embed="rId2">
-            <a:extLst>
-              <a:ext uri="{837473B0-CC2E-450A-ABE3-18F120FF3D39}">
-                <a1611:picAttrSrcUrl xmlns:a1611="http://schemas.microsoft.com/office/drawing/2016/11/main" r:id="rId3"/>
-              </a:ext>
-            </a:extLst>
-          </a:blip>
-          <a:stretch>
-            <a:fillRect/>
-          </a:stretch>
-        </p:blipFill>
-        <p:spPr>
-          <a:xfrm>
-            <a:off x="5730875" y="1476462"/>
-            <a:ext cx="2495725" cy="1871794"/>
-          </a:xfrm>
-          <a:prstGeom prst="rect">
-            <a:avLst/>
-          </a:prstGeom>
-        </p:spPr>
-      </p:pic>
-    </p:spTree>
-    <p:extLst>
-      <p:ext uri="{BB962C8B-B14F-4D97-AF65-F5344CB8AC3E}">
-        <p14:creationId xmlns:p14="http://schemas.microsoft.com/office/powerpoint/2010/main" val="2725813447"/>
-      </p:ext>
-    </p:extLst>
-  </p:cSld>
-  <p:clrMapOvr>
-    <a:masterClrMapping/>
-  </p:clrMapOvr>
-</p:sld>
-</file>
-
-<file path=ppt/slides/slide8.xml><?xml version="1.0" encoding="utf-8"?>
-<p:sld xmlns:a="http://schemas.openxmlformats.org/drawingml/2006/main" xmlns:r="http://schemas.openxmlformats.org/officeDocument/2006/relationships" xmlns:p="http://schemas.openxmlformats.org/presentationml/2006/main">
-  <p:cSld>
-    <p:spTree>
-      <p:nvGrpSpPr>
-        <p:cNvPr id="1" name=""/>
-        <p:cNvGrpSpPr/>
-        <p:nvPr/>
-      </p:nvGrpSpPr>
-      <p:grpSpPr>
-        <a:xfrm>
-          <a:off x="0" y="0"/>
-          <a:ext cx="0" cy="0"/>
-          <a:chOff x="0" y="0"/>
-          <a:chExt cx="0" cy="0"/>
-        </a:xfrm>
-      </p:grpSpPr>
-      <p:sp>
-        <p:nvSpPr>
-          <p:cNvPr id="2" name="Title 1">
-            <a:extLst>
-              <a:ext uri="{FF2B5EF4-FFF2-40B4-BE49-F238E27FC236}">
                 <a16:creationId xmlns:a16="http://schemas.microsoft.com/office/drawing/2014/main" id="{35425ABA-1165-47B1-BD79-EBA51F3C2940}"/>
               </a:ext>
             </a:extLst>
@@ -15890,7 +12610,7 @@
 </p:sld>
 </file>
 
-<file path=ppt/slides/slide9.xml><?xml version="1.0" encoding="utf-8"?>
+<file path=ppt/slides/slide11.xml><?xml version="1.0" encoding="utf-8"?>
 <p:sld xmlns:a="http://schemas.openxmlformats.org/drawingml/2006/main" xmlns:r="http://schemas.openxmlformats.org/officeDocument/2006/relationships" xmlns:p="http://schemas.openxmlformats.org/presentationml/2006/main">
   <p:cSld>
     <p:spTree>
@@ -16078,7 +12798,7 @@
             <a:fld id="{6CACE926-AEF5-4BFE-8BD7-24414108CB7B}" type="slidenum">
               <a:rPr lang="en-US" altLang="en-US" smtClean="0"/>
               <a:pPr/>
-              <a:t>9</a:t>
+              <a:t>11</a:t>
             </a:fld>
             <a:endParaRPr lang="en-US" altLang="en-US" dirty="0"/>
           </a:p>
@@ -16098,8 +12818,8 @@
         </p:nvSpPr>
         <p:spPr>
           <a:xfrm>
-            <a:off x="5075339" y="1357310"/>
-            <a:ext cx="3540155" cy="1922785"/>
+            <a:off x="5075339" y="1241714"/>
+            <a:ext cx="3540155" cy="2038381"/>
           </a:xfrm>
           <a:prstGeom prst="rect">
             <a:avLst/>
@@ -16123,6 +12843,16 @@
           <a:bodyPr rtlCol="0" anchor="t"/>
           <a:lstStyle/>
           <a:p>
+            <a:r>
+              <a:rPr lang="en-US" dirty="0">
+                <a:solidFill>
+                  <a:schemeClr val="tx1"/>
+                </a:solidFill>
+              </a:rPr>
+              <a:t>QuestionnaireResponse</a:t>
+            </a:r>
+          </a:p>
+          <a:p>
             <a:endParaRPr lang="en-US" dirty="0">
               <a:solidFill>
                 <a:schemeClr val="tx1"/>
@@ -16183,7 +12913,7 @@
         </p:nvSpPr>
         <p:spPr>
           <a:xfrm>
-            <a:off x="5227739" y="1509711"/>
+            <a:off x="5194466" y="1624011"/>
             <a:ext cx="3301899" cy="1062040"/>
           </a:xfrm>
           <a:prstGeom prst="rect">
@@ -16220,7 +12950,7 @@
                   <a:schemeClr val="tx1"/>
                 </a:solidFill>
               </a:rPr>
-              <a:t>QuestionnaireResponse</a:t>
+              <a:t>Questionnaire</a:t>
             </a:r>
           </a:p>
           <a:p>
@@ -16262,6 +12992,4298 @@
     <p:extLst>
       <p:ext uri="{BB962C8B-B14F-4D97-AF65-F5344CB8AC3E}">
         <p14:creationId xmlns:p14="http://schemas.microsoft.com/office/powerpoint/2010/main" val="2947599730"/>
+      </p:ext>
+    </p:extLst>
+  </p:cSld>
+  <p:clrMapOvr>
+    <a:masterClrMapping/>
+  </p:clrMapOvr>
+</p:sld>
+</file>
+
+<file path=ppt/slides/slide12.xml><?xml version="1.0" encoding="utf-8"?>
+<p:sld xmlns:a="http://schemas.openxmlformats.org/drawingml/2006/main" xmlns:r="http://schemas.openxmlformats.org/officeDocument/2006/relationships" xmlns:p="http://schemas.openxmlformats.org/presentationml/2006/main">
+  <p:cSld>
+    <p:spTree>
+      <p:nvGrpSpPr>
+        <p:cNvPr id="1" name=""/>
+        <p:cNvGrpSpPr/>
+        <p:nvPr/>
+      </p:nvGrpSpPr>
+      <p:grpSpPr>
+        <a:xfrm>
+          <a:off x="0" y="0"/>
+          <a:ext cx="0" cy="0"/>
+          <a:chOff x="0" y="0"/>
+          <a:chExt cx="0" cy="0"/>
+        </a:xfrm>
+      </p:grpSpPr>
+      <p:sp>
+        <p:nvSpPr>
+          <p:cNvPr id="2" name="Title 1">
+            <a:extLst>
+              <a:ext uri="{FF2B5EF4-FFF2-40B4-BE49-F238E27FC236}">
+                <a16:creationId xmlns:a16="http://schemas.microsoft.com/office/drawing/2014/main" id="{502B33F2-C440-C65A-BBF1-61792455DBF1}"/>
+              </a:ext>
+            </a:extLst>
+          </p:cNvPr>
+          <p:cNvSpPr>
+            <a:spLocks noGrp="1"/>
+          </p:cNvSpPr>
+          <p:nvPr>
+            <p:ph type="title"/>
+          </p:nvPr>
+        </p:nvSpPr>
+        <p:spPr/>
+        <p:txBody>
+          <a:bodyPr/>
+          <a:lstStyle/>
+          <a:p>
+            <a:r>
+              <a:rPr lang="en-US" dirty="0"/>
+              <a:t>$next-question</a:t>
+            </a:r>
+            <a:endParaRPr lang="en-CA" dirty="0"/>
+          </a:p>
+        </p:txBody>
+      </p:sp>
+      <p:sp>
+        <p:nvSpPr>
+          <p:cNvPr id="3" name="Text Placeholder 2">
+            <a:extLst>
+              <a:ext uri="{FF2B5EF4-FFF2-40B4-BE49-F238E27FC236}">
+                <a16:creationId xmlns:a16="http://schemas.microsoft.com/office/drawing/2014/main" id="{C4DB1C32-CC79-B9D3-6251-F806C8AD5A55}"/>
+              </a:ext>
+            </a:extLst>
+          </p:cNvPr>
+          <p:cNvSpPr>
+            <a:spLocks noGrp="1"/>
+          </p:cNvSpPr>
+          <p:nvPr>
+            <p:ph type="body" sz="quarter" idx="13"/>
+          </p:nvPr>
+        </p:nvSpPr>
+        <p:spPr/>
+        <p:txBody>
+          <a:bodyPr/>
+          <a:lstStyle/>
+          <a:p>
+            <a:r>
+              <a:rPr lang="en-US" sz="2000" dirty="0"/>
+              <a:t>Adds new items to contained Questionnaire or marks it as ‘complete’</a:t>
+            </a:r>
+          </a:p>
+          <a:p>
+            <a:r>
+              <a:rPr lang="en-US" sz="2000" dirty="0"/>
+              <a:t>Can add 1 new item or multiple</a:t>
+            </a:r>
+          </a:p>
+          <a:p>
+            <a:r>
+              <a:rPr lang="en-US" sz="2000" dirty="0"/>
+              <a:t>For each item, can vary:</a:t>
+            </a:r>
+          </a:p>
+          <a:p>
+            <a:pPr lvl="1"/>
+            <a:r>
+              <a:rPr lang="en-US" sz="1800" dirty="0"/>
+              <a:t>Allowed answer choices</a:t>
+            </a:r>
+          </a:p>
+          <a:p>
+            <a:pPr lvl="1"/>
+            <a:r>
+              <a:rPr lang="en-US" sz="1800" dirty="0"/>
+              <a:t>Required/optional, repeating/not, formatting, question text, etc.</a:t>
+            </a:r>
+          </a:p>
+          <a:p>
+            <a:pPr lvl="1"/>
+            <a:r>
+              <a:rPr lang="en-US" sz="1800" dirty="0"/>
+              <a:t>Population logic</a:t>
+            </a:r>
+          </a:p>
+          <a:p>
+            <a:pPr marL="0" indent="-102870">
+              <a:buNone/>
+            </a:pPr>
+            <a:r>
+              <a:rPr lang="en-US" sz="1600" dirty="0"/>
+              <a:t>(i.e. no </a:t>
+            </a:r>
+            <a:r>
+              <a:rPr lang="en-US" sz="1600" dirty="0" err="1"/>
+              <a:t>FHIRPath</a:t>
+            </a:r>
+            <a:r>
+              <a:rPr lang="en-US" sz="1600" dirty="0"/>
+              <a:t> or CQL for any of this)</a:t>
+            </a:r>
+          </a:p>
+          <a:p>
+            <a:r>
+              <a:rPr lang="en-US" sz="2000" dirty="0"/>
+              <a:t>Alternatively, can indicate that previous QR wasn’t valid and provide an </a:t>
+            </a:r>
+            <a:r>
+              <a:rPr lang="en-US" sz="2000" dirty="0" err="1"/>
+              <a:t>OperationOutcome</a:t>
+            </a:r>
+            <a:endParaRPr lang="en-CA" sz="2000" dirty="0"/>
+          </a:p>
+        </p:txBody>
+      </p:sp>
+      <p:sp>
+        <p:nvSpPr>
+          <p:cNvPr id="4" name="Footer Placeholder 3">
+            <a:extLst>
+              <a:ext uri="{FF2B5EF4-FFF2-40B4-BE49-F238E27FC236}">
+                <a16:creationId xmlns:a16="http://schemas.microsoft.com/office/drawing/2014/main" id="{F26FF560-412B-B66D-8CF5-A3F0794CF07F}"/>
+              </a:ext>
+            </a:extLst>
+          </p:cNvPr>
+          <p:cNvSpPr>
+            <a:spLocks noGrp="1"/>
+          </p:cNvSpPr>
+          <p:nvPr>
+            <p:ph type="ftr" sz="quarter" idx="10"/>
+          </p:nvPr>
+        </p:nvSpPr>
+        <p:spPr/>
+        <p:txBody>
+          <a:bodyPr/>
+          <a:lstStyle/>
+          <a:p>
+            <a:r>
+              <a:rPr lang="en-CA" b="1"/>
+              <a:t>© 2025 Health Level Seven ® International. All Rights Reserved. Published under the Creative Commons 3.0 Attribution Unported license</a:t>
+            </a:r>
+            <a:endParaRPr lang="en-US" b="1" dirty="0"/>
+          </a:p>
+        </p:txBody>
+      </p:sp>
+      <p:sp>
+        <p:nvSpPr>
+          <p:cNvPr id="5" name="Slide Number Placeholder 4">
+            <a:extLst>
+              <a:ext uri="{FF2B5EF4-FFF2-40B4-BE49-F238E27FC236}">
+                <a16:creationId xmlns:a16="http://schemas.microsoft.com/office/drawing/2014/main" id="{6F8FC7F7-86A2-8901-4768-5310E6C74E34}"/>
+              </a:ext>
+            </a:extLst>
+          </p:cNvPr>
+          <p:cNvSpPr>
+            <a:spLocks noGrp="1"/>
+          </p:cNvSpPr>
+          <p:nvPr>
+            <p:ph type="sldNum" sz="quarter" idx="11"/>
+          </p:nvPr>
+        </p:nvSpPr>
+        <p:spPr/>
+        <p:txBody>
+          <a:bodyPr/>
+          <a:lstStyle/>
+          <a:p>
+            <a:fld id="{6CACE926-AEF5-4BFE-8BD7-24414108CB7B}" type="slidenum">
+              <a:rPr lang="en-US" altLang="en-US" smtClean="0"/>
+              <a:pPr/>
+              <a:t>12</a:t>
+            </a:fld>
+            <a:endParaRPr lang="en-US" altLang="en-US" dirty="0"/>
+          </a:p>
+        </p:txBody>
+      </p:sp>
+    </p:spTree>
+    <p:extLst>
+      <p:ext uri="{BB962C8B-B14F-4D97-AF65-F5344CB8AC3E}">
+        <p14:creationId xmlns:p14="http://schemas.microsoft.com/office/powerpoint/2010/main" val="2367082532"/>
+      </p:ext>
+    </p:extLst>
+  </p:cSld>
+  <p:clrMapOvr>
+    <a:masterClrMapping/>
+  </p:clrMapOvr>
+</p:sld>
+</file>
+
+<file path=ppt/slides/slide13.xml><?xml version="1.0" encoding="utf-8"?>
+<p:sld xmlns:a="http://schemas.openxmlformats.org/drawingml/2006/main" xmlns:r="http://schemas.openxmlformats.org/officeDocument/2006/relationships" xmlns:p="http://schemas.openxmlformats.org/presentationml/2006/main">
+  <p:cSld>
+    <p:spTree>
+      <p:nvGrpSpPr>
+        <p:cNvPr id="1" name=""/>
+        <p:cNvGrpSpPr/>
+        <p:nvPr/>
+      </p:nvGrpSpPr>
+      <p:grpSpPr>
+        <a:xfrm>
+          <a:off x="0" y="0"/>
+          <a:ext cx="0" cy="0"/>
+          <a:chOff x="0" y="0"/>
+          <a:chExt cx="0" cy="0"/>
+        </a:xfrm>
+      </p:grpSpPr>
+      <p:sp>
+        <p:nvSpPr>
+          <p:cNvPr id="2" name="Title 1">
+            <a:extLst>
+              <a:ext uri="{FF2B5EF4-FFF2-40B4-BE49-F238E27FC236}">
+                <a16:creationId xmlns:a16="http://schemas.microsoft.com/office/drawing/2014/main" id="{63C45110-3CE1-5698-0A6E-DF3AA2605F9B}"/>
+              </a:ext>
+            </a:extLst>
+          </p:cNvPr>
+          <p:cNvSpPr>
+            <a:spLocks noGrp="1"/>
+          </p:cNvSpPr>
+          <p:nvPr>
+            <p:ph type="title"/>
+          </p:nvPr>
+        </p:nvSpPr>
+        <p:spPr/>
+        <p:txBody>
+          <a:bodyPr/>
+          <a:lstStyle/>
+          <a:p>
+            <a:r>
+              <a:rPr lang="en-US" dirty="0"/>
+              <a:t>What adaptive doesn’t avoid</a:t>
+            </a:r>
+            <a:endParaRPr lang="en-CA" dirty="0"/>
+          </a:p>
+        </p:txBody>
+      </p:sp>
+      <p:sp>
+        <p:nvSpPr>
+          <p:cNvPr id="3" name="Text Placeholder 2">
+            <a:extLst>
+              <a:ext uri="{FF2B5EF4-FFF2-40B4-BE49-F238E27FC236}">
+                <a16:creationId xmlns:a16="http://schemas.microsoft.com/office/drawing/2014/main" id="{E42A66B1-8044-77D9-3342-2051177C2364}"/>
+              </a:ext>
+            </a:extLst>
+          </p:cNvPr>
+          <p:cNvSpPr>
+            <a:spLocks noGrp="1"/>
+          </p:cNvSpPr>
+          <p:nvPr>
+            <p:ph type="body" sz="quarter" idx="13"/>
+          </p:nvPr>
+        </p:nvSpPr>
+        <p:spPr/>
+        <p:txBody>
+          <a:bodyPr/>
+          <a:lstStyle/>
+          <a:p>
+            <a:r>
+              <a:rPr lang="en-US" dirty="0"/>
+              <a:t>Form filler still needs to:</a:t>
+            </a:r>
+          </a:p>
+          <a:p>
+            <a:pPr lvl="1"/>
+            <a:r>
+              <a:rPr lang="en-US" dirty="0"/>
+              <a:t>Run population logic if server can’t</a:t>
+            </a:r>
+          </a:p>
+          <a:p>
+            <a:pPr lvl="1"/>
+            <a:r>
+              <a:rPr lang="en-US" dirty="0"/>
+              <a:t>Handle the different ‘complex display’ capabilities</a:t>
+            </a:r>
+          </a:p>
+          <a:p>
+            <a:pPr lvl="1"/>
+            <a:r>
+              <a:rPr lang="en-US" dirty="0"/>
+              <a:t>Ideally, perform some level of answer validation</a:t>
+            </a:r>
+            <a:endParaRPr lang="en-CA" dirty="0"/>
+          </a:p>
+        </p:txBody>
+      </p:sp>
+      <p:sp>
+        <p:nvSpPr>
+          <p:cNvPr id="4" name="Footer Placeholder 3">
+            <a:extLst>
+              <a:ext uri="{FF2B5EF4-FFF2-40B4-BE49-F238E27FC236}">
+                <a16:creationId xmlns:a16="http://schemas.microsoft.com/office/drawing/2014/main" id="{0EDDF636-5B2D-978D-21A4-03CFFC6E6872}"/>
+              </a:ext>
+            </a:extLst>
+          </p:cNvPr>
+          <p:cNvSpPr>
+            <a:spLocks noGrp="1"/>
+          </p:cNvSpPr>
+          <p:nvPr>
+            <p:ph type="ftr" sz="quarter" idx="10"/>
+          </p:nvPr>
+        </p:nvSpPr>
+        <p:spPr/>
+        <p:txBody>
+          <a:bodyPr/>
+          <a:lstStyle/>
+          <a:p>
+            <a:r>
+              <a:rPr lang="en-CA" b="1"/>
+              <a:t>© 2025 Health Level Seven ® International. All Rights Reserved. Published under the Creative Commons 3.0 Attribution Unported license</a:t>
+            </a:r>
+            <a:endParaRPr lang="en-US" b="1" dirty="0"/>
+          </a:p>
+        </p:txBody>
+      </p:sp>
+      <p:sp>
+        <p:nvSpPr>
+          <p:cNvPr id="5" name="Slide Number Placeholder 4">
+            <a:extLst>
+              <a:ext uri="{FF2B5EF4-FFF2-40B4-BE49-F238E27FC236}">
+                <a16:creationId xmlns:a16="http://schemas.microsoft.com/office/drawing/2014/main" id="{9E5DF5D8-6B70-8BFA-56D4-5C38CA7D9E7B}"/>
+              </a:ext>
+            </a:extLst>
+          </p:cNvPr>
+          <p:cNvSpPr>
+            <a:spLocks noGrp="1"/>
+          </p:cNvSpPr>
+          <p:nvPr>
+            <p:ph type="sldNum" sz="quarter" idx="11"/>
+          </p:nvPr>
+        </p:nvSpPr>
+        <p:spPr/>
+        <p:txBody>
+          <a:bodyPr/>
+          <a:lstStyle/>
+          <a:p>
+            <a:fld id="{6CACE926-AEF5-4BFE-8BD7-24414108CB7B}" type="slidenum">
+              <a:rPr lang="en-US" altLang="en-US" smtClean="0"/>
+              <a:pPr/>
+              <a:t>13</a:t>
+            </a:fld>
+            <a:endParaRPr lang="en-US" altLang="en-US" dirty="0"/>
+          </a:p>
+        </p:txBody>
+      </p:sp>
+    </p:spTree>
+    <p:extLst>
+      <p:ext uri="{BB962C8B-B14F-4D97-AF65-F5344CB8AC3E}">
+        <p14:creationId xmlns:p14="http://schemas.microsoft.com/office/powerpoint/2010/main" val="1458005931"/>
+      </p:ext>
+    </p:extLst>
+  </p:cSld>
+  <p:clrMapOvr>
+    <a:masterClrMapping/>
+  </p:clrMapOvr>
+</p:sld>
+</file>
+
+<file path=ppt/slides/slide14.xml><?xml version="1.0" encoding="utf-8"?>
+<p:sld xmlns:a="http://schemas.openxmlformats.org/drawingml/2006/main" xmlns:r="http://schemas.openxmlformats.org/officeDocument/2006/relationships" xmlns:p="http://schemas.openxmlformats.org/presentationml/2006/main">
+  <p:cSld>
+    <p:spTree>
+      <p:nvGrpSpPr>
+        <p:cNvPr id="1" name=""/>
+        <p:cNvGrpSpPr/>
+        <p:nvPr/>
+      </p:nvGrpSpPr>
+      <p:grpSpPr>
+        <a:xfrm>
+          <a:off x="0" y="0"/>
+          <a:ext cx="0" cy="0"/>
+          <a:chOff x="0" y="0"/>
+          <a:chExt cx="0" cy="0"/>
+        </a:xfrm>
+      </p:grpSpPr>
+      <p:sp>
+        <p:nvSpPr>
+          <p:cNvPr id="2" name="Title 1">
+            <a:extLst>
+              <a:ext uri="{FF2B5EF4-FFF2-40B4-BE49-F238E27FC236}">
+                <a16:creationId xmlns:a16="http://schemas.microsoft.com/office/drawing/2014/main" id="{9EA1DBDB-5D4C-F8AC-CD6E-D284A5B4EC07}"/>
+              </a:ext>
+            </a:extLst>
+          </p:cNvPr>
+          <p:cNvSpPr>
+            <a:spLocks noGrp="1"/>
+          </p:cNvSpPr>
+          <p:nvPr>
+            <p:ph type="title"/>
+          </p:nvPr>
+        </p:nvSpPr>
+        <p:spPr/>
+        <p:txBody>
+          <a:bodyPr/>
+          <a:lstStyle/>
+          <a:p>
+            <a:r>
+              <a:rPr lang="en-US" dirty="0"/>
+              <a:t>What if the user changes a prior answer?</a:t>
+            </a:r>
+            <a:endParaRPr lang="en-CA" dirty="0"/>
+          </a:p>
+        </p:txBody>
+      </p:sp>
+      <p:sp>
+        <p:nvSpPr>
+          <p:cNvPr id="3" name="Text Placeholder 2">
+            <a:extLst>
+              <a:ext uri="{FF2B5EF4-FFF2-40B4-BE49-F238E27FC236}">
+                <a16:creationId xmlns:a16="http://schemas.microsoft.com/office/drawing/2014/main" id="{189BB2BF-481E-CB2A-902B-CA464FED1809}"/>
+              </a:ext>
+            </a:extLst>
+          </p:cNvPr>
+          <p:cNvSpPr>
+            <a:spLocks noGrp="1"/>
+          </p:cNvSpPr>
+          <p:nvPr>
+            <p:ph type="body" sz="quarter" idx="13"/>
+          </p:nvPr>
+        </p:nvSpPr>
+        <p:spPr/>
+        <p:txBody>
+          <a:bodyPr/>
+          <a:lstStyle/>
+          <a:p>
+            <a:r>
+              <a:rPr lang="en-US" dirty="0"/>
+              <a:t>Can stop them from doing this with</a:t>
+            </a:r>
+            <a:r>
+              <a:rPr lang="en-US" dirty="0">
+                <a:latin typeface="+mj-lt"/>
+              </a:rPr>
+              <a:t> </a:t>
+            </a:r>
+            <a:r>
+              <a:rPr lang="en-CA" b="0" i="0" u="none" strike="noStrike" dirty="0" err="1">
+                <a:effectLst/>
+                <a:latin typeface="+mj-lt"/>
+                <a:hlinkClick r:id="rId2"/>
+              </a:rPr>
+              <a:t>sdc</a:t>
+            </a:r>
+            <a:r>
+              <a:rPr lang="en-CA" b="0" i="0" u="none" strike="noStrike" dirty="0">
+                <a:effectLst/>
+                <a:latin typeface="+mj-lt"/>
+                <a:hlinkClick r:id="rId2"/>
+              </a:rPr>
+              <a:t>-questionnaire-</a:t>
+            </a:r>
+            <a:r>
+              <a:rPr lang="en-CA" b="0" i="0" u="none" strike="noStrike" dirty="0" err="1">
+                <a:effectLst/>
+                <a:latin typeface="+mj-lt"/>
+                <a:hlinkClick r:id="rId2"/>
+              </a:rPr>
+              <a:t>entryMode</a:t>
+            </a:r>
+            <a:endParaRPr lang="en-CA" b="0" i="0" u="none" strike="noStrike" dirty="0">
+              <a:effectLst/>
+              <a:latin typeface="+mj-lt"/>
+            </a:endParaRPr>
+          </a:p>
+          <a:p>
+            <a:r>
+              <a:rPr lang="en-CA" dirty="0">
+                <a:latin typeface="+mj-lt"/>
+              </a:rPr>
+              <a:t>Alternatively, throw away all answers after the answer changed and start from there</a:t>
+            </a:r>
+          </a:p>
+        </p:txBody>
+      </p:sp>
+      <p:sp>
+        <p:nvSpPr>
+          <p:cNvPr id="4" name="Footer Placeholder 3">
+            <a:extLst>
+              <a:ext uri="{FF2B5EF4-FFF2-40B4-BE49-F238E27FC236}">
+                <a16:creationId xmlns:a16="http://schemas.microsoft.com/office/drawing/2014/main" id="{C9772DD7-ED7B-67B2-313F-2FD039322C74}"/>
+              </a:ext>
+            </a:extLst>
+          </p:cNvPr>
+          <p:cNvSpPr>
+            <a:spLocks noGrp="1"/>
+          </p:cNvSpPr>
+          <p:nvPr>
+            <p:ph type="ftr" sz="quarter" idx="10"/>
+          </p:nvPr>
+        </p:nvSpPr>
+        <p:spPr/>
+        <p:txBody>
+          <a:bodyPr/>
+          <a:lstStyle/>
+          <a:p>
+            <a:r>
+              <a:rPr lang="en-CA" b="1"/>
+              <a:t>© 2025 Health Level Seven ® International. All Rights Reserved. Published under the Creative Commons 3.0 Attribution Unported license</a:t>
+            </a:r>
+            <a:endParaRPr lang="en-US" b="1" dirty="0"/>
+          </a:p>
+        </p:txBody>
+      </p:sp>
+      <p:sp>
+        <p:nvSpPr>
+          <p:cNvPr id="5" name="Slide Number Placeholder 4">
+            <a:extLst>
+              <a:ext uri="{FF2B5EF4-FFF2-40B4-BE49-F238E27FC236}">
+                <a16:creationId xmlns:a16="http://schemas.microsoft.com/office/drawing/2014/main" id="{90FCA8B7-EDC8-52B3-8741-085645E04AF9}"/>
+              </a:ext>
+            </a:extLst>
+          </p:cNvPr>
+          <p:cNvSpPr>
+            <a:spLocks noGrp="1"/>
+          </p:cNvSpPr>
+          <p:nvPr>
+            <p:ph type="sldNum" sz="quarter" idx="11"/>
+          </p:nvPr>
+        </p:nvSpPr>
+        <p:spPr/>
+        <p:txBody>
+          <a:bodyPr/>
+          <a:lstStyle/>
+          <a:p>
+            <a:fld id="{6CACE926-AEF5-4BFE-8BD7-24414108CB7B}" type="slidenum">
+              <a:rPr lang="en-US" altLang="en-US" smtClean="0"/>
+              <a:pPr/>
+              <a:t>14</a:t>
+            </a:fld>
+            <a:endParaRPr lang="en-US" altLang="en-US" dirty="0"/>
+          </a:p>
+        </p:txBody>
+      </p:sp>
+    </p:spTree>
+    <p:extLst>
+      <p:ext uri="{BB962C8B-B14F-4D97-AF65-F5344CB8AC3E}">
+        <p14:creationId xmlns:p14="http://schemas.microsoft.com/office/powerpoint/2010/main" val="282437923"/>
+      </p:ext>
+    </p:extLst>
+  </p:cSld>
+  <p:clrMapOvr>
+    <a:masterClrMapping/>
+  </p:clrMapOvr>
+</p:sld>
+</file>
+
+<file path=ppt/slides/slide15.xml><?xml version="1.0" encoding="utf-8"?>
+<p:sld xmlns:a="http://schemas.openxmlformats.org/drawingml/2006/main" xmlns:r="http://schemas.openxmlformats.org/officeDocument/2006/relationships" xmlns:p="http://schemas.openxmlformats.org/presentationml/2006/main">
+  <p:cSld>
+    <p:spTree>
+      <p:nvGrpSpPr>
+        <p:cNvPr id="1" name=""/>
+        <p:cNvGrpSpPr/>
+        <p:nvPr/>
+      </p:nvGrpSpPr>
+      <p:grpSpPr>
+        <a:xfrm>
+          <a:off x="0" y="0"/>
+          <a:ext cx="0" cy="0"/>
+          <a:chOff x="0" y="0"/>
+          <a:chExt cx="0" cy="0"/>
+        </a:xfrm>
+      </p:grpSpPr>
+      <p:sp>
+        <p:nvSpPr>
+          <p:cNvPr id="2" name="Title 1">
+            <a:extLst>
+              <a:ext uri="{FF2B5EF4-FFF2-40B4-BE49-F238E27FC236}">
+                <a16:creationId xmlns:a16="http://schemas.microsoft.com/office/drawing/2014/main" id="{37A30C75-D35C-38C7-2C23-1657612048D9}"/>
+              </a:ext>
+            </a:extLst>
+          </p:cNvPr>
+          <p:cNvSpPr>
+            <a:spLocks noGrp="1"/>
+          </p:cNvSpPr>
+          <p:nvPr>
+            <p:ph type="title"/>
+          </p:nvPr>
+        </p:nvSpPr>
+        <p:spPr/>
+        <p:txBody>
+          <a:bodyPr/>
+          <a:lstStyle/>
+          <a:p>
+            <a:r>
+              <a:rPr lang="en-US" dirty="0"/>
+              <a:t>Searching for adaptive forms</a:t>
+            </a:r>
+            <a:endParaRPr lang="en-CA" dirty="0"/>
+          </a:p>
+        </p:txBody>
+      </p:sp>
+      <p:sp>
+        <p:nvSpPr>
+          <p:cNvPr id="3" name="Text Placeholder 2">
+            <a:extLst>
+              <a:ext uri="{FF2B5EF4-FFF2-40B4-BE49-F238E27FC236}">
+                <a16:creationId xmlns:a16="http://schemas.microsoft.com/office/drawing/2014/main" id="{2642D271-78A3-E113-A478-222C64440C36}"/>
+              </a:ext>
+            </a:extLst>
+          </p:cNvPr>
+          <p:cNvSpPr>
+            <a:spLocks noGrp="1"/>
+          </p:cNvSpPr>
+          <p:nvPr>
+            <p:ph type="body" sz="quarter" idx="13"/>
+          </p:nvPr>
+        </p:nvSpPr>
+        <p:spPr/>
+        <p:txBody>
+          <a:bodyPr/>
+          <a:lstStyle/>
+          <a:p>
+            <a:r>
+              <a:rPr lang="en-US" dirty="0"/>
+              <a:t>Can’t be a contained Questionnaire when searching</a:t>
+            </a:r>
+          </a:p>
+          <a:p>
+            <a:r>
+              <a:rPr lang="en-US" dirty="0"/>
+              <a:t>Searchable adaptive form will have metadata, but no items</a:t>
+            </a:r>
+          </a:p>
+          <a:p>
+            <a:r>
+              <a:rPr lang="en-US" dirty="0">
+                <a:latin typeface="+mj-lt"/>
+                <a:ea typeface="Verdana" panose="020B0604030504040204" pitchFamily="34" charset="0"/>
+              </a:rPr>
+              <a:t>Will include </a:t>
+            </a:r>
+            <a:r>
+              <a:rPr lang="en-CA" b="0" i="0" u="none" strike="noStrike" dirty="0" err="1">
+                <a:effectLst/>
+                <a:latin typeface="+mj-lt"/>
+                <a:ea typeface="Verdana" panose="020B0604030504040204" pitchFamily="34" charset="0"/>
+                <a:hlinkClick r:id="rId2"/>
+              </a:rPr>
+              <a:t>sdc</a:t>
+            </a:r>
+            <a:r>
+              <a:rPr lang="en-CA" b="0" i="0" u="none" strike="noStrike" dirty="0">
+                <a:effectLst/>
+                <a:latin typeface="+mj-lt"/>
+                <a:ea typeface="Verdana" panose="020B0604030504040204" pitchFamily="34" charset="0"/>
+                <a:hlinkClick r:id="rId2"/>
+              </a:rPr>
+              <a:t>-questionnaire-</a:t>
+            </a:r>
+            <a:r>
+              <a:rPr lang="en-CA" b="0" i="0" u="none" strike="noStrike" dirty="0" err="1">
+                <a:effectLst/>
+                <a:latin typeface="+mj-lt"/>
+                <a:ea typeface="Verdana" panose="020B0604030504040204" pitchFamily="34" charset="0"/>
+                <a:hlinkClick r:id="rId2"/>
+              </a:rPr>
+              <a:t>questionnaireAdaptive</a:t>
+            </a:r>
+            <a:endParaRPr lang="en-CA" u="none" strike="noStrike" dirty="0">
+              <a:solidFill>
+                <a:srgbClr val="333333"/>
+              </a:solidFill>
+              <a:latin typeface="+mj-lt"/>
+              <a:ea typeface="Verdana" panose="020B0604030504040204" pitchFamily="34" charset="0"/>
+            </a:endParaRPr>
+          </a:p>
+          <a:p>
+            <a:pPr lvl="1"/>
+            <a:r>
+              <a:rPr lang="en-CA" dirty="0" err="1">
+                <a:solidFill>
+                  <a:srgbClr val="333333"/>
+                </a:solidFill>
+                <a:latin typeface="+mj-lt"/>
+                <a:ea typeface="Verdana" panose="020B0604030504040204" pitchFamily="34" charset="0"/>
+              </a:rPr>
+              <a:t>boolean</a:t>
+            </a:r>
+            <a:r>
+              <a:rPr lang="en-CA" dirty="0">
+                <a:solidFill>
+                  <a:srgbClr val="333333"/>
+                </a:solidFill>
+                <a:latin typeface="+mj-lt"/>
+                <a:ea typeface="Verdana" panose="020B0604030504040204" pitchFamily="34" charset="0"/>
+              </a:rPr>
+              <a:t> or</a:t>
+            </a:r>
+          </a:p>
+          <a:p>
+            <a:pPr lvl="1"/>
+            <a:r>
+              <a:rPr lang="en-CA" dirty="0">
+                <a:solidFill>
+                  <a:srgbClr val="333333"/>
+                </a:solidFill>
+                <a:latin typeface="+mj-lt"/>
+                <a:ea typeface="Verdana" panose="020B0604030504040204" pitchFamily="34" charset="0"/>
+              </a:rPr>
+              <a:t>List of servers that can support that Questionnaire with</a:t>
+            </a:r>
+            <a:br>
+              <a:rPr lang="en-CA" dirty="0">
+                <a:solidFill>
+                  <a:srgbClr val="333333"/>
+                </a:solidFill>
+                <a:latin typeface="+mj-lt"/>
+                <a:ea typeface="Verdana" panose="020B0604030504040204" pitchFamily="34" charset="0"/>
+              </a:rPr>
+            </a:br>
+            <a:r>
+              <a:rPr lang="en-CA" dirty="0">
+                <a:solidFill>
+                  <a:srgbClr val="333333"/>
+                </a:solidFill>
+                <a:latin typeface="+mj-lt"/>
+                <a:ea typeface="Verdana" panose="020B0604030504040204" pitchFamily="34" charset="0"/>
+              </a:rPr>
+              <a:t>$next-question</a:t>
+            </a:r>
+            <a:endParaRPr lang="en-US" dirty="0">
+              <a:latin typeface="+mj-lt"/>
+              <a:ea typeface="Verdana" panose="020B0604030504040204" pitchFamily="34" charset="0"/>
+            </a:endParaRPr>
+          </a:p>
+          <a:p>
+            <a:endParaRPr lang="en-CA" dirty="0"/>
+          </a:p>
+        </p:txBody>
+      </p:sp>
+      <p:sp>
+        <p:nvSpPr>
+          <p:cNvPr id="4" name="Footer Placeholder 3">
+            <a:extLst>
+              <a:ext uri="{FF2B5EF4-FFF2-40B4-BE49-F238E27FC236}">
+                <a16:creationId xmlns:a16="http://schemas.microsoft.com/office/drawing/2014/main" id="{C0DE46A1-FA57-F000-647A-644C8177CBF5}"/>
+              </a:ext>
+            </a:extLst>
+          </p:cNvPr>
+          <p:cNvSpPr>
+            <a:spLocks noGrp="1"/>
+          </p:cNvSpPr>
+          <p:nvPr>
+            <p:ph type="ftr" sz="quarter" idx="10"/>
+          </p:nvPr>
+        </p:nvSpPr>
+        <p:spPr/>
+        <p:txBody>
+          <a:bodyPr/>
+          <a:lstStyle/>
+          <a:p>
+            <a:r>
+              <a:rPr lang="en-CA" b="1"/>
+              <a:t>© 2025 Health Level Seven ® International. All Rights Reserved. Published under the Creative Commons 3.0 Attribution Unported license</a:t>
+            </a:r>
+            <a:endParaRPr lang="en-US" b="1" dirty="0"/>
+          </a:p>
+        </p:txBody>
+      </p:sp>
+      <p:sp>
+        <p:nvSpPr>
+          <p:cNvPr id="5" name="Slide Number Placeholder 4">
+            <a:extLst>
+              <a:ext uri="{FF2B5EF4-FFF2-40B4-BE49-F238E27FC236}">
+                <a16:creationId xmlns:a16="http://schemas.microsoft.com/office/drawing/2014/main" id="{A1431E85-8717-86BB-D99B-869564E20180}"/>
+              </a:ext>
+            </a:extLst>
+          </p:cNvPr>
+          <p:cNvSpPr>
+            <a:spLocks noGrp="1"/>
+          </p:cNvSpPr>
+          <p:nvPr>
+            <p:ph type="sldNum" sz="quarter" idx="11"/>
+          </p:nvPr>
+        </p:nvSpPr>
+        <p:spPr/>
+        <p:txBody>
+          <a:bodyPr/>
+          <a:lstStyle/>
+          <a:p>
+            <a:fld id="{6CACE926-AEF5-4BFE-8BD7-24414108CB7B}" type="slidenum">
+              <a:rPr lang="en-US" altLang="en-US" smtClean="0"/>
+              <a:pPr/>
+              <a:t>15</a:t>
+            </a:fld>
+            <a:endParaRPr lang="en-US" altLang="en-US" dirty="0"/>
+          </a:p>
+        </p:txBody>
+      </p:sp>
+    </p:spTree>
+    <p:extLst>
+      <p:ext uri="{BB962C8B-B14F-4D97-AF65-F5344CB8AC3E}">
+        <p14:creationId xmlns:p14="http://schemas.microsoft.com/office/powerpoint/2010/main" val="1792920941"/>
+      </p:ext>
+    </p:extLst>
+  </p:cSld>
+  <p:clrMapOvr>
+    <a:masterClrMapping/>
+  </p:clrMapOvr>
+</p:sld>
+</file>
+
+<file path=ppt/slides/slide16.xml><?xml version="1.0" encoding="utf-8"?>
+<p:sld xmlns:a="http://schemas.openxmlformats.org/drawingml/2006/main" xmlns:r="http://schemas.openxmlformats.org/officeDocument/2006/relationships" xmlns:p="http://schemas.openxmlformats.org/presentationml/2006/main">
+  <p:cSld>
+    <p:spTree>
+      <p:nvGrpSpPr>
+        <p:cNvPr id="1" name=""/>
+        <p:cNvGrpSpPr/>
+        <p:nvPr/>
+      </p:nvGrpSpPr>
+      <p:grpSpPr>
+        <a:xfrm>
+          <a:off x="0" y="0"/>
+          <a:ext cx="0" cy="0"/>
+          <a:chOff x="0" y="0"/>
+          <a:chExt cx="0" cy="0"/>
+        </a:xfrm>
+      </p:grpSpPr>
+      <p:sp>
+        <p:nvSpPr>
+          <p:cNvPr id="2" name="Title 1">
+            <a:extLst>
+              <a:ext uri="{FF2B5EF4-FFF2-40B4-BE49-F238E27FC236}">
+                <a16:creationId xmlns:a16="http://schemas.microsoft.com/office/drawing/2014/main" id="{0E251FF7-6832-FEEF-DF68-EBC42D5CA71A}"/>
+              </a:ext>
+            </a:extLst>
+          </p:cNvPr>
+          <p:cNvSpPr>
+            <a:spLocks noGrp="1"/>
+          </p:cNvSpPr>
+          <p:nvPr>
+            <p:ph type="title"/>
+          </p:nvPr>
+        </p:nvSpPr>
+        <p:spPr/>
+        <p:txBody>
+          <a:bodyPr/>
+          <a:lstStyle/>
+          <a:p>
+            <a:r>
+              <a:rPr lang="en-US" dirty="0"/>
+              <a:t>Populating adaptive forms</a:t>
+            </a:r>
+            <a:endParaRPr lang="en-CA" dirty="0"/>
+          </a:p>
+        </p:txBody>
+      </p:sp>
+      <p:sp>
+        <p:nvSpPr>
+          <p:cNvPr id="3" name="Text Placeholder 2">
+            <a:extLst>
+              <a:ext uri="{FF2B5EF4-FFF2-40B4-BE49-F238E27FC236}">
+                <a16:creationId xmlns:a16="http://schemas.microsoft.com/office/drawing/2014/main" id="{91175B06-3B7C-AAB0-C485-8C8EC7F6B5AE}"/>
+              </a:ext>
+            </a:extLst>
+          </p:cNvPr>
+          <p:cNvSpPr>
+            <a:spLocks noGrp="1"/>
+          </p:cNvSpPr>
+          <p:nvPr>
+            <p:ph type="body" sz="quarter" idx="13"/>
+          </p:nvPr>
+        </p:nvSpPr>
+        <p:spPr/>
+        <p:txBody>
+          <a:bodyPr/>
+          <a:lstStyle/>
+          <a:p>
+            <a:r>
+              <a:rPr lang="en-US" dirty="0"/>
+              <a:t>Population </a:t>
+            </a:r>
+            <a:r>
+              <a:rPr lang="en-US" b="1" dirty="0"/>
+              <a:t>could</a:t>
+            </a:r>
+            <a:r>
+              <a:rPr lang="en-US" dirty="0"/>
+              <a:t> be done by $next-question</a:t>
+            </a:r>
+          </a:p>
+          <a:p>
+            <a:pPr lvl="1"/>
+            <a:r>
+              <a:rPr lang="en-US" dirty="0"/>
+              <a:t>Server would need access to the relevant data, no token passed</a:t>
+            </a:r>
+          </a:p>
+          <a:p>
+            <a:r>
+              <a:rPr lang="en-US" dirty="0"/>
+              <a:t>Can’t do </a:t>
+            </a:r>
+            <a:r>
+              <a:rPr lang="en-US" dirty="0" err="1"/>
+              <a:t>StructureMap</a:t>
+            </a:r>
+            <a:r>
+              <a:rPr lang="en-US" dirty="0"/>
+              <a:t>-based</a:t>
+            </a:r>
+          </a:p>
+          <a:p>
+            <a:r>
+              <a:rPr lang="en-US" dirty="0"/>
+              <a:t>If doing expression-based or CQL, need to hold onto existing variables in memory</a:t>
+            </a:r>
+          </a:p>
+          <a:p>
+            <a:r>
+              <a:rPr lang="en-US" dirty="0"/>
+              <a:t>Might list all Libraries up-front, may add new ones as they become relevant, or mixture of both</a:t>
+            </a:r>
+            <a:endParaRPr lang="en-CA" dirty="0"/>
+          </a:p>
+        </p:txBody>
+      </p:sp>
+      <p:sp>
+        <p:nvSpPr>
+          <p:cNvPr id="4" name="Footer Placeholder 3">
+            <a:extLst>
+              <a:ext uri="{FF2B5EF4-FFF2-40B4-BE49-F238E27FC236}">
+                <a16:creationId xmlns:a16="http://schemas.microsoft.com/office/drawing/2014/main" id="{BDDA01A4-597B-1697-7EF4-DC069227C92D}"/>
+              </a:ext>
+            </a:extLst>
+          </p:cNvPr>
+          <p:cNvSpPr>
+            <a:spLocks noGrp="1"/>
+          </p:cNvSpPr>
+          <p:nvPr>
+            <p:ph type="ftr" sz="quarter" idx="10"/>
+          </p:nvPr>
+        </p:nvSpPr>
+        <p:spPr/>
+        <p:txBody>
+          <a:bodyPr/>
+          <a:lstStyle/>
+          <a:p>
+            <a:r>
+              <a:rPr lang="en-CA" b="1"/>
+              <a:t>© 2025 Health Level Seven ® International. All Rights Reserved. Published under the Creative Commons 3.0 Attribution Unported license</a:t>
+            </a:r>
+            <a:endParaRPr lang="en-US" b="1" dirty="0"/>
+          </a:p>
+        </p:txBody>
+      </p:sp>
+      <p:sp>
+        <p:nvSpPr>
+          <p:cNvPr id="5" name="Slide Number Placeholder 4">
+            <a:extLst>
+              <a:ext uri="{FF2B5EF4-FFF2-40B4-BE49-F238E27FC236}">
+                <a16:creationId xmlns:a16="http://schemas.microsoft.com/office/drawing/2014/main" id="{553325B2-8E37-93D2-B39E-E814156D7D58}"/>
+              </a:ext>
+            </a:extLst>
+          </p:cNvPr>
+          <p:cNvSpPr>
+            <a:spLocks noGrp="1"/>
+          </p:cNvSpPr>
+          <p:nvPr>
+            <p:ph type="sldNum" sz="quarter" idx="11"/>
+          </p:nvPr>
+        </p:nvSpPr>
+        <p:spPr/>
+        <p:txBody>
+          <a:bodyPr/>
+          <a:lstStyle/>
+          <a:p>
+            <a:fld id="{6CACE926-AEF5-4BFE-8BD7-24414108CB7B}" type="slidenum">
+              <a:rPr lang="en-US" altLang="en-US" smtClean="0"/>
+              <a:pPr/>
+              <a:t>16</a:t>
+            </a:fld>
+            <a:endParaRPr lang="en-US" altLang="en-US" dirty="0"/>
+          </a:p>
+        </p:txBody>
+      </p:sp>
+    </p:spTree>
+    <p:extLst>
+      <p:ext uri="{BB962C8B-B14F-4D97-AF65-F5344CB8AC3E}">
+        <p14:creationId xmlns:p14="http://schemas.microsoft.com/office/powerpoint/2010/main" val="3327539244"/>
+      </p:ext>
+    </p:extLst>
+  </p:cSld>
+  <p:clrMapOvr>
+    <a:masterClrMapping/>
+  </p:clrMapOvr>
+</p:sld>
+</file>
+
+<file path=ppt/slides/slide17.xml><?xml version="1.0" encoding="utf-8"?>
+<p:sld xmlns:a="http://schemas.openxmlformats.org/drawingml/2006/main" xmlns:r="http://schemas.openxmlformats.org/officeDocument/2006/relationships" xmlns:p="http://schemas.openxmlformats.org/presentationml/2006/main">
+  <p:cSld>
+    <p:spTree>
+      <p:nvGrpSpPr>
+        <p:cNvPr id="1" name=""/>
+        <p:cNvGrpSpPr/>
+        <p:nvPr/>
+      </p:nvGrpSpPr>
+      <p:grpSpPr>
+        <a:xfrm>
+          <a:off x="0" y="0"/>
+          <a:ext cx="0" cy="0"/>
+          <a:chOff x="0" y="0"/>
+          <a:chExt cx="0" cy="0"/>
+        </a:xfrm>
+      </p:grpSpPr>
+      <p:sp>
+        <p:nvSpPr>
+          <p:cNvPr id="2" name="Title 1">
+            <a:extLst>
+              <a:ext uri="{FF2B5EF4-FFF2-40B4-BE49-F238E27FC236}">
+                <a16:creationId xmlns:a16="http://schemas.microsoft.com/office/drawing/2014/main" id="{272DEA8F-4129-3AC1-F7CB-452A899FC427}"/>
+              </a:ext>
+            </a:extLst>
+          </p:cNvPr>
+          <p:cNvSpPr>
+            <a:spLocks noGrp="1"/>
+          </p:cNvSpPr>
+          <p:nvPr>
+            <p:ph type="title"/>
+          </p:nvPr>
+        </p:nvSpPr>
+        <p:spPr/>
+        <p:txBody>
+          <a:bodyPr/>
+          <a:lstStyle/>
+          <a:p>
+            <a:r>
+              <a:rPr lang="en-US" dirty="0"/>
+              <a:t>Handling completed forms</a:t>
+            </a:r>
+            <a:endParaRPr lang="en-CA" dirty="0"/>
+          </a:p>
+        </p:txBody>
+      </p:sp>
+      <p:sp>
+        <p:nvSpPr>
+          <p:cNvPr id="3" name="Text Placeholder 2">
+            <a:extLst>
+              <a:ext uri="{FF2B5EF4-FFF2-40B4-BE49-F238E27FC236}">
+                <a16:creationId xmlns:a16="http://schemas.microsoft.com/office/drawing/2014/main" id="{79C12AB9-978F-AD5C-E1B1-4D956431A9BF}"/>
+              </a:ext>
+            </a:extLst>
+          </p:cNvPr>
+          <p:cNvSpPr>
+            <a:spLocks noGrp="1"/>
+          </p:cNvSpPr>
+          <p:nvPr>
+            <p:ph type="body" sz="quarter" idx="13"/>
+          </p:nvPr>
+        </p:nvSpPr>
+        <p:spPr/>
+        <p:txBody>
+          <a:bodyPr/>
+          <a:lstStyle/>
+          <a:p>
+            <a:r>
+              <a:rPr lang="en-US" dirty="0"/>
+              <a:t>When adaptive form is ‘complete’, that doesn’t mean it’s ‘submitted’</a:t>
+            </a:r>
+          </a:p>
+          <a:p>
+            <a:r>
+              <a:rPr lang="en-US" dirty="0"/>
+              <a:t>$submit is a separate process (as is $extract)</a:t>
+            </a:r>
+            <a:endParaRPr lang="en-CA" dirty="0"/>
+          </a:p>
+        </p:txBody>
+      </p:sp>
+      <p:sp>
+        <p:nvSpPr>
+          <p:cNvPr id="4" name="Footer Placeholder 3">
+            <a:extLst>
+              <a:ext uri="{FF2B5EF4-FFF2-40B4-BE49-F238E27FC236}">
+                <a16:creationId xmlns:a16="http://schemas.microsoft.com/office/drawing/2014/main" id="{B6135CB3-2D3E-BEB2-378C-D24531CBC951}"/>
+              </a:ext>
+            </a:extLst>
+          </p:cNvPr>
+          <p:cNvSpPr>
+            <a:spLocks noGrp="1"/>
+          </p:cNvSpPr>
+          <p:nvPr>
+            <p:ph type="ftr" sz="quarter" idx="10"/>
+          </p:nvPr>
+        </p:nvSpPr>
+        <p:spPr/>
+        <p:txBody>
+          <a:bodyPr/>
+          <a:lstStyle/>
+          <a:p>
+            <a:r>
+              <a:rPr lang="en-CA" b="1"/>
+              <a:t>© 2025 Health Level Seven ® International. All Rights Reserved. Published under the Creative Commons 3.0 Attribution Unported license</a:t>
+            </a:r>
+            <a:endParaRPr lang="en-US" b="1" dirty="0"/>
+          </a:p>
+        </p:txBody>
+      </p:sp>
+      <p:sp>
+        <p:nvSpPr>
+          <p:cNvPr id="5" name="Slide Number Placeholder 4">
+            <a:extLst>
+              <a:ext uri="{FF2B5EF4-FFF2-40B4-BE49-F238E27FC236}">
+                <a16:creationId xmlns:a16="http://schemas.microsoft.com/office/drawing/2014/main" id="{E79863FF-8272-23CD-E697-87089D1AF820}"/>
+              </a:ext>
+            </a:extLst>
+          </p:cNvPr>
+          <p:cNvSpPr>
+            <a:spLocks noGrp="1"/>
+          </p:cNvSpPr>
+          <p:nvPr>
+            <p:ph type="sldNum" sz="quarter" idx="11"/>
+          </p:nvPr>
+        </p:nvSpPr>
+        <p:spPr/>
+        <p:txBody>
+          <a:bodyPr/>
+          <a:lstStyle/>
+          <a:p>
+            <a:fld id="{6CACE926-AEF5-4BFE-8BD7-24414108CB7B}" type="slidenum">
+              <a:rPr lang="en-US" altLang="en-US" smtClean="0"/>
+              <a:pPr/>
+              <a:t>17</a:t>
+            </a:fld>
+            <a:endParaRPr lang="en-US" altLang="en-US" dirty="0"/>
+          </a:p>
+        </p:txBody>
+      </p:sp>
+    </p:spTree>
+    <p:extLst>
+      <p:ext uri="{BB962C8B-B14F-4D97-AF65-F5344CB8AC3E}">
+        <p14:creationId xmlns:p14="http://schemas.microsoft.com/office/powerpoint/2010/main" val="2541718150"/>
+      </p:ext>
+    </p:extLst>
+  </p:cSld>
+  <p:clrMapOvr>
+    <a:masterClrMapping/>
+  </p:clrMapOvr>
+</p:sld>
+</file>
+
+<file path=ppt/slides/slide18.xml><?xml version="1.0" encoding="utf-8"?>
+<p:sld xmlns:a="http://schemas.openxmlformats.org/drawingml/2006/main" xmlns:r="http://schemas.openxmlformats.org/officeDocument/2006/relationships" xmlns:p="http://schemas.openxmlformats.org/presentationml/2006/main">
+  <p:cSld>
+    <p:spTree>
+      <p:nvGrpSpPr>
+        <p:cNvPr id="1" name=""/>
+        <p:cNvGrpSpPr/>
+        <p:nvPr/>
+      </p:nvGrpSpPr>
+      <p:grpSpPr>
+        <a:xfrm>
+          <a:off x="0" y="0"/>
+          <a:ext cx="0" cy="0"/>
+          <a:chOff x="0" y="0"/>
+          <a:chExt cx="0" cy="0"/>
+        </a:xfrm>
+      </p:grpSpPr>
+      <p:sp>
+        <p:nvSpPr>
+          <p:cNvPr id="2" name="Title 1">
+            <a:extLst>
+              <a:ext uri="{FF2B5EF4-FFF2-40B4-BE49-F238E27FC236}">
+                <a16:creationId xmlns:a16="http://schemas.microsoft.com/office/drawing/2014/main" id="{C1FB55F9-A23C-0CEC-B3D2-51C3AB914ED9}"/>
+              </a:ext>
+            </a:extLst>
+          </p:cNvPr>
+          <p:cNvSpPr>
+            <a:spLocks noGrp="1"/>
+          </p:cNvSpPr>
+          <p:nvPr>
+            <p:ph type="title"/>
+          </p:nvPr>
+        </p:nvSpPr>
+        <p:spPr/>
+        <p:txBody>
+          <a:bodyPr/>
+          <a:lstStyle/>
+          <a:p>
+            <a:r>
+              <a:rPr lang="en-US" dirty="0"/>
+              <a:t>Other considerations</a:t>
+            </a:r>
+            <a:endParaRPr lang="en-CA" dirty="0"/>
+          </a:p>
+        </p:txBody>
+      </p:sp>
+      <p:sp>
+        <p:nvSpPr>
+          <p:cNvPr id="3" name="Text Placeholder 2">
+            <a:extLst>
+              <a:ext uri="{FF2B5EF4-FFF2-40B4-BE49-F238E27FC236}">
+                <a16:creationId xmlns:a16="http://schemas.microsoft.com/office/drawing/2014/main" id="{F4172764-560F-63D9-8C3E-4400EB6BBF18}"/>
+              </a:ext>
+            </a:extLst>
+          </p:cNvPr>
+          <p:cNvSpPr>
+            <a:spLocks noGrp="1"/>
+          </p:cNvSpPr>
+          <p:nvPr>
+            <p:ph type="body" sz="quarter" idx="13"/>
+          </p:nvPr>
+        </p:nvSpPr>
+        <p:spPr/>
+        <p:txBody>
+          <a:bodyPr/>
+          <a:lstStyle/>
+          <a:p>
+            <a:r>
+              <a:rPr lang="en-US" dirty="0"/>
+              <a:t>Can drive adaptive forms off a ‘standard’ form</a:t>
+            </a:r>
+          </a:p>
+          <a:p>
+            <a:pPr lvl="1"/>
+            <a:r>
+              <a:rPr lang="en-US" dirty="0"/>
+              <a:t>i.e. API wrapper</a:t>
+            </a:r>
+          </a:p>
+          <a:p>
+            <a:r>
+              <a:rPr lang="en-US" dirty="0"/>
+              <a:t>Logic for questions can be driven by system’s innate knowledge</a:t>
+            </a:r>
+          </a:p>
+          <a:p>
+            <a:r>
+              <a:rPr lang="en-US" dirty="0"/>
+              <a:t>Logic for questions could be AI</a:t>
+            </a:r>
+          </a:p>
+          <a:p>
+            <a:r>
+              <a:rPr lang="en-US" dirty="0"/>
+              <a:t>Form mode is typically “one at a time”</a:t>
+            </a:r>
+          </a:p>
+        </p:txBody>
+      </p:sp>
+      <p:sp>
+        <p:nvSpPr>
+          <p:cNvPr id="4" name="Footer Placeholder 3">
+            <a:extLst>
+              <a:ext uri="{FF2B5EF4-FFF2-40B4-BE49-F238E27FC236}">
+                <a16:creationId xmlns:a16="http://schemas.microsoft.com/office/drawing/2014/main" id="{3D8F114A-2B30-AB4A-1241-5F63FE8008AC}"/>
+              </a:ext>
+            </a:extLst>
+          </p:cNvPr>
+          <p:cNvSpPr>
+            <a:spLocks noGrp="1"/>
+          </p:cNvSpPr>
+          <p:nvPr>
+            <p:ph type="ftr" sz="quarter" idx="10"/>
+          </p:nvPr>
+        </p:nvSpPr>
+        <p:spPr/>
+        <p:txBody>
+          <a:bodyPr/>
+          <a:lstStyle/>
+          <a:p>
+            <a:r>
+              <a:rPr lang="en-CA" b="1"/>
+              <a:t>© 2025 Health Level Seven ® International. All Rights Reserved. Published under the Creative Commons 3.0 Attribution Unported license</a:t>
+            </a:r>
+            <a:endParaRPr lang="en-US" b="1" dirty="0"/>
+          </a:p>
+        </p:txBody>
+      </p:sp>
+      <p:sp>
+        <p:nvSpPr>
+          <p:cNvPr id="5" name="Slide Number Placeholder 4">
+            <a:extLst>
+              <a:ext uri="{FF2B5EF4-FFF2-40B4-BE49-F238E27FC236}">
+                <a16:creationId xmlns:a16="http://schemas.microsoft.com/office/drawing/2014/main" id="{4B021987-AD5D-82E8-A03B-371FA9DEE83C}"/>
+              </a:ext>
+            </a:extLst>
+          </p:cNvPr>
+          <p:cNvSpPr>
+            <a:spLocks noGrp="1"/>
+          </p:cNvSpPr>
+          <p:nvPr>
+            <p:ph type="sldNum" sz="quarter" idx="11"/>
+          </p:nvPr>
+        </p:nvSpPr>
+        <p:spPr/>
+        <p:txBody>
+          <a:bodyPr/>
+          <a:lstStyle/>
+          <a:p>
+            <a:fld id="{6CACE926-AEF5-4BFE-8BD7-24414108CB7B}" type="slidenum">
+              <a:rPr lang="en-US" altLang="en-US" smtClean="0"/>
+              <a:pPr/>
+              <a:t>18</a:t>
+            </a:fld>
+            <a:endParaRPr lang="en-US" altLang="en-US" dirty="0"/>
+          </a:p>
+        </p:txBody>
+      </p:sp>
+    </p:spTree>
+    <p:extLst>
+      <p:ext uri="{BB962C8B-B14F-4D97-AF65-F5344CB8AC3E}">
+        <p14:creationId xmlns:p14="http://schemas.microsoft.com/office/powerpoint/2010/main" val="1907557704"/>
+      </p:ext>
+    </p:extLst>
+  </p:cSld>
+  <p:clrMapOvr>
+    <a:masterClrMapping/>
+  </p:clrMapOvr>
+</p:sld>
+</file>
+
+<file path=ppt/slides/slide19.xml><?xml version="1.0" encoding="utf-8"?>
+<p:sld xmlns:a="http://schemas.openxmlformats.org/drawingml/2006/main" xmlns:r="http://schemas.openxmlformats.org/officeDocument/2006/relationships" xmlns:p="http://schemas.openxmlformats.org/presentationml/2006/main">
+  <p:cSld>
+    <p:spTree>
+      <p:nvGrpSpPr>
+        <p:cNvPr id="1" name=""/>
+        <p:cNvGrpSpPr/>
+        <p:nvPr/>
+      </p:nvGrpSpPr>
+      <p:grpSpPr>
+        <a:xfrm>
+          <a:off x="0" y="0"/>
+          <a:ext cx="0" cy="0"/>
+          <a:chOff x="0" y="0"/>
+          <a:chExt cx="0" cy="0"/>
+        </a:xfrm>
+      </p:grpSpPr>
+      <p:sp>
+        <p:nvSpPr>
+          <p:cNvPr id="5" name="Title 4">
+            <a:extLst>
+              <a:ext uri="{FF2B5EF4-FFF2-40B4-BE49-F238E27FC236}">
+                <a16:creationId xmlns:a16="http://schemas.microsoft.com/office/drawing/2014/main" id="{9BEE80F2-E551-1FB3-B881-E4F44DEC1F4F}"/>
+              </a:ext>
+            </a:extLst>
+          </p:cNvPr>
+          <p:cNvSpPr>
+            <a:spLocks noGrp="1"/>
+          </p:cNvSpPr>
+          <p:nvPr>
+            <p:ph type="title"/>
+          </p:nvPr>
+        </p:nvSpPr>
+        <p:spPr/>
+        <p:txBody>
+          <a:bodyPr/>
+          <a:lstStyle/>
+          <a:p>
+            <a:r>
+              <a:rPr lang="en-US"/>
+              <a:t>Adaptive Forms </a:t>
+            </a:r>
+            <a:r>
+              <a:rPr lang="en-US" dirty="0"/>
+              <a:t>in the SDC Spec</a:t>
+            </a:r>
+            <a:endParaRPr lang="en-CA" dirty="0"/>
+          </a:p>
+        </p:txBody>
+      </p:sp>
+      <p:sp>
+        <p:nvSpPr>
+          <p:cNvPr id="3" name="Footer Placeholder 2">
+            <a:extLst>
+              <a:ext uri="{FF2B5EF4-FFF2-40B4-BE49-F238E27FC236}">
+                <a16:creationId xmlns:a16="http://schemas.microsoft.com/office/drawing/2014/main" id="{0D997C32-2ED6-21A0-8EFE-3094FB53FA96}"/>
+              </a:ext>
+            </a:extLst>
+          </p:cNvPr>
+          <p:cNvSpPr>
+            <a:spLocks noGrp="1"/>
+          </p:cNvSpPr>
+          <p:nvPr>
+            <p:ph type="ftr" sz="quarter" idx="10"/>
+          </p:nvPr>
+        </p:nvSpPr>
+        <p:spPr/>
+        <p:txBody>
+          <a:bodyPr/>
+          <a:lstStyle/>
+          <a:p>
+            <a:r>
+              <a:rPr lang="en-CA" b="1"/>
+              <a:t>© 2025 Health Level Seven ® International. All Rights Reserved. Published under the Creative Commons 3.0 Attribution Unported license</a:t>
+            </a:r>
+            <a:endParaRPr lang="en-US" b="1" dirty="0"/>
+          </a:p>
+        </p:txBody>
+      </p:sp>
+      <p:sp>
+        <p:nvSpPr>
+          <p:cNvPr id="4" name="Slide Number Placeholder 3">
+            <a:extLst>
+              <a:ext uri="{FF2B5EF4-FFF2-40B4-BE49-F238E27FC236}">
+                <a16:creationId xmlns:a16="http://schemas.microsoft.com/office/drawing/2014/main" id="{FDCA234E-1D68-C869-880B-1FA12FF1E0A2}"/>
+              </a:ext>
+            </a:extLst>
+          </p:cNvPr>
+          <p:cNvSpPr>
+            <a:spLocks noGrp="1"/>
+          </p:cNvSpPr>
+          <p:nvPr>
+            <p:ph type="sldNum" sz="quarter" idx="11"/>
+          </p:nvPr>
+        </p:nvSpPr>
+        <p:spPr/>
+        <p:txBody>
+          <a:bodyPr/>
+          <a:lstStyle/>
+          <a:p>
+            <a:fld id="{6CACE926-AEF5-4BFE-8BD7-24414108CB7B}" type="slidenum">
+              <a:rPr lang="en-US" altLang="en-US" smtClean="0"/>
+              <a:pPr/>
+              <a:t>19</a:t>
+            </a:fld>
+            <a:endParaRPr lang="en-US" altLang="en-US" dirty="0"/>
+          </a:p>
+        </p:txBody>
+      </p:sp>
+      <p:sp>
+        <p:nvSpPr>
+          <p:cNvPr id="11" name="TextBox 10">
+            <a:extLst>
+              <a:ext uri="{FF2B5EF4-FFF2-40B4-BE49-F238E27FC236}">
+                <a16:creationId xmlns:a16="http://schemas.microsoft.com/office/drawing/2014/main" id="{130BC388-C449-76DC-33A2-A4F449C02919}"/>
+              </a:ext>
+            </a:extLst>
+          </p:cNvPr>
+          <p:cNvSpPr txBox="1"/>
+          <p:nvPr/>
+        </p:nvSpPr>
+        <p:spPr>
+          <a:xfrm>
+            <a:off x="6233020" y="988306"/>
+            <a:ext cx="2172003" cy="369332"/>
+          </a:xfrm>
+          <a:prstGeom prst="rect">
+            <a:avLst/>
+          </a:prstGeom>
+          <a:noFill/>
+        </p:spPr>
+        <p:txBody>
+          <a:bodyPr wrap="square" rtlCol="0">
+            <a:spAutoFit/>
+          </a:bodyPr>
+          <a:lstStyle/>
+          <a:p>
+            <a:r>
+              <a:rPr lang="en-US" dirty="0">
+                <a:hlinkClick r:id="rId2"/>
+              </a:rPr>
+              <a:t>Link</a:t>
+            </a:r>
+            <a:endParaRPr lang="en-CA" dirty="0"/>
+          </a:p>
+        </p:txBody>
+      </p:sp>
+      <p:pic>
+        <p:nvPicPr>
+          <p:cNvPr id="13" name="Picture 12">
+            <a:extLst>
+              <a:ext uri="{FF2B5EF4-FFF2-40B4-BE49-F238E27FC236}">
+                <a16:creationId xmlns:a16="http://schemas.microsoft.com/office/drawing/2014/main" id="{15A98687-01A0-0B14-EC0A-52D5672161CA}"/>
+              </a:ext>
+            </a:extLst>
+          </p:cNvPr>
+          <p:cNvPicPr>
+            <a:picLocks noChangeAspect="1"/>
+          </p:cNvPicPr>
+          <p:nvPr/>
+        </p:nvPicPr>
+        <p:blipFill>
+          <a:blip r:embed="rId3"/>
+          <a:stretch>
+            <a:fillRect/>
+          </a:stretch>
+        </p:blipFill>
+        <p:spPr>
+          <a:xfrm>
+            <a:off x="3503525" y="988306"/>
+            <a:ext cx="2136950" cy="3701503"/>
+          </a:xfrm>
+          <a:prstGeom prst="rect">
+            <a:avLst/>
+          </a:prstGeom>
+        </p:spPr>
+      </p:pic>
+    </p:spTree>
+    <p:extLst>
+      <p:ext uri="{BB962C8B-B14F-4D97-AF65-F5344CB8AC3E}">
+        <p14:creationId xmlns:p14="http://schemas.microsoft.com/office/powerpoint/2010/main" val="3762182957"/>
+      </p:ext>
+    </p:extLst>
+  </p:cSld>
+  <p:clrMapOvr>
+    <a:masterClrMapping/>
+  </p:clrMapOvr>
+</p:sld>
+</file>
+
+<file path=ppt/slides/slide2.xml><?xml version="1.0" encoding="utf-8"?>
+<p:sld xmlns:a="http://schemas.openxmlformats.org/drawingml/2006/main" xmlns:r="http://schemas.openxmlformats.org/officeDocument/2006/relationships" xmlns:p="http://schemas.openxmlformats.org/presentationml/2006/main">
+  <p:cSld>
+    <p:spTree>
+      <p:nvGrpSpPr>
+        <p:cNvPr id="1" name=""/>
+        <p:cNvGrpSpPr/>
+        <p:nvPr/>
+      </p:nvGrpSpPr>
+      <p:grpSpPr>
+        <a:xfrm>
+          <a:off x="0" y="0"/>
+          <a:ext cx="0" cy="0"/>
+          <a:chOff x="0" y="0"/>
+          <a:chExt cx="0" cy="0"/>
+        </a:xfrm>
+      </p:grpSpPr>
+      <p:sp>
+        <p:nvSpPr>
+          <p:cNvPr id="2" name="Title 1">
+            <a:extLst>
+              <a:ext uri="{FF2B5EF4-FFF2-40B4-BE49-F238E27FC236}">
+                <a16:creationId xmlns:a16="http://schemas.microsoft.com/office/drawing/2014/main" id="{982B60BE-5EFD-4D48-9D4F-7BA611A40098}"/>
+              </a:ext>
+            </a:extLst>
+          </p:cNvPr>
+          <p:cNvSpPr>
+            <a:spLocks noGrp="1"/>
+          </p:cNvSpPr>
+          <p:nvPr>
+            <p:ph type="title"/>
+          </p:nvPr>
+        </p:nvSpPr>
+        <p:spPr/>
+        <p:txBody>
+          <a:bodyPr/>
+          <a:lstStyle/>
+          <a:p>
+            <a:r>
+              <a:rPr lang="en-CA" dirty="0"/>
+              <a:t>Who am I?</a:t>
+            </a:r>
+          </a:p>
+        </p:txBody>
+      </p:sp>
+      <p:sp>
+        <p:nvSpPr>
+          <p:cNvPr id="3" name="Text Placeholder 2">
+            <a:extLst>
+              <a:ext uri="{FF2B5EF4-FFF2-40B4-BE49-F238E27FC236}">
+                <a16:creationId xmlns:a16="http://schemas.microsoft.com/office/drawing/2014/main" id="{F4F28625-56DE-4E6D-944A-39B2939B56B4}"/>
+              </a:ext>
+            </a:extLst>
+          </p:cNvPr>
+          <p:cNvSpPr>
+            <a:spLocks noGrp="1"/>
+          </p:cNvSpPr>
+          <p:nvPr>
+            <p:ph type="body" sz="quarter" idx="13"/>
+          </p:nvPr>
+        </p:nvSpPr>
+        <p:spPr/>
+        <p:txBody>
+          <a:bodyPr/>
+          <a:lstStyle/>
+          <a:p>
+            <a:r>
+              <a:rPr lang="en-US" dirty="0"/>
+              <a:t>Name: Lloyd McKenzie</a:t>
+            </a:r>
+          </a:p>
+          <a:p>
+            <a:r>
+              <a:rPr lang="en-US" dirty="0"/>
+              <a:t>Company: Dogwood Health</a:t>
+            </a:r>
+          </a:p>
+          <a:p>
+            <a:r>
+              <a:rPr lang="en-US" dirty="0"/>
+              <a:t>Background:</a:t>
+            </a:r>
+          </a:p>
+          <a:p>
+            <a:pPr lvl="1"/>
+            <a:r>
+              <a:rPr lang="en-US" dirty="0"/>
+              <a:t>One of FHIR’s 3 initial editors</a:t>
+            </a:r>
+          </a:p>
+          <a:p>
+            <a:pPr lvl="1"/>
+            <a:r>
+              <a:rPr lang="en-US" dirty="0"/>
+              <a:t>Co-chair FHIR-Infrastructure, past chair FHIR Management Group</a:t>
+            </a:r>
+          </a:p>
+          <a:p>
+            <a:pPr lvl="1"/>
+            <a:r>
+              <a:rPr lang="en-US" dirty="0"/>
+              <a:t>HL7 Fellow</a:t>
+            </a:r>
+          </a:p>
+          <a:p>
+            <a:pPr lvl="1"/>
+            <a:r>
+              <a:rPr lang="en-US" dirty="0"/>
+              <a:t>Lead for both the ONC and international FHIR SDC projects</a:t>
+            </a:r>
+          </a:p>
+          <a:p>
+            <a:pPr lvl="1"/>
+            <a:r>
+              <a:rPr lang="en-US" dirty="0">
+                <a:hlinkClick r:id="rId2"/>
+              </a:rPr>
+              <a:t>lloyd@dogwoodhealthconsulting.com</a:t>
+            </a:r>
+            <a:endParaRPr lang="en-CA" dirty="0"/>
+          </a:p>
+        </p:txBody>
+      </p:sp>
+      <p:sp>
+        <p:nvSpPr>
+          <p:cNvPr id="6" name="Footer Placeholder 5">
+            <a:extLst>
+              <a:ext uri="{FF2B5EF4-FFF2-40B4-BE49-F238E27FC236}">
+                <a16:creationId xmlns:a16="http://schemas.microsoft.com/office/drawing/2014/main" id="{6800A3FA-C98F-470C-B249-AC7AFCD5482D}"/>
+              </a:ext>
+            </a:extLst>
+          </p:cNvPr>
+          <p:cNvSpPr>
+            <a:spLocks noGrp="1"/>
+          </p:cNvSpPr>
+          <p:nvPr>
+            <p:ph type="ftr" sz="quarter" idx="10"/>
+          </p:nvPr>
+        </p:nvSpPr>
+        <p:spPr/>
+        <p:txBody>
+          <a:bodyPr/>
+          <a:lstStyle/>
+          <a:p>
+            <a:r>
+              <a:rPr lang="en-CA" dirty="0"/>
+              <a:t>© 2025 Health Level Seven ® International. All Rights Reserved. Published under the Creative Commons 3.0 Attribution </a:t>
+            </a:r>
+            <a:r>
+              <a:rPr lang="en-CA" dirty="0" err="1"/>
+              <a:t>Unported</a:t>
+            </a:r>
+            <a:r>
+              <a:rPr lang="en-CA" dirty="0"/>
+              <a:t> license</a:t>
+            </a:r>
+            <a:endParaRPr lang="en-US" dirty="0"/>
+          </a:p>
+        </p:txBody>
+      </p:sp>
+      <p:sp>
+        <p:nvSpPr>
+          <p:cNvPr id="5" name="Slide Number Placeholder 4">
+            <a:extLst>
+              <a:ext uri="{FF2B5EF4-FFF2-40B4-BE49-F238E27FC236}">
+                <a16:creationId xmlns:a16="http://schemas.microsoft.com/office/drawing/2014/main" id="{37233324-D520-44D6-BABD-140673A5B927}"/>
+              </a:ext>
+            </a:extLst>
+          </p:cNvPr>
+          <p:cNvSpPr>
+            <a:spLocks noGrp="1"/>
+          </p:cNvSpPr>
+          <p:nvPr>
+            <p:ph type="sldNum" sz="quarter" idx="11"/>
+          </p:nvPr>
+        </p:nvSpPr>
+        <p:spPr/>
+        <p:txBody>
+          <a:bodyPr/>
+          <a:lstStyle/>
+          <a:p>
+            <a:fld id="{6CACE926-AEF5-4BFE-8BD7-24414108CB7B}" type="slidenum">
+              <a:rPr lang="en-US" altLang="en-US" smtClean="0"/>
+              <a:pPr/>
+              <a:t>2</a:t>
+            </a:fld>
+            <a:endParaRPr lang="en-US" altLang="en-US" dirty="0"/>
+          </a:p>
+        </p:txBody>
+      </p:sp>
+      <p:pic>
+        <p:nvPicPr>
+          <p:cNvPr id="8" name="Picture 7" descr="A person wearing a suit and tie smiling at the camera&#10;&#10;Description automatically generated">
+            <a:extLst>
+              <a:ext uri="{FF2B5EF4-FFF2-40B4-BE49-F238E27FC236}">
+                <a16:creationId xmlns:a16="http://schemas.microsoft.com/office/drawing/2014/main" id="{549034C7-C9A0-4642-B53B-ACAA4B9277D9}"/>
+              </a:ext>
+            </a:extLst>
+          </p:cNvPr>
+          <p:cNvPicPr>
+            <a:picLocks noChangeAspect="1"/>
+          </p:cNvPicPr>
+          <p:nvPr/>
+        </p:nvPicPr>
+        <p:blipFill>
+          <a:blip r:embed="rId3"/>
+          <a:stretch>
+            <a:fillRect/>
+          </a:stretch>
+        </p:blipFill>
+        <p:spPr>
+          <a:xfrm>
+            <a:off x="6175300" y="597142"/>
+            <a:ext cx="2042891" cy="2042891"/>
+          </a:xfrm>
+          <a:prstGeom prst="rect">
+            <a:avLst/>
+          </a:prstGeom>
+        </p:spPr>
+      </p:pic>
+    </p:spTree>
+    <p:extLst>
+      <p:ext uri="{BB962C8B-B14F-4D97-AF65-F5344CB8AC3E}">
+        <p14:creationId xmlns:p14="http://schemas.microsoft.com/office/powerpoint/2010/main" val="1547336493"/>
+      </p:ext>
+    </p:extLst>
+  </p:cSld>
+  <p:clrMapOvr>
+    <a:masterClrMapping/>
+  </p:clrMapOvr>
+</p:sld>
+</file>
+
+<file path=ppt/slides/slide20.xml><?xml version="1.0" encoding="utf-8"?>
+<p:sld xmlns:a="http://schemas.openxmlformats.org/drawingml/2006/main" xmlns:r="http://schemas.openxmlformats.org/officeDocument/2006/relationships" xmlns:p="http://schemas.openxmlformats.org/presentationml/2006/main">
+  <p:cSld>
+    <p:spTree>
+      <p:nvGrpSpPr>
+        <p:cNvPr id="1" name=""/>
+        <p:cNvGrpSpPr/>
+        <p:nvPr/>
+      </p:nvGrpSpPr>
+      <p:grpSpPr>
+        <a:xfrm>
+          <a:off x="0" y="0"/>
+          <a:ext cx="0" cy="0"/>
+          <a:chOff x="0" y="0"/>
+          <a:chExt cx="0" cy="0"/>
+        </a:xfrm>
+      </p:grpSpPr>
+      <p:sp>
+        <p:nvSpPr>
+          <p:cNvPr id="6" name="Title 5">
+            <a:extLst>
+              <a:ext uri="{FF2B5EF4-FFF2-40B4-BE49-F238E27FC236}">
+                <a16:creationId xmlns:a16="http://schemas.microsoft.com/office/drawing/2014/main" id="{FB4DD99B-33FF-D3C4-801F-D5CC264EE2AD}"/>
+              </a:ext>
+            </a:extLst>
+          </p:cNvPr>
+          <p:cNvSpPr>
+            <a:spLocks noGrp="1"/>
+          </p:cNvSpPr>
+          <p:nvPr>
+            <p:ph type="title"/>
+          </p:nvPr>
+        </p:nvSpPr>
+        <p:spPr/>
+        <p:txBody>
+          <a:bodyPr/>
+          <a:lstStyle/>
+          <a:p>
+            <a:r>
+              <a:rPr lang="en-US"/>
+              <a:t>Adaptive Questions</a:t>
+            </a:r>
+            <a:endParaRPr lang="en-CA"/>
+          </a:p>
+        </p:txBody>
+      </p:sp>
+      <p:sp>
+        <p:nvSpPr>
+          <p:cNvPr id="4" name="Footer Placeholder 3">
+            <a:extLst>
+              <a:ext uri="{FF2B5EF4-FFF2-40B4-BE49-F238E27FC236}">
+                <a16:creationId xmlns:a16="http://schemas.microsoft.com/office/drawing/2014/main" id="{8C33A710-47DA-4A0E-7070-8B6C31C8E2A6}"/>
+              </a:ext>
+            </a:extLst>
+          </p:cNvPr>
+          <p:cNvSpPr>
+            <a:spLocks noGrp="1"/>
+          </p:cNvSpPr>
+          <p:nvPr>
+            <p:ph type="ftr" sz="quarter" idx="10"/>
+          </p:nvPr>
+        </p:nvSpPr>
+        <p:spPr/>
+        <p:txBody>
+          <a:bodyPr/>
+          <a:lstStyle/>
+          <a:p>
+            <a:r>
+              <a:rPr lang="en-CA" b="1"/>
+              <a:t>© 2025 Health Level Seven ® International. All Rights Reserved. Published under the Creative Commons 3.0 Attribution Unported license</a:t>
+            </a:r>
+            <a:endParaRPr lang="en-US" b="1" dirty="0"/>
+          </a:p>
+        </p:txBody>
+      </p:sp>
+      <p:sp>
+        <p:nvSpPr>
+          <p:cNvPr id="5" name="Slide Number Placeholder 4">
+            <a:extLst>
+              <a:ext uri="{FF2B5EF4-FFF2-40B4-BE49-F238E27FC236}">
+                <a16:creationId xmlns:a16="http://schemas.microsoft.com/office/drawing/2014/main" id="{DD67529A-5774-48CD-3834-962EC9B9B2BF}"/>
+              </a:ext>
+            </a:extLst>
+          </p:cNvPr>
+          <p:cNvSpPr>
+            <a:spLocks noGrp="1"/>
+          </p:cNvSpPr>
+          <p:nvPr>
+            <p:ph type="sldNum" sz="quarter" idx="11"/>
+          </p:nvPr>
+        </p:nvSpPr>
+        <p:spPr/>
+        <p:txBody>
+          <a:bodyPr/>
+          <a:lstStyle/>
+          <a:p>
+            <a:fld id="{6CACE926-AEF5-4BFE-8BD7-24414108CB7B}" type="slidenum">
+              <a:rPr lang="en-US" altLang="en-US" smtClean="0"/>
+              <a:pPr/>
+              <a:t>20</a:t>
+            </a:fld>
+            <a:endParaRPr lang="en-US" altLang="en-US" dirty="0"/>
+          </a:p>
+        </p:txBody>
+      </p:sp>
+    </p:spTree>
+    <p:extLst>
+      <p:ext uri="{BB962C8B-B14F-4D97-AF65-F5344CB8AC3E}">
+        <p14:creationId xmlns:p14="http://schemas.microsoft.com/office/powerpoint/2010/main" val="2942851861"/>
+      </p:ext>
+    </p:extLst>
+  </p:cSld>
+  <p:clrMapOvr>
+    <a:masterClrMapping/>
+  </p:clrMapOvr>
+</p:sld>
+</file>
+
+<file path=ppt/slides/slide21.xml><?xml version="1.0" encoding="utf-8"?>
+<p:sld xmlns:a="http://schemas.openxmlformats.org/drawingml/2006/main" xmlns:r="http://schemas.openxmlformats.org/officeDocument/2006/relationships" xmlns:p="http://schemas.openxmlformats.org/presentationml/2006/main">
+  <p:cSld>
+    <p:spTree>
+      <p:nvGrpSpPr>
+        <p:cNvPr id="1" name=""/>
+        <p:cNvGrpSpPr/>
+        <p:nvPr/>
+      </p:nvGrpSpPr>
+      <p:grpSpPr>
+        <a:xfrm>
+          <a:off x="0" y="0"/>
+          <a:ext cx="0" cy="0"/>
+          <a:chOff x="0" y="0"/>
+          <a:chExt cx="0" cy="0"/>
+        </a:xfrm>
+      </p:grpSpPr>
+      <p:sp>
+        <p:nvSpPr>
+          <p:cNvPr id="2" name="Title 1">
+            <a:extLst>
+              <a:ext uri="{FF2B5EF4-FFF2-40B4-BE49-F238E27FC236}">
+                <a16:creationId xmlns:a16="http://schemas.microsoft.com/office/drawing/2014/main" id="{5D8281B0-7950-F7B3-0EA3-3FF43DB2FCE7}"/>
+              </a:ext>
+            </a:extLst>
+          </p:cNvPr>
+          <p:cNvSpPr>
+            <a:spLocks noGrp="1"/>
+          </p:cNvSpPr>
+          <p:nvPr>
+            <p:ph type="title"/>
+          </p:nvPr>
+        </p:nvSpPr>
+        <p:spPr/>
+        <p:txBody>
+          <a:bodyPr/>
+          <a:lstStyle/>
+          <a:p>
+            <a:r>
+              <a:rPr lang="en-US" dirty="0"/>
+              <a:t>Adaptive Questions</a:t>
+            </a:r>
+            <a:endParaRPr lang="en-CA" dirty="0"/>
+          </a:p>
+        </p:txBody>
+      </p:sp>
+      <p:sp>
+        <p:nvSpPr>
+          <p:cNvPr id="3" name="Text Placeholder 2">
+            <a:extLst>
+              <a:ext uri="{FF2B5EF4-FFF2-40B4-BE49-F238E27FC236}">
+                <a16:creationId xmlns:a16="http://schemas.microsoft.com/office/drawing/2014/main" id="{F8F57653-8BC4-5706-3A28-D8E1AD89A172}"/>
+              </a:ext>
+            </a:extLst>
+          </p:cNvPr>
+          <p:cNvSpPr>
+            <a:spLocks noGrp="1"/>
+          </p:cNvSpPr>
+          <p:nvPr>
+            <p:ph type="body" sz="quarter" idx="13"/>
+          </p:nvPr>
+        </p:nvSpPr>
+        <p:spPr/>
+        <p:txBody>
+          <a:bodyPr/>
+          <a:lstStyle/>
+          <a:p>
+            <a:pPr marL="457200" indent="-457200">
+              <a:buAutoNum type="arabicPeriod"/>
+            </a:pPr>
+            <a:r>
+              <a:rPr lang="en-CA" dirty="0"/>
+              <a:t>How many items will an adaptive search Questionnaire have?</a:t>
+            </a:r>
+          </a:p>
+          <a:p>
+            <a:pPr marL="457200" indent="-457200">
+              <a:buAutoNum type="arabicPeriod"/>
+            </a:pPr>
+            <a:r>
+              <a:rPr lang="en-CA" dirty="0"/>
+              <a:t>How many items can $next-question add to an adaptive Questionnaire?</a:t>
+            </a:r>
+          </a:p>
+          <a:p>
+            <a:pPr marL="457200" indent="-457200">
+              <a:buAutoNum type="arabicPeriod"/>
+            </a:pPr>
+            <a:r>
+              <a:rPr lang="en-CA" dirty="0"/>
+              <a:t>What population approach is incompatible with adaptive Questionnaires?</a:t>
+            </a:r>
+          </a:p>
+          <a:p>
+            <a:pPr marL="457200" indent="-457200">
+              <a:buAutoNum type="arabicPeriod"/>
+            </a:pPr>
+            <a:r>
+              <a:rPr lang="en-CA" dirty="0"/>
+              <a:t>What value types can the </a:t>
+            </a:r>
+            <a:r>
+              <a:rPr lang="en-CA" dirty="0" err="1"/>
+              <a:t>sdc</a:t>
+            </a:r>
+            <a:r>
+              <a:rPr lang="en-CA" dirty="0"/>
+              <a:t>-questionnaire-</a:t>
+            </a:r>
+            <a:r>
+              <a:rPr lang="en-CA" dirty="0" err="1"/>
+              <a:t>questionnaireAdaptive</a:t>
+            </a:r>
+            <a:r>
+              <a:rPr lang="en-CA" dirty="0"/>
+              <a:t> extension have?</a:t>
+            </a:r>
+          </a:p>
+        </p:txBody>
+      </p:sp>
+      <p:sp>
+        <p:nvSpPr>
+          <p:cNvPr id="4" name="Footer Placeholder 3">
+            <a:extLst>
+              <a:ext uri="{FF2B5EF4-FFF2-40B4-BE49-F238E27FC236}">
+                <a16:creationId xmlns:a16="http://schemas.microsoft.com/office/drawing/2014/main" id="{146EE1AE-A93F-AB55-8489-EA018C625A48}"/>
+              </a:ext>
+            </a:extLst>
+          </p:cNvPr>
+          <p:cNvSpPr>
+            <a:spLocks noGrp="1"/>
+          </p:cNvSpPr>
+          <p:nvPr>
+            <p:ph type="ftr" sz="quarter" idx="10"/>
+          </p:nvPr>
+        </p:nvSpPr>
+        <p:spPr/>
+        <p:txBody>
+          <a:bodyPr/>
+          <a:lstStyle/>
+          <a:p>
+            <a:r>
+              <a:rPr lang="en-CA" b="1"/>
+              <a:t>© 2025 Health Level Seven ® International. All Rights Reserved. Published under the Creative Commons 3.0 Attribution Unported license</a:t>
+            </a:r>
+            <a:endParaRPr lang="en-US" b="1" dirty="0"/>
+          </a:p>
+        </p:txBody>
+      </p:sp>
+      <p:sp>
+        <p:nvSpPr>
+          <p:cNvPr id="5" name="Slide Number Placeholder 4">
+            <a:extLst>
+              <a:ext uri="{FF2B5EF4-FFF2-40B4-BE49-F238E27FC236}">
+                <a16:creationId xmlns:a16="http://schemas.microsoft.com/office/drawing/2014/main" id="{EF83953C-DB91-760F-54D1-E572FFC4509C}"/>
+              </a:ext>
+            </a:extLst>
+          </p:cNvPr>
+          <p:cNvSpPr>
+            <a:spLocks noGrp="1"/>
+          </p:cNvSpPr>
+          <p:nvPr>
+            <p:ph type="sldNum" sz="quarter" idx="11"/>
+          </p:nvPr>
+        </p:nvSpPr>
+        <p:spPr/>
+        <p:txBody>
+          <a:bodyPr/>
+          <a:lstStyle/>
+          <a:p>
+            <a:fld id="{6CACE926-AEF5-4BFE-8BD7-24414108CB7B}" type="slidenum">
+              <a:rPr lang="en-US" altLang="en-US" smtClean="0"/>
+              <a:pPr/>
+              <a:t>21</a:t>
+            </a:fld>
+            <a:endParaRPr lang="en-US" altLang="en-US" dirty="0"/>
+          </a:p>
+        </p:txBody>
+      </p:sp>
+    </p:spTree>
+    <p:extLst>
+      <p:ext uri="{BB962C8B-B14F-4D97-AF65-F5344CB8AC3E}">
+        <p14:creationId xmlns:p14="http://schemas.microsoft.com/office/powerpoint/2010/main" val="2805408624"/>
+      </p:ext>
+    </p:extLst>
+  </p:cSld>
+  <p:clrMapOvr>
+    <a:masterClrMapping/>
+  </p:clrMapOvr>
+</p:sld>
+</file>
+
+<file path=ppt/slides/slide22.xml><?xml version="1.0" encoding="utf-8"?>
+<p:sld xmlns:a="http://schemas.openxmlformats.org/drawingml/2006/main" xmlns:r="http://schemas.openxmlformats.org/officeDocument/2006/relationships" xmlns:p="http://schemas.openxmlformats.org/presentationml/2006/main">
+  <p:cSld>
+    <p:spTree>
+      <p:nvGrpSpPr>
+        <p:cNvPr id="1" name=""/>
+        <p:cNvGrpSpPr/>
+        <p:nvPr/>
+      </p:nvGrpSpPr>
+      <p:grpSpPr>
+        <a:xfrm>
+          <a:off x="0" y="0"/>
+          <a:ext cx="0" cy="0"/>
+          <a:chOff x="0" y="0"/>
+          <a:chExt cx="0" cy="0"/>
+        </a:xfrm>
+      </p:grpSpPr>
+      <p:sp>
+        <p:nvSpPr>
+          <p:cNvPr id="2" name="Title 1">
+            <a:extLst>
+              <a:ext uri="{FF2B5EF4-FFF2-40B4-BE49-F238E27FC236}">
+                <a16:creationId xmlns:a16="http://schemas.microsoft.com/office/drawing/2014/main" id="{23DF67A7-0E12-8CD4-42C3-0A92DA42DAF6}"/>
+              </a:ext>
+            </a:extLst>
+          </p:cNvPr>
+          <p:cNvSpPr>
+            <a:spLocks noGrp="1"/>
+          </p:cNvSpPr>
+          <p:nvPr>
+            <p:ph type="title"/>
+          </p:nvPr>
+        </p:nvSpPr>
+        <p:spPr/>
+        <p:txBody>
+          <a:bodyPr/>
+          <a:lstStyle/>
+          <a:p>
+            <a:r>
+              <a:rPr lang="en-CA" dirty="0"/>
+              <a:t>Adaptive Questions</a:t>
+            </a:r>
+          </a:p>
+        </p:txBody>
+      </p:sp>
+      <p:sp>
+        <p:nvSpPr>
+          <p:cNvPr id="3" name="Text Placeholder 2">
+            <a:extLst>
+              <a:ext uri="{FF2B5EF4-FFF2-40B4-BE49-F238E27FC236}">
+                <a16:creationId xmlns:a16="http://schemas.microsoft.com/office/drawing/2014/main" id="{0CA06DBC-20C3-7057-F5C8-9D7412E70D9B}"/>
+              </a:ext>
+            </a:extLst>
+          </p:cNvPr>
+          <p:cNvSpPr>
+            <a:spLocks noGrp="1"/>
+          </p:cNvSpPr>
+          <p:nvPr>
+            <p:ph type="body" sz="quarter" idx="13"/>
+          </p:nvPr>
+        </p:nvSpPr>
+        <p:spPr/>
+        <p:txBody>
+          <a:bodyPr/>
+          <a:lstStyle/>
+          <a:p>
+            <a:r>
+              <a:rPr lang="en-CA" dirty="0"/>
+              <a:t>5. Which of the following is </a:t>
+            </a:r>
+            <a:r>
+              <a:rPr lang="en-CA" b="1" dirty="0"/>
+              <a:t>not</a:t>
+            </a:r>
+            <a:r>
+              <a:rPr lang="en-CA" dirty="0"/>
+              <a:t> a common reason for using adaptive forms</a:t>
+            </a:r>
+          </a:p>
+          <a:p>
+            <a:pPr marL="914400" lvl="1" indent="-457200">
+              <a:buAutoNum type="alphaLcParenR"/>
+            </a:pPr>
+            <a:r>
+              <a:rPr lang="en-CA" dirty="0"/>
+              <a:t>Simpler for form fillers</a:t>
+            </a:r>
+          </a:p>
+          <a:p>
+            <a:pPr marL="914400" lvl="1" indent="-457200">
+              <a:buAutoNum type="alphaLcParenR"/>
+            </a:pPr>
+            <a:r>
+              <a:rPr lang="en-CA" dirty="0"/>
+              <a:t>Can extract resources earlier</a:t>
+            </a:r>
+          </a:p>
+          <a:p>
+            <a:pPr marL="914400" lvl="1" indent="-457200">
+              <a:buAutoNum type="alphaLcParenR"/>
+            </a:pPr>
+            <a:r>
+              <a:rPr lang="en-CA" dirty="0"/>
+              <a:t>Form logic includes sensitive IP</a:t>
+            </a:r>
+          </a:p>
+          <a:p>
+            <a:pPr marL="914400" lvl="1" indent="-457200">
+              <a:buAutoNum type="alphaLcParenR"/>
+            </a:pPr>
+            <a:r>
+              <a:rPr lang="en-CA" dirty="0"/>
+              <a:t>Form authors don’t want to write </a:t>
+            </a:r>
+            <a:r>
+              <a:rPr lang="en-CA" dirty="0" err="1"/>
+              <a:t>FHIRPath</a:t>
+            </a:r>
+            <a:r>
+              <a:rPr lang="en-CA" dirty="0"/>
+              <a:t> or CQL</a:t>
+            </a:r>
+          </a:p>
+        </p:txBody>
+      </p:sp>
+      <p:sp>
+        <p:nvSpPr>
+          <p:cNvPr id="4" name="Footer Placeholder 3">
+            <a:extLst>
+              <a:ext uri="{FF2B5EF4-FFF2-40B4-BE49-F238E27FC236}">
+                <a16:creationId xmlns:a16="http://schemas.microsoft.com/office/drawing/2014/main" id="{AD448638-C45C-91B8-2701-E0F24B8F4A32}"/>
+              </a:ext>
+            </a:extLst>
+          </p:cNvPr>
+          <p:cNvSpPr>
+            <a:spLocks noGrp="1"/>
+          </p:cNvSpPr>
+          <p:nvPr>
+            <p:ph type="ftr" sz="quarter" idx="10"/>
+          </p:nvPr>
+        </p:nvSpPr>
+        <p:spPr/>
+        <p:txBody>
+          <a:bodyPr/>
+          <a:lstStyle/>
+          <a:p>
+            <a:r>
+              <a:rPr lang="en-CA" b="1"/>
+              <a:t>© 2025 Health Level Seven ® International. All Rights Reserved. Published under the Creative Commons 3.0 Attribution Unported license</a:t>
+            </a:r>
+            <a:endParaRPr lang="en-US" b="1" dirty="0"/>
+          </a:p>
+        </p:txBody>
+      </p:sp>
+      <p:sp>
+        <p:nvSpPr>
+          <p:cNvPr id="5" name="Slide Number Placeholder 4">
+            <a:extLst>
+              <a:ext uri="{FF2B5EF4-FFF2-40B4-BE49-F238E27FC236}">
+                <a16:creationId xmlns:a16="http://schemas.microsoft.com/office/drawing/2014/main" id="{4F1B823D-E15C-096F-13DE-0E4D47F8631E}"/>
+              </a:ext>
+            </a:extLst>
+          </p:cNvPr>
+          <p:cNvSpPr>
+            <a:spLocks noGrp="1"/>
+          </p:cNvSpPr>
+          <p:nvPr>
+            <p:ph type="sldNum" sz="quarter" idx="11"/>
+          </p:nvPr>
+        </p:nvSpPr>
+        <p:spPr/>
+        <p:txBody>
+          <a:bodyPr/>
+          <a:lstStyle/>
+          <a:p>
+            <a:fld id="{6CACE926-AEF5-4BFE-8BD7-24414108CB7B}" type="slidenum">
+              <a:rPr lang="en-US" altLang="en-US" smtClean="0"/>
+              <a:pPr/>
+              <a:t>22</a:t>
+            </a:fld>
+            <a:endParaRPr lang="en-US" altLang="en-US" dirty="0"/>
+          </a:p>
+        </p:txBody>
+      </p:sp>
+    </p:spTree>
+    <p:extLst>
+      <p:ext uri="{BB962C8B-B14F-4D97-AF65-F5344CB8AC3E}">
+        <p14:creationId xmlns:p14="http://schemas.microsoft.com/office/powerpoint/2010/main" val="1217799398"/>
+      </p:ext>
+    </p:extLst>
+  </p:cSld>
+  <p:clrMapOvr>
+    <a:masterClrMapping/>
+  </p:clrMapOvr>
+</p:sld>
+</file>
+
+<file path=ppt/slides/slide23.xml><?xml version="1.0" encoding="utf-8"?>
+<p:sld xmlns:a="http://schemas.openxmlformats.org/drawingml/2006/main" xmlns:r="http://schemas.openxmlformats.org/officeDocument/2006/relationships" xmlns:p="http://schemas.openxmlformats.org/presentationml/2006/main">
+  <p:cSld>
+    <p:spTree>
+      <p:nvGrpSpPr>
+        <p:cNvPr id="1" name=""/>
+        <p:cNvGrpSpPr/>
+        <p:nvPr/>
+      </p:nvGrpSpPr>
+      <p:grpSpPr>
+        <a:xfrm>
+          <a:off x="0" y="0"/>
+          <a:ext cx="0" cy="0"/>
+          <a:chOff x="0" y="0"/>
+          <a:chExt cx="0" cy="0"/>
+        </a:xfrm>
+      </p:grpSpPr>
+      <p:sp>
+        <p:nvSpPr>
+          <p:cNvPr id="2" name="Title 1">
+            <a:extLst>
+              <a:ext uri="{FF2B5EF4-FFF2-40B4-BE49-F238E27FC236}">
+                <a16:creationId xmlns:a16="http://schemas.microsoft.com/office/drawing/2014/main" id="{86B358E0-445B-1C97-C200-F305E320AC48}"/>
+              </a:ext>
+            </a:extLst>
+          </p:cNvPr>
+          <p:cNvSpPr>
+            <a:spLocks noGrp="1"/>
+          </p:cNvSpPr>
+          <p:nvPr>
+            <p:ph type="title"/>
+          </p:nvPr>
+        </p:nvSpPr>
+        <p:spPr/>
+        <p:txBody>
+          <a:bodyPr/>
+          <a:lstStyle/>
+          <a:p>
+            <a:r>
+              <a:rPr lang="en-US" dirty="0"/>
+              <a:t>Question answers</a:t>
+            </a:r>
+            <a:endParaRPr lang="en-CA" dirty="0"/>
+          </a:p>
+        </p:txBody>
+      </p:sp>
+      <p:sp>
+        <p:nvSpPr>
+          <p:cNvPr id="3" name="Text Placeholder 2">
+            <a:extLst>
+              <a:ext uri="{FF2B5EF4-FFF2-40B4-BE49-F238E27FC236}">
+                <a16:creationId xmlns:a16="http://schemas.microsoft.com/office/drawing/2014/main" id="{C7DBF240-797A-50FF-DD72-56BB1821617B}"/>
+              </a:ext>
+            </a:extLst>
+          </p:cNvPr>
+          <p:cNvSpPr>
+            <a:spLocks noGrp="1"/>
+          </p:cNvSpPr>
+          <p:nvPr>
+            <p:ph type="body" sz="quarter" idx="13"/>
+          </p:nvPr>
+        </p:nvSpPr>
+        <p:spPr/>
+        <p:txBody>
+          <a:bodyPr/>
+          <a:lstStyle/>
+          <a:p>
+            <a:pPr marL="457200" indent="-457200">
+              <a:buFont typeface="+mj-lt"/>
+              <a:buAutoNum type="arabicPeriod"/>
+            </a:pPr>
+            <a:r>
+              <a:rPr lang="en-US" dirty="0"/>
+              <a:t>Usually none</a:t>
+            </a:r>
+          </a:p>
+          <a:p>
+            <a:pPr marL="457200" indent="-457200">
+              <a:buFont typeface="+mj-lt"/>
+              <a:buAutoNum type="arabicPeriod"/>
+            </a:pPr>
+            <a:r>
+              <a:rPr lang="en-US" dirty="0"/>
+              <a:t>As many as it likes, usually 1</a:t>
+            </a:r>
+          </a:p>
+          <a:p>
+            <a:pPr marL="457200" indent="-457200">
+              <a:buFont typeface="+mj-lt"/>
+              <a:buAutoNum type="arabicPeriod"/>
+            </a:pPr>
+            <a:r>
+              <a:rPr lang="en-US" dirty="0" err="1"/>
+              <a:t>StructureMap</a:t>
+            </a:r>
+            <a:endParaRPr lang="en-US" dirty="0"/>
+          </a:p>
+          <a:p>
+            <a:pPr marL="457200" indent="-457200">
+              <a:buFont typeface="+mj-lt"/>
+              <a:buAutoNum type="arabicPeriod"/>
+            </a:pPr>
+            <a:r>
+              <a:rPr lang="en-US" dirty="0" err="1"/>
+              <a:t>boolean</a:t>
+            </a:r>
+            <a:r>
+              <a:rPr lang="en-US" dirty="0"/>
+              <a:t> or </a:t>
+            </a:r>
+            <a:r>
+              <a:rPr lang="en-US" dirty="0" err="1"/>
+              <a:t>uri</a:t>
+            </a:r>
+            <a:endParaRPr lang="en-US" dirty="0"/>
+          </a:p>
+          <a:p>
+            <a:pPr marL="457200" indent="-457200">
+              <a:buFont typeface="+mj-lt"/>
+              <a:buAutoNum type="arabicPeriod"/>
+            </a:pPr>
+            <a:r>
+              <a:rPr lang="en-US" dirty="0"/>
+              <a:t>Can extract resources earlier</a:t>
+            </a:r>
+          </a:p>
+        </p:txBody>
+      </p:sp>
+      <p:sp>
+        <p:nvSpPr>
+          <p:cNvPr id="4" name="Footer Placeholder 3">
+            <a:extLst>
+              <a:ext uri="{FF2B5EF4-FFF2-40B4-BE49-F238E27FC236}">
+                <a16:creationId xmlns:a16="http://schemas.microsoft.com/office/drawing/2014/main" id="{5DF47676-ACE9-DF41-7F47-182743307211}"/>
+              </a:ext>
+            </a:extLst>
+          </p:cNvPr>
+          <p:cNvSpPr>
+            <a:spLocks noGrp="1"/>
+          </p:cNvSpPr>
+          <p:nvPr>
+            <p:ph type="ftr" sz="quarter" idx="10"/>
+          </p:nvPr>
+        </p:nvSpPr>
+        <p:spPr/>
+        <p:txBody>
+          <a:bodyPr/>
+          <a:lstStyle/>
+          <a:p>
+            <a:r>
+              <a:rPr lang="en-CA" b="1"/>
+              <a:t>© 2025 Health Level Seven ® International. All Rights Reserved. Published under the Creative Commons 3.0 Attribution Unported license</a:t>
+            </a:r>
+            <a:endParaRPr lang="en-US" b="1" dirty="0"/>
+          </a:p>
+        </p:txBody>
+      </p:sp>
+      <p:sp>
+        <p:nvSpPr>
+          <p:cNvPr id="5" name="Slide Number Placeholder 4">
+            <a:extLst>
+              <a:ext uri="{FF2B5EF4-FFF2-40B4-BE49-F238E27FC236}">
+                <a16:creationId xmlns:a16="http://schemas.microsoft.com/office/drawing/2014/main" id="{2CBBE598-00EC-AB90-8338-CCC939FC904A}"/>
+              </a:ext>
+            </a:extLst>
+          </p:cNvPr>
+          <p:cNvSpPr>
+            <a:spLocks noGrp="1"/>
+          </p:cNvSpPr>
+          <p:nvPr>
+            <p:ph type="sldNum" sz="quarter" idx="11"/>
+          </p:nvPr>
+        </p:nvSpPr>
+        <p:spPr/>
+        <p:txBody>
+          <a:bodyPr/>
+          <a:lstStyle/>
+          <a:p>
+            <a:fld id="{6CACE926-AEF5-4BFE-8BD7-24414108CB7B}" type="slidenum">
+              <a:rPr lang="en-US" altLang="en-US" smtClean="0"/>
+              <a:pPr/>
+              <a:t>23</a:t>
+            </a:fld>
+            <a:endParaRPr lang="en-US" altLang="en-US" dirty="0"/>
+          </a:p>
+        </p:txBody>
+      </p:sp>
+    </p:spTree>
+    <p:extLst>
+      <p:ext uri="{BB962C8B-B14F-4D97-AF65-F5344CB8AC3E}">
+        <p14:creationId xmlns:p14="http://schemas.microsoft.com/office/powerpoint/2010/main" val="4236611272"/>
+      </p:ext>
+    </p:extLst>
+  </p:cSld>
+  <p:clrMapOvr>
+    <a:masterClrMapping/>
+  </p:clrMapOvr>
+</p:sld>
+</file>
+
+<file path=ppt/slides/slide24.xml><?xml version="1.0" encoding="utf-8"?>
+<p:sld xmlns:a="http://schemas.openxmlformats.org/drawingml/2006/main" xmlns:r="http://schemas.openxmlformats.org/officeDocument/2006/relationships" xmlns:p="http://schemas.openxmlformats.org/presentationml/2006/main">
+  <p:cSld>
+    <p:spTree>
+      <p:nvGrpSpPr>
+        <p:cNvPr id="1" name="">
+          <a:extLst>
+            <a:ext uri="{FF2B5EF4-FFF2-40B4-BE49-F238E27FC236}">
+              <a16:creationId xmlns:a16="http://schemas.microsoft.com/office/drawing/2014/main" id="{250F8951-5F86-247A-FF26-CB9A43FAE93B}"/>
+            </a:ext>
+          </a:extLst>
+        </p:cNvPr>
+        <p:cNvGrpSpPr/>
+        <p:nvPr/>
+      </p:nvGrpSpPr>
+      <p:grpSpPr>
+        <a:xfrm>
+          <a:off x="0" y="0"/>
+          <a:ext cx="0" cy="0"/>
+          <a:chOff x="0" y="0"/>
+          <a:chExt cx="0" cy="0"/>
+        </a:xfrm>
+      </p:grpSpPr>
+      <p:sp>
+        <p:nvSpPr>
+          <p:cNvPr id="2" name="Title 1">
+            <a:extLst>
+              <a:ext uri="{FF2B5EF4-FFF2-40B4-BE49-F238E27FC236}">
+                <a16:creationId xmlns:a16="http://schemas.microsoft.com/office/drawing/2014/main" id="{39C0C423-80CD-1E01-B0B7-5F38247BDC8A}"/>
+              </a:ext>
+            </a:extLst>
+          </p:cNvPr>
+          <p:cNvSpPr>
+            <a:spLocks noGrp="1"/>
+          </p:cNvSpPr>
+          <p:nvPr>
+            <p:ph type="title"/>
+          </p:nvPr>
+        </p:nvSpPr>
+        <p:spPr/>
+        <p:txBody>
+          <a:bodyPr/>
+          <a:lstStyle/>
+          <a:p>
+            <a:r>
+              <a:rPr lang="en-US" dirty="0"/>
+              <a:t>The SDC Collection</a:t>
+            </a:r>
+            <a:endParaRPr lang="en-CA" dirty="0"/>
+          </a:p>
+        </p:txBody>
+      </p:sp>
+      <p:sp>
+        <p:nvSpPr>
+          <p:cNvPr id="3" name="Text Placeholder 2">
+            <a:extLst>
+              <a:ext uri="{FF2B5EF4-FFF2-40B4-BE49-F238E27FC236}">
+                <a16:creationId xmlns:a16="http://schemas.microsoft.com/office/drawing/2014/main" id="{1A7FCD66-0DF1-A341-AC5F-8AF3B7F48956}"/>
+              </a:ext>
+            </a:extLst>
+          </p:cNvPr>
+          <p:cNvSpPr>
+            <a:spLocks noGrp="1"/>
+          </p:cNvSpPr>
+          <p:nvPr>
+            <p:ph type="body" sz="quarter" idx="13"/>
+          </p:nvPr>
+        </p:nvSpPr>
+        <p:spPr/>
+        <p:txBody>
+          <a:bodyPr/>
+          <a:lstStyle/>
+          <a:p>
+            <a:r>
+              <a:rPr lang="en-US" sz="1800" dirty="0"/>
+              <a:t>SDC Overview</a:t>
+            </a:r>
+          </a:p>
+          <a:p>
+            <a:r>
+              <a:rPr lang="en-US" sz="1800" dirty="0"/>
+              <a:t>SDC Workflow</a:t>
+            </a:r>
+          </a:p>
+          <a:p>
+            <a:r>
+              <a:rPr lang="en-US" sz="1800" dirty="0"/>
+              <a:t>SDC Expressions</a:t>
+            </a:r>
+            <a:endParaRPr lang="en-US" sz="1800" b="1" dirty="0"/>
+          </a:p>
+          <a:p>
+            <a:r>
+              <a:rPr lang="en-US" sz="1800" dirty="0"/>
+              <a:t>SDC Rendering &amp; Behavior</a:t>
+            </a:r>
+          </a:p>
+          <a:p>
+            <a:r>
+              <a:rPr lang="en-US" sz="1800" dirty="0"/>
+              <a:t>SDC Population</a:t>
+            </a:r>
+          </a:p>
+          <a:p>
+            <a:r>
+              <a:rPr lang="en-US" sz="1800" dirty="0"/>
+              <a:t>SDC Extraction</a:t>
+            </a:r>
+          </a:p>
+          <a:p>
+            <a:r>
+              <a:rPr lang="en-US" sz="1800" b="1" dirty="0"/>
+              <a:t>SDC Adaptive Forms </a:t>
+            </a:r>
+            <a:r>
+              <a:rPr lang="en-US" sz="1800" dirty="0"/>
+              <a:t>(you are here)</a:t>
+            </a:r>
+            <a:endParaRPr lang="en-US" sz="1800" b="1" dirty="0"/>
+          </a:p>
+          <a:p>
+            <a:r>
+              <a:rPr lang="en-US" sz="1800">
+                <a:ea typeface="ヒラギノ角ゴ Pro W3"/>
+              </a:rPr>
+              <a:t>SDC Modular &amp; Derived Forms</a:t>
+            </a:r>
+          </a:p>
+        </p:txBody>
+      </p:sp>
+      <p:sp>
+        <p:nvSpPr>
+          <p:cNvPr id="4" name="Footer Placeholder 3">
+            <a:extLst>
+              <a:ext uri="{FF2B5EF4-FFF2-40B4-BE49-F238E27FC236}">
+                <a16:creationId xmlns:a16="http://schemas.microsoft.com/office/drawing/2014/main" id="{6D5912E0-1BFD-2C38-9EB6-90BDB84CE076}"/>
+              </a:ext>
+            </a:extLst>
+          </p:cNvPr>
+          <p:cNvSpPr>
+            <a:spLocks noGrp="1"/>
+          </p:cNvSpPr>
+          <p:nvPr>
+            <p:ph type="ftr" sz="quarter" idx="10"/>
+          </p:nvPr>
+        </p:nvSpPr>
+        <p:spPr/>
+        <p:txBody>
+          <a:bodyPr/>
+          <a:lstStyle/>
+          <a:p>
+            <a:r>
+              <a:rPr lang="en-CA" b="1"/>
+              <a:t>© 2025 Health Level Seven ® International. All Rights Reserved. Published under the Creative Commons 3.0 Attribution Unported license</a:t>
+            </a:r>
+            <a:endParaRPr lang="en-US" b="1" dirty="0"/>
+          </a:p>
+        </p:txBody>
+      </p:sp>
+      <p:sp>
+        <p:nvSpPr>
+          <p:cNvPr id="5" name="Slide Number Placeholder 4">
+            <a:extLst>
+              <a:ext uri="{FF2B5EF4-FFF2-40B4-BE49-F238E27FC236}">
+                <a16:creationId xmlns:a16="http://schemas.microsoft.com/office/drawing/2014/main" id="{C38FA8A6-9941-365D-D4F0-8D28E3BC8443}"/>
+              </a:ext>
+            </a:extLst>
+          </p:cNvPr>
+          <p:cNvSpPr>
+            <a:spLocks noGrp="1"/>
+          </p:cNvSpPr>
+          <p:nvPr>
+            <p:ph type="sldNum" sz="quarter" idx="11"/>
+          </p:nvPr>
+        </p:nvSpPr>
+        <p:spPr/>
+        <p:txBody>
+          <a:bodyPr/>
+          <a:lstStyle/>
+          <a:p>
+            <a:fld id="{6CACE926-AEF5-4BFE-8BD7-24414108CB7B}" type="slidenum">
+              <a:rPr lang="en-US" altLang="en-US" smtClean="0"/>
+              <a:pPr/>
+              <a:t>24</a:t>
+            </a:fld>
+            <a:endParaRPr lang="en-US" altLang="en-US" dirty="0"/>
+          </a:p>
+        </p:txBody>
+      </p:sp>
+      <p:pic>
+        <p:nvPicPr>
+          <p:cNvPr id="9" name="Picture 8" descr="A clipboard with a pen on it&#10;&#10;Description automatically generated">
+            <a:extLst>
+              <a:ext uri="{FF2B5EF4-FFF2-40B4-BE49-F238E27FC236}">
+                <a16:creationId xmlns:a16="http://schemas.microsoft.com/office/drawing/2014/main" id="{025B8E01-D8DA-16EB-9CBE-B86E9C77C8A0}"/>
+              </a:ext>
+            </a:extLst>
+          </p:cNvPr>
+          <p:cNvPicPr>
+            <a:picLocks noChangeAspect="1"/>
+          </p:cNvPicPr>
+          <p:nvPr/>
+        </p:nvPicPr>
+        <p:blipFill>
+          <a:blip r:embed="rId2">
+            <a:extLst>
+              <a:ext uri="{837473B0-CC2E-450A-ABE3-18F120FF3D39}">
+                <a1611:picAttrSrcUrl xmlns:a1611="http://schemas.microsoft.com/office/drawing/2016/11/main" r:id="rId3"/>
+              </a:ext>
+            </a:extLst>
+          </a:blip>
+          <a:stretch>
+            <a:fillRect/>
+          </a:stretch>
+        </p:blipFill>
+        <p:spPr>
+          <a:xfrm>
+            <a:off x="6365671" y="1454442"/>
+            <a:ext cx="1714500" cy="1714500"/>
+          </a:xfrm>
+          <a:prstGeom prst="rect">
+            <a:avLst/>
+          </a:prstGeom>
+        </p:spPr>
+      </p:pic>
+    </p:spTree>
+    <p:extLst>
+      <p:ext uri="{BB962C8B-B14F-4D97-AF65-F5344CB8AC3E}">
+        <p14:creationId xmlns:p14="http://schemas.microsoft.com/office/powerpoint/2010/main" val="1658979626"/>
+      </p:ext>
+    </p:extLst>
+  </p:cSld>
+  <p:clrMapOvr>
+    <a:masterClrMapping/>
+  </p:clrMapOvr>
+</p:sld>
+</file>
+
+<file path=ppt/slides/slide25.xml><?xml version="1.0" encoding="utf-8"?>
+<p:sld xmlns:a="http://schemas.openxmlformats.org/drawingml/2006/main" xmlns:r="http://schemas.openxmlformats.org/officeDocument/2006/relationships" xmlns:p="http://schemas.openxmlformats.org/presentationml/2006/main">
+  <p:cSld>
+    <p:spTree>
+      <p:nvGrpSpPr>
+        <p:cNvPr id="1" name=""/>
+        <p:cNvGrpSpPr/>
+        <p:nvPr/>
+      </p:nvGrpSpPr>
+      <p:grpSpPr>
+        <a:xfrm>
+          <a:off x="0" y="0"/>
+          <a:ext cx="0" cy="0"/>
+          <a:chOff x="0" y="0"/>
+          <a:chExt cx="0" cy="0"/>
+        </a:xfrm>
+      </p:grpSpPr>
+      <p:sp>
+        <p:nvSpPr>
+          <p:cNvPr id="2" name="Title 1">
+            <a:extLst>
+              <a:ext uri="{FF2B5EF4-FFF2-40B4-BE49-F238E27FC236}">
+                <a16:creationId xmlns:a16="http://schemas.microsoft.com/office/drawing/2014/main" id="{01D24FD4-5CA0-4659-8065-121B585E915A}"/>
+              </a:ext>
+            </a:extLst>
+          </p:cNvPr>
+          <p:cNvSpPr>
+            <a:spLocks noGrp="1"/>
+          </p:cNvSpPr>
+          <p:nvPr>
+            <p:ph type="title"/>
+          </p:nvPr>
+        </p:nvSpPr>
+        <p:spPr/>
+        <p:txBody>
+          <a:bodyPr/>
+          <a:lstStyle/>
+          <a:p>
+            <a:r>
+              <a:rPr lang="en-CA"/>
+              <a:t>Questions / Discussion</a:t>
+            </a:r>
+          </a:p>
+        </p:txBody>
+      </p:sp>
+      <p:sp>
+        <p:nvSpPr>
+          <p:cNvPr id="3" name="Text Placeholder 2">
+            <a:extLst>
+              <a:ext uri="{FF2B5EF4-FFF2-40B4-BE49-F238E27FC236}">
+                <a16:creationId xmlns:a16="http://schemas.microsoft.com/office/drawing/2014/main" id="{535777B5-A66C-4406-AD5D-A4519495A8E3}"/>
+              </a:ext>
+            </a:extLst>
+          </p:cNvPr>
+          <p:cNvSpPr>
+            <a:spLocks noGrp="1"/>
+          </p:cNvSpPr>
+          <p:nvPr>
+            <p:ph type="body" sz="quarter" idx="13"/>
+          </p:nvPr>
+        </p:nvSpPr>
+        <p:spPr/>
+        <p:txBody>
+          <a:bodyPr/>
+          <a:lstStyle/>
+          <a:p>
+            <a:pPr marL="0" indent="0">
+              <a:buNone/>
+            </a:pPr>
+            <a:r>
+              <a:rPr lang="en-CA" sz="2000" dirty="0">
+                <a:hlinkClick r:id="rId2"/>
+              </a:rPr>
+              <a:t>lloyd@dogwoodhealthconsulting.com</a:t>
+            </a:r>
+            <a:r>
+              <a:rPr lang="en-CA" sz="2000" dirty="0"/>
+              <a:t>		</a:t>
+            </a:r>
+            <a:r>
+              <a:rPr lang="en-CA" sz="2000" dirty="0">
+                <a:hlinkClick r:id="rId3"/>
+              </a:rPr>
+              <a:t>http://hl7.org/fhir/uv/sdc</a:t>
+            </a:r>
+            <a:endParaRPr lang="en-CA" sz="2000" dirty="0"/>
+          </a:p>
+          <a:p>
+            <a:pPr marL="0" indent="0">
+              <a:buNone/>
+            </a:pPr>
+            <a:endParaRPr lang="en-CA" sz="2000" dirty="0"/>
+          </a:p>
+          <a:p>
+            <a:pPr marL="0" indent="0">
+              <a:buNone/>
+            </a:pPr>
+            <a:r>
+              <a:rPr lang="en-CA" dirty="0"/>
+              <a:t>Or, better yet, include the community and ask/discuss on </a:t>
+            </a:r>
+            <a:r>
+              <a:rPr lang="en-CA" dirty="0">
+                <a:hlinkClick r:id="rId4"/>
+              </a:rPr>
+              <a:t>https://chat.fhir.org/#narrow/channel/179255-questionnaire</a:t>
+            </a:r>
+            <a:endParaRPr lang="en-CA" dirty="0"/>
+          </a:p>
+        </p:txBody>
+      </p:sp>
+      <p:grpSp>
+        <p:nvGrpSpPr>
+          <p:cNvPr id="4" name="Group 3">
+            <a:extLst>
+              <a:ext uri="{FF2B5EF4-FFF2-40B4-BE49-F238E27FC236}">
+                <a16:creationId xmlns:a16="http://schemas.microsoft.com/office/drawing/2014/main" id="{6AE4424E-E4C1-10F2-8130-25D8162AC073}"/>
+              </a:ext>
+            </a:extLst>
+          </p:cNvPr>
+          <p:cNvGrpSpPr/>
+          <p:nvPr/>
+        </p:nvGrpSpPr>
+        <p:grpSpPr>
+          <a:xfrm>
+            <a:off x="2646128" y="2850117"/>
+            <a:ext cx="2572111" cy="2152533"/>
+            <a:chOff x="2646128" y="2565307"/>
+            <a:chExt cx="2572111" cy="2152533"/>
+          </a:xfrm>
+        </p:grpSpPr>
+        <p:pic>
+          <p:nvPicPr>
+            <p:cNvPr id="12" name="Picture 11">
+              <a:extLst>
+                <a:ext uri="{FF2B5EF4-FFF2-40B4-BE49-F238E27FC236}">
+                  <a16:creationId xmlns:a16="http://schemas.microsoft.com/office/drawing/2014/main" id="{822C7F0A-9133-4E4A-93FB-471895A10D97}"/>
+                </a:ext>
+              </a:extLst>
+            </p:cNvPr>
+            <p:cNvPicPr>
+              <a:picLocks noChangeAspect="1"/>
+            </p:cNvPicPr>
+            <p:nvPr/>
+          </p:nvPicPr>
+          <p:blipFill>
+            <a:blip r:embed="rId5"/>
+            <a:stretch>
+              <a:fillRect/>
+            </a:stretch>
+          </p:blipFill>
+          <p:spPr>
+            <a:xfrm>
+              <a:off x="3925759" y="3244928"/>
+              <a:ext cx="1292480" cy="1472912"/>
+            </a:xfrm>
+            <a:prstGeom prst="rect">
+              <a:avLst/>
+            </a:prstGeom>
+          </p:spPr>
+        </p:pic>
+        <p:sp>
+          <p:nvSpPr>
+            <p:cNvPr id="13" name="Oval 12">
+              <a:extLst>
+                <a:ext uri="{FF2B5EF4-FFF2-40B4-BE49-F238E27FC236}">
+                  <a16:creationId xmlns:a16="http://schemas.microsoft.com/office/drawing/2014/main" id="{5084ADD6-8920-456F-8598-EFE37BF9A7B3}"/>
+                </a:ext>
+              </a:extLst>
+            </p:cNvPr>
+            <p:cNvSpPr/>
+            <p:nvPr/>
+          </p:nvSpPr>
+          <p:spPr>
+            <a:xfrm>
+              <a:off x="3982316" y="3082355"/>
+              <a:ext cx="1122218" cy="1245455"/>
+            </a:xfrm>
+            <a:prstGeom prst="ellipse">
+              <a:avLst/>
+            </a:prstGeom>
+            <a:solidFill>
+              <a:schemeClr val="bg1"/>
+            </a:solidFill>
+            <a:ln>
+              <a:noFill/>
+            </a:ln>
+          </p:spPr>
+          <p:style>
+            <a:lnRef idx="2">
+              <a:schemeClr val="accent1">
+                <a:shade val="50000"/>
+              </a:schemeClr>
+            </a:lnRef>
+            <a:fillRef idx="1">
+              <a:schemeClr val="accent1"/>
+            </a:fillRef>
+            <a:effectRef idx="0">
+              <a:schemeClr val="accent1"/>
+            </a:effectRef>
+            <a:fontRef idx="minor">
+              <a:schemeClr val="lt1"/>
+            </a:fontRef>
+          </p:style>
+          <p:txBody>
+            <a:bodyPr rtlCol="0" anchor="ctr"/>
+            <a:lstStyle/>
+            <a:p>
+              <a:pPr algn="ctr"/>
+              <a:endParaRPr lang="en-CA"/>
+            </a:p>
+          </p:txBody>
+        </p:sp>
+        <p:pic>
+          <p:nvPicPr>
+            <p:cNvPr id="10" name="Picture 9">
+              <a:extLst>
+                <a:ext uri="{FF2B5EF4-FFF2-40B4-BE49-F238E27FC236}">
+                  <a16:creationId xmlns:a16="http://schemas.microsoft.com/office/drawing/2014/main" id="{CC096A40-77E2-46CD-AD07-1F8170921533}"/>
+                </a:ext>
+              </a:extLst>
+            </p:cNvPr>
+            <p:cNvPicPr>
+              <a:picLocks noChangeAspect="1"/>
+            </p:cNvPicPr>
+            <p:nvPr/>
+          </p:nvPicPr>
+          <p:blipFill>
+            <a:blip r:embed="rId6"/>
+            <a:stretch>
+              <a:fillRect/>
+            </a:stretch>
+          </p:blipFill>
+          <p:spPr>
+            <a:xfrm>
+              <a:off x="3797497" y="2844684"/>
+              <a:ext cx="1420742" cy="1553345"/>
+            </a:xfrm>
+            <a:prstGeom prst="rect">
+              <a:avLst/>
+            </a:prstGeom>
+          </p:spPr>
+        </p:pic>
+        <p:pic>
+          <p:nvPicPr>
+            <p:cNvPr id="17" name="Picture 16">
+              <a:extLst>
+                <a:ext uri="{FF2B5EF4-FFF2-40B4-BE49-F238E27FC236}">
+                  <a16:creationId xmlns:a16="http://schemas.microsoft.com/office/drawing/2014/main" id="{E38690A7-9186-4FAD-B512-3BB0AEC6A4A1}"/>
+                </a:ext>
+              </a:extLst>
+            </p:cNvPr>
+            <p:cNvPicPr>
+              <a:picLocks noChangeAspect="1"/>
+            </p:cNvPicPr>
+            <p:nvPr/>
+          </p:nvPicPr>
+          <p:blipFill>
+            <a:blip r:embed="rId7"/>
+            <a:stretch>
+              <a:fillRect/>
+            </a:stretch>
+          </p:blipFill>
+          <p:spPr>
+            <a:xfrm rot="6657920">
+              <a:off x="2686451" y="2524984"/>
+              <a:ext cx="1472700" cy="1553345"/>
+            </a:xfrm>
+            <a:prstGeom prst="rect">
+              <a:avLst/>
+            </a:prstGeom>
+          </p:spPr>
+        </p:pic>
+      </p:grpSp>
+    </p:spTree>
+    <p:extLst>
+      <p:ext uri="{BB962C8B-B14F-4D97-AF65-F5344CB8AC3E}">
+        <p14:creationId xmlns:p14="http://schemas.microsoft.com/office/powerpoint/2010/main" val="4226712616"/>
+      </p:ext>
+    </p:extLst>
+  </p:cSld>
+  <p:clrMapOvr>
+    <a:masterClrMapping/>
+  </p:clrMapOvr>
+</p:sld>
+</file>
+
+<file path=ppt/slides/slide3.xml><?xml version="1.0" encoding="utf-8"?>
+<p:sld xmlns:a="http://schemas.openxmlformats.org/drawingml/2006/main" xmlns:r="http://schemas.openxmlformats.org/officeDocument/2006/relationships" xmlns:p="http://schemas.openxmlformats.org/presentationml/2006/main">
+  <p:cSld>
+    <p:spTree>
+      <p:nvGrpSpPr>
+        <p:cNvPr id="1" name=""/>
+        <p:cNvGrpSpPr/>
+        <p:nvPr/>
+      </p:nvGrpSpPr>
+      <p:grpSpPr>
+        <a:xfrm>
+          <a:off x="0" y="0"/>
+          <a:ext cx="0" cy="0"/>
+          <a:chOff x="0" y="0"/>
+          <a:chExt cx="0" cy="0"/>
+        </a:xfrm>
+      </p:grpSpPr>
+      <p:sp>
+        <p:nvSpPr>
+          <p:cNvPr id="2" name="Title 1"/>
+          <p:cNvSpPr>
+            <a:spLocks noGrp="1"/>
+          </p:cNvSpPr>
+          <p:nvPr>
+            <p:ph type="title"/>
+          </p:nvPr>
+        </p:nvSpPr>
+        <p:spPr/>
+        <p:txBody>
+          <a:bodyPr/>
+          <a:lstStyle/>
+          <a:p>
+            <a:r>
+              <a:rPr lang="en-US"/>
+              <a:t>This presentation</a:t>
+            </a:r>
+            <a:endParaRPr lang="en-CA"/>
+          </a:p>
+        </p:txBody>
+      </p:sp>
+      <p:sp>
+        <p:nvSpPr>
+          <p:cNvPr id="4" name="Content Placeholder 3"/>
+          <p:cNvSpPr>
+            <a:spLocks noGrp="1"/>
+          </p:cNvSpPr>
+          <p:nvPr>
+            <p:ph type="body" sz="quarter" idx="13"/>
+          </p:nvPr>
+        </p:nvSpPr>
+        <p:spPr/>
+        <p:txBody>
+          <a:bodyPr/>
+          <a:lstStyle/>
+          <a:p>
+            <a:r>
+              <a:rPr lang="en-US" dirty="0">
+                <a:ea typeface="ヒラギノ角ゴ Pro W3"/>
+              </a:rPr>
+              <a:t>Can be downloaded from the Ontario Health e-Learning site:</a:t>
+            </a:r>
+          </a:p>
+          <a:p>
+            <a:pPr lvl="1"/>
+            <a:r>
+              <a:rPr lang="en-CA" dirty="0">
+                <a:ea typeface="ヒラギノ角ゴ Pro W3"/>
+                <a:hlinkClick r:id="rId2"/>
+              </a:rPr>
+              <a:t>https://elearning.ontariohealth.ca/login/index.php</a:t>
+            </a:r>
+            <a:endParaRPr lang="en-CA" dirty="0">
+              <a:ea typeface="ヒラギノ角ゴ Pro W3"/>
+            </a:endParaRPr>
+          </a:p>
+          <a:p>
+            <a:r>
+              <a:rPr lang="en-US" dirty="0">
+                <a:ea typeface="ヒラギノ角ゴ Pro W3"/>
+              </a:rPr>
+              <a:t>Is licensed for use under the Creative Commons, specifically:</a:t>
+            </a:r>
+          </a:p>
+          <a:p>
+            <a:pPr lvl="1"/>
+            <a:r>
+              <a:rPr lang="en-CA" dirty="0">
+                <a:ea typeface="ヒラギノ角ゴ Pro W3"/>
+                <a:hlinkClick r:id="rId3"/>
+              </a:rPr>
+              <a:t>Creative Commons Attribution 3.0 </a:t>
+            </a:r>
+            <a:r>
+              <a:rPr lang="en-CA" dirty="0" err="1">
+                <a:ea typeface="ヒラギノ角ゴ Pro W3"/>
+                <a:hlinkClick r:id="rId3"/>
+              </a:rPr>
+              <a:t>Unported</a:t>
+            </a:r>
+            <a:r>
+              <a:rPr lang="en-CA" dirty="0">
+                <a:ea typeface="ヒラギノ角ゴ Pro W3"/>
+                <a:hlinkClick r:id="rId3"/>
+              </a:rPr>
+              <a:t> License</a:t>
+            </a:r>
+            <a:endParaRPr lang="en-CA" dirty="0">
+              <a:ea typeface="ヒラギノ角ゴ Pro W3"/>
+            </a:endParaRPr>
+          </a:p>
+          <a:p>
+            <a:pPr lvl="1"/>
+            <a:r>
+              <a:rPr lang="en-US" dirty="0">
+                <a:ea typeface="ヒラギノ角ゴ Pro W3"/>
+              </a:rPr>
+              <a:t>Do with it as you wish, so long as you give credit</a:t>
+            </a:r>
+          </a:p>
+        </p:txBody>
+      </p:sp>
+      <p:sp>
+        <p:nvSpPr>
+          <p:cNvPr id="11" name="Footer Placeholder 10">
+            <a:extLst>
+              <a:ext uri="{FF2B5EF4-FFF2-40B4-BE49-F238E27FC236}">
+                <a16:creationId xmlns:a16="http://schemas.microsoft.com/office/drawing/2014/main" id="{E5D67FA5-D1E9-4E1E-B63E-097C12003FCF}"/>
+              </a:ext>
+            </a:extLst>
+          </p:cNvPr>
+          <p:cNvSpPr>
+            <a:spLocks noGrp="1"/>
+          </p:cNvSpPr>
+          <p:nvPr>
+            <p:ph type="ftr" sz="quarter" idx="10"/>
+          </p:nvPr>
+        </p:nvSpPr>
+        <p:spPr/>
+        <p:txBody>
+          <a:bodyPr/>
+          <a:lstStyle/>
+          <a:p>
+            <a:r>
+              <a:rPr lang="en-CA"/>
+              <a:t>© 2025 Health Level Seven ® International. All Rights Reserved. Published under the Creative Commons 3.0 Attribution </a:t>
+            </a:r>
+            <a:r>
+              <a:rPr lang="en-CA" err="1"/>
+              <a:t>Unported</a:t>
+            </a:r>
+            <a:r>
+              <a:rPr lang="en-CA"/>
+              <a:t> license</a:t>
+            </a:r>
+            <a:endParaRPr lang="en-US"/>
+          </a:p>
+        </p:txBody>
+      </p:sp>
+      <p:sp>
+        <p:nvSpPr>
+          <p:cNvPr id="8" name="Slide Number Placeholder 7">
+            <a:extLst>
+              <a:ext uri="{FF2B5EF4-FFF2-40B4-BE49-F238E27FC236}">
+                <a16:creationId xmlns:a16="http://schemas.microsoft.com/office/drawing/2014/main" id="{0D655E1C-9171-4990-BC7C-0027C9FAE154}"/>
+              </a:ext>
+            </a:extLst>
+          </p:cNvPr>
+          <p:cNvSpPr>
+            <a:spLocks noGrp="1"/>
+          </p:cNvSpPr>
+          <p:nvPr>
+            <p:ph type="sldNum" sz="quarter" idx="11"/>
+          </p:nvPr>
+        </p:nvSpPr>
+        <p:spPr/>
+        <p:txBody>
+          <a:bodyPr/>
+          <a:lstStyle/>
+          <a:p>
+            <a:fld id="{DD8FDF0E-2772-4D89-9F72-F3CB15D8B8AB}" type="slidenum">
+              <a:rPr lang="en-US" smtClean="0"/>
+              <a:pPr/>
+              <a:t>3</a:t>
+            </a:fld>
+            <a:endParaRPr lang="en-US"/>
+          </a:p>
+        </p:txBody>
+      </p:sp>
+      <p:pic>
+        <p:nvPicPr>
+          <p:cNvPr id="5" name="Picture 4" descr="Creative Commons Licence"/>
+          <p:cNvPicPr>
+            <a:picLocks noChangeAspect="1" noChangeArrowheads="1"/>
+          </p:cNvPicPr>
+          <p:nvPr/>
+        </p:nvPicPr>
+        <p:blipFill>
+          <a:blip r:embed="rId4" cstate="print">
+            <a:extLst>
+              <a:ext uri="{28A0092B-C50C-407E-A947-70E740481C1C}">
+                <a14:useLocalDpi xmlns:a14="http://schemas.microsoft.com/office/drawing/2010/main" val="0"/>
+              </a:ext>
+            </a:extLst>
+          </a:blip>
+          <a:srcRect/>
+          <a:stretch>
+            <a:fillRect/>
+          </a:stretch>
+        </p:blipFill>
+        <p:spPr bwMode="auto">
+          <a:xfrm>
+            <a:off x="7672387" y="3226897"/>
+            <a:ext cx="1135626" cy="400050"/>
+          </a:xfrm>
+          <a:prstGeom prst="rect">
+            <a:avLst/>
+          </a:prstGeom>
+          <a:noFill/>
+          <a:extLst>
+            <a:ext uri="{909E8E84-426E-40DD-AFC4-6F175D3DCCD1}">
+              <a14:hiddenFill xmlns:a14="http://schemas.microsoft.com/office/drawing/2010/main">
+                <a:solidFill>
+                  <a:srgbClr val="FFFFFF"/>
+                </a:solidFill>
+              </a14:hiddenFill>
+            </a:ext>
+          </a:extLst>
+        </p:spPr>
+      </p:pic>
+    </p:spTree>
+    <p:extLst>
+      <p:ext uri="{BB962C8B-B14F-4D97-AF65-F5344CB8AC3E}">
+        <p14:creationId xmlns:p14="http://schemas.microsoft.com/office/powerpoint/2010/main" val="406526092"/>
+      </p:ext>
+    </p:extLst>
+  </p:cSld>
+  <p:clrMapOvr>
+    <a:masterClrMapping/>
+  </p:clrMapOvr>
+</p:sld>
+</file>
+
+<file path=ppt/slides/slide4.xml><?xml version="1.0" encoding="utf-8"?>
+<p:sld xmlns:a="http://schemas.openxmlformats.org/drawingml/2006/main" xmlns:r="http://schemas.openxmlformats.org/officeDocument/2006/relationships" xmlns:p="http://schemas.openxmlformats.org/presentationml/2006/main">
+  <p:cSld>
+    <p:spTree>
+      <p:nvGrpSpPr>
+        <p:cNvPr id="1" name=""/>
+        <p:cNvGrpSpPr/>
+        <p:nvPr/>
+      </p:nvGrpSpPr>
+      <p:grpSpPr>
+        <a:xfrm>
+          <a:off x="0" y="0"/>
+          <a:ext cx="0" cy="0"/>
+          <a:chOff x="0" y="0"/>
+          <a:chExt cx="0" cy="0"/>
+        </a:xfrm>
+      </p:grpSpPr>
+      <p:sp>
+        <p:nvSpPr>
+          <p:cNvPr id="7" name="Title 6">
+            <a:extLst>
+              <a:ext uri="{FF2B5EF4-FFF2-40B4-BE49-F238E27FC236}">
+                <a16:creationId xmlns:a16="http://schemas.microsoft.com/office/drawing/2014/main" id="{AF7B4583-F935-4894-BCDA-C4370AC07C5F}"/>
+              </a:ext>
+            </a:extLst>
+          </p:cNvPr>
+          <p:cNvSpPr>
+            <a:spLocks noGrp="1"/>
+          </p:cNvSpPr>
+          <p:nvPr>
+            <p:ph type="title"/>
+          </p:nvPr>
+        </p:nvSpPr>
+        <p:spPr/>
+        <p:txBody>
+          <a:bodyPr/>
+          <a:lstStyle/>
+          <a:p>
+            <a:r>
+              <a:rPr lang="en-US" dirty="0"/>
+              <a:t>Credit</a:t>
+            </a:r>
+          </a:p>
+        </p:txBody>
+      </p:sp>
+      <p:sp>
+        <p:nvSpPr>
+          <p:cNvPr id="8" name="Content Placeholder 7">
+            <a:extLst>
+              <a:ext uri="{FF2B5EF4-FFF2-40B4-BE49-F238E27FC236}">
+                <a16:creationId xmlns:a16="http://schemas.microsoft.com/office/drawing/2014/main" id="{12969102-4DC6-4A57-9E3A-CBA4366DFA70}"/>
+              </a:ext>
+            </a:extLst>
+          </p:cNvPr>
+          <p:cNvSpPr>
+            <a:spLocks noGrp="1"/>
+          </p:cNvSpPr>
+          <p:nvPr>
+            <p:ph type="body" sz="quarter" idx="13"/>
+          </p:nvPr>
+        </p:nvSpPr>
+        <p:spPr/>
+        <p:txBody>
+          <a:bodyPr/>
+          <a:lstStyle/>
+          <a:p>
+            <a:r>
+              <a:rPr lang="en-CA" dirty="0"/>
+              <a:t>These slides include content by Lloyd McKenzie</a:t>
+            </a:r>
+          </a:p>
+          <a:p>
+            <a:endParaRPr lang="en-US" dirty="0"/>
+          </a:p>
+        </p:txBody>
+      </p:sp>
+      <p:sp>
+        <p:nvSpPr>
+          <p:cNvPr id="2" name="Footer Placeholder 1">
+            <a:extLst>
+              <a:ext uri="{FF2B5EF4-FFF2-40B4-BE49-F238E27FC236}">
+                <a16:creationId xmlns:a16="http://schemas.microsoft.com/office/drawing/2014/main" id="{12A36B17-60AD-40D9-B33D-C4B147E58C6F}"/>
+              </a:ext>
+            </a:extLst>
+          </p:cNvPr>
+          <p:cNvSpPr>
+            <a:spLocks noGrp="1"/>
+          </p:cNvSpPr>
+          <p:nvPr>
+            <p:ph type="ftr" sz="quarter" idx="10"/>
+          </p:nvPr>
+        </p:nvSpPr>
+        <p:spPr/>
+        <p:txBody>
+          <a:bodyPr/>
+          <a:lstStyle/>
+          <a:p>
+            <a:r>
+              <a:rPr lang="en-CA" dirty="0"/>
+              <a:t>© 2025 Health Level Seven ® International. All Rights Reserved. Published under the Creative Commons 3.0 Attribution </a:t>
+            </a:r>
+            <a:r>
+              <a:rPr lang="en-CA" dirty="0" err="1"/>
+              <a:t>Unported</a:t>
+            </a:r>
+            <a:r>
+              <a:rPr lang="en-CA" dirty="0"/>
+              <a:t> license</a:t>
+            </a:r>
+            <a:endParaRPr lang="en-US" dirty="0"/>
+          </a:p>
+        </p:txBody>
+      </p:sp>
+      <p:sp>
+        <p:nvSpPr>
+          <p:cNvPr id="6" name="Slide Number Placeholder 5">
+            <a:extLst>
+              <a:ext uri="{FF2B5EF4-FFF2-40B4-BE49-F238E27FC236}">
+                <a16:creationId xmlns:a16="http://schemas.microsoft.com/office/drawing/2014/main" id="{07B16E94-221A-418E-A0E5-BE63452C9BCB}"/>
+              </a:ext>
+            </a:extLst>
+          </p:cNvPr>
+          <p:cNvSpPr>
+            <a:spLocks noGrp="1"/>
+          </p:cNvSpPr>
+          <p:nvPr>
+            <p:ph type="sldNum" sz="quarter" idx="11"/>
+          </p:nvPr>
+        </p:nvSpPr>
+        <p:spPr/>
+        <p:txBody>
+          <a:bodyPr/>
+          <a:lstStyle/>
+          <a:p>
+            <a:fld id="{CEB45A3F-552B-4961-AC9A-06435CED62A6}" type="slidenum">
+              <a:rPr lang="en-US" smtClean="0"/>
+              <a:pPr/>
+              <a:t>4</a:t>
+            </a:fld>
+            <a:endParaRPr lang="en-US"/>
+          </a:p>
+        </p:txBody>
+      </p:sp>
+      <p:pic>
+        <p:nvPicPr>
+          <p:cNvPr id="3" name="Picture 2" descr="A close-up of colorful text&#10;&#10;Description automatically generated">
+            <a:extLst>
+              <a:ext uri="{FF2B5EF4-FFF2-40B4-BE49-F238E27FC236}">
+                <a16:creationId xmlns:a16="http://schemas.microsoft.com/office/drawing/2014/main" id="{EB2C76BC-55E1-5249-ECB2-3F41F4CC721C}"/>
+              </a:ext>
+            </a:extLst>
+          </p:cNvPr>
+          <p:cNvPicPr>
+            <a:picLocks noChangeAspect="1"/>
+          </p:cNvPicPr>
+          <p:nvPr/>
+        </p:nvPicPr>
+        <p:blipFill>
+          <a:blip r:embed="rId2">
+            <a:extLst>
+              <a:ext uri="{837473B0-CC2E-450A-ABE3-18F120FF3D39}">
+                <a1611:picAttrSrcUrl xmlns:a1611="http://schemas.microsoft.com/office/drawing/2016/11/main" r:id="rId3"/>
+              </a:ext>
+            </a:extLst>
+          </a:blip>
+          <a:stretch>
+            <a:fillRect/>
+          </a:stretch>
+        </p:blipFill>
+        <p:spPr>
+          <a:xfrm>
+            <a:off x="6342077" y="2753510"/>
+            <a:ext cx="2087548" cy="1391699"/>
+          </a:xfrm>
+          <a:prstGeom prst="rect">
+            <a:avLst/>
+          </a:prstGeom>
+        </p:spPr>
+      </p:pic>
+    </p:spTree>
+    <p:extLst>
+      <p:ext uri="{BB962C8B-B14F-4D97-AF65-F5344CB8AC3E}">
+        <p14:creationId xmlns:p14="http://schemas.microsoft.com/office/powerpoint/2010/main" val="1920275464"/>
+      </p:ext>
+    </p:extLst>
+  </p:cSld>
+  <p:clrMapOvr>
+    <a:masterClrMapping/>
+  </p:clrMapOvr>
+</p:sld>
+</file>
+
+<file path=ppt/slides/slide5.xml><?xml version="1.0" encoding="utf-8"?>
+<p:sld xmlns:a="http://schemas.openxmlformats.org/drawingml/2006/main" xmlns:r="http://schemas.openxmlformats.org/officeDocument/2006/relationships" xmlns:p="http://schemas.openxmlformats.org/presentationml/2006/main">
+  <p:cSld>
+    <p:spTree>
+      <p:nvGrpSpPr>
+        <p:cNvPr id="1" name=""/>
+        <p:cNvGrpSpPr/>
+        <p:nvPr/>
+      </p:nvGrpSpPr>
+      <p:grpSpPr>
+        <a:xfrm>
+          <a:off x="0" y="0"/>
+          <a:ext cx="0" cy="0"/>
+          <a:chOff x="0" y="0"/>
+          <a:chExt cx="0" cy="0"/>
+        </a:xfrm>
+      </p:grpSpPr>
+      <p:sp>
+        <p:nvSpPr>
+          <p:cNvPr id="2" name="Title 1">
+            <a:extLst>
+              <a:ext uri="{FF2B5EF4-FFF2-40B4-BE49-F238E27FC236}">
+                <a16:creationId xmlns:a16="http://schemas.microsoft.com/office/drawing/2014/main" id="{419FEAC5-7588-FFA5-7808-DD6CACB97120}"/>
+              </a:ext>
+            </a:extLst>
+          </p:cNvPr>
+          <p:cNvSpPr>
+            <a:spLocks noGrp="1"/>
+          </p:cNvSpPr>
+          <p:nvPr>
+            <p:ph type="title"/>
+          </p:nvPr>
+        </p:nvSpPr>
+        <p:spPr/>
+        <p:txBody>
+          <a:bodyPr/>
+          <a:lstStyle/>
+          <a:p>
+            <a:r>
+              <a:rPr lang="en-US" dirty="0"/>
+              <a:t>The SDC Collection</a:t>
+            </a:r>
+            <a:endParaRPr lang="en-CA" dirty="0"/>
+          </a:p>
+        </p:txBody>
+      </p:sp>
+      <p:sp>
+        <p:nvSpPr>
+          <p:cNvPr id="3" name="Text Placeholder 2">
+            <a:extLst>
+              <a:ext uri="{FF2B5EF4-FFF2-40B4-BE49-F238E27FC236}">
+                <a16:creationId xmlns:a16="http://schemas.microsoft.com/office/drawing/2014/main" id="{265F06E4-AA8E-0233-8B95-FA7FA4341F19}"/>
+              </a:ext>
+            </a:extLst>
+          </p:cNvPr>
+          <p:cNvSpPr>
+            <a:spLocks noGrp="1"/>
+          </p:cNvSpPr>
+          <p:nvPr>
+            <p:ph type="body" sz="quarter" idx="13"/>
+          </p:nvPr>
+        </p:nvSpPr>
+        <p:spPr/>
+        <p:txBody>
+          <a:bodyPr/>
+          <a:lstStyle/>
+          <a:p>
+            <a:r>
+              <a:rPr lang="en-US" sz="1800" dirty="0"/>
+              <a:t>SDC Overview</a:t>
+            </a:r>
+          </a:p>
+          <a:p>
+            <a:r>
+              <a:rPr lang="en-US" sz="1800" dirty="0"/>
+              <a:t>SDC Workflow</a:t>
+            </a:r>
+          </a:p>
+          <a:p>
+            <a:r>
+              <a:rPr lang="en-US" sz="1800" dirty="0"/>
+              <a:t>SDC Expressions</a:t>
+            </a:r>
+            <a:endParaRPr lang="en-US" sz="1800" b="1" dirty="0"/>
+          </a:p>
+          <a:p>
+            <a:r>
+              <a:rPr lang="en-US" sz="1800" dirty="0"/>
+              <a:t>SDC Rendering &amp; Behavior</a:t>
+            </a:r>
+          </a:p>
+          <a:p>
+            <a:r>
+              <a:rPr lang="en-US" sz="1800" dirty="0"/>
+              <a:t>SDC Population</a:t>
+            </a:r>
+          </a:p>
+          <a:p>
+            <a:r>
+              <a:rPr lang="en-US" sz="1800" dirty="0"/>
+              <a:t>SDC Extraction</a:t>
+            </a:r>
+          </a:p>
+          <a:p>
+            <a:r>
+              <a:rPr lang="en-US" sz="1800" b="1" dirty="0"/>
+              <a:t>SDC Adaptive Forms </a:t>
+            </a:r>
+            <a:r>
+              <a:rPr lang="en-US" sz="1800" dirty="0"/>
+              <a:t>(you are here)</a:t>
+            </a:r>
+            <a:endParaRPr lang="en-US" sz="1800" b="1" dirty="0"/>
+          </a:p>
+          <a:p>
+            <a:r>
+              <a:rPr lang="en-US" sz="1800">
+                <a:ea typeface="ヒラギノ角ゴ Pro W3"/>
+              </a:rPr>
+              <a:t>SDC Modular &amp; Derived Forms</a:t>
+            </a:r>
+          </a:p>
+        </p:txBody>
+      </p:sp>
+      <p:sp>
+        <p:nvSpPr>
+          <p:cNvPr id="4" name="Footer Placeholder 3">
+            <a:extLst>
+              <a:ext uri="{FF2B5EF4-FFF2-40B4-BE49-F238E27FC236}">
+                <a16:creationId xmlns:a16="http://schemas.microsoft.com/office/drawing/2014/main" id="{E203CAF6-E711-E44D-32E7-0E369101B9FF}"/>
+              </a:ext>
+            </a:extLst>
+          </p:cNvPr>
+          <p:cNvSpPr>
+            <a:spLocks noGrp="1"/>
+          </p:cNvSpPr>
+          <p:nvPr>
+            <p:ph type="ftr" sz="quarter" idx="10"/>
+          </p:nvPr>
+        </p:nvSpPr>
+        <p:spPr/>
+        <p:txBody>
+          <a:bodyPr/>
+          <a:lstStyle/>
+          <a:p>
+            <a:r>
+              <a:rPr lang="en-CA" b="1"/>
+              <a:t>© 2025 Health Level Seven ® International. All Rights Reserved. Published under the Creative Commons 3.0 Attribution Unported license</a:t>
+            </a:r>
+            <a:endParaRPr lang="en-US" b="1" dirty="0"/>
+          </a:p>
+        </p:txBody>
+      </p:sp>
+      <p:sp>
+        <p:nvSpPr>
+          <p:cNvPr id="5" name="Slide Number Placeholder 4">
+            <a:extLst>
+              <a:ext uri="{FF2B5EF4-FFF2-40B4-BE49-F238E27FC236}">
+                <a16:creationId xmlns:a16="http://schemas.microsoft.com/office/drawing/2014/main" id="{CB15D9DB-A44F-677D-5488-97739A333A59}"/>
+              </a:ext>
+            </a:extLst>
+          </p:cNvPr>
+          <p:cNvSpPr>
+            <a:spLocks noGrp="1"/>
+          </p:cNvSpPr>
+          <p:nvPr>
+            <p:ph type="sldNum" sz="quarter" idx="11"/>
+          </p:nvPr>
+        </p:nvSpPr>
+        <p:spPr/>
+        <p:txBody>
+          <a:bodyPr/>
+          <a:lstStyle/>
+          <a:p>
+            <a:fld id="{6CACE926-AEF5-4BFE-8BD7-24414108CB7B}" type="slidenum">
+              <a:rPr lang="en-US" altLang="en-US" smtClean="0"/>
+              <a:pPr/>
+              <a:t>5</a:t>
+            </a:fld>
+            <a:endParaRPr lang="en-US" altLang="en-US" dirty="0"/>
+          </a:p>
+        </p:txBody>
+      </p:sp>
+      <p:pic>
+        <p:nvPicPr>
+          <p:cNvPr id="9" name="Picture 8" descr="A clipboard with a pen on it&#10;&#10;Description automatically generated">
+            <a:extLst>
+              <a:ext uri="{FF2B5EF4-FFF2-40B4-BE49-F238E27FC236}">
+                <a16:creationId xmlns:a16="http://schemas.microsoft.com/office/drawing/2014/main" id="{CFF6F728-96A8-7235-4C40-599BDBE71EB0}"/>
+              </a:ext>
+            </a:extLst>
+          </p:cNvPr>
+          <p:cNvPicPr>
+            <a:picLocks noChangeAspect="1"/>
+          </p:cNvPicPr>
+          <p:nvPr/>
+        </p:nvPicPr>
+        <p:blipFill>
+          <a:blip r:embed="rId2">
+            <a:extLst>
+              <a:ext uri="{837473B0-CC2E-450A-ABE3-18F120FF3D39}">
+                <a1611:picAttrSrcUrl xmlns:a1611="http://schemas.microsoft.com/office/drawing/2016/11/main" r:id="rId3"/>
+              </a:ext>
+            </a:extLst>
+          </a:blip>
+          <a:stretch>
+            <a:fillRect/>
+          </a:stretch>
+        </p:blipFill>
+        <p:spPr>
+          <a:xfrm>
+            <a:off x="6365671" y="1454442"/>
+            <a:ext cx="1714500" cy="1714500"/>
+          </a:xfrm>
+          <a:prstGeom prst="rect">
+            <a:avLst/>
+          </a:prstGeom>
+        </p:spPr>
+      </p:pic>
+    </p:spTree>
+    <p:extLst>
+      <p:ext uri="{BB962C8B-B14F-4D97-AF65-F5344CB8AC3E}">
+        <p14:creationId xmlns:p14="http://schemas.microsoft.com/office/powerpoint/2010/main" val="1068210073"/>
+      </p:ext>
+    </p:extLst>
+  </p:cSld>
+  <p:clrMapOvr>
+    <a:masterClrMapping/>
+  </p:clrMapOvr>
+</p:sld>
+</file>
+
+<file path=ppt/slides/slide6.xml><?xml version="1.0" encoding="utf-8"?>
+<p:sld xmlns:a="http://schemas.openxmlformats.org/drawingml/2006/main" xmlns:r="http://schemas.openxmlformats.org/officeDocument/2006/relationships" xmlns:p="http://schemas.openxmlformats.org/presentationml/2006/main">
+  <p:cSld>
+    <p:spTree>
+      <p:nvGrpSpPr>
+        <p:cNvPr id="1" name=""/>
+        <p:cNvGrpSpPr/>
+        <p:nvPr/>
+      </p:nvGrpSpPr>
+      <p:grpSpPr>
+        <a:xfrm>
+          <a:off x="0" y="0"/>
+          <a:ext cx="0" cy="0"/>
+          <a:chOff x="0" y="0"/>
+          <a:chExt cx="0" cy="0"/>
+        </a:xfrm>
+      </p:grpSpPr>
+      <p:sp>
+        <p:nvSpPr>
+          <p:cNvPr id="2" name="Title 1">
+            <a:extLst>
+              <a:ext uri="{FF2B5EF4-FFF2-40B4-BE49-F238E27FC236}">
+                <a16:creationId xmlns:a16="http://schemas.microsoft.com/office/drawing/2014/main" id="{C9E5796A-703C-4177-BA46-441C4ECE8CE3}"/>
+              </a:ext>
+            </a:extLst>
+          </p:cNvPr>
+          <p:cNvSpPr>
+            <a:spLocks noGrp="1"/>
+          </p:cNvSpPr>
+          <p:nvPr>
+            <p:ph type="title"/>
+          </p:nvPr>
+        </p:nvSpPr>
+        <p:spPr/>
+        <p:txBody>
+          <a:bodyPr/>
+          <a:lstStyle/>
+          <a:p>
+            <a:r>
+              <a:rPr lang="en-CA" dirty="0"/>
+              <a:t>Objectives</a:t>
+            </a:r>
+          </a:p>
+        </p:txBody>
+      </p:sp>
+      <p:sp>
+        <p:nvSpPr>
+          <p:cNvPr id="3" name="Text Placeholder 2">
+            <a:extLst>
+              <a:ext uri="{FF2B5EF4-FFF2-40B4-BE49-F238E27FC236}">
+                <a16:creationId xmlns:a16="http://schemas.microsoft.com/office/drawing/2014/main" id="{05BD942B-24C0-401F-A1D8-9D7B5AADF767}"/>
+              </a:ext>
+            </a:extLst>
+          </p:cNvPr>
+          <p:cNvSpPr>
+            <a:spLocks noGrp="1"/>
+          </p:cNvSpPr>
+          <p:nvPr>
+            <p:ph type="body" sz="quarter" idx="13"/>
+          </p:nvPr>
+        </p:nvSpPr>
+        <p:spPr/>
+        <p:txBody>
+          <a:bodyPr/>
+          <a:lstStyle/>
+          <a:p>
+            <a:r>
+              <a:rPr lang="en-CA" sz="2000" dirty="0"/>
+              <a:t>You should be able to:</a:t>
+            </a:r>
+          </a:p>
+          <a:p>
+            <a:pPr lvl="1"/>
+            <a:r>
+              <a:rPr lang="en-CA" sz="1800" dirty="0">
+                <a:ea typeface="ヒラギノ角ゴ Pro W3"/>
+              </a:rPr>
+              <a:t>Explain some of the benefits for using adaptive forms instead of standard forms</a:t>
+            </a:r>
+          </a:p>
+          <a:p>
+            <a:pPr lvl="1"/>
+            <a:r>
+              <a:rPr lang="en-CA" sz="1800" dirty="0"/>
+              <a:t>Describe the workflow for completing an adaptive form</a:t>
+            </a:r>
+          </a:p>
+          <a:p>
+            <a:pPr lvl="1"/>
+            <a:r>
+              <a:rPr lang="en-CA" sz="1800" dirty="0"/>
+              <a:t>Understand the difference between a Questionnaire intended for searching for an adaptive form as opposed to one used for completing an adaptive form</a:t>
+            </a:r>
+          </a:p>
+        </p:txBody>
+      </p:sp>
+      <p:pic>
+        <p:nvPicPr>
+          <p:cNvPr id="4" name="Picture 3" descr="A dart in the center of a target&#10;&#10;Description automatically generated">
+            <a:extLst>
+              <a:ext uri="{FF2B5EF4-FFF2-40B4-BE49-F238E27FC236}">
+                <a16:creationId xmlns:a16="http://schemas.microsoft.com/office/drawing/2014/main" id="{86ED6BA6-FC0D-841F-97E3-95B6041EB126}"/>
+              </a:ext>
+            </a:extLst>
+          </p:cNvPr>
+          <p:cNvPicPr>
+            <a:picLocks noChangeAspect="1"/>
+          </p:cNvPicPr>
+          <p:nvPr/>
+        </p:nvPicPr>
+        <p:blipFill>
+          <a:blip r:embed="rId3">
+            <a:extLst>
+              <a:ext uri="{837473B0-CC2E-450A-ABE3-18F120FF3D39}">
+                <a1611:picAttrSrcUrl xmlns:a1611="http://schemas.microsoft.com/office/drawing/2016/11/main" r:id="rId4"/>
+              </a:ext>
+            </a:extLst>
+          </a:blip>
+          <a:stretch>
+            <a:fillRect/>
+          </a:stretch>
+        </p:blipFill>
+        <p:spPr>
+          <a:xfrm>
+            <a:off x="7258896" y="426119"/>
+            <a:ext cx="1124373" cy="1124373"/>
+          </a:xfrm>
+          <a:prstGeom prst="rect">
+            <a:avLst/>
+          </a:prstGeom>
+        </p:spPr>
+      </p:pic>
+    </p:spTree>
+    <p:extLst>
+      <p:ext uri="{BB962C8B-B14F-4D97-AF65-F5344CB8AC3E}">
+        <p14:creationId xmlns:p14="http://schemas.microsoft.com/office/powerpoint/2010/main" val="3946703699"/>
+      </p:ext>
+    </p:extLst>
+  </p:cSld>
+  <p:clrMapOvr>
+    <a:masterClrMapping/>
+  </p:clrMapOvr>
+  <p:extLst>
+    <p:ext uri="{6950BFC3-D8DA-4A85-94F7-54DA5524770B}">
+      <p188:commentRel xmlns:p188="http://schemas.microsoft.com/office/powerpoint/2018/8/main" r:id="rId2"/>
+    </p:ext>
+  </p:extLst>
+</p:sld>
+</file>
+
+<file path=ppt/slides/slide7.xml><?xml version="1.0" encoding="utf-8"?>
+<p:sld xmlns:a="http://schemas.openxmlformats.org/drawingml/2006/main" xmlns:r="http://schemas.openxmlformats.org/officeDocument/2006/relationships" xmlns:p="http://schemas.openxmlformats.org/presentationml/2006/main">
+  <p:cSld>
+    <p:spTree>
+      <p:nvGrpSpPr>
+        <p:cNvPr id="1" name=""/>
+        <p:cNvGrpSpPr/>
+        <p:nvPr/>
+      </p:nvGrpSpPr>
+      <p:grpSpPr>
+        <a:xfrm>
+          <a:off x="0" y="0"/>
+          <a:ext cx="0" cy="0"/>
+          <a:chOff x="0" y="0"/>
+          <a:chExt cx="0" cy="0"/>
+        </a:xfrm>
+      </p:grpSpPr>
+      <p:sp>
+        <p:nvSpPr>
+          <p:cNvPr id="6" name="Title 5">
+            <a:extLst>
+              <a:ext uri="{FF2B5EF4-FFF2-40B4-BE49-F238E27FC236}">
+                <a16:creationId xmlns:a16="http://schemas.microsoft.com/office/drawing/2014/main" id="{578F174D-325A-23B9-2465-FFA63BFC695F}"/>
+              </a:ext>
+            </a:extLst>
+          </p:cNvPr>
+          <p:cNvSpPr>
+            <a:spLocks noGrp="1"/>
+          </p:cNvSpPr>
+          <p:nvPr>
+            <p:ph type="title"/>
+          </p:nvPr>
+        </p:nvSpPr>
+        <p:spPr/>
+        <p:txBody>
+          <a:bodyPr/>
+          <a:lstStyle/>
+          <a:p>
+            <a:r>
+              <a:rPr lang="en-US" dirty="0"/>
+              <a:t>Adaptive Forms</a:t>
+            </a:r>
+            <a:endParaRPr lang="en-CA" dirty="0"/>
+          </a:p>
+        </p:txBody>
+      </p:sp>
+      <p:sp>
+        <p:nvSpPr>
+          <p:cNvPr id="4" name="Footer Placeholder 3">
+            <a:extLst>
+              <a:ext uri="{FF2B5EF4-FFF2-40B4-BE49-F238E27FC236}">
+                <a16:creationId xmlns:a16="http://schemas.microsoft.com/office/drawing/2014/main" id="{8569F8BD-8B09-8DB4-881A-8144009B067F}"/>
+              </a:ext>
+            </a:extLst>
+          </p:cNvPr>
+          <p:cNvSpPr>
+            <a:spLocks noGrp="1"/>
+          </p:cNvSpPr>
+          <p:nvPr>
+            <p:ph type="ftr" sz="quarter" idx="10"/>
+          </p:nvPr>
+        </p:nvSpPr>
+        <p:spPr/>
+        <p:txBody>
+          <a:bodyPr/>
+          <a:lstStyle/>
+          <a:p>
+            <a:r>
+              <a:rPr lang="en-CA" b="1"/>
+              <a:t>© 2025 Health Level Seven ® International. All Rights Reserved. Published under the Creative Commons 3.0 Attribution Unported license</a:t>
+            </a:r>
+            <a:endParaRPr lang="en-US" b="1" dirty="0"/>
+          </a:p>
+        </p:txBody>
+      </p:sp>
+      <p:sp>
+        <p:nvSpPr>
+          <p:cNvPr id="5" name="Slide Number Placeholder 4">
+            <a:extLst>
+              <a:ext uri="{FF2B5EF4-FFF2-40B4-BE49-F238E27FC236}">
+                <a16:creationId xmlns:a16="http://schemas.microsoft.com/office/drawing/2014/main" id="{85723079-72C2-9828-A7FB-58867EB025AD}"/>
+              </a:ext>
+            </a:extLst>
+          </p:cNvPr>
+          <p:cNvSpPr>
+            <a:spLocks noGrp="1"/>
+          </p:cNvSpPr>
+          <p:nvPr>
+            <p:ph type="sldNum" sz="quarter" idx="11"/>
+          </p:nvPr>
+        </p:nvSpPr>
+        <p:spPr/>
+        <p:txBody>
+          <a:bodyPr/>
+          <a:lstStyle/>
+          <a:p>
+            <a:fld id="{6CACE926-AEF5-4BFE-8BD7-24414108CB7B}" type="slidenum">
+              <a:rPr lang="en-US" altLang="en-US" smtClean="0"/>
+              <a:pPr/>
+              <a:t>7</a:t>
+            </a:fld>
+            <a:endParaRPr lang="en-US" altLang="en-US" dirty="0"/>
+          </a:p>
+        </p:txBody>
+      </p:sp>
+    </p:spTree>
+    <p:extLst>
+      <p:ext uri="{BB962C8B-B14F-4D97-AF65-F5344CB8AC3E}">
+        <p14:creationId xmlns:p14="http://schemas.microsoft.com/office/powerpoint/2010/main" val="2241139819"/>
+      </p:ext>
+    </p:extLst>
+  </p:cSld>
+  <p:clrMapOvr>
+    <a:masterClrMapping/>
+  </p:clrMapOvr>
+</p:sld>
+</file>
+
+<file path=ppt/slides/slide8.xml><?xml version="1.0" encoding="utf-8"?>
+<p:sld xmlns:a="http://schemas.openxmlformats.org/drawingml/2006/main" xmlns:r="http://schemas.openxmlformats.org/officeDocument/2006/relationships" xmlns:p="http://schemas.openxmlformats.org/presentationml/2006/main">
+  <p:cSld>
+    <p:spTree>
+      <p:nvGrpSpPr>
+        <p:cNvPr id="1" name=""/>
+        <p:cNvGrpSpPr/>
+        <p:nvPr/>
+      </p:nvGrpSpPr>
+      <p:grpSpPr>
+        <a:xfrm>
+          <a:off x="0" y="0"/>
+          <a:ext cx="0" cy="0"/>
+          <a:chOff x="0" y="0"/>
+          <a:chExt cx="0" cy="0"/>
+        </a:xfrm>
+      </p:grpSpPr>
+      <p:sp>
+        <p:nvSpPr>
+          <p:cNvPr id="5" name="Title 4">
+            <a:extLst>
+              <a:ext uri="{FF2B5EF4-FFF2-40B4-BE49-F238E27FC236}">
+                <a16:creationId xmlns:a16="http://schemas.microsoft.com/office/drawing/2014/main" id="{294AC620-492D-91D1-020A-47813CD8E9F9}"/>
+              </a:ext>
+            </a:extLst>
+          </p:cNvPr>
+          <p:cNvSpPr>
+            <a:spLocks noGrp="1"/>
+          </p:cNvSpPr>
+          <p:nvPr>
+            <p:ph type="title"/>
+          </p:nvPr>
+        </p:nvSpPr>
+        <p:spPr/>
+        <p:txBody>
+          <a:bodyPr/>
+          <a:lstStyle/>
+          <a:p>
+            <a:r>
+              <a:rPr lang="en-US" dirty="0"/>
+              <a:t>What is an adaptive Questionnaire?</a:t>
+            </a:r>
+            <a:endParaRPr lang="en-CA" dirty="0"/>
+          </a:p>
+        </p:txBody>
+      </p:sp>
+      <p:sp>
+        <p:nvSpPr>
+          <p:cNvPr id="6" name="Text Placeholder 5">
+            <a:extLst>
+              <a:ext uri="{FF2B5EF4-FFF2-40B4-BE49-F238E27FC236}">
+                <a16:creationId xmlns:a16="http://schemas.microsoft.com/office/drawing/2014/main" id="{EE40FE9B-EFBE-A2EB-CA0E-71CC6B7C4FB4}"/>
+              </a:ext>
+            </a:extLst>
+          </p:cNvPr>
+          <p:cNvSpPr>
+            <a:spLocks noGrp="1"/>
+          </p:cNvSpPr>
+          <p:nvPr>
+            <p:ph type="body" sz="quarter" idx="13"/>
+          </p:nvPr>
+        </p:nvSpPr>
+        <p:spPr/>
+        <p:txBody>
+          <a:bodyPr/>
+          <a:lstStyle/>
+          <a:p>
+            <a:r>
+              <a:rPr lang="en-US" dirty="0"/>
+              <a:t>No (published) pre-defined list of questions</a:t>
+            </a:r>
+          </a:p>
+          <a:p>
+            <a:r>
+              <a:rPr lang="en-US" dirty="0"/>
+              <a:t>Call a server endpoint to determine the ‘next question’</a:t>
+            </a:r>
+          </a:p>
+          <a:p>
+            <a:r>
+              <a:rPr lang="en-US" dirty="0"/>
+              <a:t>Keep calling until the server says you’re done</a:t>
+            </a:r>
+            <a:endParaRPr lang="en-CA" dirty="0"/>
+          </a:p>
+        </p:txBody>
+      </p:sp>
+      <p:sp>
+        <p:nvSpPr>
+          <p:cNvPr id="3" name="Footer Placeholder 2">
+            <a:extLst>
+              <a:ext uri="{FF2B5EF4-FFF2-40B4-BE49-F238E27FC236}">
+                <a16:creationId xmlns:a16="http://schemas.microsoft.com/office/drawing/2014/main" id="{AF5242C8-64B6-ACCA-CFD4-6B7AC073CD6F}"/>
+              </a:ext>
+            </a:extLst>
+          </p:cNvPr>
+          <p:cNvSpPr>
+            <a:spLocks noGrp="1"/>
+          </p:cNvSpPr>
+          <p:nvPr>
+            <p:ph type="ftr" sz="quarter" idx="10"/>
+          </p:nvPr>
+        </p:nvSpPr>
+        <p:spPr/>
+        <p:txBody>
+          <a:bodyPr/>
+          <a:lstStyle/>
+          <a:p>
+            <a:r>
+              <a:rPr lang="en-CA" b="1"/>
+              <a:t>© 2025 Health Level Seven ® International. All Rights Reserved. Published under the Creative Commons 3.0 Attribution Unported license</a:t>
+            </a:r>
+            <a:endParaRPr lang="en-US" b="1" dirty="0"/>
+          </a:p>
+        </p:txBody>
+      </p:sp>
+      <p:sp>
+        <p:nvSpPr>
+          <p:cNvPr id="4" name="Slide Number Placeholder 3">
+            <a:extLst>
+              <a:ext uri="{FF2B5EF4-FFF2-40B4-BE49-F238E27FC236}">
+                <a16:creationId xmlns:a16="http://schemas.microsoft.com/office/drawing/2014/main" id="{7E7B30ED-7C5E-4BFA-25D6-2EFE3838FD76}"/>
+              </a:ext>
+            </a:extLst>
+          </p:cNvPr>
+          <p:cNvSpPr>
+            <a:spLocks noGrp="1"/>
+          </p:cNvSpPr>
+          <p:nvPr>
+            <p:ph type="sldNum" sz="quarter" idx="11"/>
+          </p:nvPr>
+        </p:nvSpPr>
+        <p:spPr/>
+        <p:txBody>
+          <a:bodyPr/>
+          <a:lstStyle/>
+          <a:p>
+            <a:fld id="{6CACE926-AEF5-4BFE-8BD7-24414108CB7B}" type="slidenum">
+              <a:rPr lang="en-US" altLang="en-US" smtClean="0"/>
+              <a:pPr/>
+              <a:t>8</a:t>
+            </a:fld>
+            <a:endParaRPr lang="en-US" altLang="en-US" dirty="0"/>
+          </a:p>
+        </p:txBody>
+      </p:sp>
+    </p:spTree>
+    <p:extLst>
+      <p:ext uri="{BB962C8B-B14F-4D97-AF65-F5344CB8AC3E}">
+        <p14:creationId xmlns:p14="http://schemas.microsoft.com/office/powerpoint/2010/main" val="939513067"/>
+      </p:ext>
+    </p:extLst>
+  </p:cSld>
+  <p:clrMapOvr>
+    <a:masterClrMapping/>
+  </p:clrMapOvr>
+</p:sld>
+</file>
+
+<file path=ppt/slides/slide9.xml><?xml version="1.0" encoding="utf-8"?>
+<p:sld xmlns:a="http://schemas.openxmlformats.org/drawingml/2006/main" xmlns:r="http://schemas.openxmlformats.org/officeDocument/2006/relationships" xmlns:p="http://schemas.openxmlformats.org/presentationml/2006/main">
+  <p:cSld>
+    <p:spTree>
+      <p:nvGrpSpPr>
+        <p:cNvPr id="1" name=""/>
+        <p:cNvGrpSpPr/>
+        <p:nvPr/>
+      </p:nvGrpSpPr>
+      <p:grpSpPr>
+        <a:xfrm>
+          <a:off x="0" y="0"/>
+          <a:ext cx="0" cy="0"/>
+          <a:chOff x="0" y="0"/>
+          <a:chExt cx="0" cy="0"/>
+        </a:xfrm>
+      </p:grpSpPr>
+      <p:sp>
+        <p:nvSpPr>
+          <p:cNvPr id="5" name="Title 4">
+            <a:extLst>
+              <a:ext uri="{FF2B5EF4-FFF2-40B4-BE49-F238E27FC236}">
+                <a16:creationId xmlns:a16="http://schemas.microsoft.com/office/drawing/2014/main" id="{7445A3EF-F95F-1ADA-66F9-800ADE9B40C6}"/>
+              </a:ext>
+            </a:extLst>
+          </p:cNvPr>
+          <p:cNvSpPr>
+            <a:spLocks noGrp="1"/>
+          </p:cNvSpPr>
+          <p:nvPr>
+            <p:ph type="title"/>
+          </p:nvPr>
+        </p:nvSpPr>
+        <p:spPr/>
+        <p:txBody>
+          <a:bodyPr/>
+          <a:lstStyle/>
+          <a:p>
+            <a:r>
+              <a:rPr lang="en-US" dirty="0"/>
+              <a:t>Rationale for adaptive forms</a:t>
+            </a:r>
+            <a:endParaRPr lang="en-CA" dirty="0"/>
+          </a:p>
+        </p:txBody>
+      </p:sp>
+      <p:sp>
+        <p:nvSpPr>
+          <p:cNvPr id="6" name="Text Placeholder 5">
+            <a:extLst>
+              <a:ext uri="{FF2B5EF4-FFF2-40B4-BE49-F238E27FC236}">
+                <a16:creationId xmlns:a16="http://schemas.microsoft.com/office/drawing/2014/main" id="{D845FD7C-AA28-D0B4-33C4-A9DDAD29160A}"/>
+              </a:ext>
+            </a:extLst>
+          </p:cNvPr>
+          <p:cNvSpPr>
+            <a:spLocks noGrp="1"/>
+          </p:cNvSpPr>
+          <p:nvPr>
+            <p:ph type="body" sz="quarter" idx="13"/>
+          </p:nvPr>
+        </p:nvSpPr>
+        <p:spPr>
+          <a:xfrm>
+            <a:off x="614362" y="1357310"/>
+            <a:ext cx="4779759" cy="3098780"/>
+          </a:xfrm>
+        </p:spPr>
+        <p:txBody>
+          <a:bodyPr/>
+          <a:lstStyle/>
+          <a:p>
+            <a:r>
+              <a:rPr lang="en-US" dirty="0"/>
+              <a:t>Protect IP</a:t>
+            </a:r>
+          </a:p>
+          <a:p>
+            <a:r>
+              <a:rPr lang="en-US" dirty="0"/>
+              <a:t>Less burden on fillers</a:t>
+            </a:r>
+          </a:p>
+          <a:p>
+            <a:r>
+              <a:rPr lang="en-US" dirty="0"/>
+              <a:t>Forms can get too big</a:t>
+            </a:r>
+          </a:p>
+          <a:p>
+            <a:r>
+              <a:rPr lang="en-US" dirty="0"/>
+              <a:t>Use a familiar language for logic</a:t>
+            </a:r>
+          </a:p>
+          <a:p>
+            <a:r>
+              <a:rPr lang="en-US" dirty="0"/>
+              <a:t>Use back-end functionality for logic</a:t>
+            </a:r>
+            <a:endParaRPr lang="en-CA" dirty="0"/>
+          </a:p>
+        </p:txBody>
+      </p:sp>
+      <p:sp>
+        <p:nvSpPr>
+          <p:cNvPr id="3" name="Footer Placeholder 2">
+            <a:extLst>
+              <a:ext uri="{FF2B5EF4-FFF2-40B4-BE49-F238E27FC236}">
+                <a16:creationId xmlns:a16="http://schemas.microsoft.com/office/drawing/2014/main" id="{D8136FED-0229-CDD8-8100-DABD768C7D44}"/>
+              </a:ext>
+            </a:extLst>
+          </p:cNvPr>
+          <p:cNvSpPr>
+            <a:spLocks noGrp="1"/>
+          </p:cNvSpPr>
+          <p:nvPr>
+            <p:ph type="ftr" sz="quarter" idx="10"/>
+          </p:nvPr>
+        </p:nvSpPr>
+        <p:spPr/>
+        <p:txBody>
+          <a:bodyPr/>
+          <a:lstStyle/>
+          <a:p>
+            <a:r>
+              <a:rPr lang="en-CA" b="1"/>
+              <a:t>© 2025 Health Level Seven ® International. All Rights Reserved. Published under the Creative Commons 3.0 Attribution Unported license</a:t>
+            </a:r>
+            <a:endParaRPr lang="en-US" b="1" dirty="0"/>
+          </a:p>
+        </p:txBody>
+      </p:sp>
+      <p:sp>
+        <p:nvSpPr>
+          <p:cNvPr id="4" name="Slide Number Placeholder 3">
+            <a:extLst>
+              <a:ext uri="{FF2B5EF4-FFF2-40B4-BE49-F238E27FC236}">
+                <a16:creationId xmlns:a16="http://schemas.microsoft.com/office/drawing/2014/main" id="{9C24CF50-A2AB-9E57-631F-D717DB7B4C6C}"/>
+              </a:ext>
+            </a:extLst>
+          </p:cNvPr>
+          <p:cNvSpPr>
+            <a:spLocks noGrp="1"/>
+          </p:cNvSpPr>
+          <p:nvPr>
+            <p:ph type="sldNum" sz="quarter" idx="11"/>
+          </p:nvPr>
+        </p:nvSpPr>
+        <p:spPr/>
+        <p:txBody>
+          <a:bodyPr/>
+          <a:lstStyle/>
+          <a:p>
+            <a:fld id="{6CACE926-AEF5-4BFE-8BD7-24414108CB7B}" type="slidenum">
+              <a:rPr lang="en-US" altLang="en-US" smtClean="0"/>
+              <a:pPr/>
+              <a:t>9</a:t>
+            </a:fld>
+            <a:endParaRPr lang="en-US" altLang="en-US" dirty="0"/>
+          </a:p>
+        </p:txBody>
+      </p:sp>
+      <p:pic>
+        <p:nvPicPr>
+          <p:cNvPr id="8" name="Picture 7" descr="A hand holding a yellow paper with black text&#10;&#10;Description automatically generated">
+            <a:extLst>
+              <a:ext uri="{FF2B5EF4-FFF2-40B4-BE49-F238E27FC236}">
+                <a16:creationId xmlns:a16="http://schemas.microsoft.com/office/drawing/2014/main" id="{609A5118-F888-EB8B-E4FB-A7DC35D2673C}"/>
+              </a:ext>
+            </a:extLst>
+          </p:cNvPr>
+          <p:cNvPicPr>
+            <a:picLocks noChangeAspect="1"/>
+          </p:cNvPicPr>
+          <p:nvPr/>
+        </p:nvPicPr>
+        <p:blipFill>
+          <a:blip r:embed="rId2">
+            <a:extLst>
+              <a:ext uri="{837473B0-CC2E-450A-ABE3-18F120FF3D39}">
+                <a1611:picAttrSrcUrl xmlns:a1611="http://schemas.microsoft.com/office/drawing/2016/11/main" r:id="rId3"/>
+              </a:ext>
+            </a:extLst>
+          </a:blip>
+          <a:stretch>
+            <a:fillRect/>
+          </a:stretch>
+        </p:blipFill>
+        <p:spPr>
+          <a:xfrm>
+            <a:off x="5730875" y="1476462"/>
+            <a:ext cx="2495725" cy="1871794"/>
+          </a:xfrm>
+          <a:prstGeom prst="rect">
+            <a:avLst/>
+          </a:prstGeom>
+        </p:spPr>
+      </p:pic>
+    </p:spTree>
+    <p:extLst>
+      <p:ext uri="{BB962C8B-B14F-4D97-AF65-F5344CB8AC3E}">
+        <p14:creationId xmlns:p14="http://schemas.microsoft.com/office/powerpoint/2010/main" val="2725813447"/>
       </p:ext>
     </p:extLst>
   </p:cSld>
@@ -17374,18 +18396,18 @@
 </file>
 
 <file path=customXml/item2.xml><?xml version="1.0" encoding="utf-8"?>
+<p:properties xmlns:p="http://schemas.microsoft.com/office/2006/metadata/properties" xmlns:xsi="http://www.w3.org/2001/XMLSchema-instance" xmlns:pc="http://schemas.microsoft.com/office/infopath/2007/PartnerControls">
+  <documentManagement/>
+</p:properties>
+</file>
+
+<file path=customXml/item3.xml><?xml version="1.0" encoding="utf-8"?>
 <?mso-contentType ?>
 <FormTemplates xmlns="http://schemas.microsoft.com/sharepoint/v3/contenttype/forms">
   <Display>DocumentLibraryForm</Display>
   <Edit>DocumentLibraryForm</Edit>
   <New>DocumentLibraryForm</New>
 </FormTemplates>
-</file>
-
-<file path=customXml/item3.xml><?xml version="1.0" encoding="utf-8"?>
-<p:properties xmlns:p="http://schemas.microsoft.com/office/2006/metadata/properties" xmlns:xsi="http://www.w3.org/2001/XMLSchema-instance" xmlns:pc="http://schemas.microsoft.com/office/infopath/2007/PartnerControls">
-  <documentManagement/>
-</p:properties>
 </file>
 
 <file path=customXml/itemProps1.xml><?xml version="1.0" encoding="utf-8"?>
@@ -17407,14 +18429,6 @@
 </file>
 
 <file path=customXml/itemProps2.xml><?xml version="1.0" encoding="utf-8"?>
-<ds:datastoreItem xmlns:ds="http://schemas.openxmlformats.org/officeDocument/2006/customXml" ds:itemID="{7B0796CF-91BF-466A-A9B4-B047A7090285}">
-  <ds:schemaRefs>
-    <ds:schemaRef ds:uri="http://schemas.microsoft.com/sharepoint/v3/contenttype/forms"/>
-  </ds:schemaRefs>
-</ds:datastoreItem>
-</file>
-
-<file path=customXml/itemProps3.xml><?xml version="1.0" encoding="utf-8"?>
 <ds:datastoreItem xmlns:ds="http://schemas.openxmlformats.org/officeDocument/2006/customXml" ds:itemID="{AE5EAE69-B60D-496C-9008-BE045A7C2CAD}">
   <ds:schemaRefs>
     <ds:schemaRef ds:uri="http://purl.org/dc/elements/1.1/"/>
@@ -17428,4 +18442,12 @@
     <ds:schemaRef ds:uri="http://schemas.openxmlformats.org/package/2006/metadata/core-properties"/>
   </ds:schemaRefs>
 </ds:datastoreItem>
+</file>
+
+<file path=customXml/itemProps3.xml><?xml version="1.0" encoding="utf-8"?>
+<ds:datastoreItem xmlns:ds="http://schemas.openxmlformats.org/officeDocument/2006/customXml" ds:itemID="{7B0796CF-91BF-466A-A9B4-B047A7090285}">
+  <ds:schemaRefs>
+    <ds:schemaRef ds:uri="http://schemas.microsoft.com/sharepoint/v3/contenttype/forms"/>
+  </ds:schemaRefs>
+</ds:datastoreItem>
 </file>